--- a/Final Pro.pptx
+++ b/Final Pro.pptx
@@ -8,15 +8,16 @@
     <p:sldId id="264" r:id="rId2"/>
     <p:sldId id="257" r:id="rId3"/>
     <p:sldId id="256" r:id="rId4"/>
-    <p:sldId id="261" r:id="rId5"/>
-    <p:sldId id="258" r:id="rId6"/>
-    <p:sldId id="259" r:id="rId7"/>
-    <p:sldId id="260" r:id="rId8"/>
-    <p:sldId id="262" r:id="rId9"/>
-    <p:sldId id="263" r:id="rId10"/>
-    <p:sldId id="265" r:id="rId11"/>
-    <p:sldId id="267" r:id="rId12"/>
-    <p:sldId id="266" r:id="rId13"/>
+    <p:sldId id="268" r:id="rId5"/>
+    <p:sldId id="261" r:id="rId6"/>
+    <p:sldId id="258" r:id="rId7"/>
+    <p:sldId id="259" r:id="rId8"/>
+    <p:sldId id="260" r:id="rId9"/>
+    <p:sldId id="262" r:id="rId10"/>
+    <p:sldId id="263" r:id="rId11"/>
+    <p:sldId id="265" r:id="rId12"/>
+    <p:sldId id="267" r:id="rId13"/>
+    <p:sldId id="266" r:id="rId14"/>
   </p:sldIdLst>
   <p:sldSz cx="12192000" cy="6858000"/>
   <p:notesSz cx="6858000" cy="9144000"/>
@@ -6029,6 +6030,738 @@
       </p:grpSpPr>
       <p:sp>
         <p:nvSpPr>
+          <p:cNvPr id="4" name="矩形 3">
+            <a:extLst>
+              <a:ext uri="{FF2B5EF4-FFF2-40B4-BE49-F238E27FC236}">
+                <a16:creationId xmlns:a16="http://schemas.microsoft.com/office/drawing/2014/main" id="{04E452DC-1168-5C29-747E-0BFFEAD319EB}"/>
+              </a:ext>
+            </a:extLst>
+          </p:cNvPr>
+          <p:cNvSpPr/>
+          <p:nvPr/>
+        </p:nvSpPr>
+        <p:spPr>
+          <a:xfrm>
+            <a:off x="5109272" y="1988949"/>
+            <a:ext cx="1849465" cy="738753"/>
+          </a:xfrm>
+          <a:prstGeom prst="rect">
+            <a:avLst/>
+          </a:prstGeom>
+          <a:solidFill>
+            <a:schemeClr val="accent1">
+              <a:lumMod val="40000"/>
+              <a:lumOff val="60000"/>
+            </a:schemeClr>
+          </a:solidFill>
+          <a:ln>
+            <a:solidFill>
+              <a:schemeClr val="accent1">
+                <a:lumMod val="40000"/>
+                <a:lumOff val="60000"/>
+              </a:schemeClr>
+            </a:solidFill>
+          </a:ln>
+        </p:spPr>
+        <p:style>
+          <a:lnRef idx="2">
+            <a:schemeClr val="accent1">
+              <a:shade val="50000"/>
+            </a:schemeClr>
+          </a:lnRef>
+          <a:fillRef idx="1">
+            <a:schemeClr val="accent1"/>
+          </a:fillRef>
+          <a:effectRef idx="0">
+            <a:schemeClr val="accent1"/>
+          </a:effectRef>
+          <a:fontRef idx="minor">
+            <a:schemeClr val="lt1"/>
+          </a:fontRef>
+        </p:style>
+        <p:txBody>
+          <a:bodyPr rtlCol="0" anchor="ctr"/>
+          <a:lstStyle/>
+          <a:p>
+            <a:pPr algn="ctr"/>
+            <a:endParaRPr lang="zh-CN" altLang="en-US"/>
+          </a:p>
+        </p:txBody>
+      </p:sp>
+      <p:sp>
+        <p:nvSpPr>
+          <p:cNvPr id="5" name="文本框 4">
+            <a:extLst>
+              <a:ext uri="{FF2B5EF4-FFF2-40B4-BE49-F238E27FC236}">
+                <a16:creationId xmlns:a16="http://schemas.microsoft.com/office/drawing/2014/main" id="{B33F69BF-A010-A3BE-2401-3817134569A7}"/>
+              </a:ext>
+            </a:extLst>
+          </p:cNvPr>
+          <p:cNvSpPr txBox="1"/>
+          <p:nvPr/>
+        </p:nvSpPr>
+        <p:spPr>
+          <a:xfrm>
+            <a:off x="5488980" y="2173659"/>
+            <a:ext cx="1090047" cy="369332"/>
+          </a:xfrm>
+          <a:prstGeom prst="rect">
+            <a:avLst/>
+          </a:prstGeom>
+          <a:noFill/>
+        </p:spPr>
+        <p:txBody>
+          <a:bodyPr wrap="square" rtlCol="0">
+            <a:spAutoFit/>
+          </a:bodyPr>
+          <a:lstStyle/>
+          <a:p>
+            <a:pPr algn="ctr"/>
+            <a:r>
+              <a:rPr lang="en-US" altLang="zh-CN" dirty="0"/>
+              <a:t>Server</a:t>
+            </a:r>
+            <a:endParaRPr lang="zh-CN" altLang="en-US" dirty="0"/>
+          </a:p>
+        </p:txBody>
+      </p:sp>
+      <p:sp>
+        <p:nvSpPr>
+          <p:cNvPr id="6" name="矩形 5">
+            <a:extLst>
+              <a:ext uri="{FF2B5EF4-FFF2-40B4-BE49-F238E27FC236}">
+                <a16:creationId xmlns:a16="http://schemas.microsoft.com/office/drawing/2014/main" id="{DD62273D-6E5E-5B20-7D79-8E77FD6F3346}"/>
+              </a:ext>
+            </a:extLst>
+          </p:cNvPr>
+          <p:cNvSpPr/>
+          <p:nvPr/>
+        </p:nvSpPr>
+        <p:spPr>
+          <a:xfrm>
+            <a:off x="1846879" y="4812224"/>
+            <a:ext cx="1849465" cy="738753"/>
+          </a:xfrm>
+          <a:prstGeom prst="rect">
+            <a:avLst/>
+          </a:prstGeom>
+          <a:solidFill>
+            <a:schemeClr val="accent2">
+              <a:lumMod val="40000"/>
+              <a:lumOff val="60000"/>
+            </a:schemeClr>
+          </a:solidFill>
+          <a:ln>
+            <a:solidFill>
+              <a:schemeClr val="accent2">
+                <a:lumMod val="40000"/>
+                <a:lumOff val="60000"/>
+              </a:schemeClr>
+            </a:solidFill>
+          </a:ln>
+        </p:spPr>
+        <p:style>
+          <a:lnRef idx="2">
+            <a:schemeClr val="accent1">
+              <a:shade val="50000"/>
+            </a:schemeClr>
+          </a:lnRef>
+          <a:fillRef idx="1">
+            <a:schemeClr val="accent1"/>
+          </a:fillRef>
+          <a:effectRef idx="0">
+            <a:schemeClr val="accent1"/>
+          </a:effectRef>
+          <a:fontRef idx="minor">
+            <a:schemeClr val="lt1"/>
+          </a:fontRef>
+        </p:style>
+        <p:txBody>
+          <a:bodyPr rtlCol="0" anchor="ctr"/>
+          <a:lstStyle/>
+          <a:p>
+            <a:pPr algn="ctr"/>
+            <a:endParaRPr lang="zh-CN" altLang="en-US"/>
+          </a:p>
+        </p:txBody>
+      </p:sp>
+      <p:sp>
+        <p:nvSpPr>
+          <p:cNvPr id="7" name="文本框 6">
+            <a:extLst>
+              <a:ext uri="{FF2B5EF4-FFF2-40B4-BE49-F238E27FC236}">
+                <a16:creationId xmlns:a16="http://schemas.microsoft.com/office/drawing/2014/main" id="{7F416D57-4CB2-55DA-965C-34953BD63BF8}"/>
+              </a:ext>
+            </a:extLst>
+          </p:cNvPr>
+          <p:cNvSpPr txBox="1"/>
+          <p:nvPr/>
+        </p:nvSpPr>
+        <p:spPr>
+          <a:xfrm>
+            <a:off x="2226587" y="4996934"/>
+            <a:ext cx="1090047" cy="369332"/>
+          </a:xfrm>
+          <a:prstGeom prst="rect">
+            <a:avLst/>
+          </a:prstGeom>
+          <a:noFill/>
+        </p:spPr>
+        <p:txBody>
+          <a:bodyPr wrap="square" rtlCol="0">
+            <a:spAutoFit/>
+          </a:bodyPr>
+          <a:lstStyle/>
+          <a:p>
+            <a:pPr algn="ctr"/>
+            <a:r>
+              <a:rPr lang="en-US" altLang="zh-CN" dirty="0"/>
+              <a:t>ESP32-A</a:t>
+            </a:r>
+            <a:endParaRPr lang="zh-CN" altLang="en-US" dirty="0"/>
+          </a:p>
+        </p:txBody>
+      </p:sp>
+      <p:sp>
+        <p:nvSpPr>
+          <p:cNvPr id="8" name="矩形 7">
+            <a:extLst>
+              <a:ext uri="{FF2B5EF4-FFF2-40B4-BE49-F238E27FC236}">
+                <a16:creationId xmlns:a16="http://schemas.microsoft.com/office/drawing/2014/main" id="{ACD99CA0-1B86-AFCC-1AE6-922A4C69B659}"/>
+              </a:ext>
+            </a:extLst>
+          </p:cNvPr>
+          <p:cNvSpPr/>
+          <p:nvPr/>
+        </p:nvSpPr>
+        <p:spPr>
+          <a:xfrm>
+            <a:off x="8609310" y="4812224"/>
+            <a:ext cx="1849465" cy="738753"/>
+          </a:xfrm>
+          <a:prstGeom prst="rect">
+            <a:avLst/>
+          </a:prstGeom>
+          <a:solidFill>
+            <a:schemeClr val="accent4">
+              <a:lumMod val="40000"/>
+              <a:lumOff val="60000"/>
+            </a:schemeClr>
+          </a:solidFill>
+          <a:ln>
+            <a:solidFill>
+              <a:schemeClr val="accent4">
+                <a:lumMod val="40000"/>
+                <a:lumOff val="60000"/>
+              </a:schemeClr>
+            </a:solidFill>
+          </a:ln>
+        </p:spPr>
+        <p:style>
+          <a:lnRef idx="2">
+            <a:schemeClr val="accent1">
+              <a:shade val="50000"/>
+            </a:schemeClr>
+          </a:lnRef>
+          <a:fillRef idx="1">
+            <a:schemeClr val="accent1"/>
+          </a:fillRef>
+          <a:effectRef idx="0">
+            <a:schemeClr val="accent1"/>
+          </a:effectRef>
+          <a:fontRef idx="minor">
+            <a:schemeClr val="lt1"/>
+          </a:fontRef>
+        </p:style>
+        <p:txBody>
+          <a:bodyPr rtlCol="0" anchor="ctr"/>
+          <a:lstStyle/>
+          <a:p>
+            <a:pPr algn="ctr"/>
+            <a:endParaRPr lang="zh-CN" altLang="en-US"/>
+          </a:p>
+        </p:txBody>
+      </p:sp>
+      <p:sp>
+        <p:nvSpPr>
+          <p:cNvPr id="9" name="文本框 8">
+            <a:extLst>
+              <a:ext uri="{FF2B5EF4-FFF2-40B4-BE49-F238E27FC236}">
+                <a16:creationId xmlns:a16="http://schemas.microsoft.com/office/drawing/2014/main" id="{8639E5D6-CB13-B3DC-EA0E-AD5CE3D0D16A}"/>
+              </a:ext>
+            </a:extLst>
+          </p:cNvPr>
+          <p:cNvSpPr txBox="1"/>
+          <p:nvPr/>
+        </p:nvSpPr>
+        <p:spPr>
+          <a:xfrm>
+            <a:off x="8989018" y="4996934"/>
+            <a:ext cx="1090047" cy="369332"/>
+          </a:xfrm>
+          <a:prstGeom prst="rect">
+            <a:avLst/>
+          </a:prstGeom>
+          <a:solidFill>
+            <a:schemeClr val="accent4">
+              <a:lumMod val="40000"/>
+              <a:lumOff val="60000"/>
+            </a:schemeClr>
+          </a:solidFill>
+          <a:ln>
+            <a:solidFill>
+              <a:schemeClr val="accent4">
+                <a:lumMod val="40000"/>
+                <a:lumOff val="60000"/>
+              </a:schemeClr>
+            </a:solidFill>
+          </a:ln>
+        </p:spPr>
+        <p:txBody>
+          <a:bodyPr wrap="square" rtlCol="0">
+            <a:spAutoFit/>
+          </a:bodyPr>
+          <a:lstStyle/>
+          <a:p>
+            <a:pPr algn="ctr"/>
+            <a:r>
+              <a:rPr lang="en-US" altLang="zh-CN" dirty="0"/>
+              <a:t>ESP32-B</a:t>
+            </a:r>
+            <a:endParaRPr lang="zh-CN" altLang="en-US" dirty="0"/>
+          </a:p>
+        </p:txBody>
+      </p:sp>
+      <p:cxnSp>
+        <p:nvCxnSpPr>
+          <p:cNvPr id="11" name="直接箭头连接符 10">
+            <a:extLst>
+              <a:ext uri="{FF2B5EF4-FFF2-40B4-BE49-F238E27FC236}">
+                <a16:creationId xmlns:a16="http://schemas.microsoft.com/office/drawing/2014/main" id="{63B8A23C-6F12-E378-43AD-E0374B753A56}"/>
+              </a:ext>
+            </a:extLst>
+          </p:cNvPr>
+          <p:cNvCxnSpPr>
+            <a:cxnSpLocks/>
+          </p:cNvCxnSpPr>
+          <p:nvPr/>
+        </p:nvCxnSpPr>
+        <p:spPr>
+          <a:xfrm rot="10800000" flipV="1">
+            <a:off x="2976965" y="2450635"/>
+            <a:ext cx="1942452" cy="2269233"/>
+          </a:xfrm>
+          <a:prstGeom prst="straightConnector1">
+            <a:avLst/>
+          </a:prstGeom>
+          <a:ln>
+            <a:tailEnd type="triangle"/>
+          </a:ln>
+        </p:spPr>
+        <p:style>
+          <a:lnRef idx="2">
+            <a:schemeClr val="dk1"/>
+          </a:lnRef>
+          <a:fillRef idx="0">
+            <a:schemeClr val="dk1"/>
+          </a:fillRef>
+          <a:effectRef idx="1">
+            <a:schemeClr val="dk1"/>
+          </a:effectRef>
+          <a:fontRef idx="minor">
+            <a:schemeClr val="tx1"/>
+          </a:fontRef>
+        </p:style>
+      </p:cxnSp>
+      <p:cxnSp>
+        <p:nvCxnSpPr>
+          <p:cNvPr id="12" name="直接箭头连接符 11">
+            <a:extLst>
+              <a:ext uri="{FF2B5EF4-FFF2-40B4-BE49-F238E27FC236}">
+                <a16:creationId xmlns:a16="http://schemas.microsoft.com/office/drawing/2014/main" id="{3DCA74B7-EA52-5B38-0026-0253B56F6ED2}"/>
+              </a:ext>
+            </a:extLst>
+          </p:cNvPr>
+          <p:cNvCxnSpPr>
+            <a:cxnSpLocks/>
+          </p:cNvCxnSpPr>
+          <p:nvPr/>
+        </p:nvCxnSpPr>
+        <p:spPr>
+          <a:xfrm flipV="1">
+            <a:off x="2787110" y="2358280"/>
+            <a:ext cx="1942452" cy="2269233"/>
+          </a:xfrm>
+          <a:prstGeom prst="straightConnector1">
+            <a:avLst/>
+          </a:prstGeom>
+          <a:ln>
+            <a:tailEnd type="triangle"/>
+          </a:ln>
+        </p:spPr>
+        <p:style>
+          <a:lnRef idx="2">
+            <a:schemeClr val="dk1"/>
+          </a:lnRef>
+          <a:fillRef idx="0">
+            <a:schemeClr val="dk1"/>
+          </a:fillRef>
+          <a:effectRef idx="1">
+            <a:schemeClr val="dk1"/>
+          </a:effectRef>
+          <a:fontRef idx="minor">
+            <a:schemeClr val="tx1"/>
+          </a:fontRef>
+        </p:style>
+      </p:cxnSp>
+      <p:cxnSp>
+        <p:nvCxnSpPr>
+          <p:cNvPr id="14" name="直接箭头连接符 13">
+            <a:extLst>
+              <a:ext uri="{FF2B5EF4-FFF2-40B4-BE49-F238E27FC236}">
+                <a16:creationId xmlns:a16="http://schemas.microsoft.com/office/drawing/2014/main" id="{89A0EAD5-FB9F-0561-A214-E9F313633A82}"/>
+              </a:ext>
+            </a:extLst>
+          </p:cNvPr>
+          <p:cNvCxnSpPr>
+            <a:cxnSpLocks/>
+          </p:cNvCxnSpPr>
+          <p:nvPr/>
+        </p:nvCxnSpPr>
+        <p:spPr>
+          <a:xfrm rot="10800000">
+            <a:off x="7348775" y="2358280"/>
+            <a:ext cx="1942452" cy="2269233"/>
+          </a:xfrm>
+          <a:prstGeom prst="straightConnector1">
+            <a:avLst/>
+          </a:prstGeom>
+          <a:ln>
+            <a:tailEnd type="triangle"/>
+          </a:ln>
+        </p:spPr>
+        <p:style>
+          <a:lnRef idx="2">
+            <a:schemeClr val="dk1"/>
+          </a:lnRef>
+          <a:fillRef idx="0">
+            <a:schemeClr val="dk1"/>
+          </a:fillRef>
+          <a:effectRef idx="1">
+            <a:schemeClr val="dk1"/>
+          </a:effectRef>
+          <a:fontRef idx="minor">
+            <a:schemeClr val="tx1"/>
+          </a:fontRef>
+        </p:style>
+      </p:cxnSp>
+      <p:cxnSp>
+        <p:nvCxnSpPr>
+          <p:cNvPr id="15" name="直接箭头连接符 14">
+            <a:extLst>
+              <a:ext uri="{FF2B5EF4-FFF2-40B4-BE49-F238E27FC236}">
+                <a16:creationId xmlns:a16="http://schemas.microsoft.com/office/drawing/2014/main" id="{25D43F4C-DA02-1853-E19B-F62F4C0FEBDD}"/>
+              </a:ext>
+            </a:extLst>
+          </p:cNvPr>
+          <p:cNvCxnSpPr>
+            <a:cxnSpLocks/>
+          </p:cNvCxnSpPr>
+          <p:nvPr/>
+        </p:nvCxnSpPr>
+        <p:spPr>
+          <a:xfrm>
+            <a:off x="7153756" y="2488089"/>
+            <a:ext cx="1942452" cy="2269233"/>
+          </a:xfrm>
+          <a:prstGeom prst="straightConnector1">
+            <a:avLst/>
+          </a:prstGeom>
+          <a:ln>
+            <a:tailEnd type="triangle"/>
+          </a:ln>
+        </p:spPr>
+        <p:style>
+          <a:lnRef idx="2">
+            <a:schemeClr val="dk1"/>
+          </a:lnRef>
+          <a:fillRef idx="0">
+            <a:schemeClr val="dk1"/>
+          </a:fillRef>
+          <a:effectRef idx="1">
+            <a:schemeClr val="dk1"/>
+          </a:effectRef>
+          <a:fontRef idx="minor">
+            <a:schemeClr val="tx1"/>
+          </a:fontRef>
+        </p:style>
+      </p:cxnSp>
+      <p:sp>
+        <p:nvSpPr>
+          <p:cNvPr id="16" name="文本框 15">
+            <a:extLst>
+              <a:ext uri="{FF2B5EF4-FFF2-40B4-BE49-F238E27FC236}">
+                <a16:creationId xmlns:a16="http://schemas.microsoft.com/office/drawing/2014/main" id="{7A6ADAD2-E495-C0CC-57D7-A4F6D5E16FDA}"/>
+              </a:ext>
+            </a:extLst>
+          </p:cNvPr>
+          <p:cNvSpPr txBox="1"/>
+          <p:nvPr/>
+        </p:nvSpPr>
+        <p:spPr>
+          <a:xfrm>
+            <a:off x="1108126" y="3128799"/>
+            <a:ext cx="3621436" cy="369332"/>
+          </a:xfrm>
+          <a:prstGeom prst="rect">
+            <a:avLst/>
+          </a:prstGeom>
+          <a:noFill/>
+        </p:spPr>
+        <p:txBody>
+          <a:bodyPr wrap="square" rtlCol="0">
+            <a:spAutoFit/>
+          </a:bodyPr>
+          <a:lstStyle/>
+          <a:p>
+            <a:r>
+              <a:rPr lang="en-US" altLang="zh-CN" dirty="0"/>
+              <a:t>ESP32-A Encrypted Data</a:t>
+            </a:r>
+            <a:endParaRPr lang="zh-CN" altLang="en-US" dirty="0"/>
+          </a:p>
+        </p:txBody>
+      </p:sp>
+      <p:sp>
+        <p:nvSpPr>
+          <p:cNvPr id="17" name="文本框 16">
+            <a:extLst>
+              <a:ext uri="{FF2B5EF4-FFF2-40B4-BE49-F238E27FC236}">
+                <a16:creationId xmlns:a16="http://schemas.microsoft.com/office/drawing/2014/main" id="{29FFB34B-8425-E964-B466-C64E82070417}"/>
+              </a:ext>
+            </a:extLst>
+          </p:cNvPr>
+          <p:cNvSpPr txBox="1"/>
+          <p:nvPr/>
+        </p:nvSpPr>
+        <p:spPr>
+          <a:xfrm>
+            <a:off x="3236559" y="1176712"/>
+            <a:ext cx="5594888" cy="646331"/>
+          </a:xfrm>
+          <a:prstGeom prst="rect">
+            <a:avLst/>
+          </a:prstGeom>
+          <a:noFill/>
+        </p:spPr>
+        <p:txBody>
+          <a:bodyPr wrap="square" rtlCol="0">
+            <a:spAutoFit/>
+          </a:bodyPr>
+          <a:lstStyle/>
+          <a:p>
+            <a:pPr algn="ctr"/>
+            <a:r>
+              <a:rPr lang="en-US" altLang="zh-CN" dirty="0"/>
+              <a:t>Topic A: ESP32-A Encrypted Data</a:t>
+            </a:r>
+          </a:p>
+          <a:p>
+            <a:pPr algn="ctr"/>
+            <a:r>
+              <a:rPr lang="en-US" altLang="zh-CN" dirty="0"/>
+              <a:t>Topic B: ESP32-B Encrypted Data</a:t>
+            </a:r>
+            <a:endParaRPr lang="zh-CN" altLang="en-US" dirty="0"/>
+          </a:p>
+        </p:txBody>
+      </p:sp>
+      <p:sp>
+        <p:nvSpPr>
+          <p:cNvPr id="18" name="文本框 17">
+            <a:extLst>
+              <a:ext uri="{FF2B5EF4-FFF2-40B4-BE49-F238E27FC236}">
+                <a16:creationId xmlns:a16="http://schemas.microsoft.com/office/drawing/2014/main" id="{E44D75AD-267B-291B-C02E-69EE821E3623}"/>
+              </a:ext>
+            </a:extLst>
+          </p:cNvPr>
+          <p:cNvSpPr txBox="1"/>
+          <p:nvPr/>
+        </p:nvSpPr>
+        <p:spPr>
+          <a:xfrm>
+            <a:off x="8124982" y="2988634"/>
+            <a:ext cx="3621436" cy="369332"/>
+          </a:xfrm>
+          <a:prstGeom prst="rect">
+            <a:avLst/>
+          </a:prstGeom>
+          <a:noFill/>
+        </p:spPr>
+        <p:txBody>
+          <a:bodyPr wrap="square" rtlCol="0">
+            <a:spAutoFit/>
+          </a:bodyPr>
+          <a:lstStyle/>
+          <a:p>
+            <a:r>
+              <a:rPr lang="en-US" altLang="zh-CN" dirty="0"/>
+              <a:t>ESP32-B Encrypted Data</a:t>
+            </a:r>
+            <a:endParaRPr lang="zh-CN" altLang="en-US" dirty="0"/>
+          </a:p>
+        </p:txBody>
+      </p:sp>
+      <p:sp>
+        <p:nvSpPr>
+          <p:cNvPr id="19" name="文本框 18">
+            <a:extLst>
+              <a:ext uri="{FF2B5EF4-FFF2-40B4-BE49-F238E27FC236}">
+                <a16:creationId xmlns:a16="http://schemas.microsoft.com/office/drawing/2014/main" id="{AE2DD0B3-F0BD-6F3D-CB1A-E4713062723A}"/>
+              </a:ext>
+            </a:extLst>
+          </p:cNvPr>
+          <p:cNvSpPr txBox="1"/>
+          <p:nvPr/>
+        </p:nvSpPr>
+        <p:spPr>
+          <a:xfrm>
+            <a:off x="3337301" y="4268559"/>
+            <a:ext cx="3621436" cy="369332"/>
+          </a:xfrm>
+          <a:prstGeom prst="rect">
+            <a:avLst/>
+          </a:prstGeom>
+          <a:noFill/>
+        </p:spPr>
+        <p:txBody>
+          <a:bodyPr wrap="square" rtlCol="0">
+            <a:spAutoFit/>
+          </a:bodyPr>
+          <a:lstStyle/>
+          <a:p>
+            <a:r>
+              <a:rPr lang="en-US" altLang="zh-CN" dirty="0"/>
+              <a:t>ESP32-B Encrypted Data</a:t>
+            </a:r>
+            <a:endParaRPr lang="zh-CN" altLang="en-US" dirty="0"/>
+          </a:p>
+        </p:txBody>
+      </p:sp>
+      <p:sp>
+        <p:nvSpPr>
+          <p:cNvPr id="20" name="文本框 19">
+            <a:extLst>
+              <a:ext uri="{FF2B5EF4-FFF2-40B4-BE49-F238E27FC236}">
+                <a16:creationId xmlns:a16="http://schemas.microsoft.com/office/drawing/2014/main" id="{86FC5B21-A729-C456-FB4E-01AB42667BA0}"/>
+              </a:ext>
+            </a:extLst>
+          </p:cNvPr>
+          <p:cNvSpPr txBox="1"/>
+          <p:nvPr/>
+        </p:nvSpPr>
+        <p:spPr>
+          <a:xfrm>
+            <a:off x="5367582" y="3356764"/>
+            <a:ext cx="3621436" cy="369332"/>
+          </a:xfrm>
+          <a:prstGeom prst="rect">
+            <a:avLst/>
+          </a:prstGeom>
+          <a:noFill/>
+        </p:spPr>
+        <p:txBody>
+          <a:bodyPr wrap="square" rtlCol="0">
+            <a:spAutoFit/>
+          </a:bodyPr>
+          <a:lstStyle/>
+          <a:p>
+            <a:r>
+              <a:rPr lang="en-US" altLang="zh-CN" dirty="0"/>
+              <a:t>ESP32-A Encrypted Data</a:t>
+            </a:r>
+            <a:endParaRPr lang="zh-CN" altLang="en-US" dirty="0"/>
+          </a:p>
+        </p:txBody>
+      </p:sp>
+      <p:sp>
+        <p:nvSpPr>
+          <p:cNvPr id="2" name="文本框 1">
+            <a:extLst>
+              <a:ext uri="{FF2B5EF4-FFF2-40B4-BE49-F238E27FC236}">
+                <a16:creationId xmlns:a16="http://schemas.microsoft.com/office/drawing/2014/main" id="{5223A32E-DFB9-3721-AB23-F63BF255098D}"/>
+              </a:ext>
+            </a:extLst>
+          </p:cNvPr>
+          <p:cNvSpPr txBox="1"/>
+          <p:nvPr/>
+        </p:nvSpPr>
+        <p:spPr>
+          <a:xfrm>
+            <a:off x="686534" y="273100"/>
+            <a:ext cx="9464855" cy="584775"/>
+          </a:xfrm>
+          <a:prstGeom prst="rect">
+            <a:avLst/>
+          </a:prstGeom>
+          <a:noFill/>
+        </p:spPr>
+        <p:txBody>
+          <a:bodyPr wrap="square" rtlCol="0">
+            <a:spAutoFit/>
+          </a:bodyPr>
+          <a:lstStyle/>
+          <a:p>
+            <a:r>
+              <a:rPr lang="en-US" altLang="zh-CN" sz="3200" dirty="0">
+                <a:solidFill>
+                  <a:srgbClr val="C00000"/>
+                </a:solidFill>
+                <a:latin typeface="Consolas" panose="020B0609020204030204" pitchFamily="49" charset="0"/>
+              </a:rPr>
+              <a:t>Encrypted data transmission and receiving</a:t>
+            </a:r>
+            <a:endParaRPr lang="zh-CN" altLang="en-US" sz="3200" dirty="0">
+              <a:solidFill>
+                <a:srgbClr val="C00000"/>
+              </a:solidFill>
+              <a:latin typeface="Consolas" panose="020B0609020204030204" pitchFamily="49" charset="0"/>
+            </a:endParaRPr>
+          </a:p>
+        </p:txBody>
+      </p:sp>
+    </p:spTree>
+    <p:extLst>
+      <p:ext uri="{BB962C8B-B14F-4D97-AF65-F5344CB8AC3E}">
+        <p14:creationId xmlns:p14="http://schemas.microsoft.com/office/powerpoint/2010/main" val="3920107049"/>
+      </p:ext>
+    </p:extLst>
+  </p:cSld>
+  <p:clrMapOvr>
+    <a:masterClrMapping/>
+  </p:clrMapOvr>
+</p:sld>
+</file>
+
+<file path=ppt/slides/slide11.xml><?xml version="1.0" encoding="utf-8"?>
+<p:sld xmlns:a="http://schemas.openxmlformats.org/drawingml/2006/main" xmlns:r="http://schemas.openxmlformats.org/officeDocument/2006/relationships" xmlns:p="http://schemas.openxmlformats.org/presentationml/2006/main">
+  <p:cSld>
+    <p:spTree>
+      <p:nvGrpSpPr>
+        <p:cNvPr id="1" name=""/>
+        <p:cNvGrpSpPr/>
+        <p:nvPr/>
+      </p:nvGrpSpPr>
+      <p:grpSpPr>
+        <a:xfrm>
+          <a:off x="0" y="0"/>
+          <a:ext cx="0" cy="0"/>
+          <a:chOff x="0" y="0"/>
+          <a:chExt cx="0" cy="0"/>
+        </a:xfrm>
+      </p:grpSpPr>
+      <p:sp>
+        <p:nvSpPr>
           <p:cNvPr id="4" name="文本框 3">
             <a:extLst>
               <a:ext uri="{FF2B5EF4-FFF2-40B4-BE49-F238E27FC236}">
@@ -6088,7 +6821,7 @@
           <p:nvPr/>
         </p:nvPicPr>
         <p:blipFill>
-          <a:blip r:embed="rId2">
+          <a:blip r:embed="rId4">
             <a:extLst>
               <a:ext uri="{28A0092B-C50C-407E-A947-70E740481C1C}">
                 <a14:useLocalDpi xmlns:a14="http://schemas.microsoft.com/office/drawing/2010/main" val="0"/>
@@ -6124,7 +6857,7 @@
           <p:nvPr/>
         </p:nvPicPr>
         <p:blipFill>
-          <a:blip r:embed="rId3">
+          <a:blip r:embed="rId5">
             <a:extLst>
               <a:ext uri="{28A0092B-C50C-407E-A947-70E740481C1C}">
                 <a14:useLocalDpi xmlns:a14="http://schemas.microsoft.com/office/drawing/2010/main" val="0"/>
@@ -6160,7 +6893,7 @@
           <p:nvPr/>
         </p:nvPicPr>
         <p:blipFill>
-          <a:blip r:embed="rId4">
+          <a:blip r:embed="rId6">
             <a:extLst>
               <a:ext uri="{28A0092B-C50C-407E-A947-70E740481C1C}">
                 <a14:useLocalDpi xmlns:a14="http://schemas.microsoft.com/office/drawing/2010/main" val="0"/>
@@ -6304,6 +7037,44 @@
           </a:p>
         </p:txBody>
       </p:sp>
+      <p:pic>
+        <p:nvPicPr>
+          <p:cNvPr id="18" name="音频 17">
+            <a:hlinkClick r:id="" action="ppaction://media"/>
+            <a:extLst>
+              <a:ext uri="{FF2B5EF4-FFF2-40B4-BE49-F238E27FC236}">
+                <a16:creationId xmlns:a16="http://schemas.microsoft.com/office/drawing/2014/main" id="{4057E00E-5D88-6470-5F94-2603E617DD42}"/>
+              </a:ext>
+            </a:extLst>
+          </p:cNvPr>
+          <p:cNvPicPr>
+            <a:picLocks noChangeAspect="1"/>
+          </p:cNvPicPr>
+          <p:nvPr>
+            <a:audioFile r:link="rId2"/>
+            <p:extLst>
+              <p:ext uri="{DAA4B4D4-6D71-4841-9C94-3DE7FCFB9230}">
+                <p14:media xmlns:p14="http://schemas.microsoft.com/office/powerpoint/2010/main" r:embed="rId1"/>
+              </p:ext>
+            </p:extLst>
+          </p:nvPr>
+        </p:nvPicPr>
+        <p:blipFill>
+          <a:blip r:embed="rId7"/>
+          <a:stretch>
+            <a:fillRect/>
+          </a:stretch>
+        </p:blipFill>
+        <p:spPr>
+          <a:xfrm>
+            <a:off x="11768138" y="6434138"/>
+            <a:ext cx="271462" cy="271462"/>
+          </a:xfrm>
+          <a:prstGeom prst="rect">
+            <a:avLst/>
+          </a:prstGeom>
+        </p:spPr>
+      </p:pic>
     </p:spTree>
     <p:extLst>
       <p:ext uri="{BB962C8B-B14F-4D97-AF65-F5344CB8AC3E}">
@@ -6314,10 +7085,105 @@
   <p:clrMapOvr>
     <a:masterClrMapping/>
   </p:clrMapOvr>
+  <mc:AlternateContent xmlns:mc="http://schemas.openxmlformats.org/markup-compatibility/2006">
+    <mc:Choice xmlns:p14="http://schemas.microsoft.com/office/powerpoint/2010/main" Requires="p14">
+      <p:transition spd="slow" p14:dur="2000" advTm="6093"/>
+    </mc:Choice>
+    <mc:Fallback>
+      <p:transition spd="slow" advTm="6093"/>
+    </mc:Fallback>
+  </mc:AlternateContent>
+  <p:timing>
+    <p:tnLst>
+      <p:par>
+        <p:cTn id="1" dur="indefinite" restart="never" nodeType="tmRoot">
+          <p:childTnLst>
+            <p:seq concurrent="1" nextAc="seek">
+              <p:cTn id="2" dur="indefinite" nodeType="mainSeq">
+                <p:childTnLst>
+                  <p:par>
+                    <p:cTn id="3" fill="hold">
+                      <p:stCondLst>
+                        <p:cond delay="indefinite"/>
+                        <p:cond evt="onBegin" delay="0">
+                          <p:tn val="2"/>
+                        </p:cond>
+                      </p:stCondLst>
+                      <p:childTnLst>
+                        <p:par>
+                          <p:cTn id="4" fill="hold">
+                            <p:stCondLst>
+                              <p:cond delay="0"/>
+                            </p:stCondLst>
+                            <p:childTnLst>
+                              <p:par>
+                                <p:cTn id="5" presetID="1" presetClass="mediacall" presetSubtype="0" fill="hold" nodeType="afterEffect">
+                                  <p:stCondLst>
+                                    <p:cond delay="0"/>
+                                  </p:stCondLst>
+                                  <p:childTnLst>
+                                    <p:cmd type="call" cmd="playFrom(0.0)">
+                                      <p:cBhvr>
+                                        <p:cTn id="6" dur="1" fill="hold"/>
+                                        <p:tgtEl>
+                                          <p:spTgt spid="18"/>
+                                        </p:tgtEl>
+                                      </p:cBhvr>
+                                    </p:cmd>
+                                  </p:childTnLst>
+                                </p:cTn>
+                              </p:par>
+                            </p:childTnLst>
+                          </p:cTn>
+                        </p:par>
+                      </p:childTnLst>
+                    </p:cTn>
+                  </p:par>
+                </p:childTnLst>
+              </p:cTn>
+              <p:prevCondLst>
+                <p:cond evt="onPrev" delay="0">
+                  <p:tgtEl>
+                    <p:sldTgt/>
+                  </p:tgtEl>
+                </p:cond>
+              </p:prevCondLst>
+              <p:nextCondLst>
+                <p:cond evt="onNext" delay="0">
+                  <p:tgtEl>
+                    <p:sldTgt/>
+                  </p:tgtEl>
+                </p:cond>
+              </p:nextCondLst>
+            </p:seq>
+            <p:audio isNarration="1">
+              <p:cMediaNode vol="80000" showWhenStopped="0">
+                <p:cTn id="7" fill="hold" display="0">
+                  <p:stCondLst>
+                    <p:cond delay="indefinite"/>
+                  </p:stCondLst>
+                  <p:endCondLst>
+                    <p:cond evt="onStopAudio" delay="0">
+                      <p:tgtEl>
+                        <p:sldTgt/>
+                      </p:tgtEl>
+                    </p:cond>
+                  </p:endCondLst>
+                </p:cTn>
+                <p:tgtEl>
+                  <p:spTgt spid="18"/>
+                </p:tgtEl>
+              </p:cMediaNode>
+            </p:audio>
+          </p:childTnLst>
+        </p:cTn>
+      </p:par>
+    </p:tnLst>
+  </p:timing>
 </p:sld>
 </file>
 
-<file path=ppt/slides/slide11.xml><?xml version="1.0" encoding="utf-8"?>
+<file path=ppt/slides/slide12.xml><?xml version="1.0" encoding="utf-8"?>
 <p:sld xmlns:a="http://schemas.openxmlformats.org/drawingml/2006/main" xmlns:r="http://schemas.openxmlformats.org/officeDocument/2006/relationships" xmlns:p="http://schemas.openxmlformats.org/presentationml/2006/main">
   <p:cSld>
     <p:bg>
@@ -6357,7 +7223,7 @@
           <p:nvPr/>
         </p:nvPicPr>
         <p:blipFill>
-          <a:blip r:embed="rId2">
+          <a:blip r:embed="rId4">
             <a:extLst>
               <a:ext uri="{28A0092B-C50C-407E-A947-70E740481C1C}">
                 <a14:useLocalDpi xmlns:a14="http://schemas.microsoft.com/office/drawing/2010/main" val="0"/>
@@ -6393,7 +7259,7 @@
           <p:nvPr/>
         </p:nvPicPr>
         <p:blipFill>
-          <a:blip r:embed="rId3">
+          <a:blip r:embed="rId5">
             <a:extLst>
               <a:ext uri="{28A0092B-C50C-407E-A947-70E740481C1C}">
                 <a14:useLocalDpi xmlns:a14="http://schemas.microsoft.com/office/drawing/2010/main" val="0"/>
@@ -6460,6 +7326,44 @@
           </a:p>
         </p:txBody>
       </p:sp>
+      <p:pic>
+        <p:nvPicPr>
+          <p:cNvPr id="11" name="音频 10">
+            <a:hlinkClick r:id="" action="ppaction://media"/>
+            <a:extLst>
+              <a:ext uri="{FF2B5EF4-FFF2-40B4-BE49-F238E27FC236}">
+                <a16:creationId xmlns:a16="http://schemas.microsoft.com/office/drawing/2014/main" id="{B15D412C-171B-01B2-E83A-D769E792BA4A}"/>
+              </a:ext>
+            </a:extLst>
+          </p:cNvPr>
+          <p:cNvPicPr>
+            <a:picLocks noChangeAspect="1"/>
+          </p:cNvPicPr>
+          <p:nvPr>
+            <a:audioFile r:link="rId2"/>
+            <p:extLst>
+              <p:ext uri="{DAA4B4D4-6D71-4841-9C94-3DE7FCFB9230}">
+                <p14:media xmlns:p14="http://schemas.microsoft.com/office/powerpoint/2010/main" r:embed="rId1"/>
+              </p:ext>
+            </p:extLst>
+          </p:nvPr>
+        </p:nvPicPr>
+        <p:blipFill>
+          <a:blip r:embed="rId6"/>
+          <a:stretch>
+            <a:fillRect/>
+          </a:stretch>
+        </p:blipFill>
+        <p:spPr>
+          <a:xfrm>
+            <a:off x="11768138" y="6434138"/>
+            <a:ext cx="271462" cy="271462"/>
+          </a:xfrm>
+          <a:prstGeom prst="rect">
+            <a:avLst/>
+          </a:prstGeom>
+        </p:spPr>
+      </p:pic>
     </p:spTree>
     <p:extLst>
       <p:ext uri="{BB962C8B-B14F-4D97-AF65-F5344CB8AC3E}">
@@ -6470,10 +7374,105 @@
   <p:clrMapOvr>
     <a:masterClrMapping/>
   </p:clrMapOvr>
+  <mc:AlternateContent xmlns:mc="http://schemas.openxmlformats.org/markup-compatibility/2006">
+    <mc:Choice xmlns:p14="http://schemas.microsoft.com/office/powerpoint/2010/main" Requires="p14">
+      <p:transition spd="slow" p14:dur="2000" advTm="172"/>
+    </mc:Choice>
+    <mc:Fallback>
+      <p:transition spd="slow" advTm="172"/>
+    </mc:Fallback>
+  </mc:AlternateContent>
+  <p:timing>
+    <p:tnLst>
+      <p:par>
+        <p:cTn id="1" dur="indefinite" restart="never" nodeType="tmRoot">
+          <p:childTnLst>
+            <p:seq concurrent="1" nextAc="seek">
+              <p:cTn id="2" dur="indefinite" nodeType="mainSeq">
+                <p:childTnLst>
+                  <p:par>
+                    <p:cTn id="3" fill="hold">
+                      <p:stCondLst>
+                        <p:cond delay="indefinite"/>
+                        <p:cond evt="onBegin" delay="0">
+                          <p:tn val="2"/>
+                        </p:cond>
+                      </p:stCondLst>
+                      <p:childTnLst>
+                        <p:par>
+                          <p:cTn id="4" fill="hold">
+                            <p:stCondLst>
+                              <p:cond delay="0"/>
+                            </p:stCondLst>
+                            <p:childTnLst>
+                              <p:par>
+                                <p:cTn id="5" presetID="1" presetClass="mediacall" presetSubtype="0" fill="hold" nodeType="afterEffect">
+                                  <p:stCondLst>
+                                    <p:cond delay="0"/>
+                                  </p:stCondLst>
+                                  <p:childTnLst>
+                                    <p:cmd type="call" cmd="playFrom(0.0)">
+                                      <p:cBhvr>
+                                        <p:cTn id="6" dur="1" fill="hold"/>
+                                        <p:tgtEl>
+                                          <p:spTgt spid="11"/>
+                                        </p:tgtEl>
+                                      </p:cBhvr>
+                                    </p:cmd>
+                                  </p:childTnLst>
+                                </p:cTn>
+                              </p:par>
+                            </p:childTnLst>
+                          </p:cTn>
+                        </p:par>
+                      </p:childTnLst>
+                    </p:cTn>
+                  </p:par>
+                </p:childTnLst>
+              </p:cTn>
+              <p:prevCondLst>
+                <p:cond evt="onPrev" delay="0">
+                  <p:tgtEl>
+                    <p:sldTgt/>
+                  </p:tgtEl>
+                </p:cond>
+              </p:prevCondLst>
+              <p:nextCondLst>
+                <p:cond evt="onNext" delay="0">
+                  <p:tgtEl>
+                    <p:sldTgt/>
+                  </p:tgtEl>
+                </p:cond>
+              </p:nextCondLst>
+            </p:seq>
+            <p:audio isNarration="1">
+              <p:cMediaNode vol="80000" showWhenStopped="0">
+                <p:cTn id="7" fill="hold" display="0">
+                  <p:stCondLst>
+                    <p:cond delay="indefinite"/>
+                  </p:stCondLst>
+                  <p:endCondLst>
+                    <p:cond evt="onStopAudio" delay="0">
+                      <p:tgtEl>
+                        <p:sldTgt/>
+                      </p:tgtEl>
+                    </p:cond>
+                  </p:endCondLst>
+                </p:cTn>
+                <p:tgtEl>
+                  <p:spTgt spid="11"/>
+                </p:tgtEl>
+              </p:cMediaNode>
+            </p:audio>
+          </p:childTnLst>
+        </p:cTn>
+      </p:par>
+    </p:tnLst>
+  </p:timing>
 </p:sld>
 </file>
 
-<file path=ppt/slides/slide12.xml><?xml version="1.0" encoding="utf-8"?>
+<file path=ppt/slides/slide13.xml><?xml version="1.0" encoding="utf-8"?>
 <p:sld xmlns:a="http://schemas.openxmlformats.org/drawingml/2006/main" xmlns:r="http://schemas.openxmlformats.org/officeDocument/2006/relationships" xmlns:p="http://schemas.openxmlformats.org/presentationml/2006/main">
   <p:cSld>
     <p:spTree>
@@ -6537,6 +7536,44 @@
           </a:p>
         </p:txBody>
       </p:sp>
+      <p:pic>
+        <p:nvPicPr>
+          <p:cNvPr id="6" name="音频 5">
+            <a:hlinkClick r:id="" action="ppaction://media"/>
+            <a:extLst>
+              <a:ext uri="{FF2B5EF4-FFF2-40B4-BE49-F238E27FC236}">
+                <a16:creationId xmlns:a16="http://schemas.microsoft.com/office/drawing/2014/main" id="{D84E662B-744F-477D-95E7-E54F953EEE7E}"/>
+              </a:ext>
+            </a:extLst>
+          </p:cNvPr>
+          <p:cNvPicPr>
+            <a:picLocks noChangeAspect="1"/>
+          </p:cNvPicPr>
+          <p:nvPr>
+            <a:audioFile r:link="rId2"/>
+            <p:extLst>
+              <p:ext uri="{DAA4B4D4-6D71-4841-9C94-3DE7FCFB9230}">
+                <p14:media xmlns:p14="http://schemas.microsoft.com/office/powerpoint/2010/main" r:embed="rId1"/>
+              </p:ext>
+            </p:extLst>
+          </p:nvPr>
+        </p:nvPicPr>
+        <p:blipFill>
+          <a:blip r:embed="rId4"/>
+          <a:stretch>
+            <a:fillRect/>
+          </a:stretch>
+        </p:blipFill>
+        <p:spPr>
+          <a:xfrm>
+            <a:off x="11768138" y="6434138"/>
+            <a:ext cx="271462" cy="271462"/>
+          </a:xfrm>
+          <a:prstGeom prst="rect">
+            <a:avLst/>
+          </a:prstGeom>
+        </p:spPr>
+      </p:pic>
     </p:spTree>
     <p:extLst>
       <p:ext uri="{BB962C8B-B14F-4D97-AF65-F5344CB8AC3E}">
@@ -6547,6 +7584,101 @@
   <p:clrMapOvr>
     <a:masterClrMapping/>
   </p:clrMapOvr>
+  <mc:AlternateContent xmlns:mc="http://schemas.openxmlformats.org/markup-compatibility/2006">
+    <mc:Choice xmlns:p14="http://schemas.microsoft.com/office/powerpoint/2010/main" Requires="p14">
+      <p:transition spd="slow" p14:dur="2000" advTm="413"/>
+    </mc:Choice>
+    <mc:Fallback>
+      <p:transition spd="slow" advTm="413"/>
+    </mc:Fallback>
+  </mc:AlternateContent>
+  <p:timing>
+    <p:tnLst>
+      <p:par>
+        <p:cTn id="1" dur="indefinite" restart="never" nodeType="tmRoot">
+          <p:childTnLst>
+            <p:seq concurrent="1" nextAc="seek">
+              <p:cTn id="2" dur="indefinite" nodeType="mainSeq">
+                <p:childTnLst>
+                  <p:par>
+                    <p:cTn id="3" fill="hold">
+                      <p:stCondLst>
+                        <p:cond delay="indefinite"/>
+                        <p:cond evt="onBegin" delay="0">
+                          <p:tn val="2"/>
+                        </p:cond>
+                      </p:stCondLst>
+                      <p:childTnLst>
+                        <p:par>
+                          <p:cTn id="4" fill="hold">
+                            <p:stCondLst>
+                              <p:cond delay="0"/>
+                            </p:stCondLst>
+                            <p:childTnLst>
+                              <p:par>
+                                <p:cTn id="5" presetID="1" presetClass="mediacall" presetSubtype="0" fill="hold" nodeType="afterEffect">
+                                  <p:stCondLst>
+                                    <p:cond delay="0"/>
+                                  </p:stCondLst>
+                                  <p:childTnLst>
+                                    <p:cmd type="call" cmd="playFrom(0.0)">
+                                      <p:cBhvr>
+                                        <p:cTn id="6" dur="1" fill="hold"/>
+                                        <p:tgtEl>
+                                          <p:spTgt spid="6"/>
+                                        </p:tgtEl>
+                                      </p:cBhvr>
+                                    </p:cmd>
+                                  </p:childTnLst>
+                                </p:cTn>
+                              </p:par>
+                            </p:childTnLst>
+                          </p:cTn>
+                        </p:par>
+                      </p:childTnLst>
+                    </p:cTn>
+                  </p:par>
+                </p:childTnLst>
+              </p:cTn>
+              <p:prevCondLst>
+                <p:cond evt="onPrev" delay="0">
+                  <p:tgtEl>
+                    <p:sldTgt/>
+                  </p:tgtEl>
+                </p:cond>
+              </p:prevCondLst>
+              <p:nextCondLst>
+                <p:cond evt="onNext" delay="0">
+                  <p:tgtEl>
+                    <p:sldTgt/>
+                  </p:tgtEl>
+                </p:cond>
+              </p:nextCondLst>
+            </p:seq>
+            <p:audio isNarration="1">
+              <p:cMediaNode vol="80000" showWhenStopped="0">
+                <p:cTn id="7" fill="hold" display="0">
+                  <p:stCondLst>
+                    <p:cond delay="indefinite"/>
+                  </p:stCondLst>
+                  <p:endCondLst>
+                    <p:cond evt="onStopAudio" delay="0">
+                      <p:tgtEl>
+                        <p:sldTgt/>
+                      </p:tgtEl>
+                    </p:cond>
+                  </p:endCondLst>
+                </p:cTn>
+                <p:tgtEl>
+                  <p:spTgt spid="6"/>
+                </p:tgtEl>
+              </p:cMediaNode>
+            </p:audio>
+          </p:childTnLst>
+        </p:cTn>
+      </p:par>
+    </p:tnLst>
+  </p:timing>
 </p:sld>
 </file>
 
@@ -8841,48 +9973,12 @@
           <a:chExt cx="0" cy="0"/>
         </a:xfrm>
       </p:grpSpPr>
-      <p:pic>
-        <p:nvPicPr>
-          <p:cNvPr id="5" name="图片 4">
-            <a:extLst>
-              <a:ext uri="{FF2B5EF4-FFF2-40B4-BE49-F238E27FC236}">
-                <a16:creationId xmlns:a16="http://schemas.microsoft.com/office/drawing/2014/main" id="{76299539-F320-0987-F929-7D2A50E4340F}"/>
-              </a:ext>
-            </a:extLst>
-          </p:cNvPr>
-          <p:cNvPicPr>
-            <a:picLocks noChangeAspect="1"/>
-          </p:cNvPicPr>
-          <p:nvPr/>
-        </p:nvPicPr>
-        <p:blipFill>
-          <a:blip r:embed="rId2">
-            <a:extLst>
-              <a:ext uri="{28A0092B-C50C-407E-A947-70E740481C1C}">
-                <a14:useLocalDpi xmlns:a14="http://schemas.microsoft.com/office/drawing/2010/main" val="0"/>
-              </a:ext>
-            </a:extLst>
-          </a:blip>
-          <a:stretch>
-            <a:fillRect/>
-          </a:stretch>
-        </p:blipFill>
-        <p:spPr>
-          <a:xfrm>
-            <a:off x="0" y="0"/>
-            <a:ext cx="12192000" cy="6858000"/>
-          </a:xfrm>
-          <a:prstGeom prst="rect">
-            <a:avLst/>
-          </a:prstGeom>
-        </p:spPr>
-      </p:pic>
-      <p:sp>
-        <p:nvSpPr>
-          <p:cNvPr id="6" name="文本框 5">
-            <a:extLst>
-              <a:ext uri="{FF2B5EF4-FFF2-40B4-BE49-F238E27FC236}">
-                <a16:creationId xmlns:a16="http://schemas.microsoft.com/office/drawing/2014/main" id="{FA6EF007-6DA4-F260-DB23-5BF4210EA784}"/>
+      <p:sp>
+        <p:nvSpPr>
+          <p:cNvPr id="4" name="文本框 3">
+            <a:extLst>
+              <a:ext uri="{FF2B5EF4-FFF2-40B4-BE49-F238E27FC236}">
+                <a16:creationId xmlns:a16="http://schemas.microsoft.com/office/drawing/2014/main" id="{6F272BE7-9CDA-BE49-16DC-22CD814CEF3D}"/>
               </a:ext>
             </a:extLst>
           </p:cNvPr>
@@ -8891,8 +9987,8 @@
         </p:nvSpPr>
         <p:spPr>
           <a:xfrm>
-            <a:off x="686535" y="273100"/>
-            <a:ext cx="6726418" cy="584775"/>
+            <a:off x="686534" y="273100"/>
+            <a:ext cx="10069289" cy="584775"/>
           </a:xfrm>
           <a:prstGeom prst="rect">
             <a:avLst/>
@@ -8912,7 +10008,7 @@
                 </a:solidFill>
                 <a:latin typeface="Consolas" panose="020B0609020204030204" pitchFamily="49" charset="0"/>
               </a:rPr>
-              <a:t>Multi-task scheduling</a:t>
+              <a:t>Compare between Single Core and Dual Core</a:t>
             </a:r>
             <a:endParaRPr lang="zh-CN" altLang="en-US" sz="3200" dirty="0">
               <a:solidFill>
@@ -8923,10 +10019,82 @@
           </a:p>
         </p:txBody>
       </p:sp>
+      <p:pic>
+        <p:nvPicPr>
+          <p:cNvPr id="6" name="图片 5" descr="Text&#10;&#10;描述已自动生成">
+            <a:extLst>
+              <a:ext uri="{FF2B5EF4-FFF2-40B4-BE49-F238E27FC236}">
+                <a16:creationId xmlns:a16="http://schemas.microsoft.com/office/drawing/2014/main" id="{8D0F0DBD-72DF-3884-77E0-7BB67413E537}"/>
+              </a:ext>
+            </a:extLst>
+          </p:cNvPr>
+          <p:cNvPicPr>
+            <a:picLocks noChangeAspect="1"/>
+          </p:cNvPicPr>
+          <p:nvPr/>
+        </p:nvPicPr>
+        <p:blipFill>
+          <a:blip r:embed="rId2">
+            <a:extLst>
+              <a:ext uri="{28A0092B-C50C-407E-A947-70E740481C1C}">
+                <a14:useLocalDpi xmlns:a14="http://schemas.microsoft.com/office/drawing/2010/main" val="0"/>
+              </a:ext>
+            </a:extLst>
+          </a:blip>
+          <a:stretch>
+            <a:fillRect/>
+          </a:stretch>
+        </p:blipFill>
+        <p:spPr>
+          <a:xfrm>
+            <a:off x="500053" y="1721972"/>
+            <a:ext cx="6073666" cy="3414056"/>
+          </a:xfrm>
+          <a:prstGeom prst="rect">
+            <a:avLst/>
+          </a:prstGeom>
+        </p:spPr>
+      </p:pic>
+      <p:pic>
+        <p:nvPicPr>
+          <p:cNvPr id="8" name="图片 7" descr="Text&#10;&#10;描述已自动生成">
+            <a:extLst>
+              <a:ext uri="{FF2B5EF4-FFF2-40B4-BE49-F238E27FC236}">
+                <a16:creationId xmlns:a16="http://schemas.microsoft.com/office/drawing/2014/main" id="{7DB13AAE-1043-D2CE-D310-55B11A25618E}"/>
+              </a:ext>
+            </a:extLst>
+          </p:cNvPr>
+          <p:cNvPicPr>
+            <a:picLocks noChangeAspect="1"/>
+          </p:cNvPicPr>
+          <p:nvPr/>
+        </p:nvPicPr>
+        <p:blipFill>
+          <a:blip r:embed="rId3">
+            <a:extLst>
+              <a:ext uri="{28A0092B-C50C-407E-A947-70E740481C1C}">
+                <a14:useLocalDpi xmlns:a14="http://schemas.microsoft.com/office/drawing/2010/main" val="0"/>
+              </a:ext>
+            </a:extLst>
+          </a:blip>
+          <a:stretch>
+            <a:fillRect/>
+          </a:stretch>
+        </p:blipFill>
+        <p:spPr>
+          <a:xfrm>
+            <a:off x="7321486" y="2411856"/>
+            <a:ext cx="4473328" cy="1562235"/>
+          </a:xfrm>
+          <a:prstGeom prst="rect">
+            <a:avLst/>
+          </a:prstGeom>
+        </p:spPr>
+      </p:pic>
     </p:spTree>
     <p:extLst>
       <p:ext uri="{BB962C8B-B14F-4D97-AF65-F5344CB8AC3E}">
-        <p14:creationId xmlns:p14="http://schemas.microsoft.com/office/powerpoint/2010/main" val="298674984"/>
+        <p14:creationId xmlns:p14="http://schemas.microsoft.com/office/powerpoint/2010/main" val="2241374945"/>
       </p:ext>
     </p:extLst>
   </p:cSld>
@@ -8953,1064 +10121,48 @@
           <a:chExt cx="0" cy="0"/>
         </a:xfrm>
       </p:grpSpPr>
-      <p:sp>
-        <p:nvSpPr>
-          <p:cNvPr id="4" name="矩形 3">
-            <a:extLst>
-              <a:ext uri="{FF2B5EF4-FFF2-40B4-BE49-F238E27FC236}">
-                <a16:creationId xmlns:a16="http://schemas.microsoft.com/office/drawing/2014/main" id="{F303DB1B-35F7-D36B-0AEC-73335082E68C}"/>
-              </a:ext>
-            </a:extLst>
-          </p:cNvPr>
-          <p:cNvSpPr/>
-          <p:nvPr/>
-        </p:nvSpPr>
-        <p:spPr>
-          <a:xfrm>
-            <a:off x="4561667" y="1341222"/>
-            <a:ext cx="1911457" cy="764583"/>
+      <p:pic>
+        <p:nvPicPr>
+          <p:cNvPr id="5" name="图片 4">
+            <a:extLst>
+              <a:ext uri="{FF2B5EF4-FFF2-40B4-BE49-F238E27FC236}">
+                <a16:creationId xmlns:a16="http://schemas.microsoft.com/office/drawing/2014/main" id="{76299539-F320-0987-F929-7D2A50E4340F}"/>
+              </a:ext>
+            </a:extLst>
+          </p:cNvPr>
+          <p:cNvPicPr>
+            <a:picLocks noChangeAspect="1"/>
+          </p:cNvPicPr>
+          <p:nvPr/>
+        </p:nvPicPr>
+        <p:blipFill>
+          <a:blip r:embed="rId2">
+            <a:extLst>
+              <a:ext uri="{28A0092B-C50C-407E-A947-70E740481C1C}">
+                <a14:useLocalDpi xmlns:a14="http://schemas.microsoft.com/office/drawing/2010/main" val="0"/>
+              </a:ext>
+            </a:extLst>
+          </a:blip>
+          <a:stretch>
+            <a:fillRect/>
+          </a:stretch>
+        </p:blipFill>
+        <p:spPr>
+          <a:xfrm>
+            <a:off x="0" y="0"/>
+            <a:ext cx="12192000" cy="6858000"/>
           </a:xfrm>
           <a:prstGeom prst="rect">
             <a:avLst/>
           </a:prstGeom>
-          <a:solidFill>
-            <a:schemeClr val="accent1">
-              <a:lumMod val="40000"/>
-              <a:lumOff val="60000"/>
-            </a:schemeClr>
-          </a:solidFill>
-          <a:ln>
-            <a:solidFill>
-              <a:schemeClr val="accent1">
-                <a:lumMod val="40000"/>
-                <a:lumOff val="60000"/>
-              </a:schemeClr>
-            </a:solidFill>
-          </a:ln>
-        </p:spPr>
-        <p:style>
-          <a:lnRef idx="2">
-            <a:schemeClr val="accent1">
-              <a:shade val="50000"/>
-            </a:schemeClr>
-          </a:lnRef>
-          <a:fillRef idx="1">
-            <a:schemeClr val="accent1"/>
-          </a:fillRef>
-          <a:effectRef idx="0">
-            <a:schemeClr val="accent1"/>
-          </a:effectRef>
-          <a:fontRef idx="minor">
-            <a:schemeClr val="lt1"/>
-          </a:fontRef>
-        </p:style>
-        <p:txBody>
-          <a:bodyPr rtlCol="0" anchor="ctr"/>
-          <a:lstStyle/>
-          <a:p>
-            <a:pPr algn="ctr"/>
-            <a:endParaRPr lang="zh-CN" altLang="en-US"/>
-          </a:p>
-        </p:txBody>
-      </p:sp>
-      <p:sp>
-        <p:nvSpPr>
-          <p:cNvPr id="5" name="矩形 4">
-            <a:extLst>
-              <a:ext uri="{FF2B5EF4-FFF2-40B4-BE49-F238E27FC236}">
-                <a16:creationId xmlns:a16="http://schemas.microsoft.com/office/drawing/2014/main" id="{C137F7A3-A8C7-B7A2-E720-CF9863807DD6}"/>
-              </a:ext>
-            </a:extLst>
-          </p:cNvPr>
-          <p:cNvSpPr/>
-          <p:nvPr/>
-        </p:nvSpPr>
-        <p:spPr>
-          <a:xfrm>
-            <a:off x="1895959" y="1341222"/>
-            <a:ext cx="1911457" cy="764583"/>
-          </a:xfrm>
-          <a:prstGeom prst="rect">
-            <a:avLst/>
-          </a:prstGeom>
-          <a:solidFill>
-            <a:schemeClr val="accent2">
-              <a:lumMod val="40000"/>
-              <a:lumOff val="60000"/>
-            </a:schemeClr>
-          </a:solidFill>
-          <a:ln>
-            <a:solidFill>
-              <a:schemeClr val="accent2">
-                <a:lumMod val="40000"/>
-                <a:lumOff val="60000"/>
-              </a:schemeClr>
-            </a:solidFill>
-          </a:ln>
-        </p:spPr>
-        <p:style>
-          <a:lnRef idx="2">
-            <a:schemeClr val="accent1">
-              <a:shade val="50000"/>
-            </a:schemeClr>
-          </a:lnRef>
-          <a:fillRef idx="1">
-            <a:schemeClr val="accent1"/>
-          </a:fillRef>
-          <a:effectRef idx="0">
-            <a:schemeClr val="accent1"/>
-          </a:effectRef>
-          <a:fontRef idx="minor">
-            <a:schemeClr val="lt1"/>
-          </a:fontRef>
-        </p:style>
-        <p:txBody>
-          <a:bodyPr rtlCol="0" anchor="ctr"/>
-          <a:lstStyle/>
-          <a:p>
-            <a:pPr algn="ctr"/>
-            <a:endParaRPr lang="zh-CN" altLang="en-US"/>
-          </a:p>
-        </p:txBody>
-      </p:sp>
+        </p:spPr>
+      </p:pic>
       <p:sp>
         <p:nvSpPr>
           <p:cNvPr id="6" name="文本框 5">
             <a:extLst>
               <a:ext uri="{FF2B5EF4-FFF2-40B4-BE49-F238E27FC236}">
-                <a16:creationId xmlns:a16="http://schemas.microsoft.com/office/drawing/2014/main" id="{380B46B5-514A-F186-F5F1-FD557F593832}"/>
-              </a:ext>
-            </a:extLst>
-          </p:cNvPr>
-          <p:cNvSpPr txBox="1"/>
-          <p:nvPr/>
-        </p:nvSpPr>
-        <p:spPr>
-          <a:xfrm>
-            <a:off x="2048359" y="1400347"/>
-            <a:ext cx="1606658" cy="646331"/>
-          </a:xfrm>
-          <a:prstGeom prst="rect">
-            <a:avLst/>
-          </a:prstGeom>
-          <a:noFill/>
-        </p:spPr>
-        <p:txBody>
-          <a:bodyPr wrap="square" rtlCol="0">
-            <a:spAutoFit/>
-          </a:bodyPr>
-          <a:lstStyle/>
-          <a:p>
-            <a:pPr algn="ctr"/>
-            <a:r>
-              <a:rPr lang="en-US" altLang="zh-CN" dirty="0"/>
-              <a:t>Temperature</a:t>
-            </a:r>
-          </a:p>
-          <a:p>
-            <a:pPr algn="ctr"/>
-            <a:r>
-              <a:rPr lang="en-US" altLang="zh-CN" dirty="0"/>
-              <a:t>2 bytes</a:t>
-            </a:r>
-            <a:endParaRPr lang="zh-CN" altLang="en-US" dirty="0"/>
-          </a:p>
-        </p:txBody>
-      </p:sp>
-      <p:sp>
-        <p:nvSpPr>
-          <p:cNvPr id="7" name="文本框 6">
-            <a:extLst>
-              <a:ext uri="{FF2B5EF4-FFF2-40B4-BE49-F238E27FC236}">
-                <a16:creationId xmlns:a16="http://schemas.microsoft.com/office/drawing/2014/main" id="{99187BEA-86DE-F0C0-F827-787C37B9CFCD}"/>
-              </a:ext>
-            </a:extLst>
-          </p:cNvPr>
-          <p:cNvSpPr txBox="1"/>
-          <p:nvPr/>
-        </p:nvSpPr>
-        <p:spPr>
-          <a:xfrm>
-            <a:off x="4976221" y="1400346"/>
-            <a:ext cx="1082349" cy="646331"/>
-          </a:xfrm>
-          <a:prstGeom prst="rect">
-            <a:avLst/>
-          </a:prstGeom>
-          <a:noFill/>
-        </p:spPr>
-        <p:txBody>
-          <a:bodyPr wrap="none" rtlCol="0">
-            <a:spAutoFit/>
-          </a:bodyPr>
-          <a:lstStyle/>
-          <a:p>
-            <a:pPr algn="ctr"/>
-            <a:r>
-              <a:rPr lang="en-US" altLang="zh-CN" dirty="0"/>
-              <a:t>Humidity</a:t>
-            </a:r>
-          </a:p>
-          <a:p>
-            <a:pPr algn="ctr"/>
-            <a:r>
-              <a:rPr lang="en-US" altLang="zh-CN" dirty="0"/>
-              <a:t>2 bytes</a:t>
-            </a:r>
-            <a:endParaRPr lang="zh-CN" altLang="en-US" dirty="0"/>
-          </a:p>
-        </p:txBody>
-      </p:sp>
-      <p:sp>
-        <p:nvSpPr>
-          <p:cNvPr id="8" name="文本框 7">
-            <a:extLst>
-              <a:ext uri="{FF2B5EF4-FFF2-40B4-BE49-F238E27FC236}">
-                <a16:creationId xmlns:a16="http://schemas.microsoft.com/office/drawing/2014/main" id="{B81AD9C3-1794-1AFA-70CE-EAD57042C5F1}"/>
-              </a:ext>
-            </a:extLst>
-          </p:cNvPr>
-          <p:cNvSpPr txBox="1"/>
-          <p:nvPr/>
-        </p:nvSpPr>
-        <p:spPr>
-          <a:xfrm>
-            <a:off x="467531" y="1538845"/>
-            <a:ext cx="1126210" cy="369332"/>
-          </a:xfrm>
-          <a:prstGeom prst="rect">
-            <a:avLst/>
-          </a:prstGeom>
-          <a:noFill/>
-        </p:spPr>
-        <p:txBody>
-          <a:bodyPr wrap="square" rtlCol="0">
-            <a:spAutoFit/>
-          </a:bodyPr>
-          <a:lstStyle/>
-          <a:p>
-            <a:pPr algn="ctr"/>
-            <a:r>
-              <a:rPr lang="en-US" altLang="zh-CN" dirty="0"/>
-              <a:t>Sensor</a:t>
-            </a:r>
-            <a:endParaRPr lang="zh-CN" altLang="en-US" dirty="0"/>
-          </a:p>
-        </p:txBody>
-      </p:sp>
-      <p:sp>
-        <p:nvSpPr>
-          <p:cNvPr id="9" name="矩形 8">
-            <a:extLst>
-              <a:ext uri="{FF2B5EF4-FFF2-40B4-BE49-F238E27FC236}">
-                <a16:creationId xmlns:a16="http://schemas.microsoft.com/office/drawing/2014/main" id="{BD26A3AC-8369-E039-F8D3-ABD9E5264470}"/>
-              </a:ext>
-            </a:extLst>
-          </p:cNvPr>
-          <p:cNvSpPr/>
-          <p:nvPr/>
-        </p:nvSpPr>
-        <p:spPr>
-          <a:xfrm>
-            <a:off x="3807416" y="3209629"/>
-            <a:ext cx="1911457" cy="764583"/>
-          </a:xfrm>
-          <a:prstGeom prst="rect">
-            <a:avLst/>
-          </a:prstGeom>
-          <a:solidFill>
-            <a:schemeClr val="accent1">
-              <a:lumMod val="40000"/>
-              <a:lumOff val="60000"/>
-            </a:schemeClr>
-          </a:solidFill>
-          <a:ln>
-            <a:solidFill>
-              <a:schemeClr val="accent1">
-                <a:lumMod val="40000"/>
-                <a:lumOff val="60000"/>
-              </a:schemeClr>
-            </a:solidFill>
-          </a:ln>
-        </p:spPr>
-        <p:style>
-          <a:lnRef idx="2">
-            <a:schemeClr val="accent1">
-              <a:shade val="50000"/>
-            </a:schemeClr>
-          </a:lnRef>
-          <a:fillRef idx="1">
-            <a:schemeClr val="accent1"/>
-          </a:fillRef>
-          <a:effectRef idx="0">
-            <a:schemeClr val="accent1"/>
-          </a:effectRef>
-          <a:fontRef idx="minor">
-            <a:schemeClr val="lt1"/>
-          </a:fontRef>
-        </p:style>
-        <p:txBody>
-          <a:bodyPr rtlCol="0" anchor="ctr"/>
-          <a:lstStyle/>
-          <a:p>
-            <a:pPr algn="ctr"/>
-            <a:endParaRPr lang="zh-CN" altLang="en-US"/>
-          </a:p>
-        </p:txBody>
-      </p:sp>
-      <p:sp>
-        <p:nvSpPr>
-          <p:cNvPr id="10" name="矩形 9">
-            <a:extLst>
-              <a:ext uri="{FF2B5EF4-FFF2-40B4-BE49-F238E27FC236}">
-                <a16:creationId xmlns:a16="http://schemas.microsoft.com/office/drawing/2014/main" id="{B4C0F320-DC89-17C3-50A7-BA6F82CBD18F}"/>
-              </a:ext>
-            </a:extLst>
-          </p:cNvPr>
-          <p:cNvSpPr/>
-          <p:nvPr/>
-        </p:nvSpPr>
-        <p:spPr>
-          <a:xfrm>
-            <a:off x="1895959" y="3209629"/>
-            <a:ext cx="1911457" cy="764583"/>
-          </a:xfrm>
-          <a:prstGeom prst="rect">
-            <a:avLst/>
-          </a:prstGeom>
-          <a:solidFill>
-            <a:schemeClr val="accent2">
-              <a:lumMod val="40000"/>
-              <a:lumOff val="60000"/>
-            </a:schemeClr>
-          </a:solidFill>
-          <a:ln>
-            <a:solidFill>
-              <a:schemeClr val="accent2">
-                <a:lumMod val="40000"/>
-                <a:lumOff val="60000"/>
-              </a:schemeClr>
-            </a:solidFill>
-          </a:ln>
-        </p:spPr>
-        <p:style>
-          <a:lnRef idx="2">
-            <a:schemeClr val="accent1">
-              <a:shade val="50000"/>
-            </a:schemeClr>
-          </a:lnRef>
-          <a:fillRef idx="1">
-            <a:schemeClr val="accent1"/>
-          </a:fillRef>
-          <a:effectRef idx="0">
-            <a:schemeClr val="accent1"/>
-          </a:effectRef>
-          <a:fontRef idx="minor">
-            <a:schemeClr val="lt1"/>
-          </a:fontRef>
-        </p:style>
-        <p:txBody>
-          <a:bodyPr rtlCol="0" anchor="ctr"/>
-          <a:lstStyle/>
-          <a:p>
-            <a:pPr algn="ctr"/>
-            <a:endParaRPr lang="zh-CN" altLang="en-US"/>
-          </a:p>
-        </p:txBody>
-      </p:sp>
-      <p:sp>
-        <p:nvSpPr>
-          <p:cNvPr id="11" name="文本框 10">
-            <a:extLst>
-              <a:ext uri="{FF2B5EF4-FFF2-40B4-BE49-F238E27FC236}">
-                <a16:creationId xmlns:a16="http://schemas.microsoft.com/office/drawing/2014/main" id="{F762798D-9503-E22E-08E0-B1BB75C226FF}"/>
-              </a:ext>
-            </a:extLst>
-          </p:cNvPr>
-          <p:cNvSpPr txBox="1"/>
-          <p:nvPr/>
-        </p:nvSpPr>
-        <p:spPr>
-          <a:xfrm>
-            <a:off x="2048359" y="3268754"/>
-            <a:ext cx="1606658" cy="646331"/>
-          </a:xfrm>
-          <a:prstGeom prst="rect">
-            <a:avLst/>
-          </a:prstGeom>
-          <a:noFill/>
-        </p:spPr>
-        <p:txBody>
-          <a:bodyPr wrap="square" rtlCol="0">
-            <a:spAutoFit/>
-          </a:bodyPr>
-          <a:lstStyle/>
-          <a:p>
-            <a:pPr algn="ctr"/>
-            <a:r>
-              <a:rPr lang="en-US" altLang="zh-CN" dirty="0"/>
-              <a:t>Temperature</a:t>
-            </a:r>
-          </a:p>
-          <a:p>
-            <a:pPr algn="ctr"/>
-            <a:r>
-              <a:rPr lang="en-US" altLang="zh-CN" dirty="0"/>
-              <a:t>2 bytes</a:t>
-            </a:r>
-            <a:endParaRPr lang="zh-CN" altLang="en-US" dirty="0"/>
-          </a:p>
-        </p:txBody>
-      </p:sp>
-      <p:sp>
-        <p:nvSpPr>
-          <p:cNvPr id="12" name="文本框 11">
-            <a:extLst>
-              <a:ext uri="{FF2B5EF4-FFF2-40B4-BE49-F238E27FC236}">
-                <a16:creationId xmlns:a16="http://schemas.microsoft.com/office/drawing/2014/main" id="{DDA9421C-70AA-1412-3623-4E05EE032E13}"/>
-              </a:ext>
-            </a:extLst>
-          </p:cNvPr>
-          <p:cNvSpPr txBox="1"/>
-          <p:nvPr/>
-        </p:nvSpPr>
-        <p:spPr>
-          <a:xfrm>
-            <a:off x="4221970" y="3268753"/>
-            <a:ext cx="1082349" cy="646331"/>
-          </a:xfrm>
-          <a:prstGeom prst="rect">
-            <a:avLst/>
-          </a:prstGeom>
-          <a:noFill/>
-        </p:spPr>
-        <p:txBody>
-          <a:bodyPr wrap="none" rtlCol="0">
-            <a:spAutoFit/>
-          </a:bodyPr>
-          <a:lstStyle/>
-          <a:p>
-            <a:pPr algn="ctr"/>
-            <a:r>
-              <a:rPr lang="en-US" altLang="zh-CN" dirty="0"/>
-              <a:t>Humidity</a:t>
-            </a:r>
-          </a:p>
-          <a:p>
-            <a:pPr algn="ctr"/>
-            <a:r>
-              <a:rPr lang="en-US" altLang="zh-CN" dirty="0"/>
-              <a:t>2 bytes</a:t>
-            </a:r>
-            <a:endParaRPr lang="zh-CN" altLang="en-US" dirty="0"/>
-          </a:p>
-        </p:txBody>
-      </p:sp>
-      <p:sp>
-        <p:nvSpPr>
-          <p:cNvPr id="13" name="文本框 12">
-            <a:extLst>
-              <a:ext uri="{FF2B5EF4-FFF2-40B4-BE49-F238E27FC236}">
-                <a16:creationId xmlns:a16="http://schemas.microsoft.com/office/drawing/2014/main" id="{D42C284C-8CB9-4CF0-7A4B-F70ED61615E0}"/>
-              </a:ext>
-            </a:extLst>
-          </p:cNvPr>
-          <p:cNvSpPr txBox="1"/>
-          <p:nvPr/>
-        </p:nvSpPr>
-        <p:spPr>
-          <a:xfrm>
-            <a:off x="467531" y="3268753"/>
-            <a:ext cx="1126210" cy="646331"/>
-          </a:xfrm>
-          <a:prstGeom prst="rect">
-            <a:avLst/>
-          </a:prstGeom>
-          <a:noFill/>
-        </p:spPr>
-        <p:txBody>
-          <a:bodyPr wrap="square" rtlCol="0">
-            <a:spAutoFit/>
-          </a:bodyPr>
-          <a:lstStyle/>
-          <a:p>
-            <a:pPr algn="ctr"/>
-            <a:r>
-              <a:rPr lang="en-US" altLang="zh-CN" dirty="0"/>
-              <a:t>Plain Text</a:t>
-            </a:r>
-          </a:p>
-          <a:p>
-            <a:pPr algn="ctr"/>
-            <a:r>
-              <a:rPr lang="en-US" altLang="zh-CN" dirty="0"/>
-              <a:t>4 bytes</a:t>
-            </a:r>
-            <a:endParaRPr lang="zh-CN" altLang="en-US" dirty="0"/>
-          </a:p>
-        </p:txBody>
-      </p:sp>
-      <p:sp>
-        <p:nvSpPr>
-          <p:cNvPr id="15" name="矩形 14">
-            <a:extLst>
-              <a:ext uri="{FF2B5EF4-FFF2-40B4-BE49-F238E27FC236}">
-                <a16:creationId xmlns:a16="http://schemas.microsoft.com/office/drawing/2014/main" id="{727FE182-D6CF-494A-675D-03A5CBEBCD23}"/>
-              </a:ext>
-            </a:extLst>
-          </p:cNvPr>
-          <p:cNvSpPr/>
-          <p:nvPr/>
-        </p:nvSpPr>
-        <p:spPr>
-          <a:xfrm>
-            <a:off x="3807416" y="4959783"/>
-            <a:ext cx="1911457" cy="764583"/>
-          </a:xfrm>
-          <a:prstGeom prst="rect">
-            <a:avLst/>
-          </a:prstGeom>
-          <a:solidFill>
-            <a:schemeClr val="accent1">
-              <a:lumMod val="40000"/>
-              <a:lumOff val="60000"/>
-            </a:schemeClr>
-          </a:solidFill>
-          <a:ln>
-            <a:solidFill>
-              <a:schemeClr val="accent1">
-                <a:lumMod val="40000"/>
-                <a:lumOff val="60000"/>
-              </a:schemeClr>
-            </a:solidFill>
-          </a:ln>
-        </p:spPr>
-        <p:style>
-          <a:lnRef idx="2">
-            <a:schemeClr val="accent1">
-              <a:shade val="50000"/>
-            </a:schemeClr>
-          </a:lnRef>
-          <a:fillRef idx="1">
-            <a:schemeClr val="accent1"/>
-          </a:fillRef>
-          <a:effectRef idx="0">
-            <a:schemeClr val="accent1"/>
-          </a:effectRef>
-          <a:fontRef idx="minor">
-            <a:schemeClr val="lt1"/>
-          </a:fontRef>
-        </p:style>
-        <p:txBody>
-          <a:bodyPr rtlCol="0" anchor="ctr"/>
-          <a:lstStyle/>
-          <a:p>
-            <a:pPr algn="ctr"/>
-            <a:endParaRPr lang="zh-CN" altLang="en-US"/>
-          </a:p>
-        </p:txBody>
-      </p:sp>
-      <p:sp>
-        <p:nvSpPr>
-          <p:cNvPr id="16" name="矩形 15">
-            <a:extLst>
-              <a:ext uri="{FF2B5EF4-FFF2-40B4-BE49-F238E27FC236}">
-                <a16:creationId xmlns:a16="http://schemas.microsoft.com/office/drawing/2014/main" id="{C443EEB8-2BC7-8CF1-3204-A5C2AB9DF871}"/>
-              </a:ext>
-            </a:extLst>
-          </p:cNvPr>
-          <p:cNvSpPr/>
-          <p:nvPr/>
-        </p:nvSpPr>
-        <p:spPr>
-          <a:xfrm>
-            <a:off x="1895959" y="4959783"/>
-            <a:ext cx="1911457" cy="764583"/>
-          </a:xfrm>
-          <a:prstGeom prst="rect">
-            <a:avLst/>
-          </a:prstGeom>
-          <a:solidFill>
-            <a:schemeClr val="accent2">
-              <a:lumMod val="40000"/>
-              <a:lumOff val="60000"/>
-            </a:schemeClr>
-          </a:solidFill>
-          <a:ln>
-            <a:solidFill>
-              <a:schemeClr val="accent2">
-                <a:lumMod val="40000"/>
-                <a:lumOff val="60000"/>
-              </a:schemeClr>
-            </a:solidFill>
-          </a:ln>
-        </p:spPr>
-        <p:style>
-          <a:lnRef idx="2">
-            <a:schemeClr val="accent1">
-              <a:shade val="50000"/>
-            </a:schemeClr>
-          </a:lnRef>
-          <a:fillRef idx="1">
-            <a:schemeClr val="accent1"/>
-          </a:fillRef>
-          <a:effectRef idx="0">
-            <a:schemeClr val="accent1"/>
-          </a:effectRef>
-          <a:fontRef idx="minor">
-            <a:schemeClr val="lt1"/>
-          </a:fontRef>
-        </p:style>
-        <p:txBody>
-          <a:bodyPr rtlCol="0" anchor="ctr"/>
-          <a:lstStyle/>
-          <a:p>
-            <a:pPr algn="ctr"/>
-            <a:endParaRPr lang="zh-CN" altLang="en-US"/>
-          </a:p>
-        </p:txBody>
-      </p:sp>
-      <p:sp>
-        <p:nvSpPr>
-          <p:cNvPr id="17" name="文本框 16">
-            <a:extLst>
-              <a:ext uri="{FF2B5EF4-FFF2-40B4-BE49-F238E27FC236}">
-                <a16:creationId xmlns:a16="http://schemas.microsoft.com/office/drawing/2014/main" id="{BBD6FA9E-E1E9-14C0-94E6-06398D6C0305}"/>
-              </a:ext>
-            </a:extLst>
-          </p:cNvPr>
-          <p:cNvSpPr txBox="1"/>
-          <p:nvPr/>
-        </p:nvSpPr>
-        <p:spPr>
-          <a:xfrm>
-            <a:off x="2048359" y="5018908"/>
-            <a:ext cx="1606658" cy="646331"/>
-          </a:xfrm>
-          <a:prstGeom prst="rect">
-            <a:avLst/>
-          </a:prstGeom>
-          <a:noFill/>
-        </p:spPr>
-        <p:txBody>
-          <a:bodyPr wrap="square" rtlCol="0">
-            <a:spAutoFit/>
-          </a:bodyPr>
-          <a:lstStyle/>
-          <a:p>
-            <a:pPr algn="ctr"/>
-            <a:r>
-              <a:rPr lang="en-US" altLang="zh-CN" dirty="0"/>
-              <a:t>Temperature</a:t>
-            </a:r>
-          </a:p>
-          <a:p>
-            <a:pPr algn="ctr"/>
-            <a:r>
-              <a:rPr lang="en-US" altLang="zh-CN" dirty="0"/>
-              <a:t>2 bytes</a:t>
-            </a:r>
-            <a:endParaRPr lang="zh-CN" altLang="en-US" dirty="0"/>
-          </a:p>
-        </p:txBody>
-      </p:sp>
-      <p:sp>
-        <p:nvSpPr>
-          <p:cNvPr id="18" name="文本框 17">
-            <a:extLst>
-              <a:ext uri="{FF2B5EF4-FFF2-40B4-BE49-F238E27FC236}">
-                <a16:creationId xmlns:a16="http://schemas.microsoft.com/office/drawing/2014/main" id="{A23F508F-353A-F138-701F-4BDE873778C3}"/>
-              </a:ext>
-            </a:extLst>
-          </p:cNvPr>
-          <p:cNvSpPr txBox="1"/>
-          <p:nvPr/>
-        </p:nvSpPr>
-        <p:spPr>
-          <a:xfrm>
-            <a:off x="4221970" y="5018907"/>
-            <a:ext cx="1082349" cy="646331"/>
-          </a:xfrm>
-          <a:prstGeom prst="rect">
-            <a:avLst/>
-          </a:prstGeom>
-          <a:noFill/>
-        </p:spPr>
-        <p:txBody>
-          <a:bodyPr wrap="none" rtlCol="0">
-            <a:spAutoFit/>
-          </a:bodyPr>
-          <a:lstStyle/>
-          <a:p>
-            <a:pPr algn="ctr"/>
-            <a:r>
-              <a:rPr lang="en-US" altLang="zh-CN" dirty="0"/>
-              <a:t>Humidity</a:t>
-            </a:r>
-          </a:p>
-          <a:p>
-            <a:pPr algn="ctr"/>
-            <a:r>
-              <a:rPr lang="en-US" altLang="zh-CN" dirty="0"/>
-              <a:t>2 bytes</a:t>
-            </a:r>
-            <a:endParaRPr lang="zh-CN" altLang="en-US" dirty="0"/>
-          </a:p>
-        </p:txBody>
-      </p:sp>
-      <p:sp>
-        <p:nvSpPr>
-          <p:cNvPr id="19" name="文本框 18">
-            <a:extLst>
-              <a:ext uri="{FF2B5EF4-FFF2-40B4-BE49-F238E27FC236}">
-                <a16:creationId xmlns:a16="http://schemas.microsoft.com/office/drawing/2014/main" id="{5B9C1A1D-7FEB-6121-C717-E04A1D3DD7AF}"/>
-              </a:ext>
-            </a:extLst>
-          </p:cNvPr>
-          <p:cNvSpPr txBox="1"/>
-          <p:nvPr/>
-        </p:nvSpPr>
-        <p:spPr>
-          <a:xfrm>
-            <a:off x="80073" y="5078035"/>
-            <a:ext cx="1815886" cy="923330"/>
-          </a:xfrm>
-          <a:prstGeom prst="rect">
-            <a:avLst/>
-          </a:prstGeom>
-          <a:noFill/>
-        </p:spPr>
-        <p:txBody>
-          <a:bodyPr wrap="square" rtlCol="0">
-            <a:spAutoFit/>
-          </a:bodyPr>
-          <a:lstStyle/>
-          <a:p>
-            <a:pPr algn="ctr"/>
-            <a:r>
-              <a:rPr lang="en-US" altLang="zh-CN" dirty="0"/>
-              <a:t>Padded Plain Text</a:t>
-            </a:r>
-          </a:p>
-          <a:p>
-            <a:pPr algn="ctr"/>
-            <a:r>
-              <a:rPr lang="en-US" altLang="zh-CN" dirty="0"/>
-              <a:t>16 bytes</a:t>
-            </a:r>
-            <a:endParaRPr lang="zh-CN" altLang="en-US" dirty="0"/>
-          </a:p>
-        </p:txBody>
-      </p:sp>
-      <p:sp>
-        <p:nvSpPr>
-          <p:cNvPr id="20" name="矩形 19">
-            <a:extLst>
-              <a:ext uri="{FF2B5EF4-FFF2-40B4-BE49-F238E27FC236}">
-                <a16:creationId xmlns:a16="http://schemas.microsoft.com/office/drawing/2014/main" id="{D88103AE-2E69-C83C-8BB2-645C2DADADA4}"/>
-              </a:ext>
-            </a:extLst>
-          </p:cNvPr>
-          <p:cNvSpPr/>
-          <p:nvPr/>
-        </p:nvSpPr>
-        <p:spPr>
-          <a:xfrm>
-            <a:off x="5718873" y="4959780"/>
-            <a:ext cx="6028842" cy="764583"/>
-          </a:xfrm>
-          <a:prstGeom prst="rect">
-            <a:avLst/>
-          </a:prstGeom>
-          <a:solidFill>
-            <a:schemeClr val="accent6">
-              <a:lumMod val="40000"/>
-              <a:lumOff val="60000"/>
-            </a:schemeClr>
-          </a:solidFill>
-          <a:ln>
-            <a:solidFill>
-              <a:schemeClr val="accent6">
-                <a:lumMod val="40000"/>
-                <a:lumOff val="60000"/>
-              </a:schemeClr>
-            </a:solidFill>
-          </a:ln>
-        </p:spPr>
-        <p:style>
-          <a:lnRef idx="2">
-            <a:schemeClr val="accent1">
-              <a:shade val="50000"/>
-            </a:schemeClr>
-          </a:lnRef>
-          <a:fillRef idx="1">
-            <a:schemeClr val="accent1"/>
-          </a:fillRef>
-          <a:effectRef idx="0">
-            <a:schemeClr val="accent1"/>
-          </a:effectRef>
-          <a:fontRef idx="minor">
-            <a:schemeClr val="lt1"/>
-          </a:fontRef>
-        </p:style>
-        <p:txBody>
-          <a:bodyPr rtlCol="0" anchor="ctr"/>
-          <a:lstStyle/>
-          <a:p>
-            <a:pPr algn="ctr"/>
-            <a:endParaRPr lang="zh-CN" altLang="en-US"/>
-          </a:p>
-        </p:txBody>
-      </p:sp>
-      <p:sp>
-        <p:nvSpPr>
-          <p:cNvPr id="21" name="文本框 20">
-            <a:extLst>
-              <a:ext uri="{FF2B5EF4-FFF2-40B4-BE49-F238E27FC236}">
-                <a16:creationId xmlns:a16="http://schemas.microsoft.com/office/drawing/2014/main" id="{CCF011B1-F70F-60E5-A604-D83BF5D55707}"/>
-              </a:ext>
-            </a:extLst>
-          </p:cNvPr>
-          <p:cNvSpPr txBox="1"/>
-          <p:nvPr/>
-        </p:nvSpPr>
-        <p:spPr>
-          <a:xfrm>
-            <a:off x="7237707" y="4499675"/>
-            <a:ext cx="2991173" cy="369332"/>
-          </a:xfrm>
-          <a:prstGeom prst="rect">
-            <a:avLst/>
-          </a:prstGeom>
-          <a:noFill/>
-        </p:spPr>
-        <p:txBody>
-          <a:bodyPr wrap="square" rtlCol="0">
-            <a:spAutoFit/>
-          </a:bodyPr>
-          <a:lstStyle/>
-          <a:p>
-            <a:pPr algn="ctr"/>
-            <a:r>
-              <a:rPr lang="en-US" altLang="zh-CN" dirty="0"/>
-              <a:t>Padding</a:t>
-            </a:r>
-          </a:p>
-        </p:txBody>
-      </p:sp>
-      <p:sp>
-        <p:nvSpPr>
-          <p:cNvPr id="22" name="文本框 21">
-            <a:extLst>
-              <a:ext uri="{FF2B5EF4-FFF2-40B4-BE49-F238E27FC236}">
-                <a16:creationId xmlns:a16="http://schemas.microsoft.com/office/drawing/2014/main" id="{D0B4CEF6-10CF-31E4-5CC7-D57F35422548}"/>
-              </a:ext>
-            </a:extLst>
-          </p:cNvPr>
-          <p:cNvSpPr txBox="1"/>
-          <p:nvPr/>
-        </p:nvSpPr>
-        <p:spPr>
-          <a:xfrm>
-            <a:off x="6176074" y="5157405"/>
-            <a:ext cx="5114440" cy="369332"/>
-          </a:xfrm>
-          <a:prstGeom prst="rect">
-            <a:avLst/>
-          </a:prstGeom>
-          <a:noFill/>
-        </p:spPr>
-        <p:txBody>
-          <a:bodyPr wrap="square" rtlCol="0">
-            <a:spAutoFit/>
-          </a:bodyPr>
-          <a:lstStyle/>
-          <a:p>
-            <a:pPr algn="ctr"/>
-            <a:r>
-              <a:rPr lang="en-US" altLang="zh-CN" dirty="0"/>
-              <a:t>0C  </a:t>
-            </a:r>
-            <a:r>
-              <a:rPr lang="en-US" altLang="zh-CN" dirty="0" err="1"/>
-              <a:t>0C</a:t>
-            </a:r>
-            <a:r>
-              <a:rPr lang="en-US" altLang="zh-CN" dirty="0"/>
-              <a:t>  </a:t>
-            </a:r>
-            <a:r>
-              <a:rPr lang="en-US" altLang="zh-CN" dirty="0" err="1"/>
-              <a:t>0C</a:t>
-            </a:r>
-            <a:r>
-              <a:rPr lang="en-US" altLang="zh-CN" dirty="0"/>
-              <a:t>  </a:t>
-            </a:r>
-            <a:r>
-              <a:rPr lang="en-US" altLang="zh-CN" dirty="0" err="1"/>
-              <a:t>0C</a:t>
-            </a:r>
-            <a:r>
-              <a:rPr lang="en-US" altLang="zh-CN" dirty="0"/>
-              <a:t>  </a:t>
-            </a:r>
-            <a:r>
-              <a:rPr lang="en-US" altLang="zh-CN" dirty="0" err="1"/>
-              <a:t>0C</a:t>
-            </a:r>
-            <a:r>
-              <a:rPr lang="en-US" altLang="zh-CN" dirty="0"/>
-              <a:t>  </a:t>
-            </a:r>
-            <a:r>
-              <a:rPr lang="en-US" altLang="zh-CN" dirty="0" err="1"/>
-              <a:t>0C</a:t>
-            </a:r>
-            <a:r>
-              <a:rPr lang="en-US" altLang="zh-CN" dirty="0"/>
-              <a:t>  </a:t>
-            </a:r>
-            <a:r>
-              <a:rPr lang="en-US" altLang="zh-CN" dirty="0" err="1"/>
-              <a:t>0C</a:t>
-            </a:r>
-            <a:r>
-              <a:rPr lang="en-US" altLang="zh-CN" dirty="0"/>
-              <a:t>  </a:t>
-            </a:r>
-            <a:r>
-              <a:rPr lang="en-US" altLang="zh-CN" dirty="0" err="1"/>
-              <a:t>0C</a:t>
-            </a:r>
-            <a:r>
-              <a:rPr lang="en-US" altLang="zh-CN" dirty="0"/>
-              <a:t>  </a:t>
-            </a:r>
-            <a:r>
-              <a:rPr lang="en-US" altLang="zh-CN" dirty="0" err="1"/>
-              <a:t>0C</a:t>
-            </a:r>
-            <a:r>
-              <a:rPr lang="en-US" altLang="zh-CN" dirty="0"/>
-              <a:t>  </a:t>
-            </a:r>
-            <a:r>
-              <a:rPr lang="en-US" altLang="zh-CN" dirty="0" err="1"/>
-              <a:t>0C</a:t>
-            </a:r>
-            <a:r>
-              <a:rPr lang="en-US" altLang="zh-CN" dirty="0"/>
-              <a:t>  </a:t>
-            </a:r>
-            <a:r>
-              <a:rPr lang="en-US" altLang="zh-CN" dirty="0" err="1"/>
-              <a:t>0C</a:t>
-            </a:r>
-            <a:r>
-              <a:rPr lang="en-US" altLang="zh-CN" dirty="0"/>
-              <a:t>  </a:t>
-            </a:r>
-            <a:r>
-              <a:rPr lang="en-US" altLang="zh-CN" dirty="0" err="1"/>
-              <a:t>0C</a:t>
-            </a:r>
-            <a:r>
-              <a:rPr lang="en-US" altLang="zh-CN" dirty="0"/>
-              <a:t> </a:t>
-            </a:r>
-            <a:endParaRPr lang="zh-CN" altLang="en-US" dirty="0"/>
-          </a:p>
-        </p:txBody>
-      </p:sp>
-      <p:sp>
-        <p:nvSpPr>
-          <p:cNvPr id="23" name="左大括号 22">
-            <a:extLst>
-              <a:ext uri="{FF2B5EF4-FFF2-40B4-BE49-F238E27FC236}">
-                <a16:creationId xmlns:a16="http://schemas.microsoft.com/office/drawing/2014/main" id="{C290FC8F-F735-FC35-44B8-F8307CDBE891}"/>
-              </a:ext>
-            </a:extLst>
-          </p:cNvPr>
-          <p:cNvSpPr/>
-          <p:nvPr/>
-        </p:nvSpPr>
-        <p:spPr>
-          <a:xfrm rot="16200000">
-            <a:off x="8578156" y="2988433"/>
-            <a:ext cx="310280" cy="6028841"/>
-          </a:xfrm>
-          <a:prstGeom prst="leftBrace">
-            <a:avLst/>
-          </a:prstGeom>
-          <a:ln/>
-        </p:spPr>
-        <p:style>
-          <a:lnRef idx="2">
-            <a:schemeClr val="dk1"/>
-          </a:lnRef>
-          <a:fillRef idx="0">
-            <a:schemeClr val="dk1"/>
-          </a:fillRef>
-          <a:effectRef idx="1">
-            <a:schemeClr val="dk1"/>
-          </a:effectRef>
-          <a:fontRef idx="minor">
-            <a:schemeClr val="tx1"/>
-          </a:fontRef>
-        </p:style>
-        <p:txBody>
-          <a:bodyPr rtlCol="0" anchor="ctr"/>
-          <a:lstStyle/>
-          <a:p>
-            <a:pPr algn="ctr"/>
-            <a:endParaRPr lang="zh-CN" altLang="en-US"/>
-          </a:p>
-        </p:txBody>
-      </p:sp>
-      <p:sp>
-        <p:nvSpPr>
-          <p:cNvPr id="24" name="文本框 23">
-            <a:extLst>
-              <a:ext uri="{FF2B5EF4-FFF2-40B4-BE49-F238E27FC236}">
-                <a16:creationId xmlns:a16="http://schemas.microsoft.com/office/drawing/2014/main" id="{38EBBC8C-CF59-041F-82BC-B7CDF41AE374}"/>
-              </a:ext>
-            </a:extLst>
-          </p:cNvPr>
-          <p:cNvSpPr txBox="1"/>
-          <p:nvPr/>
-        </p:nvSpPr>
-        <p:spPr>
-          <a:xfrm>
-            <a:off x="7942879" y="6281341"/>
-            <a:ext cx="1580827" cy="369332"/>
-          </a:xfrm>
-          <a:prstGeom prst="rect">
-            <a:avLst/>
-          </a:prstGeom>
-          <a:noFill/>
-        </p:spPr>
-        <p:txBody>
-          <a:bodyPr wrap="square" rtlCol="0">
-            <a:spAutoFit/>
-          </a:bodyPr>
-          <a:lstStyle/>
-          <a:p>
-            <a:pPr algn="ctr"/>
-            <a:r>
-              <a:rPr lang="en-US" altLang="zh-CN" dirty="0"/>
-              <a:t>0C × 12</a:t>
-            </a:r>
-            <a:endParaRPr lang="zh-CN" altLang="en-US" dirty="0"/>
-          </a:p>
-        </p:txBody>
-      </p:sp>
-      <p:sp>
-        <p:nvSpPr>
-          <p:cNvPr id="27" name="文本框 26">
-            <a:extLst>
-              <a:ext uri="{FF2B5EF4-FFF2-40B4-BE49-F238E27FC236}">
-                <a16:creationId xmlns:a16="http://schemas.microsoft.com/office/drawing/2014/main" id="{7D8BC985-3A87-F693-A96E-3DBBFEA903C8}"/>
+                <a16:creationId xmlns:a16="http://schemas.microsoft.com/office/drawing/2014/main" id="{FA6EF007-6DA4-F260-DB23-5BF4210EA784}"/>
               </a:ext>
             </a:extLst>
           </p:cNvPr>
@@ -10040,7 +10192,7 @@
                 </a:solidFill>
                 <a:latin typeface="Consolas" panose="020B0609020204030204" pitchFamily="49" charset="0"/>
               </a:rPr>
-              <a:t>Data encryption</a:t>
+              <a:t>Multi-task scheduling</a:t>
             </a:r>
             <a:endParaRPr lang="zh-CN" altLang="en-US" sz="3200" dirty="0">
               <a:solidFill>
@@ -10054,7 +10206,7 @@
     </p:spTree>
     <p:extLst>
       <p:ext uri="{BB962C8B-B14F-4D97-AF65-F5344CB8AC3E}">
-        <p14:creationId xmlns:p14="http://schemas.microsoft.com/office/powerpoint/2010/main" val="432031339"/>
+        <p14:creationId xmlns:p14="http://schemas.microsoft.com/office/powerpoint/2010/main" val="298674984"/>
       </p:ext>
     </p:extLst>
   </p:cSld>
@@ -10083,10 +10235,10 @@
       </p:grpSpPr>
       <p:sp>
         <p:nvSpPr>
-          <p:cNvPr id="14" name="矩形 13">
-            <a:extLst>
-              <a:ext uri="{FF2B5EF4-FFF2-40B4-BE49-F238E27FC236}">
-                <a16:creationId xmlns:a16="http://schemas.microsoft.com/office/drawing/2014/main" id="{851796DE-5C9A-CF37-B52C-33952BDE0BE8}"/>
+          <p:cNvPr id="4" name="矩形 3">
+            <a:extLst>
+              <a:ext uri="{FF2B5EF4-FFF2-40B4-BE49-F238E27FC236}">
+                <a16:creationId xmlns:a16="http://schemas.microsoft.com/office/drawing/2014/main" id="{F303DB1B-35F7-D36B-0AEC-73335082E68C}"/>
               </a:ext>
             </a:extLst>
           </p:cNvPr>
@@ -10095,8 +10247,8 @@
         </p:nvSpPr>
         <p:spPr>
           <a:xfrm>
-            <a:off x="2626521" y="1097994"/>
-            <a:ext cx="625099" cy="764583"/>
+            <a:off x="4561667" y="1341222"/>
+            <a:ext cx="1911457" cy="764583"/>
           </a:xfrm>
           <a:prstGeom prst="rect">
             <a:avLst/>
@@ -10143,10 +10295,10 @@
       </p:sp>
       <p:sp>
         <p:nvSpPr>
-          <p:cNvPr id="15" name="矩形 14">
-            <a:extLst>
-              <a:ext uri="{FF2B5EF4-FFF2-40B4-BE49-F238E27FC236}">
-                <a16:creationId xmlns:a16="http://schemas.microsoft.com/office/drawing/2014/main" id="{37A1CF9B-15EB-8445-8F47-21801AB46F35}"/>
+          <p:cNvPr id="5" name="矩形 4">
+            <a:extLst>
+              <a:ext uri="{FF2B5EF4-FFF2-40B4-BE49-F238E27FC236}">
+                <a16:creationId xmlns:a16="http://schemas.microsoft.com/office/drawing/2014/main" id="{C137F7A3-A8C7-B7A2-E720-CF9863807DD6}"/>
               </a:ext>
             </a:extLst>
           </p:cNvPr>
@@ -10155,8 +10307,8 @@
         </p:nvSpPr>
         <p:spPr>
           <a:xfrm>
-            <a:off x="2001422" y="1097995"/>
-            <a:ext cx="625099" cy="764583"/>
+            <a:off x="1895959" y="1341222"/>
+            <a:ext cx="1911457" cy="764583"/>
           </a:xfrm>
           <a:prstGeom prst="rect">
             <a:avLst/>
@@ -10203,10 +10355,10 @@
       </p:sp>
       <p:sp>
         <p:nvSpPr>
-          <p:cNvPr id="18" name="文本框 17">
-            <a:extLst>
-              <a:ext uri="{FF2B5EF4-FFF2-40B4-BE49-F238E27FC236}">
-                <a16:creationId xmlns:a16="http://schemas.microsoft.com/office/drawing/2014/main" id="{861FD6FF-608F-F56E-F984-DED6BD7FE035}"/>
+          <p:cNvPr id="6" name="文本框 5">
+            <a:extLst>
+              <a:ext uri="{FF2B5EF4-FFF2-40B4-BE49-F238E27FC236}">
+                <a16:creationId xmlns:a16="http://schemas.microsoft.com/office/drawing/2014/main" id="{380B46B5-514A-F186-F5F1-FD557F593832}"/>
               </a:ext>
             </a:extLst>
           </p:cNvPr>
@@ -10215,8 +10367,8 @@
         </p:nvSpPr>
         <p:spPr>
           <a:xfrm>
-            <a:off x="185537" y="967721"/>
-            <a:ext cx="1815886" cy="923330"/>
+            <a:off x="2048359" y="1400347"/>
+            <a:ext cx="1606658" cy="646331"/>
           </a:xfrm>
           <a:prstGeom prst="rect">
             <a:avLst/>
@@ -10232,14 +10384,14 @@
             <a:pPr algn="ctr"/>
             <a:r>
               <a:rPr lang="en-US" altLang="zh-CN" dirty="0"/>
-              <a:t>Padded Plain Text</a:t>
+              <a:t>Temperature</a:t>
             </a:r>
           </a:p>
           <a:p>
             <a:pPr algn="ctr"/>
             <a:r>
               <a:rPr lang="en-US" altLang="zh-CN" dirty="0"/>
-              <a:t>16 bytes</a:t>
+              <a:t>2 bytes</a:t>
             </a:r>
             <a:endParaRPr lang="zh-CN" altLang="en-US" dirty="0"/>
           </a:p>
@@ -10247,10 +10399,91 @@
       </p:sp>
       <p:sp>
         <p:nvSpPr>
-          <p:cNvPr id="19" name="矩形 18">
-            <a:extLst>
-              <a:ext uri="{FF2B5EF4-FFF2-40B4-BE49-F238E27FC236}">
-                <a16:creationId xmlns:a16="http://schemas.microsoft.com/office/drawing/2014/main" id="{C2750DB3-A979-73F9-47C2-7E6D1403F328}"/>
+          <p:cNvPr id="7" name="文本框 6">
+            <a:extLst>
+              <a:ext uri="{FF2B5EF4-FFF2-40B4-BE49-F238E27FC236}">
+                <a16:creationId xmlns:a16="http://schemas.microsoft.com/office/drawing/2014/main" id="{99187BEA-86DE-F0C0-F827-787C37B9CFCD}"/>
+              </a:ext>
+            </a:extLst>
+          </p:cNvPr>
+          <p:cNvSpPr txBox="1"/>
+          <p:nvPr/>
+        </p:nvSpPr>
+        <p:spPr>
+          <a:xfrm>
+            <a:off x="4976221" y="1400346"/>
+            <a:ext cx="1082349" cy="646331"/>
+          </a:xfrm>
+          <a:prstGeom prst="rect">
+            <a:avLst/>
+          </a:prstGeom>
+          <a:noFill/>
+        </p:spPr>
+        <p:txBody>
+          <a:bodyPr wrap="none" rtlCol="0">
+            <a:spAutoFit/>
+          </a:bodyPr>
+          <a:lstStyle/>
+          <a:p>
+            <a:pPr algn="ctr"/>
+            <a:r>
+              <a:rPr lang="en-US" altLang="zh-CN" dirty="0"/>
+              <a:t>Humidity</a:t>
+            </a:r>
+          </a:p>
+          <a:p>
+            <a:pPr algn="ctr"/>
+            <a:r>
+              <a:rPr lang="en-US" altLang="zh-CN" dirty="0"/>
+              <a:t>2 bytes</a:t>
+            </a:r>
+            <a:endParaRPr lang="zh-CN" altLang="en-US" dirty="0"/>
+          </a:p>
+        </p:txBody>
+      </p:sp>
+      <p:sp>
+        <p:nvSpPr>
+          <p:cNvPr id="8" name="文本框 7">
+            <a:extLst>
+              <a:ext uri="{FF2B5EF4-FFF2-40B4-BE49-F238E27FC236}">
+                <a16:creationId xmlns:a16="http://schemas.microsoft.com/office/drawing/2014/main" id="{B81AD9C3-1794-1AFA-70CE-EAD57042C5F1}"/>
+              </a:ext>
+            </a:extLst>
+          </p:cNvPr>
+          <p:cNvSpPr txBox="1"/>
+          <p:nvPr/>
+        </p:nvSpPr>
+        <p:spPr>
+          <a:xfrm>
+            <a:off x="467531" y="1538845"/>
+            <a:ext cx="1126210" cy="369332"/>
+          </a:xfrm>
+          <a:prstGeom prst="rect">
+            <a:avLst/>
+          </a:prstGeom>
+          <a:noFill/>
+        </p:spPr>
+        <p:txBody>
+          <a:bodyPr wrap="square" rtlCol="0">
+            <a:spAutoFit/>
+          </a:bodyPr>
+          <a:lstStyle/>
+          <a:p>
+            <a:pPr algn="ctr"/>
+            <a:r>
+              <a:rPr lang="en-US" altLang="zh-CN" dirty="0"/>
+              <a:t>Sensor</a:t>
+            </a:r>
+            <a:endParaRPr lang="zh-CN" altLang="en-US" dirty="0"/>
+          </a:p>
+        </p:txBody>
+      </p:sp>
+      <p:sp>
+        <p:nvSpPr>
+          <p:cNvPr id="9" name="矩形 8">
+            <a:extLst>
+              <a:ext uri="{FF2B5EF4-FFF2-40B4-BE49-F238E27FC236}">
+                <a16:creationId xmlns:a16="http://schemas.microsoft.com/office/drawing/2014/main" id="{BD26A3AC-8369-E039-F8D3-ABD9E5264470}"/>
               </a:ext>
             </a:extLst>
           </p:cNvPr>
@@ -10259,21 +10492,21 @@
         </p:nvSpPr>
         <p:spPr>
           <a:xfrm>
-            <a:off x="3251619" y="1097994"/>
-            <a:ext cx="1255364" cy="764583"/>
+            <a:off x="3807416" y="3209629"/>
+            <a:ext cx="1911457" cy="764583"/>
           </a:xfrm>
           <a:prstGeom prst="rect">
             <a:avLst/>
           </a:prstGeom>
           <a:solidFill>
-            <a:schemeClr val="accent6">
+            <a:schemeClr val="accent1">
               <a:lumMod val="40000"/>
               <a:lumOff val="60000"/>
             </a:schemeClr>
           </a:solidFill>
           <a:ln>
             <a:solidFill>
-              <a:schemeClr val="accent6">
+              <a:schemeClr val="accent1">
                 <a:lumMod val="40000"/>
                 <a:lumOff val="60000"/>
               </a:schemeClr>
@@ -10307,10 +10540,10 @@
       </p:sp>
       <p:sp>
         <p:nvSpPr>
-          <p:cNvPr id="24" name="箭头: 下 23">
-            <a:extLst>
-              <a:ext uri="{FF2B5EF4-FFF2-40B4-BE49-F238E27FC236}">
-                <a16:creationId xmlns:a16="http://schemas.microsoft.com/office/drawing/2014/main" id="{67E241ED-EDDD-CAFB-C4E5-65D645103505}"/>
+          <p:cNvPr id="10" name="矩形 9">
+            <a:extLst>
+              <a:ext uri="{FF2B5EF4-FFF2-40B4-BE49-F238E27FC236}">
+                <a16:creationId xmlns:a16="http://schemas.microsoft.com/office/drawing/2014/main" id="{B4C0F320-DC89-17C3-50A7-BA6F82CBD18F}"/>
               </a:ext>
             </a:extLst>
           </p:cNvPr>
@@ -10319,18 +10552,24 @@
         </p:nvSpPr>
         <p:spPr>
           <a:xfrm>
-            <a:off x="992741" y="2037262"/>
-            <a:ext cx="201478" cy="646331"/>
-          </a:xfrm>
-          <a:prstGeom prst="downArrow">
+            <a:off x="1895959" y="3209629"/>
+            <a:ext cx="1911457" cy="764583"/>
+          </a:xfrm>
+          <a:prstGeom prst="rect">
             <a:avLst/>
           </a:prstGeom>
           <a:solidFill>
-            <a:schemeClr val="bg1"/>
+            <a:schemeClr val="accent2">
+              <a:lumMod val="40000"/>
+              <a:lumOff val="60000"/>
+            </a:schemeClr>
           </a:solidFill>
           <a:ln>
             <a:solidFill>
-              <a:schemeClr val="tx1"/>
+              <a:schemeClr val="accent2">
+                <a:lumMod val="40000"/>
+                <a:lumOff val="60000"/>
+              </a:schemeClr>
             </a:solidFill>
           </a:ln>
         </p:spPr>
@@ -10361,10 +10600,10 @@
       </p:sp>
       <p:sp>
         <p:nvSpPr>
-          <p:cNvPr id="25" name="文本框 24">
-            <a:extLst>
-              <a:ext uri="{FF2B5EF4-FFF2-40B4-BE49-F238E27FC236}">
-                <a16:creationId xmlns:a16="http://schemas.microsoft.com/office/drawing/2014/main" id="{C347D367-332A-FC88-2E7C-11BCC40DCE2D}"/>
+          <p:cNvPr id="11" name="文本框 10">
+            <a:extLst>
+              <a:ext uri="{FF2B5EF4-FFF2-40B4-BE49-F238E27FC236}">
+                <a16:creationId xmlns:a16="http://schemas.microsoft.com/office/drawing/2014/main" id="{F762798D-9503-E22E-08E0-B1BB75C226FF}"/>
               </a:ext>
             </a:extLst>
           </p:cNvPr>
@@ -10373,8 +10612,8 @@
         </p:nvSpPr>
         <p:spPr>
           <a:xfrm>
-            <a:off x="1194219" y="2123427"/>
-            <a:ext cx="2226590" cy="369332"/>
+            <a:off x="2048359" y="3268754"/>
+            <a:ext cx="1606658" cy="646331"/>
           </a:xfrm>
           <a:prstGeom prst="rect">
             <a:avLst/>
@@ -10390,7 +10629,14 @@
             <a:pPr algn="ctr"/>
             <a:r>
               <a:rPr lang="en-US" altLang="zh-CN" dirty="0"/>
-              <a:t>16 bytes AES Key</a:t>
+              <a:t>Temperature</a:t>
+            </a:r>
+          </a:p>
+          <a:p>
+            <a:pPr algn="ctr"/>
+            <a:r>
+              <a:rPr lang="en-US" altLang="zh-CN" dirty="0"/>
+              <a:t>2 bytes</a:t>
             </a:r>
             <a:endParaRPr lang="zh-CN" altLang="en-US" dirty="0"/>
           </a:p>
@@ -10398,10 +10644,10 @@
       </p:sp>
       <p:sp>
         <p:nvSpPr>
-          <p:cNvPr id="47" name="文本框 46">
-            <a:extLst>
-              <a:ext uri="{FF2B5EF4-FFF2-40B4-BE49-F238E27FC236}">
-                <a16:creationId xmlns:a16="http://schemas.microsoft.com/office/drawing/2014/main" id="{C02B39F9-9762-18F3-781D-2619E447CC7E}"/>
+          <p:cNvPr id="12" name="文本框 11">
+            <a:extLst>
+              <a:ext uri="{FF2B5EF4-FFF2-40B4-BE49-F238E27FC236}">
+                <a16:creationId xmlns:a16="http://schemas.microsoft.com/office/drawing/2014/main" id="{DDA9421C-70AA-1412-3623-4E05EE032E13}"/>
               </a:ext>
             </a:extLst>
           </p:cNvPr>
@@ -10410,8 +10656,52 @@
         </p:nvSpPr>
         <p:spPr>
           <a:xfrm>
-            <a:off x="185537" y="2917402"/>
-            <a:ext cx="1815886" cy="646331"/>
+            <a:off x="4221970" y="3268753"/>
+            <a:ext cx="1082349" cy="646331"/>
+          </a:xfrm>
+          <a:prstGeom prst="rect">
+            <a:avLst/>
+          </a:prstGeom>
+          <a:noFill/>
+        </p:spPr>
+        <p:txBody>
+          <a:bodyPr wrap="none" rtlCol="0">
+            <a:spAutoFit/>
+          </a:bodyPr>
+          <a:lstStyle/>
+          <a:p>
+            <a:pPr algn="ctr"/>
+            <a:r>
+              <a:rPr lang="en-US" altLang="zh-CN" dirty="0"/>
+              <a:t>Humidity</a:t>
+            </a:r>
+          </a:p>
+          <a:p>
+            <a:pPr algn="ctr"/>
+            <a:r>
+              <a:rPr lang="en-US" altLang="zh-CN" dirty="0"/>
+              <a:t>2 bytes</a:t>
+            </a:r>
+            <a:endParaRPr lang="zh-CN" altLang="en-US" dirty="0"/>
+          </a:p>
+        </p:txBody>
+      </p:sp>
+      <p:sp>
+        <p:nvSpPr>
+          <p:cNvPr id="13" name="文本框 12">
+            <a:extLst>
+              <a:ext uri="{FF2B5EF4-FFF2-40B4-BE49-F238E27FC236}">
+                <a16:creationId xmlns:a16="http://schemas.microsoft.com/office/drawing/2014/main" id="{D42C284C-8CB9-4CF0-7A4B-F70ED61615E0}"/>
+              </a:ext>
+            </a:extLst>
+          </p:cNvPr>
+          <p:cNvSpPr txBox="1"/>
+          <p:nvPr/>
+        </p:nvSpPr>
+        <p:spPr>
+          <a:xfrm>
+            <a:off x="467531" y="3268753"/>
+            <a:ext cx="1126210" cy="646331"/>
           </a:xfrm>
           <a:prstGeom prst="rect">
             <a:avLst/>
@@ -10427,14 +10717,14 @@
             <a:pPr algn="ctr"/>
             <a:r>
               <a:rPr lang="en-US" altLang="zh-CN" dirty="0"/>
-              <a:t>AES Cipher</a:t>
+              <a:t>Plain Text</a:t>
             </a:r>
           </a:p>
           <a:p>
             <a:pPr algn="ctr"/>
             <a:r>
               <a:rPr lang="en-US" altLang="zh-CN" dirty="0"/>
-              <a:t>16 bytes</a:t>
+              <a:t>4 bytes</a:t>
             </a:r>
             <a:endParaRPr lang="zh-CN" altLang="en-US" dirty="0"/>
           </a:p>
@@ -10442,10 +10732,10 @@
       </p:sp>
       <p:sp>
         <p:nvSpPr>
-          <p:cNvPr id="49" name="矩形 48">
-            <a:extLst>
-              <a:ext uri="{FF2B5EF4-FFF2-40B4-BE49-F238E27FC236}">
-                <a16:creationId xmlns:a16="http://schemas.microsoft.com/office/drawing/2014/main" id="{9F485F39-61F0-C8E8-5C39-D9C3FF6FE919}"/>
+          <p:cNvPr id="15" name="矩形 14">
+            <a:extLst>
+              <a:ext uri="{FF2B5EF4-FFF2-40B4-BE49-F238E27FC236}">
+                <a16:creationId xmlns:a16="http://schemas.microsoft.com/office/drawing/2014/main" id="{727FE182-D6CF-494A-675D-03A5CBEBCD23}"/>
               </a:ext>
             </a:extLst>
           </p:cNvPr>
@@ -10454,21 +10744,21 @@
         </p:nvSpPr>
         <p:spPr>
           <a:xfrm>
-            <a:off x="2001422" y="2858275"/>
-            <a:ext cx="2505561" cy="764583"/>
+            <a:off x="3807416" y="4959783"/>
+            <a:ext cx="1911457" cy="764583"/>
           </a:xfrm>
           <a:prstGeom prst="rect">
             <a:avLst/>
           </a:prstGeom>
           <a:solidFill>
-            <a:schemeClr val="accent4">
+            <a:schemeClr val="accent1">
               <a:lumMod val="40000"/>
               <a:lumOff val="60000"/>
             </a:schemeClr>
           </a:solidFill>
           <a:ln>
             <a:solidFill>
-              <a:schemeClr val="accent4">
+              <a:schemeClr val="accent1">
                 <a:lumMod val="40000"/>
                 <a:lumOff val="60000"/>
               </a:schemeClr>
@@ -10502,74 +10792,36 @@
       </p:sp>
       <p:sp>
         <p:nvSpPr>
-          <p:cNvPr id="50" name="文本框 49">
-            <a:extLst>
-              <a:ext uri="{FF2B5EF4-FFF2-40B4-BE49-F238E27FC236}">
-                <a16:creationId xmlns:a16="http://schemas.microsoft.com/office/drawing/2014/main" id="{DF47538C-C792-E3A3-520E-0B2532EFA084}"/>
-              </a:ext>
-            </a:extLst>
-          </p:cNvPr>
-          <p:cNvSpPr txBox="1"/>
-          <p:nvPr/>
-        </p:nvSpPr>
-        <p:spPr>
-          <a:xfrm>
-            <a:off x="2263602" y="2917400"/>
-            <a:ext cx="1850756" cy="646331"/>
+          <p:cNvPr id="16" name="矩形 15">
+            <a:extLst>
+              <a:ext uri="{FF2B5EF4-FFF2-40B4-BE49-F238E27FC236}">
+                <a16:creationId xmlns:a16="http://schemas.microsoft.com/office/drawing/2014/main" id="{C443EEB8-2BC7-8CF1-3204-A5C2AB9DF871}"/>
+              </a:ext>
+            </a:extLst>
+          </p:cNvPr>
+          <p:cNvSpPr/>
+          <p:nvPr/>
+        </p:nvSpPr>
+        <p:spPr>
+          <a:xfrm>
+            <a:off x="1895959" y="4959783"/>
+            <a:ext cx="1911457" cy="764583"/>
           </a:xfrm>
           <a:prstGeom prst="rect">
             <a:avLst/>
           </a:prstGeom>
-          <a:noFill/>
-        </p:spPr>
-        <p:txBody>
-          <a:bodyPr wrap="square" rtlCol="0">
-            <a:spAutoFit/>
-          </a:bodyPr>
-          <a:lstStyle/>
-          <a:p>
-            <a:pPr algn="ctr"/>
-            <a:r>
-              <a:rPr lang="en-US" altLang="zh-CN" dirty="0"/>
-              <a:t>AES Cipher</a:t>
-            </a:r>
-          </a:p>
-          <a:p>
-            <a:pPr algn="ctr"/>
-            <a:r>
-              <a:rPr lang="en-US" altLang="zh-CN" dirty="0"/>
-              <a:t>16 bytes</a:t>
-            </a:r>
-            <a:endParaRPr lang="zh-CN" altLang="en-US" dirty="0"/>
-          </a:p>
-        </p:txBody>
-      </p:sp>
-      <p:sp>
-        <p:nvSpPr>
-          <p:cNvPr id="52" name="箭头: 右 51">
-            <a:extLst>
-              <a:ext uri="{FF2B5EF4-FFF2-40B4-BE49-F238E27FC236}">
-                <a16:creationId xmlns:a16="http://schemas.microsoft.com/office/drawing/2014/main" id="{93E428D5-41A3-1087-88CB-A33AE065C52E}"/>
-              </a:ext>
-            </a:extLst>
-          </p:cNvPr>
-          <p:cNvSpPr/>
-          <p:nvPr/>
-        </p:nvSpPr>
-        <p:spPr>
-          <a:xfrm rot="20388064">
-            <a:off x="4734290" y="2744065"/>
-            <a:ext cx="1219201" cy="295090"/>
-          </a:xfrm>
-          <a:prstGeom prst="rightArrow">
-            <a:avLst/>
-          </a:prstGeom>
           <a:solidFill>
-            <a:schemeClr val="bg1"/>
+            <a:schemeClr val="accent2">
+              <a:lumMod val="40000"/>
+              <a:lumOff val="60000"/>
+            </a:schemeClr>
           </a:solidFill>
           <a:ln>
             <a:solidFill>
-              <a:schemeClr val="tx1"/>
+              <a:schemeClr val="accent2">
+                <a:lumMod val="40000"/>
+                <a:lumOff val="60000"/>
+              </a:schemeClr>
             </a:solidFill>
           </a:ln>
         </p:spPr>
@@ -10600,10 +10852,142 @@
       </p:sp>
       <p:sp>
         <p:nvSpPr>
-          <p:cNvPr id="53" name="箭头: 右 52">
-            <a:extLst>
-              <a:ext uri="{FF2B5EF4-FFF2-40B4-BE49-F238E27FC236}">
-                <a16:creationId xmlns:a16="http://schemas.microsoft.com/office/drawing/2014/main" id="{76FB497D-187D-5931-2126-D535C06FDAEF}"/>
+          <p:cNvPr id="17" name="文本框 16">
+            <a:extLst>
+              <a:ext uri="{FF2B5EF4-FFF2-40B4-BE49-F238E27FC236}">
+                <a16:creationId xmlns:a16="http://schemas.microsoft.com/office/drawing/2014/main" id="{BBD6FA9E-E1E9-14C0-94E6-06398D6C0305}"/>
+              </a:ext>
+            </a:extLst>
+          </p:cNvPr>
+          <p:cNvSpPr txBox="1"/>
+          <p:nvPr/>
+        </p:nvSpPr>
+        <p:spPr>
+          <a:xfrm>
+            <a:off x="2048359" y="5018908"/>
+            <a:ext cx="1606658" cy="646331"/>
+          </a:xfrm>
+          <a:prstGeom prst="rect">
+            <a:avLst/>
+          </a:prstGeom>
+          <a:noFill/>
+        </p:spPr>
+        <p:txBody>
+          <a:bodyPr wrap="square" rtlCol="0">
+            <a:spAutoFit/>
+          </a:bodyPr>
+          <a:lstStyle/>
+          <a:p>
+            <a:pPr algn="ctr"/>
+            <a:r>
+              <a:rPr lang="en-US" altLang="zh-CN" dirty="0"/>
+              <a:t>Temperature</a:t>
+            </a:r>
+          </a:p>
+          <a:p>
+            <a:pPr algn="ctr"/>
+            <a:r>
+              <a:rPr lang="en-US" altLang="zh-CN" dirty="0"/>
+              <a:t>2 bytes</a:t>
+            </a:r>
+            <a:endParaRPr lang="zh-CN" altLang="en-US" dirty="0"/>
+          </a:p>
+        </p:txBody>
+      </p:sp>
+      <p:sp>
+        <p:nvSpPr>
+          <p:cNvPr id="18" name="文本框 17">
+            <a:extLst>
+              <a:ext uri="{FF2B5EF4-FFF2-40B4-BE49-F238E27FC236}">
+                <a16:creationId xmlns:a16="http://schemas.microsoft.com/office/drawing/2014/main" id="{A23F508F-353A-F138-701F-4BDE873778C3}"/>
+              </a:ext>
+            </a:extLst>
+          </p:cNvPr>
+          <p:cNvSpPr txBox="1"/>
+          <p:nvPr/>
+        </p:nvSpPr>
+        <p:spPr>
+          <a:xfrm>
+            <a:off x="4221970" y="5018907"/>
+            <a:ext cx="1082349" cy="646331"/>
+          </a:xfrm>
+          <a:prstGeom prst="rect">
+            <a:avLst/>
+          </a:prstGeom>
+          <a:noFill/>
+        </p:spPr>
+        <p:txBody>
+          <a:bodyPr wrap="none" rtlCol="0">
+            <a:spAutoFit/>
+          </a:bodyPr>
+          <a:lstStyle/>
+          <a:p>
+            <a:pPr algn="ctr"/>
+            <a:r>
+              <a:rPr lang="en-US" altLang="zh-CN" dirty="0"/>
+              <a:t>Humidity</a:t>
+            </a:r>
+          </a:p>
+          <a:p>
+            <a:pPr algn="ctr"/>
+            <a:r>
+              <a:rPr lang="en-US" altLang="zh-CN" dirty="0"/>
+              <a:t>2 bytes</a:t>
+            </a:r>
+            <a:endParaRPr lang="zh-CN" altLang="en-US" dirty="0"/>
+          </a:p>
+        </p:txBody>
+      </p:sp>
+      <p:sp>
+        <p:nvSpPr>
+          <p:cNvPr id="19" name="文本框 18">
+            <a:extLst>
+              <a:ext uri="{FF2B5EF4-FFF2-40B4-BE49-F238E27FC236}">
+                <a16:creationId xmlns:a16="http://schemas.microsoft.com/office/drawing/2014/main" id="{5B9C1A1D-7FEB-6121-C717-E04A1D3DD7AF}"/>
+              </a:ext>
+            </a:extLst>
+          </p:cNvPr>
+          <p:cNvSpPr txBox="1"/>
+          <p:nvPr/>
+        </p:nvSpPr>
+        <p:spPr>
+          <a:xfrm>
+            <a:off x="80073" y="5078035"/>
+            <a:ext cx="1815886" cy="923330"/>
+          </a:xfrm>
+          <a:prstGeom prst="rect">
+            <a:avLst/>
+          </a:prstGeom>
+          <a:noFill/>
+        </p:spPr>
+        <p:txBody>
+          <a:bodyPr wrap="square" rtlCol="0">
+            <a:spAutoFit/>
+          </a:bodyPr>
+          <a:lstStyle/>
+          <a:p>
+            <a:pPr algn="ctr"/>
+            <a:r>
+              <a:rPr lang="en-US" altLang="zh-CN" dirty="0"/>
+              <a:t>Padded Plain Text</a:t>
+            </a:r>
+          </a:p>
+          <a:p>
+            <a:pPr algn="ctr"/>
+            <a:r>
+              <a:rPr lang="en-US" altLang="zh-CN" dirty="0"/>
+              <a:t>16 bytes</a:t>
+            </a:r>
+            <a:endParaRPr lang="zh-CN" altLang="en-US" dirty="0"/>
+          </a:p>
+        </p:txBody>
+      </p:sp>
+      <p:sp>
+        <p:nvSpPr>
+          <p:cNvPr id="20" name="矩形 19">
+            <a:extLst>
+              <a:ext uri="{FF2B5EF4-FFF2-40B4-BE49-F238E27FC236}">
+                <a16:creationId xmlns:a16="http://schemas.microsoft.com/office/drawing/2014/main" id="{D88103AE-2E69-C83C-8BB2-645C2DADADA4}"/>
               </a:ext>
             </a:extLst>
           </p:cNvPr>
@@ -10611,19 +10995,25 @@
           <p:nvPr/>
         </p:nvSpPr>
         <p:spPr>
-          <a:xfrm rot="1211936" flipV="1">
-            <a:off x="4734289" y="3441975"/>
-            <a:ext cx="1219201" cy="295090"/>
-          </a:xfrm>
-          <a:prstGeom prst="rightArrow">
+          <a:xfrm>
+            <a:off x="5718873" y="4959780"/>
+            <a:ext cx="6028842" cy="764583"/>
+          </a:xfrm>
+          <a:prstGeom prst="rect">
             <a:avLst/>
           </a:prstGeom>
           <a:solidFill>
-            <a:schemeClr val="bg1"/>
+            <a:schemeClr val="accent6">
+              <a:lumMod val="40000"/>
+              <a:lumOff val="60000"/>
+            </a:schemeClr>
           </a:solidFill>
           <a:ln>
             <a:solidFill>
-              <a:schemeClr val="tx1"/>
+              <a:schemeClr val="accent6">
+                <a:lumMod val="40000"/>
+                <a:lumOff val="60000"/>
+              </a:schemeClr>
             </a:solidFill>
           </a:ln>
         </p:spPr>
@@ -10654,10 +11044,10 @@
       </p:sp>
       <p:sp>
         <p:nvSpPr>
-          <p:cNvPr id="54" name="文本框 53">
-            <a:extLst>
-              <a:ext uri="{FF2B5EF4-FFF2-40B4-BE49-F238E27FC236}">
-                <a16:creationId xmlns:a16="http://schemas.microsoft.com/office/drawing/2014/main" id="{3245FDC5-15D7-7DBF-8D0D-A9ACA1844FE4}"/>
+          <p:cNvPr id="21" name="文本框 20">
+            <a:extLst>
+              <a:ext uri="{FF2B5EF4-FFF2-40B4-BE49-F238E27FC236}">
+                <a16:creationId xmlns:a16="http://schemas.microsoft.com/office/drawing/2014/main" id="{CCF011B1-F70F-60E5-A604-D83BF5D55707}"/>
               </a:ext>
             </a:extLst>
           </p:cNvPr>
@@ -10665,9 +11055,9 @@
           <p:nvPr/>
         </p:nvSpPr>
         <p:spPr>
-          <a:xfrm rot="20500068">
-            <a:off x="4018787" y="2123171"/>
-            <a:ext cx="2226590" cy="646331"/>
+          <a:xfrm>
+            <a:off x="7237707" y="4499675"/>
+            <a:ext cx="2991173" cy="369332"/>
           </a:xfrm>
           <a:prstGeom prst="rect">
             <a:avLst/>
@@ -10683,141 +11073,17 @@
             <a:pPr algn="ctr"/>
             <a:r>
               <a:rPr lang="en-US" altLang="zh-CN" dirty="0"/>
-              <a:t>HMAC </a:t>
-            </a:r>
-          </a:p>
-          <a:p>
-            <a:pPr algn="ctr"/>
-            <a:r>
-              <a:rPr lang="en-US" altLang="zh-CN" dirty="0"/>
-              <a:t>Key</a:t>
-            </a:r>
-            <a:endParaRPr lang="zh-CN" altLang="en-US" dirty="0"/>
-          </a:p>
-        </p:txBody>
-      </p:sp>
-      <p:sp>
-        <p:nvSpPr>
-          <p:cNvPr id="57" name="矩形 56">
-            <a:extLst>
-              <a:ext uri="{FF2B5EF4-FFF2-40B4-BE49-F238E27FC236}">
-                <a16:creationId xmlns:a16="http://schemas.microsoft.com/office/drawing/2014/main" id="{8A8D0440-E774-39E3-D571-DCAB0AD6F6E6}"/>
-              </a:ext>
-            </a:extLst>
-          </p:cNvPr>
-          <p:cNvSpPr/>
-          <p:nvPr/>
-        </p:nvSpPr>
-        <p:spPr>
-          <a:xfrm>
-            <a:off x="6180798" y="2301301"/>
-            <a:ext cx="5007958" cy="764583"/>
-          </a:xfrm>
-          <a:prstGeom prst="rect">
-            <a:avLst/>
-          </a:prstGeom>
-          <a:solidFill>
-            <a:schemeClr val="accent2">
-              <a:lumMod val="75000"/>
-            </a:schemeClr>
-          </a:solidFill>
-          <a:ln>
-            <a:solidFill>
-              <a:schemeClr val="accent2">
-                <a:lumMod val="75000"/>
-              </a:schemeClr>
-            </a:solidFill>
-          </a:ln>
-        </p:spPr>
-        <p:style>
-          <a:lnRef idx="2">
-            <a:schemeClr val="accent1">
-              <a:shade val="50000"/>
-            </a:schemeClr>
-          </a:lnRef>
-          <a:fillRef idx="1">
-            <a:schemeClr val="accent1"/>
-          </a:fillRef>
-          <a:effectRef idx="0">
-            <a:schemeClr val="accent1"/>
-          </a:effectRef>
-          <a:fontRef idx="minor">
-            <a:schemeClr val="lt1"/>
-          </a:fontRef>
-        </p:style>
-        <p:txBody>
-          <a:bodyPr rtlCol="0" anchor="ctr"/>
-          <a:lstStyle/>
-          <a:p>
-            <a:pPr algn="ctr"/>
-            <a:endParaRPr lang="zh-CN" altLang="en-US"/>
-          </a:p>
-        </p:txBody>
-      </p:sp>
-      <p:sp>
-        <p:nvSpPr>
-          <p:cNvPr id="58" name="矩形 57">
-            <a:extLst>
-              <a:ext uri="{FF2B5EF4-FFF2-40B4-BE49-F238E27FC236}">
-                <a16:creationId xmlns:a16="http://schemas.microsoft.com/office/drawing/2014/main" id="{FDB711B2-1EBB-5AD3-91F4-36D22CF9401A}"/>
-              </a:ext>
-            </a:extLst>
-          </p:cNvPr>
-          <p:cNvSpPr/>
-          <p:nvPr/>
-        </p:nvSpPr>
-        <p:spPr>
-          <a:xfrm>
-            <a:off x="6180796" y="3532480"/>
-            <a:ext cx="5007958" cy="764583"/>
-          </a:xfrm>
-          <a:prstGeom prst="rect">
-            <a:avLst/>
-          </a:prstGeom>
-          <a:solidFill>
-            <a:schemeClr val="accent6">
-              <a:lumMod val="75000"/>
-            </a:schemeClr>
-          </a:solidFill>
-          <a:ln>
-            <a:solidFill>
-              <a:schemeClr val="accent6">
-                <a:lumMod val="75000"/>
-              </a:schemeClr>
-            </a:solidFill>
-          </a:ln>
-        </p:spPr>
-        <p:style>
-          <a:lnRef idx="2">
-            <a:schemeClr val="accent1">
-              <a:shade val="50000"/>
-            </a:schemeClr>
-          </a:lnRef>
-          <a:fillRef idx="1">
-            <a:schemeClr val="accent1"/>
-          </a:fillRef>
-          <a:effectRef idx="0">
-            <a:schemeClr val="accent1"/>
-          </a:effectRef>
-          <a:fontRef idx="minor">
-            <a:schemeClr val="lt1"/>
-          </a:fontRef>
-        </p:style>
-        <p:txBody>
-          <a:bodyPr rtlCol="0" anchor="ctr"/>
-          <a:lstStyle/>
-          <a:p>
-            <a:pPr algn="ctr"/>
-            <a:endParaRPr lang="zh-CN" altLang="en-US"/>
-          </a:p>
-        </p:txBody>
-      </p:sp>
-      <p:sp>
-        <p:nvSpPr>
-          <p:cNvPr id="59" name="文本框 58">
-            <a:extLst>
-              <a:ext uri="{FF2B5EF4-FFF2-40B4-BE49-F238E27FC236}">
-                <a16:creationId xmlns:a16="http://schemas.microsoft.com/office/drawing/2014/main" id="{32C20C7A-F342-97A7-AD7C-3868C28EFAA6}"/>
+              <a:t>Padding</a:t>
+            </a:r>
+          </a:p>
+        </p:txBody>
+      </p:sp>
+      <p:sp>
+        <p:nvSpPr>
+          <p:cNvPr id="22" name="文本框 21">
+            <a:extLst>
+              <a:ext uri="{FF2B5EF4-FFF2-40B4-BE49-F238E27FC236}">
+                <a16:creationId xmlns:a16="http://schemas.microsoft.com/office/drawing/2014/main" id="{D0B4CEF6-10CF-31E4-5CC7-D57F35422548}"/>
               </a:ext>
             </a:extLst>
           </p:cNvPr>
@@ -10825,53 +11091,9 @@
           <p:nvPr/>
         </p:nvSpPr>
         <p:spPr>
-          <a:xfrm rot="1206588">
-            <a:off x="4650120" y="3688020"/>
-            <a:ext cx="1173718" cy="646331"/>
-          </a:xfrm>
-          <a:prstGeom prst="rect">
-            <a:avLst/>
-          </a:prstGeom>
-          <a:noFill/>
-        </p:spPr>
-        <p:txBody>
-          <a:bodyPr wrap="none" rtlCol="0">
-            <a:spAutoFit/>
-          </a:bodyPr>
-          <a:lstStyle/>
-          <a:p>
-            <a:pPr algn="ctr"/>
-            <a:r>
-              <a:rPr lang="en-US" altLang="zh-CN" dirty="0"/>
-              <a:t>Hash </a:t>
-            </a:r>
-          </a:p>
-          <a:p>
-            <a:pPr algn="ctr"/>
-            <a:r>
-              <a:rPr lang="en-US" altLang="zh-CN" dirty="0"/>
-              <a:t>Algorithm</a:t>
-            </a:r>
-            <a:endParaRPr lang="zh-CN" altLang="en-US" dirty="0"/>
-          </a:p>
-        </p:txBody>
-      </p:sp>
-      <p:sp>
-        <p:nvSpPr>
-          <p:cNvPr id="60" name="文本框 59">
-            <a:extLst>
-              <a:ext uri="{FF2B5EF4-FFF2-40B4-BE49-F238E27FC236}">
-                <a16:creationId xmlns:a16="http://schemas.microsoft.com/office/drawing/2014/main" id="{E5EE6273-5357-8878-D2F6-E5C7739A3248}"/>
-              </a:ext>
-            </a:extLst>
-          </p:cNvPr>
-          <p:cNvSpPr txBox="1"/>
-          <p:nvPr/>
-        </p:nvSpPr>
-        <p:spPr>
-          <a:xfrm>
-            <a:off x="7115574" y="2360426"/>
-            <a:ext cx="3120325" cy="646331"/>
+          <a:xfrm>
+            <a:off x="6176074" y="5157405"/>
+            <a:ext cx="5114440" cy="369332"/>
           </a:xfrm>
           <a:prstGeom prst="rect">
             <a:avLst/>
@@ -10887,14 +11109,95 @@
             <a:pPr algn="ctr"/>
             <a:r>
               <a:rPr lang="en-US" altLang="zh-CN" dirty="0"/>
-              <a:t>Authentication Data</a:t>
-            </a:r>
-          </a:p>
-          <a:p>
-            <a:pPr algn="ctr"/>
+              <a:t>0C  </a:t>
+            </a:r>
+            <a:r>
+              <a:rPr lang="en-US" altLang="zh-CN" dirty="0" err="1"/>
+              <a:t>0C</a:t>
+            </a:r>
             <a:r>
               <a:rPr lang="en-US" altLang="zh-CN" dirty="0"/>
-              <a:t>32 bytes</a:t>
+              <a:t>  </a:t>
+            </a:r>
+            <a:r>
+              <a:rPr lang="en-US" altLang="zh-CN" dirty="0" err="1"/>
+              <a:t>0C</a:t>
+            </a:r>
+            <a:r>
+              <a:rPr lang="en-US" altLang="zh-CN" dirty="0"/>
+              <a:t>  </a:t>
+            </a:r>
+            <a:r>
+              <a:rPr lang="en-US" altLang="zh-CN" dirty="0" err="1"/>
+              <a:t>0C</a:t>
+            </a:r>
+            <a:r>
+              <a:rPr lang="en-US" altLang="zh-CN" dirty="0"/>
+              <a:t>  </a:t>
+            </a:r>
+            <a:r>
+              <a:rPr lang="en-US" altLang="zh-CN" dirty="0" err="1"/>
+              <a:t>0C</a:t>
+            </a:r>
+            <a:r>
+              <a:rPr lang="en-US" altLang="zh-CN" dirty="0"/>
+              <a:t>  </a:t>
+            </a:r>
+            <a:r>
+              <a:rPr lang="en-US" altLang="zh-CN" dirty="0" err="1"/>
+              <a:t>0C</a:t>
+            </a:r>
+            <a:r>
+              <a:rPr lang="en-US" altLang="zh-CN" dirty="0"/>
+              <a:t>  </a:t>
+            </a:r>
+            <a:r>
+              <a:rPr lang="en-US" altLang="zh-CN" dirty="0" err="1"/>
+              <a:t>0C</a:t>
+            </a:r>
+            <a:r>
+              <a:rPr lang="en-US" altLang="zh-CN" dirty="0"/>
+              <a:t>  </a:t>
+            </a:r>
+            <a:r>
+              <a:rPr lang="en-US" altLang="zh-CN" dirty="0" err="1"/>
+              <a:t>0C</a:t>
+            </a:r>
+            <a:r>
+              <a:rPr lang="en-US" altLang="zh-CN" dirty="0"/>
+              <a:t>  </a:t>
+            </a:r>
+            <a:r>
+              <a:rPr lang="en-US" altLang="zh-CN" dirty="0" err="1"/>
+              <a:t>0C</a:t>
+            </a:r>
+            <a:r>
+              <a:rPr lang="en-US" altLang="zh-CN" dirty="0"/>
+              <a:t>  </a:t>
+            </a:r>
+            <a:r>
+              <a:rPr lang="en-US" altLang="zh-CN" dirty="0" err="1"/>
+              <a:t>0C</a:t>
+            </a:r>
+            <a:r>
+              <a:rPr lang="en-US" altLang="zh-CN" dirty="0"/>
+              <a:t>  </a:t>
+            </a:r>
+            <a:r>
+              <a:rPr lang="en-US" altLang="zh-CN" dirty="0" err="1"/>
+              <a:t>0C</a:t>
+            </a:r>
+            <a:r>
+              <a:rPr lang="en-US" altLang="zh-CN" dirty="0"/>
+              <a:t>  </a:t>
+            </a:r>
+            <a:r>
+              <a:rPr lang="en-US" altLang="zh-CN" dirty="0" err="1"/>
+              <a:t>0C</a:t>
+            </a:r>
+            <a:r>
+              <a:rPr lang="en-US" altLang="zh-CN" dirty="0"/>
+              <a:t> </a:t>
             </a:r>
             <a:endParaRPr lang="zh-CN" altLang="en-US" dirty="0"/>
           </a:p>
@@ -10902,54 +11205,10 @@
       </p:sp>
       <p:sp>
         <p:nvSpPr>
-          <p:cNvPr id="61" name="文本框 60">
-            <a:extLst>
-              <a:ext uri="{FF2B5EF4-FFF2-40B4-BE49-F238E27FC236}">
-                <a16:creationId xmlns:a16="http://schemas.microsoft.com/office/drawing/2014/main" id="{379023DB-38B9-E25C-E400-F0A330132AD6}"/>
-              </a:ext>
-            </a:extLst>
-          </p:cNvPr>
-          <p:cNvSpPr txBox="1"/>
-          <p:nvPr/>
-        </p:nvSpPr>
-        <p:spPr>
-          <a:xfrm>
-            <a:off x="7124612" y="3591604"/>
-            <a:ext cx="3120325" cy="646331"/>
-          </a:xfrm>
-          <a:prstGeom prst="rect">
-            <a:avLst/>
-          </a:prstGeom>
-          <a:noFill/>
-        </p:spPr>
-        <p:txBody>
-          <a:bodyPr wrap="square" rtlCol="0">
-            <a:spAutoFit/>
-          </a:bodyPr>
-          <a:lstStyle/>
-          <a:p>
-            <a:pPr algn="ctr"/>
-            <a:r>
-              <a:rPr lang="en-US" altLang="zh-CN" dirty="0"/>
-              <a:t>Integrity Data</a:t>
-            </a:r>
-          </a:p>
-          <a:p>
-            <a:pPr algn="ctr"/>
-            <a:r>
-              <a:rPr lang="en-US" altLang="zh-CN" dirty="0"/>
-              <a:t>32 bytes</a:t>
-            </a:r>
-            <a:endParaRPr lang="zh-CN" altLang="en-US" dirty="0"/>
-          </a:p>
-        </p:txBody>
-      </p:sp>
-      <p:sp>
-        <p:nvSpPr>
-          <p:cNvPr id="62" name="矩形 61">
-            <a:extLst>
-              <a:ext uri="{FF2B5EF4-FFF2-40B4-BE49-F238E27FC236}">
-                <a16:creationId xmlns:a16="http://schemas.microsoft.com/office/drawing/2014/main" id="{15FF1552-9F9C-9E55-D078-AEF1943C356C}"/>
+          <p:cNvPr id="23" name="左大括号 22">
+            <a:extLst>
+              <a:ext uri="{FF2B5EF4-FFF2-40B4-BE49-F238E27FC236}">
+                <a16:creationId xmlns:a16="http://schemas.microsoft.com/office/drawing/2014/main" id="{C290FC8F-F735-FC35-44B8-F8307CDBE891}"/>
               </a:ext>
             </a:extLst>
           </p:cNvPr>
@@ -10957,426 +11216,14 @@
           <p:nvPr/>
         </p:nvSpPr>
         <p:spPr>
-          <a:xfrm>
-            <a:off x="1289450" y="5487324"/>
-            <a:ext cx="1691290" cy="764583"/>
-          </a:xfrm>
-          <a:prstGeom prst="rect">
-            <a:avLst/>
-          </a:prstGeom>
-          <a:solidFill>
-            <a:schemeClr val="accent4">
-              <a:lumMod val="40000"/>
-              <a:lumOff val="60000"/>
-            </a:schemeClr>
-          </a:solidFill>
-          <a:ln>
-            <a:solidFill>
-              <a:schemeClr val="accent4">
-                <a:lumMod val="40000"/>
-                <a:lumOff val="60000"/>
-              </a:schemeClr>
-            </a:solidFill>
-          </a:ln>
-        </p:spPr>
-        <p:style>
-          <a:lnRef idx="2">
-            <a:schemeClr val="accent1">
-              <a:shade val="50000"/>
-            </a:schemeClr>
-          </a:lnRef>
-          <a:fillRef idx="1">
-            <a:schemeClr val="accent1"/>
-          </a:fillRef>
-          <a:effectRef idx="0">
-            <a:schemeClr val="accent1"/>
-          </a:effectRef>
-          <a:fontRef idx="minor">
-            <a:schemeClr val="lt1"/>
-          </a:fontRef>
-        </p:style>
-        <p:txBody>
-          <a:bodyPr rtlCol="0" anchor="ctr"/>
-          <a:lstStyle/>
-          <a:p>
-            <a:endParaRPr lang="zh-CN" altLang="en-US"/>
-          </a:p>
-        </p:txBody>
-      </p:sp>
-      <p:sp>
-        <p:nvSpPr>
-          <p:cNvPr id="63" name="矩形 62">
-            <a:extLst>
-              <a:ext uri="{FF2B5EF4-FFF2-40B4-BE49-F238E27FC236}">
-                <a16:creationId xmlns:a16="http://schemas.microsoft.com/office/drawing/2014/main" id="{16667093-1D57-79CD-1B2C-FD28E85BAFD1}"/>
-              </a:ext>
-            </a:extLst>
-          </p:cNvPr>
-          <p:cNvSpPr/>
-          <p:nvPr/>
-        </p:nvSpPr>
-        <p:spPr>
-          <a:xfrm>
-            <a:off x="2991683" y="5487324"/>
-            <a:ext cx="3864243" cy="764583"/>
-          </a:xfrm>
-          <a:prstGeom prst="rect">
-            <a:avLst/>
-          </a:prstGeom>
-          <a:solidFill>
-            <a:schemeClr val="accent2">
-              <a:lumMod val="75000"/>
-            </a:schemeClr>
-          </a:solidFill>
-          <a:ln>
-            <a:solidFill>
-              <a:schemeClr val="accent2">
-                <a:lumMod val="75000"/>
-              </a:schemeClr>
-            </a:solidFill>
-          </a:ln>
-        </p:spPr>
-        <p:style>
-          <a:lnRef idx="2">
-            <a:schemeClr val="accent1">
-              <a:shade val="50000"/>
-            </a:schemeClr>
-          </a:lnRef>
-          <a:fillRef idx="1">
-            <a:schemeClr val="accent1"/>
-          </a:fillRef>
-          <a:effectRef idx="0">
-            <a:schemeClr val="accent1"/>
-          </a:effectRef>
-          <a:fontRef idx="minor">
-            <a:schemeClr val="lt1"/>
-          </a:fontRef>
-        </p:style>
-        <p:txBody>
-          <a:bodyPr rtlCol="0" anchor="ctr"/>
-          <a:lstStyle/>
-          <a:p>
-            <a:endParaRPr lang="zh-CN" altLang="en-US"/>
-          </a:p>
-        </p:txBody>
-      </p:sp>
-      <p:sp>
-        <p:nvSpPr>
-          <p:cNvPr id="64" name="矩形 63">
-            <a:extLst>
-              <a:ext uri="{FF2B5EF4-FFF2-40B4-BE49-F238E27FC236}">
-                <a16:creationId xmlns:a16="http://schemas.microsoft.com/office/drawing/2014/main" id="{86E8CA31-0FA2-361E-55B8-DDB5B7861AB5}"/>
-              </a:ext>
-            </a:extLst>
-          </p:cNvPr>
-          <p:cNvSpPr/>
-          <p:nvPr/>
-        </p:nvSpPr>
-        <p:spPr>
-          <a:xfrm>
-            <a:off x="6855926" y="5487324"/>
-            <a:ext cx="3864243" cy="764583"/>
-          </a:xfrm>
-          <a:prstGeom prst="rect">
-            <a:avLst/>
-          </a:prstGeom>
-          <a:solidFill>
-            <a:schemeClr val="accent6">
-              <a:lumMod val="75000"/>
-            </a:schemeClr>
-          </a:solidFill>
-          <a:ln>
-            <a:solidFill>
-              <a:schemeClr val="accent6">
-                <a:lumMod val="75000"/>
-              </a:schemeClr>
-            </a:solidFill>
-          </a:ln>
-        </p:spPr>
-        <p:style>
-          <a:lnRef idx="2">
-            <a:schemeClr val="accent1">
-              <a:shade val="50000"/>
-            </a:schemeClr>
-          </a:lnRef>
-          <a:fillRef idx="1">
-            <a:schemeClr val="accent1"/>
-          </a:fillRef>
-          <a:effectRef idx="0">
-            <a:schemeClr val="accent1"/>
-          </a:effectRef>
-          <a:fontRef idx="minor">
-            <a:schemeClr val="lt1"/>
-          </a:fontRef>
-        </p:style>
-        <p:txBody>
-          <a:bodyPr rtlCol="0" anchor="ctr"/>
-          <a:lstStyle/>
-          <a:p>
-            <a:endParaRPr lang="zh-CN" altLang="en-US"/>
-          </a:p>
-        </p:txBody>
-      </p:sp>
-      <p:sp>
-        <p:nvSpPr>
-          <p:cNvPr id="65" name="矩形 64">
-            <a:extLst>
-              <a:ext uri="{FF2B5EF4-FFF2-40B4-BE49-F238E27FC236}">
-                <a16:creationId xmlns:a16="http://schemas.microsoft.com/office/drawing/2014/main" id="{00EC25AC-F536-EAAD-81DB-AB177187CFA1}"/>
-              </a:ext>
-            </a:extLst>
-          </p:cNvPr>
-          <p:cNvSpPr/>
-          <p:nvPr/>
-        </p:nvSpPr>
-        <p:spPr>
-          <a:xfrm>
-            <a:off x="10720169" y="5487324"/>
-            <a:ext cx="304800" cy="764583"/>
-          </a:xfrm>
-          <a:prstGeom prst="rect">
-            <a:avLst/>
-          </a:prstGeom>
-          <a:solidFill>
-            <a:schemeClr val="accent1">
-              <a:lumMod val="75000"/>
-            </a:schemeClr>
-          </a:solidFill>
-          <a:ln>
-            <a:solidFill>
-              <a:schemeClr val="accent1">
-                <a:lumMod val="75000"/>
-              </a:schemeClr>
-            </a:solidFill>
-          </a:ln>
-        </p:spPr>
-        <p:style>
-          <a:lnRef idx="2">
-            <a:schemeClr val="accent1">
-              <a:shade val="50000"/>
-            </a:schemeClr>
-          </a:lnRef>
-          <a:fillRef idx="1">
-            <a:schemeClr val="accent1"/>
-          </a:fillRef>
-          <a:effectRef idx="0">
-            <a:schemeClr val="accent1"/>
-          </a:effectRef>
-          <a:fontRef idx="minor">
-            <a:schemeClr val="lt1"/>
-          </a:fontRef>
-        </p:style>
-        <p:txBody>
-          <a:bodyPr rtlCol="0" anchor="ctr"/>
-          <a:lstStyle/>
-          <a:p>
-            <a:pPr algn="ctr"/>
-            <a:endParaRPr lang="zh-CN" altLang="en-US"/>
-          </a:p>
-        </p:txBody>
-      </p:sp>
-      <p:sp>
-        <p:nvSpPr>
-          <p:cNvPr id="66" name="文本框 65">
-            <a:extLst>
-              <a:ext uri="{FF2B5EF4-FFF2-40B4-BE49-F238E27FC236}">
-                <a16:creationId xmlns:a16="http://schemas.microsoft.com/office/drawing/2014/main" id="{2466AD0F-7A52-EA6B-8E1B-2C19131FEA7B}"/>
-              </a:ext>
-            </a:extLst>
-          </p:cNvPr>
-          <p:cNvSpPr txBox="1"/>
-          <p:nvPr/>
-        </p:nvSpPr>
-        <p:spPr>
-          <a:xfrm>
-            <a:off x="1209717" y="5546449"/>
-            <a:ext cx="1850756" cy="646331"/>
-          </a:xfrm>
-          <a:prstGeom prst="rect">
-            <a:avLst/>
-          </a:prstGeom>
-          <a:noFill/>
-        </p:spPr>
-        <p:txBody>
-          <a:bodyPr wrap="square" rtlCol="0">
-            <a:spAutoFit/>
-          </a:bodyPr>
-          <a:lstStyle/>
-          <a:p>
-            <a:pPr algn="ctr"/>
-            <a:r>
-              <a:rPr lang="en-US" altLang="zh-CN" dirty="0"/>
-              <a:t>AES Cipher</a:t>
-            </a:r>
-          </a:p>
-          <a:p>
-            <a:pPr algn="ctr"/>
-            <a:r>
-              <a:rPr lang="en-US" altLang="zh-CN" dirty="0"/>
-              <a:t>16 bytes</a:t>
-            </a:r>
-            <a:endParaRPr lang="zh-CN" altLang="en-US" dirty="0"/>
-          </a:p>
-        </p:txBody>
-      </p:sp>
-      <p:sp>
-        <p:nvSpPr>
-          <p:cNvPr id="67" name="文本框 66">
-            <a:extLst>
-              <a:ext uri="{FF2B5EF4-FFF2-40B4-BE49-F238E27FC236}">
-                <a16:creationId xmlns:a16="http://schemas.microsoft.com/office/drawing/2014/main" id="{64199F1E-0820-B8F2-BA34-E6EBFA339A96}"/>
-              </a:ext>
-            </a:extLst>
-          </p:cNvPr>
-          <p:cNvSpPr txBox="1"/>
-          <p:nvPr/>
-        </p:nvSpPr>
-        <p:spPr>
-          <a:xfrm>
-            <a:off x="3245168" y="5541345"/>
-            <a:ext cx="3120325" cy="646331"/>
-          </a:xfrm>
-          <a:prstGeom prst="rect">
-            <a:avLst/>
-          </a:prstGeom>
-          <a:noFill/>
-        </p:spPr>
-        <p:txBody>
-          <a:bodyPr wrap="square" rtlCol="0">
-            <a:spAutoFit/>
-          </a:bodyPr>
-          <a:lstStyle/>
-          <a:p>
-            <a:pPr algn="ctr"/>
-            <a:r>
-              <a:rPr lang="en-US" altLang="zh-CN" dirty="0"/>
-              <a:t>Authentication Data</a:t>
-            </a:r>
-          </a:p>
-          <a:p>
-            <a:pPr algn="ctr"/>
-            <a:r>
-              <a:rPr lang="en-US" altLang="zh-CN" dirty="0"/>
-              <a:t>32 bytes</a:t>
-            </a:r>
-            <a:endParaRPr lang="zh-CN" altLang="en-US" dirty="0"/>
-          </a:p>
-        </p:txBody>
-      </p:sp>
-      <p:sp>
-        <p:nvSpPr>
-          <p:cNvPr id="68" name="文本框 67">
-            <a:extLst>
-              <a:ext uri="{FF2B5EF4-FFF2-40B4-BE49-F238E27FC236}">
-                <a16:creationId xmlns:a16="http://schemas.microsoft.com/office/drawing/2014/main" id="{DFEFA414-AAD1-BEBB-D8D6-40D62E7DBFC8}"/>
-              </a:ext>
-            </a:extLst>
-          </p:cNvPr>
-          <p:cNvSpPr txBox="1"/>
-          <p:nvPr/>
-        </p:nvSpPr>
-        <p:spPr>
-          <a:xfrm>
-            <a:off x="7227884" y="5541344"/>
-            <a:ext cx="3120325" cy="646331"/>
-          </a:xfrm>
-          <a:prstGeom prst="rect">
-            <a:avLst/>
-          </a:prstGeom>
-          <a:noFill/>
-        </p:spPr>
-        <p:txBody>
-          <a:bodyPr wrap="square" rtlCol="0">
-            <a:spAutoFit/>
-          </a:bodyPr>
-          <a:lstStyle/>
-          <a:p>
-            <a:pPr algn="ctr"/>
-            <a:r>
-              <a:rPr lang="en-US" altLang="zh-CN" dirty="0"/>
-              <a:t>Integrity Data</a:t>
-            </a:r>
-          </a:p>
-          <a:p>
-            <a:pPr algn="ctr"/>
-            <a:r>
-              <a:rPr lang="en-US" altLang="zh-CN" dirty="0"/>
-              <a:t>32 bytes</a:t>
-            </a:r>
-            <a:endParaRPr lang="zh-CN" altLang="en-US" dirty="0"/>
-          </a:p>
-        </p:txBody>
-      </p:sp>
-      <p:sp>
-        <p:nvSpPr>
-          <p:cNvPr id="69" name="文本框 68">
-            <a:extLst>
-              <a:ext uri="{FF2B5EF4-FFF2-40B4-BE49-F238E27FC236}">
-                <a16:creationId xmlns:a16="http://schemas.microsoft.com/office/drawing/2014/main" id="{0D01D25C-D4DC-455A-B5E6-062DB1E6BED3}"/>
-              </a:ext>
-            </a:extLst>
-          </p:cNvPr>
-          <p:cNvSpPr txBox="1"/>
-          <p:nvPr/>
-        </p:nvSpPr>
-        <p:spPr>
-          <a:xfrm>
-            <a:off x="9015405" y="4416549"/>
-            <a:ext cx="2490060" cy="646331"/>
-          </a:xfrm>
-          <a:prstGeom prst="rect">
-            <a:avLst/>
-          </a:prstGeom>
-          <a:noFill/>
-        </p:spPr>
-        <p:txBody>
-          <a:bodyPr wrap="square" rtlCol="0">
-            <a:spAutoFit/>
-          </a:bodyPr>
-          <a:lstStyle/>
-          <a:p>
-            <a:pPr algn="ctr"/>
-            <a:r>
-              <a:rPr lang="en-US" altLang="zh-CN" dirty="0"/>
-              <a:t>Length of AES Cipher </a:t>
-            </a:r>
-          </a:p>
-          <a:p>
-            <a:pPr algn="ctr"/>
-            <a:r>
-              <a:rPr lang="en-US" altLang="zh-CN" dirty="0"/>
-              <a:t>1 byte</a:t>
-            </a:r>
-            <a:endParaRPr lang="zh-CN" altLang="en-US" dirty="0"/>
-          </a:p>
-        </p:txBody>
-      </p:sp>
-      <p:cxnSp>
-        <p:nvCxnSpPr>
-          <p:cNvPr id="71" name="直接箭头连接符 70">
-            <a:extLst>
-              <a:ext uri="{FF2B5EF4-FFF2-40B4-BE49-F238E27FC236}">
-                <a16:creationId xmlns:a16="http://schemas.microsoft.com/office/drawing/2014/main" id="{9872FFB6-A27A-627F-CD65-E551A4915929}"/>
-              </a:ext>
-            </a:extLst>
-          </p:cNvPr>
-          <p:cNvCxnSpPr>
-            <a:cxnSpLocks/>
-            <a:endCxn id="65" idx="0"/>
-          </p:cNvCxnSpPr>
-          <p:nvPr/>
-        </p:nvCxnSpPr>
-        <p:spPr>
-          <a:xfrm>
-            <a:off x="10229736" y="5062880"/>
-            <a:ext cx="642833" cy="424444"/>
-          </a:xfrm>
-          <a:prstGeom prst="straightConnector1">
-            <a:avLst/>
-          </a:prstGeom>
-          <a:ln>
-            <a:tailEnd type="triangle"/>
-          </a:ln>
+          <a:xfrm rot="16200000">
+            <a:off x="8578156" y="2988433"/>
+            <a:ext cx="310280" cy="6028841"/>
+          </a:xfrm>
+          <a:prstGeom prst="leftBrace">
+            <a:avLst/>
+          </a:prstGeom>
+          <a:ln/>
         </p:spPr>
         <p:style>
           <a:lnRef idx="2">
@@ -11392,13 +11239,21 @@
             <a:schemeClr val="tx1"/>
           </a:fontRef>
         </p:style>
-      </p:cxnSp>
-      <p:sp>
-        <p:nvSpPr>
-          <p:cNvPr id="75" name="文本框 74">
-            <a:extLst>
-              <a:ext uri="{FF2B5EF4-FFF2-40B4-BE49-F238E27FC236}">
-                <a16:creationId xmlns:a16="http://schemas.microsoft.com/office/drawing/2014/main" id="{A46096BA-6C74-2B5B-32F8-811046AD021A}"/>
+        <p:txBody>
+          <a:bodyPr rtlCol="0" anchor="ctr"/>
+          <a:lstStyle/>
+          <a:p>
+            <a:pPr algn="ctr"/>
+            <a:endParaRPr lang="zh-CN" altLang="en-US"/>
+          </a:p>
+        </p:txBody>
+      </p:sp>
+      <p:sp>
+        <p:nvSpPr>
+          <p:cNvPr id="24" name="文本框 23">
+            <a:extLst>
+              <a:ext uri="{FF2B5EF4-FFF2-40B4-BE49-F238E27FC236}">
+                <a16:creationId xmlns:a16="http://schemas.microsoft.com/office/drawing/2014/main" id="{38EBBC8C-CF59-041F-82BC-B7CDF41AE374}"/>
               </a:ext>
             </a:extLst>
           </p:cNvPr>
@@ -11407,8 +11262,8 @@
         </p:nvSpPr>
         <p:spPr>
           <a:xfrm>
-            <a:off x="4748503" y="6413407"/>
-            <a:ext cx="3233980" cy="369332"/>
+            <a:off x="7942879" y="6281341"/>
+            <a:ext cx="1580827" cy="369332"/>
           </a:xfrm>
           <a:prstGeom prst="rect">
             <a:avLst/>
@@ -11424,7 +11279,7 @@
             <a:pPr algn="ctr"/>
             <a:r>
               <a:rPr lang="en-US" altLang="zh-CN" dirty="0"/>
-              <a:t>Final Ciphered Data</a:t>
+              <a:t>0C × 12</a:t>
             </a:r>
             <a:endParaRPr lang="zh-CN" altLang="en-US" dirty="0"/>
           </a:p>
@@ -11432,10 +11287,10 @@
       </p:sp>
       <p:sp>
         <p:nvSpPr>
-          <p:cNvPr id="83" name="文本框 82">
-            <a:extLst>
-              <a:ext uri="{FF2B5EF4-FFF2-40B4-BE49-F238E27FC236}">
-                <a16:creationId xmlns:a16="http://schemas.microsoft.com/office/drawing/2014/main" id="{9ED6561E-695B-303B-7B11-F09A7F4C66C8}"/>
+          <p:cNvPr id="27" name="文本框 26">
+            <a:extLst>
+              <a:ext uri="{FF2B5EF4-FFF2-40B4-BE49-F238E27FC236}">
+                <a16:creationId xmlns:a16="http://schemas.microsoft.com/office/drawing/2014/main" id="{7D8BC985-3A87-F693-A96E-3DBBFEA903C8}"/>
               </a:ext>
             </a:extLst>
           </p:cNvPr>
@@ -11479,7 +11334,7 @@
     </p:spTree>
     <p:extLst>
       <p:ext uri="{BB962C8B-B14F-4D97-AF65-F5344CB8AC3E}">
-        <p14:creationId xmlns:p14="http://schemas.microsoft.com/office/powerpoint/2010/main" val="216143336"/>
+        <p14:creationId xmlns:p14="http://schemas.microsoft.com/office/powerpoint/2010/main" val="432031339"/>
       </p:ext>
     </p:extLst>
   </p:cSld>
@@ -11508,10 +11363,10 @@
       </p:grpSpPr>
       <p:sp>
         <p:nvSpPr>
-          <p:cNvPr id="4" name="矩形 3">
-            <a:extLst>
-              <a:ext uri="{FF2B5EF4-FFF2-40B4-BE49-F238E27FC236}">
-                <a16:creationId xmlns:a16="http://schemas.microsoft.com/office/drawing/2014/main" id="{F68A7B7F-C1A9-AA04-2A6C-FCCDB6825F7E}"/>
+          <p:cNvPr id="14" name="矩形 13">
+            <a:extLst>
+              <a:ext uri="{FF2B5EF4-FFF2-40B4-BE49-F238E27FC236}">
+                <a16:creationId xmlns:a16="http://schemas.microsoft.com/office/drawing/2014/main" id="{851796DE-5C9A-CF37-B52C-33952BDE0BE8}"/>
               </a:ext>
             </a:extLst>
           </p:cNvPr>
@@ -11520,21 +11375,21 @@
         </p:nvSpPr>
         <p:spPr>
           <a:xfrm>
-            <a:off x="1516212" y="983306"/>
-            <a:ext cx="1691290" cy="764583"/>
+            <a:off x="2626521" y="1097994"/>
+            <a:ext cx="625099" cy="764583"/>
           </a:xfrm>
           <a:prstGeom prst="rect">
             <a:avLst/>
           </a:prstGeom>
           <a:solidFill>
-            <a:schemeClr val="accent4">
+            <a:schemeClr val="accent1">
               <a:lumMod val="40000"/>
               <a:lumOff val="60000"/>
             </a:schemeClr>
           </a:solidFill>
           <a:ln>
             <a:solidFill>
-              <a:schemeClr val="accent4">
+              <a:schemeClr val="accent1">
                 <a:lumMod val="40000"/>
                 <a:lumOff val="60000"/>
               </a:schemeClr>
@@ -11561,16 +11416,17 @@
           <a:bodyPr rtlCol="0" anchor="ctr"/>
           <a:lstStyle/>
           <a:p>
+            <a:pPr algn="ctr"/>
             <a:endParaRPr lang="zh-CN" altLang="en-US"/>
           </a:p>
         </p:txBody>
       </p:sp>
       <p:sp>
         <p:nvSpPr>
-          <p:cNvPr id="5" name="矩形 4">
-            <a:extLst>
-              <a:ext uri="{FF2B5EF4-FFF2-40B4-BE49-F238E27FC236}">
-                <a16:creationId xmlns:a16="http://schemas.microsoft.com/office/drawing/2014/main" id="{0E5AC861-ED9F-962C-7D3B-B0DF8398BC9F}"/>
+          <p:cNvPr id="15" name="矩形 14">
+            <a:extLst>
+              <a:ext uri="{FF2B5EF4-FFF2-40B4-BE49-F238E27FC236}">
+                <a16:creationId xmlns:a16="http://schemas.microsoft.com/office/drawing/2014/main" id="{37A1CF9B-15EB-8445-8F47-21801AB46F35}"/>
               </a:ext>
             </a:extLst>
           </p:cNvPr>
@@ -11579,21 +11435,23 @@
         </p:nvSpPr>
         <p:spPr>
           <a:xfrm>
-            <a:off x="3218445" y="983306"/>
-            <a:ext cx="3864243" cy="764583"/>
+            <a:off x="2001422" y="1097995"/>
+            <a:ext cx="625099" cy="764583"/>
           </a:xfrm>
           <a:prstGeom prst="rect">
             <a:avLst/>
           </a:prstGeom>
           <a:solidFill>
             <a:schemeClr val="accent2">
-              <a:lumMod val="75000"/>
+              <a:lumMod val="40000"/>
+              <a:lumOff val="60000"/>
             </a:schemeClr>
           </a:solidFill>
           <a:ln>
             <a:solidFill>
               <a:schemeClr val="accent2">
-                <a:lumMod val="75000"/>
+                <a:lumMod val="40000"/>
+                <a:lumOff val="60000"/>
               </a:schemeClr>
             </a:solidFill>
           </a:ln>
@@ -11618,16 +11476,61 @@
           <a:bodyPr rtlCol="0" anchor="ctr"/>
           <a:lstStyle/>
           <a:p>
+            <a:pPr algn="ctr"/>
             <a:endParaRPr lang="zh-CN" altLang="en-US"/>
           </a:p>
         </p:txBody>
       </p:sp>
       <p:sp>
         <p:nvSpPr>
-          <p:cNvPr id="6" name="矩形 5">
-            <a:extLst>
-              <a:ext uri="{FF2B5EF4-FFF2-40B4-BE49-F238E27FC236}">
-                <a16:creationId xmlns:a16="http://schemas.microsoft.com/office/drawing/2014/main" id="{AEAE9A3B-3816-DDE9-4932-E095E2DC4B91}"/>
+          <p:cNvPr id="18" name="文本框 17">
+            <a:extLst>
+              <a:ext uri="{FF2B5EF4-FFF2-40B4-BE49-F238E27FC236}">
+                <a16:creationId xmlns:a16="http://schemas.microsoft.com/office/drawing/2014/main" id="{861FD6FF-608F-F56E-F984-DED6BD7FE035}"/>
+              </a:ext>
+            </a:extLst>
+          </p:cNvPr>
+          <p:cNvSpPr txBox="1"/>
+          <p:nvPr/>
+        </p:nvSpPr>
+        <p:spPr>
+          <a:xfrm>
+            <a:off x="185537" y="967721"/>
+            <a:ext cx="1815886" cy="923330"/>
+          </a:xfrm>
+          <a:prstGeom prst="rect">
+            <a:avLst/>
+          </a:prstGeom>
+          <a:noFill/>
+        </p:spPr>
+        <p:txBody>
+          <a:bodyPr wrap="square" rtlCol="0">
+            <a:spAutoFit/>
+          </a:bodyPr>
+          <a:lstStyle/>
+          <a:p>
+            <a:pPr algn="ctr"/>
+            <a:r>
+              <a:rPr lang="en-US" altLang="zh-CN" dirty="0"/>
+              <a:t>Padded Plain Text</a:t>
+            </a:r>
+          </a:p>
+          <a:p>
+            <a:pPr algn="ctr"/>
+            <a:r>
+              <a:rPr lang="en-US" altLang="zh-CN" dirty="0"/>
+              <a:t>16 bytes</a:t>
+            </a:r>
+            <a:endParaRPr lang="zh-CN" altLang="en-US" dirty="0"/>
+          </a:p>
+        </p:txBody>
+      </p:sp>
+      <p:sp>
+        <p:nvSpPr>
+          <p:cNvPr id="19" name="矩形 18">
+            <a:extLst>
+              <a:ext uri="{FF2B5EF4-FFF2-40B4-BE49-F238E27FC236}">
+                <a16:creationId xmlns:a16="http://schemas.microsoft.com/office/drawing/2014/main" id="{C2750DB3-A979-73F9-47C2-7E6D1403F328}"/>
               </a:ext>
             </a:extLst>
           </p:cNvPr>
@@ -11636,21 +11539,23 @@
         </p:nvSpPr>
         <p:spPr>
           <a:xfrm>
-            <a:off x="7082688" y="983306"/>
-            <a:ext cx="3864243" cy="764583"/>
+            <a:off x="3251619" y="1097994"/>
+            <a:ext cx="1255364" cy="764583"/>
           </a:xfrm>
           <a:prstGeom prst="rect">
             <a:avLst/>
           </a:prstGeom>
           <a:solidFill>
             <a:schemeClr val="accent6">
-              <a:lumMod val="75000"/>
+              <a:lumMod val="40000"/>
+              <a:lumOff val="60000"/>
             </a:schemeClr>
           </a:solidFill>
           <a:ln>
             <a:solidFill>
               <a:schemeClr val="accent6">
-                <a:lumMod val="75000"/>
+                <a:lumMod val="40000"/>
+                <a:lumOff val="60000"/>
               </a:schemeClr>
             </a:solidFill>
           </a:ln>
@@ -11675,16 +11580,17 @@
           <a:bodyPr rtlCol="0" anchor="ctr"/>
           <a:lstStyle/>
           <a:p>
+            <a:pPr algn="ctr"/>
             <a:endParaRPr lang="zh-CN" altLang="en-US"/>
           </a:p>
         </p:txBody>
       </p:sp>
       <p:sp>
         <p:nvSpPr>
-          <p:cNvPr id="7" name="矩形 6">
-            <a:extLst>
-              <a:ext uri="{FF2B5EF4-FFF2-40B4-BE49-F238E27FC236}">
-                <a16:creationId xmlns:a16="http://schemas.microsoft.com/office/drawing/2014/main" id="{543F8A26-3785-E1F0-6972-C26E12EF84F1}"/>
+          <p:cNvPr id="24" name="箭头: 下 23">
+            <a:extLst>
+              <a:ext uri="{FF2B5EF4-FFF2-40B4-BE49-F238E27FC236}">
+                <a16:creationId xmlns:a16="http://schemas.microsoft.com/office/drawing/2014/main" id="{67E241ED-EDDD-CAFB-C4E5-65D645103505}"/>
               </a:ext>
             </a:extLst>
           </p:cNvPr>
@@ -11693,22 +11599,18 @@
         </p:nvSpPr>
         <p:spPr>
           <a:xfrm>
-            <a:off x="10946931" y="983306"/>
-            <a:ext cx="304800" cy="764583"/>
-          </a:xfrm>
-          <a:prstGeom prst="rect">
+            <a:off x="992741" y="2037262"/>
+            <a:ext cx="201478" cy="646331"/>
+          </a:xfrm>
+          <a:prstGeom prst="downArrow">
             <a:avLst/>
           </a:prstGeom>
           <a:solidFill>
-            <a:schemeClr val="accent1">
-              <a:lumMod val="75000"/>
-            </a:schemeClr>
+            <a:schemeClr val="bg1"/>
           </a:solidFill>
           <a:ln>
             <a:solidFill>
-              <a:schemeClr val="accent1">
-                <a:lumMod val="75000"/>
-              </a:schemeClr>
+              <a:schemeClr val="tx1"/>
             </a:solidFill>
           </a:ln>
         </p:spPr>
@@ -11739,10 +11641,10 @@
       </p:sp>
       <p:sp>
         <p:nvSpPr>
-          <p:cNvPr id="8" name="文本框 7">
-            <a:extLst>
-              <a:ext uri="{FF2B5EF4-FFF2-40B4-BE49-F238E27FC236}">
-                <a16:creationId xmlns:a16="http://schemas.microsoft.com/office/drawing/2014/main" id="{43F8A1DE-B11F-4B48-172B-517821A6D80C}"/>
+          <p:cNvPr id="25" name="文本框 24">
+            <a:extLst>
+              <a:ext uri="{FF2B5EF4-FFF2-40B4-BE49-F238E27FC236}">
+                <a16:creationId xmlns:a16="http://schemas.microsoft.com/office/drawing/2014/main" id="{C347D367-332A-FC88-2E7C-11BCC40DCE2D}"/>
               </a:ext>
             </a:extLst>
           </p:cNvPr>
@@ -11751,8 +11653,8 @@
         </p:nvSpPr>
         <p:spPr>
           <a:xfrm>
-            <a:off x="1436479" y="1042431"/>
-            <a:ext cx="1850756" cy="646331"/>
+            <a:off x="1194219" y="2123427"/>
+            <a:ext cx="2226590" cy="369332"/>
           </a:xfrm>
           <a:prstGeom prst="rect">
             <a:avLst/>
@@ -11768,14 +11670,7 @@
             <a:pPr algn="ctr"/>
             <a:r>
               <a:rPr lang="en-US" altLang="zh-CN" dirty="0"/>
-              <a:t>AES Cipher</a:t>
-            </a:r>
-          </a:p>
-          <a:p>
-            <a:pPr algn="ctr"/>
-            <a:r>
-              <a:rPr lang="en-US" altLang="zh-CN" dirty="0"/>
-              <a:t>16 bytes</a:t>
+              <a:t>16 bytes AES Key</a:t>
             </a:r>
             <a:endParaRPr lang="zh-CN" altLang="en-US" dirty="0"/>
           </a:p>
@@ -11783,10 +11678,10 @@
       </p:sp>
       <p:sp>
         <p:nvSpPr>
-          <p:cNvPr id="9" name="文本框 8">
-            <a:extLst>
-              <a:ext uri="{FF2B5EF4-FFF2-40B4-BE49-F238E27FC236}">
-                <a16:creationId xmlns:a16="http://schemas.microsoft.com/office/drawing/2014/main" id="{83C71960-F60A-105D-13DF-FCD290E11E05}"/>
+          <p:cNvPr id="47" name="文本框 46">
+            <a:extLst>
+              <a:ext uri="{FF2B5EF4-FFF2-40B4-BE49-F238E27FC236}">
+                <a16:creationId xmlns:a16="http://schemas.microsoft.com/office/drawing/2014/main" id="{C02B39F9-9762-18F3-781D-2619E447CC7E}"/>
               </a:ext>
             </a:extLst>
           </p:cNvPr>
@@ -11795,8 +11690,8 @@
         </p:nvSpPr>
         <p:spPr>
           <a:xfrm>
-            <a:off x="3471930" y="1037327"/>
-            <a:ext cx="3120325" cy="646331"/>
+            <a:off x="185537" y="2917402"/>
+            <a:ext cx="1815886" cy="646331"/>
           </a:xfrm>
           <a:prstGeom prst="rect">
             <a:avLst/>
@@ -11812,14 +11707,14 @@
             <a:pPr algn="ctr"/>
             <a:r>
               <a:rPr lang="en-US" altLang="zh-CN" dirty="0"/>
-              <a:t>Authentication Data</a:t>
+              <a:t>AES Cipher</a:t>
             </a:r>
           </a:p>
           <a:p>
             <a:pPr algn="ctr"/>
             <a:r>
               <a:rPr lang="en-US" altLang="zh-CN" dirty="0"/>
-              <a:t>32 bytes</a:t>
+              <a:t>16 bytes</a:t>
             </a:r>
             <a:endParaRPr lang="zh-CN" altLang="en-US" dirty="0"/>
           </a:p>
@@ -11827,168 +11722,36 @@
       </p:sp>
       <p:sp>
         <p:nvSpPr>
-          <p:cNvPr id="10" name="文本框 9">
-            <a:extLst>
-              <a:ext uri="{FF2B5EF4-FFF2-40B4-BE49-F238E27FC236}">
-                <a16:creationId xmlns:a16="http://schemas.microsoft.com/office/drawing/2014/main" id="{A1D56C8E-B554-AEAC-6B76-550C4E4F6D7A}"/>
-              </a:ext>
-            </a:extLst>
-          </p:cNvPr>
-          <p:cNvSpPr txBox="1"/>
-          <p:nvPr/>
-        </p:nvSpPr>
-        <p:spPr>
-          <a:xfrm>
-            <a:off x="7454646" y="1037326"/>
-            <a:ext cx="3120325" cy="646331"/>
+          <p:cNvPr id="49" name="矩形 48">
+            <a:extLst>
+              <a:ext uri="{FF2B5EF4-FFF2-40B4-BE49-F238E27FC236}">
+                <a16:creationId xmlns:a16="http://schemas.microsoft.com/office/drawing/2014/main" id="{9F485F39-61F0-C8E8-5C39-D9C3FF6FE919}"/>
+              </a:ext>
+            </a:extLst>
+          </p:cNvPr>
+          <p:cNvSpPr/>
+          <p:nvPr/>
+        </p:nvSpPr>
+        <p:spPr>
+          <a:xfrm>
+            <a:off x="2001422" y="2858275"/>
+            <a:ext cx="2505561" cy="764583"/>
           </a:xfrm>
           <a:prstGeom prst="rect">
             <a:avLst/>
           </a:prstGeom>
-          <a:noFill/>
-        </p:spPr>
-        <p:txBody>
-          <a:bodyPr wrap="square" rtlCol="0">
-            <a:spAutoFit/>
-          </a:bodyPr>
-          <a:lstStyle/>
-          <a:p>
-            <a:pPr algn="ctr"/>
-            <a:r>
-              <a:rPr lang="en-US" altLang="zh-CN" dirty="0"/>
-              <a:t>Integrity Data</a:t>
-            </a:r>
-          </a:p>
-          <a:p>
-            <a:pPr algn="ctr"/>
-            <a:r>
-              <a:rPr lang="en-US" altLang="zh-CN" dirty="0"/>
-              <a:t>32 bytes</a:t>
-            </a:r>
-            <a:endParaRPr lang="zh-CN" altLang="en-US" dirty="0"/>
-          </a:p>
-        </p:txBody>
-      </p:sp>
-      <p:sp>
-        <p:nvSpPr>
-          <p:cNvPr id="11" name="文本框 10">
-            <a:extLst>
-              <a:ext uri="{FF2B5EF4-FFF2-40B4-BE49-F238E27FC236}">
-                <a16:creationId xmlns:a16="http://schemas.microsoft.com/office/drawing/2014/main" id="{7F1BAF6A-CA3A-AC70-948B-3948EE174ECA}"/>
-              </a:ext>
-            </a:extLst>
-          </p:cNvPr>
-          <p:cNvSpPr txBox="1"/>
-          <p:nvPr/>
-        </p:nvSpPr>
-        <p:spPr>
-          <a:xfrm>
-            <a:off x="9328396" y="2107301"/>
-            <a:ext cx="2490060" cy="923330"/>
-          </a:xfrm>
-          <a:prstGeom prst="rect">
-            <a:avLst/>
-          </a:prstGeom>
-          <a:noFill/>
-        </p:spPr>
-        <p:txBody>
-          <a:bodyPr wrap="square" rtlCol="0">
-            <a:spAutoFit/>
-          </a:bodyPr>
-          <a:lstStyle/>
-          <a:p>
-            <a:pPr algn="ctr"/>
-            <a:r>
-              <a:rPr lang="en-US" altLang="zh-CN" dirty="0"/>
-              <a:t>Length of AES Cipher </a:t>
-            </a:r>
-          </a:p>
-          <a:p>
-            <a:pPr algn="ctr"/>
-            <a:r>
-              <a:rPr lang="en-US" altLang="zh-CN" dirty="0"/>
-              <a:t>1 byte</a:t>
-            </a:r>
-          </a:p>
-          <a:p>
-            <a:pPr algn="ctr"/>
-            <a:r>
-              <a:rPr lang="en-US" altLang="zh-CN" dirty="0"/>
-              <a:t>(Assume 16 here)</a:t>
-            </a:r>
-            <a:endParaRPr lang="zh-CN" altLang="en-US" dirty="0"/>
-          </a:p>
-        </p:txBody>
-      </p:sp>
-      <p:cxnSp>
-        <p:nvCxnSpPr>
-          <p:cNvPr id="12" name="直接箭头连接符 11">
-            <a:extLst>
-              <a:ext uri="{FF2B5EF4-FFF2-40B4-BE49-F238E27FC236}">
-                <a16:creationId xmlns:a16="http://schemas.microsoft.com/office/drawing/2014/main" id="{FA6C4C3E-67CD-11F1-CE5F-2A1D056AF0CE}"/>
-              </a:ext>
-            </a:extLst>
-          </p:cNvPr>
-          <p:cNvCxnSpPr>
-            <a:cxnSpLocks/>
-            <a:stCxn id="11" idx="0"/>
-            <a:endCxn id="7" idx="2"/>
-          </p:cNvCxnSpPr>
-          <p:nvPr/>
-        </p:nvCxnSpPr>
-        <p:spPr>
-          <a:xfrm flipV="1">
-            <a:off x="10573426" y="1747889"/>
-            <a:ext cx="525905" cy="359412"/>
-          </a:xfrm>
-          <a:prstGeom prst="straightConnector1">
-            <a:avLst/>
-          </a:prstGeom>
-          <a:ln>
-            <a:tailEnd type="triangle"/>
-          </a:ln>
-        </p:spPr>
-        <p:style>
-          <a:lnRef idx="2">
-            <a:schemeClr val="dk1"/>
-          </a:lnRef>
-          <a:fillRef idx="0">
-            <a:schemeClr val="dk1"/>
-          </a:fillRef>
-          <a:effectRef idx="1">
-            <a:schemeClr val="dk1"/>
-          </a:effectRef>
-          <a:fontRef idx="minor">
-            <a:schemeClr val="tx1"/>
-          </a:fontRef>
-        </p:style>
-      </p:cxnSp>
-      <p:sp>
-        <p:nvSpPr>
-          <p:cNvPr id="15" name="箭头: 下 14">
-            <a:extLst>
-              <a:ext uri="{FF2B5EF4-FFF2-40B4-BE49-F238E27FC236}">
-                <a16:creationId xmlns:a16="http://schemas.microsoft.com/office/drawing/2014/main" id="{286863B4-9AD4-A431-EC15-AE02B74732EA}"/>
-              </a:ext>
-            </a:extLst>
-          </p:cNvPr>
-          <p:cNvSpPr/>
-          <p:nvPr/>
-        </p:nvSpPr>
-        <p:spPr>
-          <a:xfrm>
-            <a:off x="2259865" y="1880560"/>
-            <a:ext cx="167557" cy="1100280"/>
-          </a:xfrm>
-          <a:prstGeom prst="downArrow">
-            <a:avLst/>
-          </a:prstGeom>
           <a:solidFill>
-            <a:schemeClr val="bg1"/>
+            <a:schemeClr val="accent4">
+              <a:lumMod val="40000"/>
+              <a:lumOff val="60000"/>
+            </a:schemeClr>
           </a:solidFill>
           <a:ln>
             <a:solidFill>
-              <a:schemeClr val="tx1"/>
+              <a:schemeClr val="accent4">
+                <a:lumMod val="40000"/>
+                <a:lumOff val="60000"/>
+              </a:schemeClr>
             </a:solidFill>
           </a:ln>
         </p:spPr>
@@ -12019,10 +11782,54 @@
       </p:sp>
       <p:sp>
         <p:nvSpPr>
-          <p:cNvPr id="16" name="箭头: 下 15">
-            <a:extLst>
-              <a:ext uri="{FF2B5EF4-FFF2-40B4-BE49-F238E27FC236}">
-                <a16:creationId xmlns:a16="http://schemas.microsoft.com/office/drawing/2014/main" id="{FED97BE3-890B-7F79-ECD9-D5798BB39716}"/>
+          <p:cNvPr id="50" name="文本框 49">
+            <a:extLst>
+              <a:ext uri="{FF2B5EF4-FFF2-40B4-BE49-F238E27FC236}">
+                <a16:creationId xmlns:a16="http://schemas.microsoft.com/office/drawing/2014/main" id="{DF47538C-C792-E3A3-520E-0B2532EFA084}"/>
+              </a:ext>
+            </a:extLst>
+          </p:cNvPr>
+          <p:cNvSpPr txBox="1"/>
+          <p:nvPr/>
+        </p:nvSpPr>
+        <p:spPr>
+          <a:xfrm>
+            <a:off x="2263602" y="2917400"/>
+            <a:ext cx="1850756" cy="646331"/>
+          </a:xfrm>
+          <a:prstGeom prst="rect">
+            <a:avLst/>
+          </a:prstGeom>
+          <a:noFill/>
+        </p:spPr>
+        <p:txBody>
+          <a:bodyPr wrap="square" rtlCol="0">
+            <a:spAutoFit/>
+          </a:bodyPr>
+          <a:lstStyle/>
+          <a:p>
+            <a:pPr algn="ctr"/>
+            <a:r>
+              <a:rPr lang="en-US" altLang="zh-CN" dirty="0"/>
+              <a:t>AES Cipher</a:t>
+            </a:r>
+          </a:p>
+          <a:p>
+            <a:pPr algn="ctr"/>
+            <a:r>
+              <a:rPr lang="en-US" altLang="zh-CN" dirty="0"/>
+              <a:t>16 bytes</a:t>
+            </a:r>
+            <a:endParaRPr lang="zh-CN" altLang="en-US" dirty="0"/>
+          </a:p>
+        </p:txBody>
+      </p:sp>
+      <p:sp>
+        <p:nvSpPr>
+          <p:cNvPr id="52" name="箭头: 右 51">
+            <a:extLst>
+              <a:ext uri="{FF2B5EF4-FFF2-40B4-BE49-F238E27FC236}">
+                <a16:creationId xmlns:a16="http://schemas.microsoft.com/office/drawing/2014/main" id="{93E428D5-41A3-1087-88CB-A33AE065C52E}"/>
               </a:ext>
             </a:extLst>
           </p:cNvPr>
@@ -12030,11 +11837,11 @@
           <p:nvPr/>
         </p:nvSpPr>
         <p:spPr>
-          <a:xfrm>
-            <a:off x="4930100" y="1880659"/>
-            <a:ext cx="167557" cy="1100279"/>
-          </a:xfrm>
-          <a:prstGeom prst="downArrow">
+          <a:xfrm rot="20388064">
+            <a:off x="4734290" y="2744065"/>
+            <a:ext cx="1219201" cy="295090"/>
+          </a:xfrm>
+          <a:prstGeom prst="rightArrow">
             <a:avLst/>
           </a:prstGeom>
           <a:solidFill>
@@ -12073,10 +11880,10 @@
       </p:sp>
       <p:sp>
         <p:nvSpPr>
-          <p:cNvPr id="18" name="箭头: 下 17">
-            <a:extLst>
-              <a:ext uri="{FF2B5EF4-FFF2-40B4-BE49-F238E27FC236}">
-                <a16:creationId xmlns:a16="http://schemas.microsoft.com/office/drawing/2014/main" id="{FF1092F5-E74B-3566-88B1-15697F24951B}"/>
+          <p:cNvPr id="53" name="箭头: 右 52">
+            <a:extLst>
+              <a:ext uri="{FF2B5EF4-FFF2-40B4-BE49-F238E27FC236}">
+                <a16:creationId xmlns:a16="http://schemas.microsoft.com/office/drawing/2014/main" id="{76FB497D-187D-5931-2126-D535C06FDAEF}"/>
               </a:ext>
             </a:extLst>
           </p:cNvPr>
@@ -12084,11 +11891,11 @@
           <p:nvPr/>
         </p:nvSpPr>
         <p:spPr>
-          <a:xfrm>
-            <a:off x="8140832" y="1880326"/>
-            <a:ext cx="167557" cy="1100279"/>
-          </a:xfrm>
-          <a:prstGeom prst="downArrow">
+          <a:xfrm rot="1211936" flipV="1">
+            <a:off x="4734289" y="3441975"/>
+            <a:ext cx="1219201" cy="295090"/>
+          </a:xfrm>
+          <a:prstGeom prst="rightArrow">
             <a:avLst/>
           </a:prstGeom>
           <a:solidFill>
@@ -12127,10 +11934,10 @@
       </p:sp>
       <p:sp>
         <p:nvSpPr>
-          <p:cNvPr id="19" name="文本框 18">
-            <a:extLst>
-              <a:ext uri="{FF2B5EF4-FFF2-40B4-BE49-F238E27FC236}">
-                <a16:creationId xmlns:a16="http://schemas.microsoft.com/office/drawing/2014/main" id="{1C80480E-A033-FCF3-5686-0F984FB58A3A}"/>
+          <p:cNvPr id="54" name="文本框 53">
+            <a:extLst>
+              <a:ext uri="{FF2B5EF4-FFF2-40B4-BE49-F238E27FC236}">
+                <a16:creationId xmlns:a16="http://schemas.microsoft.com/office/drawing/2014/main" id="{3245FDC5-15D7-7DBF-8D0D-A9ACA1844FE4}"/>
               </a:ext>
             </a:extLst>
           </p:cNvPr>
@@ -12138,9 +11945,9 @@
           <p:nvPr/>
         </p:nvSpPr>
         <p:spPr>
-          <a:xfrm>
-            <a:off x="501112" y="1801734"/>
-            <a:ext cx="1781012" cy="1200329"/>
+          <a:xfrm rot="20500068">
+            <a:off x="4018787" y="2123171"/>
+            <a:ext cx="2226590" cy="646331"/>
           </a:xfrm>
           <a:prstGeom prst="rect">
             <a:avLst/>
@@ -12153,23 +11960,17 @@
           </a:bodyPr>
           <a:lstStyle/>
           <a:p>
+            <a:pPr algn="ctr"/>
             <a:r>
               <a:rPr lang="en-US" altLang="zh-CN" dirty="0"/>
-              <a:t>Divide According to the </a:t>
-            </a:r>
-            <a:r>
-              <a:rPr lang="en-US" altLang="zh-CN" b="1" dirty="0"/>
-              <a:t>Last byte</a:t>
-            </a:r>
-          </a:p>
-          <a:p>
-            <a:r>
-              <a:rPr lang="en-US" altLang="zh-CN" dirty="0" err="1"/>
-              <a:t>i.e</a:t>
-            </a:r>
+              <a:t>HMAC </a:t>
+            </a:r>
+          </a:p>
+          <a:p>
+            <a:pPr algn="ctr"/>
             <a:r>
               <a:rPr lang="en-US" altLang="zh-CN" dirty="0"/>
-              <a:t> first 16 bytes</a:t>
+              <a:t>Key</a:t>
             </a:r>
             <a:endParaRPr lang="zh-CN" altLang="en-US" dirty="0"/>
           </a:p>
@@ -12177,10 +11978,10 @@
       </p:sp>
       <p:sp>
         <p:nvSpPr>
-          <p:cNvPr id="20" name="矩形 19">
-            <a:extLst>
-              <a:ext uri="{FF2B5EF4-FFF2-40B4-BE49-F238E27FC236}">
-                <a16:creationId xmlns:a16="http://schemas.microsoft.com/office/drawing/2014/main" id="{3B7AAA0C-9187-EBC5-DC4A-C439FC66E832}"/>
+          <p:cNvPr id="57" name="矩形 56">
+            <a:extLst>
+              <a:ext uri="{FF2B5EF4-FFF2-40B4-BE49-F238E27FC236}">
+                <a16:creationId xmlns:a16="http://schemas.microsoft.com/office/drawing/2014/main" id="{8A8D0440-E774-39E3-D571-DCAB0AD6F6E6}"/>
               </a:ext>
             </a:extLst>
           </p:cNvPr>
@@ -12189,23 +11990,21 @@
         </p:nvSpPr>
         <p:spPr>
           <a:xfrm>
-            <a:off x="1111661" y="3255912"/>
-            <a:ext cx="1691290" cy="764583"/>
+            <a:off x="6180798" y="2301301"/>
+            <a:ext cx="5007958" cy="764583"/>
           </a:xfrm>
           <a:prstGeom prst="rect">
             <a:avLst/>
           </a:prstGeom>
           <a:solidFill>
-            <a:schemeClr val="accent4">
-              <a:lumMod val="40000"/>
-              <a:lumOff val="60000"/>
+            <a:schemeClr val="accent2">
+              <a:lumMod val="75000"/>
             </a:schemeClr>
           </a:solidFill>
           <a:ln>
             <a:solidFill>
-              <a:schemeClr val="accent4">
-                <a:lumMod val="40000"/>
-                <a:lumOff val="60000"/>
+              <a:schemeClr val="accent2">
+                <a:lumMod val="75000"/>
               </a:schemeClr>
             </a:solidFill>
           </a:ln>
@@ -12230,82 +12029,39 @@
           <a:bodyPr rtlCol="0" anchor="ctr"/>
           <a:lstStyle/>
           <a:p>
+            <a:pPr algn="ctr"/>
             <a:endParaRPr lang="zh-CN" altLang="en-US"/>
           </a:p>
         </p:txBody>
       </p:sp>
       <p:sp>
         <p:nvSpPr>
-          <p:cNvPr id="21" name="文本框 20">
-            <a:extLst>
-              <a:ext uri="{FF2B5EF4-FFF2-40B4-BE49-F238E27FC236}">
-                <a16:creationId xmlns:a16="http://schemas.microsoft.com/office/drawing/2014/main" id="{75044A5D-44CA-23CB-637A-4E39787B8A8E}"/>
-              </a:ext>
-            </a:extLst>
-          </p:cNvPr>
-          <p:cNvSpPr txBox="1"/>
-          <p:nvPr/>
-        </p:nvSpPr>
-        <p:spPr>
-          <a:xfrm>
-            <a:off x="1031928" y="3315037"/>
-            <a:ext cx="1850756" cy="646331"/>
+          <p:cNvPr id="58" name="矩形 57">
+            <a:extLst>
+              <a:ext uri="{FF2B5EF4-FFF2-40B4-BE49-F238E27FC236}">
+                <a16:creationId xmlns:a16="http://schemas.microsoft.com/office/drawing/2014/main" id="{FDB711B2-1EBB-5AD3-91F4-36D22CF9401A}"/>
+              </a:ext>
+            </a:extLst>
+          </p:cNvPr>
+          <p:cNvSpPr/>
+          <p:nvPr/>
+        </p:nvSpPr>
+        <p:spPr>
+          <a:xfrm>
+            <a:off x="6180796" y="3532480"/>
+            <a:ext cx="5007958" cy="764583"/>
           </a:xfrm>
           <a:prstGeom prst="rect">
             <a:avLst/>
           </a:prstGeom>
-          <a:noFill/>
-        </p:spPr>
-        <p:txBody>
-          <a:bodyPr wrap="square" rtlCol="0">
-            <a:spAutoFit/>
-          </a:bodyPr>
-          <a:lstStyle/>
-          <a:p>
-            <a:pPr algn="ctr"/>
-            <a:r>
-              <a:rPr lang="en-US" altLang="zh-CN" dirty="0"/>
-              <a:t>AES Cipher</a:t>
-            </a:r>
-          </a:p>
-          <a:p>
-            <a:pPr algn="ctr"/>
-            <a:r>
-              <a:rPr lang="en-US" altLang="zh-CN" dirty="0"/>
-              <a:t>16 bytes</a:t>
-            </a:r>
-            <a:endParaRPr lang="zh-CN" altLang="en-US" dirty="0"/>
-          </a:p>
-        </p:txBody>
-      </p:sp>
-      <p:sp>
-        <p:nvSpPr>
-          <p:cNvPr id="22" name="矩形 21">
-            <a:extLst>
-              <a:ext uri="{FF2B5EF4-FFF2-40B4-BE49-F238E27FC236}">
-                <a16:creationId xmlns:a16="http://schemas.microsoft.com/office/drawing/2014/main" id="{BA8485CE-D46D-83D0-2D23-93321F5563E4}"/>
-              </a:ext>
-            </a:extLst>
-          </p:cNvPr>
-          <p:cNvSpPr/>
-          <p:nvPr/>
-        </p:nvSpPr>
-        <p:spPr>
-          <a:xfrm>
-            <a:off x="3284010" y="3257181"/>
-            <a:ext cx="3864243" cy="764583"/>
-          </a:xfrm>
-          <a:prstGeom prst="rect">
-            <a:avLst/>
-          </a:prstGeom>
           <a:solidFill>
-            <a:schemeClr val="accent2">
+            <a:schemeClr val="accent6">
               <a:lumMod val="75000"/>
             </a:schemeClr>
           </a:solidFill>
           <a:ln>
             <a:solidFill>
-              <a:schemeClr val="accent2">
+              <a:schemeClr val="accent6">
                 <a:lumMod val="75000"/>
               </a:schemeClr>
             </a:solidFill>
@@ -12331,16 +12087,17 @@
           <a:bodyPr rtlCol="0" anchor="ctr"/>
           <a:lstStyle/>
           <a:p>
+            <a:pPr algn="ctr"/>
             <a:endParaRPr lang="zh-CN" altLang="en-US"/>
           </a:p>
         </p:txBody>
       </p:sp>
       <p:sp>
         <p:nvSpPr>
-          <p:cNvPr id="23" name="文本框 22">
-            <a:extLst>
-              <a:ext uri="{FF2B5EF4-FFF2-40B4-BE49-F238E27FC236}">
-                <a16:creationId xmlns:a16="http://schemas.microsoft.com/office/drawing/2014/main" id="{7BD2F16A-8F47-8921-6D09-1E4B239EBA7F}"/>
+          <p:cNvPr id="59" name="文本框 58">
+            <a:extLst>
+              <a:ext uri="{FF2B5EF4-FFF2-40B4-BE49-F238E27FC236}">
+                <a16:creationId xmlns:a16="http://schemas.microsoft.com/office/drawing/2014/main" id="{32C20C7A-F342-97A7-AD7C-3868C28EFAA6}"/>
               </a:ext>
             </a:extLst>
           </p:cNvPr>
@@ -12348,8 +12105,52 @@
           <p:nvPr/>
         </p:nvSpPr>
         <p:spPr>
-          <a:xfrm>
-            <a:off x="3537495" y="3311202"/>
+          <a:xfrm rot="1206588">
+            <a:off x="4650120" y="3688020"/>
+            <a:ext cx="1173718" cy="646331"/>
+          </a:xfrm>
+          <a:prstGeom prst="rect">
+            <a:avLst/>
+          </a:prstGeom>
+          <a:noFill/>
+        </p:spPr>
+        <p:txBody>
+          <a:bodyPr wrap="none" rtlCol="0">
+            <a:spAutoFit/>
+          </a:bodyPr>
+          <a:lstStyle/>
+          <a:p>
+            <a:pPr algn="ctr"/>
+            <a:r>
+              <a:rPr lang="en-US" altLang="zh-CN" dirty="0"/>
+              <a:t>Hash </a:t>
+            </a:r>
+          </a:p>
+          <a:p>
+            <a:pPr algn="ctr"/>
+            <a:r>
+              <a:rPr lang="en-US" altLang="zh-CN" dirty="0"/>
+              <a:t>Algorithm</a:t>
+            </a:r>
+            <a:endParaRPr lang="zh-CN" altLang="en-US" dirty="0"/>
+          </a:p>
+        </p:txBody>
+      </p:sp>
+      <p:sp>
+        <p:nvSpPr>
+          <p:cNvPr id="60" name="文本框 59">
+            <a:extLst>
+              <a:ext uri="{FF2B5EF4-FFF2-40B4-BE49-F238E27FC236}">
+                <a16:creationId xmlns:a16="http://schemas.microsoft.com/office/drawing/2014/main" id="{E5EE6273-5357-8878-D2F6-E5C7739A3248}"/>
+              </a:ext>
+            </a:extLst>
+          </p:cNvPr>
+          <p:cNvSpPr txBox="1"/>
+          <p:nvPr/>
+        </p:nvSpPr>
+        <p:spPr>
+          <a:xfrm>
+            <a:off x="7115574" y="2360426"/>
             <a:ext cx="3120325" cy="646331"/>
           </a:xfrm>
           <a:prstGeom prst="rect">
@@ -12381,10 +12182,10 @@
       </p:sp>
       <p:sp>
         <p:nvSpPr>
-          <p:cNvPr id="24" name="文本框 23">
-            <a:extLst>
-              <a:ext uri="{FF2B5EF4-FFF2-40B4-BE49-F238E27FC236}">
-                <a16:creationId xmlns:a16="http://schemas.microsoft.com/office/drawing/2014/main" id="{BF1BA037-6C0A-F442-996C-675AF3B3A69C}"/>
+          <p:cNvPr id="61" name="文本框 60">
+            <a:extLst>
+              <a:ext uri="{FF2B5EF4-FFF2-40B4-BE49-F238E27FC236}">
+                <a16:creationId xmlns:a16="http://schemas.microsoft.com/office/drawing/2014/main" id="{379023DB-38B9-E25C-E400-F0A330132AD6}"/>
               </a:ext>
             </a:extLst>
           </p:cNvPr>
@@ -12393,8 +12194,8 @@
         </p:nvSpPr>
         <p:spPr>
           <a:xfrm>
-            <a:off x="3786753" y="1968800"/>
-            <a:ext cx="998049" cy="923330"/>
+            <a:off x="7124612" y="3591604"/>
+            <a:ext cx="3120325" cy="646331"/>
           </a:xfrm>
           <a:prstGeom prst="rect">
             <a:avLst/>
@@ -12407,21 +12208,17 @@
           </a:bodyPr>
           <a:lstStyle/>
           <a:p>
+            <a:pPr algn="ctr"/>
             <a:r>
               <a:rPr lang="en-US" altLang="zh-CN" dirty="0"/>
-              <a:t>From </a:t>
-            </a:r>
-          </a:p>
-          <a:p>
+              <a:t>Integrity Data</a:t>
+            </a:r>
+          </a:p>
+          <a:p>
+            <a:pPr algn="ctr"/>
             <a:r>
               <a:rPr lang="en-US" altLang="zh-CN" dirty="0"/>
-              <a:t>16 to </a:t>
-            </a:r>
-          </a:p>
-          <a:p>
-            <a:r>
-              <a:rPr lang="en-US" altLang="zh-CN" dirty="0"/>
-              <a:t>16 + 31 </a:t>
+              <a:t>32 bytes</a:t>
             </a:r>
             <a:endParaRPr lang="zh-CN" altLang="en-US" dirty="0"/>
           </a:p>
@@ -12429,81 +12226,35 @@
       </p:sp>
       <p:sp>
         <p:nvSpPr>
-          <p:cNvPr id="25" name="文本框 24">
-            <a:extLst>
-              <a:ext uri="{FF2B5EF4-FFF2-40B4-BE49-F238E27FC236}">
-                <a16:creationId xmlns:a16="http://schemas.microsoft.com/office/drawing/2014/main" id="{9392FC29-E766-B231-BD0D-3ED0BF52E0AC}"/>
-              </a:ext>
-            </a:extLst>
-          </p:cNvPr>
-          <p:cNvSpPr txBox="1"/>
-          <p:nvPr/>
-        </p:nvSpPr>
-        <p:spPr>
-          <a:xfrm>
-            <a:off x="6845085" y="1968800"/>
-            <a:ext cx="1295747" cy="923330"/>
+          <p:cNvPr id="62" name="矩形 61">
+            <a:extLst>
+              <a:ext uri="{FF2B5EF4-FFF2-40B4-BE49-F238E27FC236}">
+                <a16:creationId xmlns:a16="http://schemas.microsoft.com/office/drawing/2014/main" id="{15FF1552-9F9C-9E55-D078-AEF1943C356C}"/>
+              </a:ext>
+            </a:extLst>
+          </p:cNvPr>
+          <p:cNvSpPr/>
+          <p:nvPr/>
+        </p:nvSpPr>
+        <p:spPr>
+          <a:xfrm>
+            <a:off x="1289450" y="5487324"/>
+            <a:ext cx="1691290" cy="764583"/>
           </a:xfrm>
           <a:prstGeom prst="rect">
             <a:avLst/>
           </a:prstGeom>
-          <a:noFill/>
-        </p:spPr>
-        <p:txBody>
-          <a:bodyPr wrap="square" rtlCol="0">
-            <a:spAutoFit/>
-          </a:bodyPr>
-          <a:lstStyle/>
-          <a:p>
-            <a:r>
-              <a:rPr lang="en-US" altLang="zh-CN" dirty="0"/>
-              <a:t>From </a:t>
-            </a:r>
-          </a:p>
-          <a:p>
-            <a:r>
-              <a:rPr lang="en-US" altLang="zh-CN" dirty="0"/>
-              <a:t>16 + 32 to </a:t>
-            </a:r>
-          </a:p>
-          <a:p>
-            <a:r>
-              <a:rPr lang="en-US" altLang="zh-CN" dirty="0"/>
-              <a:t>16 + 63 </a:t>
-            </a:r>
-            <a:endParaRPr lang="zh-CN" altLang="en-US" dirty="0"/>
-          </a:p>
-        </p:txBody>
-      </p:sp>
-      <p:sp>
-        <p:nvSpPr>
-          <p:cNvPr id="26" name="矩形 25">
-            <a:extLst>
-              <a:ext uri="{FF2B5EF4-FFF2-40B4-BE49-F238E27FC236}">
-                <a16:creationId xmlns:a16="http://schemas.microsoft.com/office/drawing/2014/main" id="{98F3B272-1DD3-F9C9-BCCB-FC6BD4BE2810}"/>
-              </a:ext>
-            </a:extLst>
-          </p:cNvPr>
-          <p:cNvSpPr/>
-          <p:nvPr/>
-        </p:nvSpPr>
-        <p:spPr>
-          <a:xfrm>
-            <a:off x="7549579" y="3255912"/>
-            <a:ext cx="3864243" cy="764583"/>
-          </a:xfrm>
-          <a:prstGeom prst="rect">
-            <a:avLst/>
-          </a:prstGeom>
           <a:solidFill>
-            <a:schemeClr val="accent6">
-              <a:lumMod val="75000"/>
+            <a:schemeClr val="accent4">
+              <a:lumMod val="40000"/>
+              <a:lumOff val="60000"/>
             </a:schemeClr>
           </a:solidFill>
           <a:ln>
             <a:solidFill>
-              <a:schemeClr val="accent6">
-                <a:lumMod val="75000"/>
+              <a:schemeClr val="accent4">
+                <a:lumMod val="40000"/>
+                <a:lumOff val="60000"/>
               </a:schemeClr>
             </a:solidFill>
           </a:ln>
@@ -12534,74 +12285,34 @@
       </p:sp>
       <p:sp>
         <p:nvSpPr>
-          <p:cNvPr id="27" name="文本框 26">
-            <a:extLst>
-              <a:ext uri="{FF2B5EF4-FFF2-40B4-BE49-F238E27FC236}">
-                <a16:creationId xmlns:a16="http://schemas.microsoft.com/office/drawing/2014/main" id="{BF1F017A-6B63-E521-4019-D9B1AF17B9D5}"/>
-              </a:ext>
-            </a:extLst>
-          </p:cNvPr>
-          <p:cNvSpPr txBox="1"/>
-          <p:nvPr/>
-        </p:nvSpPr>
-        <p:spPr>
-          <a:xfrm>
-            <a:off x="7921537" y="3309932"/>
-            <a:ext cx="3120325" cy="646331"/>
+          <p:cNvPr id="63" name="矩形 62">
+            <a:extLst>
+              <a:ext uri="{FF2B5EF4-FFF2-40B4-BE49-F238E27FC236}">
+                <a16:creationId xmlns:a16="http://schemas.microsoft.com/office/drawing/2014/main" id="{16667093-1D57-79CD-1B2C-FD28E85BAFD1}"/>
+              </a:ext>
+            </a:extLst>
+          </p:cNvPr>
+          <p:cNvSpPr/>
+          <p:nvPr/>
+        </p:nvSpPr>
+        <p:spPr>
+          <a:xfrm>
+            <a:off x="2991683" y="5487324"/>
+            <a:ext cx="3864243" cy="764583"/>
           </a:xfrm>
           <a:prstGeom prst="rect">
             <a:avLst/>
           </a:prstGeom>
-          <a:noFill/>
-        </p:spPr>
-        <p:txBody>
-          <a:bodyPr wrap="square" rtlCol="0">
-            <a:spAutoFit/>
-          </a:bodyPr>
-          <a:lstStyle/>
-          <a:p>
-            <a:pPr algn="ctr"/>
-            <a:r>
-              <a:rPr lang="en-US" altLang="zh-CN" dirty="0"/>
-              <a:t>Integrity Data</a:t>
-            </a:r>
-          </a:p>
-          <a:p>
-            <a:pPr algn="ctr"/>
-            <a:r>
-              <a:rPr lang="en-US" altLang="zh-CN" dirty="0"/>
-              <a:t>32 bytes</a:t>
-            </a:r>
-            <a:endParaRPr lang="zh-CN" altLang="en-US" dirty="0"/>
-          </a:p>
-        </p:txBody>
-      </p:sp>
-      <p:sp>
-        <p:nvSpPr>
-          <p:cNvPr id="29" name="箭头: 下 28">
-            <a:extLst>
-              <a:ext uri="{FF2B5EF4-FFF2-40B4-BE49-F238E27FC236}">
-                <a16:creationId xmlns:a16="http://schemas.microsoft.com/office/drawing/2014/main" id="{50104B13-15C5-4DAA-9384-5DE50859178C}"/>
-              </a:ext>
-            </a:extLst>
-          </p:cNvPr>
-          <p:cNvSpPr/>
-          <p:nvPr/>
-        </p:nvSpPr>
-        <p:spPr>
-          <a:xfrm>
-            <a:off x="4930100" y="4298008"/>
-            <a:ext cx="167557" cy="451352"/>
-          </a:xfrm>
-          <a:prstGeom prst="downArrow">
-            <a:avLst/>
-          </a:prstGeom>
           <a:solidFill>
-            <a:schemeClr val="bg1"/>
+            <a:schemeClr val="accent2">
+              <a:lumMod val="75000"/>
+            </a:schemeClr>
           </a:solidFill>
           <a:ln>
             <a:solidFill>
-              <a:schemeClr val="tx1"/>
+              <a:schemeClr val="accent2">
+                <a:lumMod val="75000"/>
+              </a:schemeClr>
             </a:solidFill>
           </a:ln>
         </p:spPr>
@@ -12625,17 +12336,16 @@
           <a:bodyPr rtlCol="0" anchor="ctr"/>
           <a:lstStyle/>
           <a:p>
-            <a:pPr algn="ctr"/>
             <a:endParaRPr lang="zh-CN" altLang="en-US"/>
           </a:p>
         </p:txBody>
       </p:sp>
       <p:sp>
         <p:nvSpPr>
-          <p:cNvPr id="30" name="箭头: 下 29">
-            <a:extLst>
-              <a:ext uri="{FF2B5EF4-FFF2-40B4-BE49-F238E27FC236}">
-                <a16:creationId xmlns:a16="http://schemas.microsoft.com/office/drawing/2014/main" id="{3D99C0D0-8E24-8B2C-0393-1610C94FE4F2}"/>
+          <p:cNvPr id="64" name="矩形 63">
+            <a:extLst>
+              <a:ext uri="{FF2B5EF4-FFF2-40B4-BE49-F238E27FC236}">
+                <a16:creationId xmlns:a16="http://schemas.microsoft.com/office/drawing/2014/main" id="{86E8CA31-0FA2-361E-55B8-DDB5B7861AB5}"/>
               </a:ext>
             </a:extLst>
           </p:cNvPr>
@@ -12644,18 +12354,22 @@
         </p:nvSpPr>
         <p:spPr>
           <a:xfrm>
-            <a:off x="8140831" y="4298008"/>
-            <a:ext cx="167557" cy="451352"/>
-          </a:xfrm>
-          <a:prstGeom prst="downArrow">
+            <a:off x="6855926" y="5487324"/>
+            <a:ext cx="3864243" cy="764583"/>
+          </a:xfrm>
+          <a:prstGeom prst="rect">
             <a:avLst/>
           </a:prstGeom>
           <a:solidFill>
-            <a:schemeClr val="bg1"/>
+            <a:schemeClr val="accent6">
+              <a:lumMod val="75000"/>
+            </a:schemeClr>
           </a:solidFill>
           <a:ln>
             <a:solidFill>
-              <a:schemeClr val="tx1"/>
+              <a:schemeClr val="accent6">
+                <a:lumMod val="75000"/>
+              </a:schemeClr>
             </a:solidFill>
           </a:ln>
         </p:spPr>
@@ -12679,324 +12393,16 @@
           <a:bodyPr rtlCol="0" anchor="ctr"/>
           <a:lstStyle/>
           <a:p>
-            <a:pPr algn="ctr"/>
             <a:endParaRPr lang="zh-CN" altLang="en-US"/>
           </a:p>
         </p:txBody>
       </p:sp>
       <p:sp>
         <p:nvSpPr>
-          <p:cNvPr id="31" name="文本框 30">
-            <a:extLst>
-              <a:ext uri="{FF2B5EF4-FFF2-40B4-BE49-F238E27FC236}">
-                <a16:creationId xmlns:a16="http://schemas.microsoft.com/office/drawing/2014/main" id="{0C1BC5FD-680F-7863-B27F-4A4B09937740}"/>
-              </a:ext>
-            </a:extLst>
-          </p:cNvPr>
-          <p:cNvSpPr txBox="1"/>
-          <p:nvPr/>
-        </p:nvSpPr>
-        <p:spPr>
-          <a:xfrm>
-            <a:off x="5097657" y="4264774"/>
-            <a:ext cx="2531390" cy="369332"/>
-          </a:xfrm>
-          <a:prstGeom prst="rect">
-            <a:avLst/>
-          </a:prstGeom>
-          <a:noFill/>
-        </p:spPr>
-        <p:txBody>
-          <a:bodyPr wrap="square" rtlCol="0">
-            <a:spAutoFit/>
-          </a:bodyPr>
-          <a:lstStyle/>
-          <a:p>
-            <a:pPr algn="ctr"/>
-            <a:r>
-              <a:rPr lang="en-US" altLang="zh-CN" dirty="0"/>
-              <a:t>Authentication Check</a:t>
-            </a:r>
-            <a:endParaRPr lang="zh-CN" altLang="en-US" dirty="0"/>
-          </a:p>
-        </p:txBody>
-      </p:sp>
-      <p:sp>
-        <p:nvSpPr>
-          <p:cNvPr id="32" name="文本框 31">
-            <a:extLst>
-              <a:ext uri="{FF2B5EF4-FFF2-40B4-BE49-F238E27FC236}">
-                <a16:creationId xmlns:a16="http://schemas.microsoft.com/office/drawing/2014/main" id="{D68F6EDD-9302-636C-E76D-C53265B8837A}"/>
-              </a:ext>
-            </a:extLst>
-          </p:cNvPr>
-          <p:cNvSpPr txBox="1"/>
-          <p:nvPr/>
-        </p:nvSpPr>
-        <p:spPr>
-          <a:xfrm>
-            <a:off x="8062701" y="4264774"/>
-            <a:ext cx="2531390" cy="369332"/>
-          </a:xfrm>
-          <a:prstGeom prst="rect">
-            <a:avLst/>
-          </a:prstGeom>
-          <a:noFill/>
-        </p:spPr>
-        <p:txBody>
-          <a:bodyPr wrap="square" rtlCol="0">
-            <a:spAutoFit/>
-          </a:bodyPr>
-          <a:lstStyle/>
-          <a:p>
-            <a:pPr algn="ctr"/>
-            <a:r>
-              <a:rPr lang="en-US" altLang="zh-CN" dirty="0"/>
-              <a:t>Integrity Check</a:t>
-            </a:r>
-            <a:endParaRPr lang="zh-CN" altLang="en-US" dirty="0"/>
-          </a:p>
-        </p:txBody>
-      </p:sp>
-      <p:sp>
-        <p:nvSpPr>
-          <p:cNvPr id="33" name="文本框 32">
-            <a:extLst>
-              <a:ext uri="{FF2B5EF4-FFF2-40B4-BE49-F238E27FC236}">
-                <a16:creationId xmlns:a16="http://schemas.microsoft.com/office/drawing/2014/main" id="{A21A0832-CD99-4097-36C5-84286F75B10D}"/>
-              </a:ext>
-            </a:extLst>
-          </p:cNvPr>
-          <p:cNvSpPr txBox="1"/>
-          <p:nvPr/>
-        </p:nvSpPr>
-        <p:spPr>
-          <a:xfrm>
-            <a:off x="4630502" y="4870034"/>
-            <a:ext cx="727429" cy="369332"/>
-          </a:xfrm>
-          <a:prstGeom prst="rect">
-            <a:avLst/>
-          </a:prstGeom>
-          <a:noFill/>
-        </p:spPr>
-        <p:txBody>
-          <a:bodyPr wrap="square" rtlCol="0">
-            <a:spAutoFit/>
-          </a:bodyPr>
-          <a:lstStyle/>
-          <a:p>
-            <a:pPr algn="ctr"/>
-            <a:r>
-              <a:rPr lang="en-US" altLang="zh-CN" dirty="0"/>
-              <a:t>PASS</a:t>
-            </a:r>
-            <a:endParaRPr lang="zh-CN" altLang="en-US" dirty="0"/>
-          </a:p>
-        </p:txBody>
-      </p:sp>
-      <p:sp>
-        <p:nvSpPr>
-          <p:cNvPr id="34" name="文本框 33">
-            <a:extLst>
-              <a:ext uri="{FF2B5EF4-FFF2-40B4-BE49-F238E27FC236}">
-                <a16:creationId xmlns:a16="http://schemas.microsoft.com/office/drawing/2014/main" id="{F51D74F5-9AB0-5170-BA64-AD6CB0885506}"/>
-              </a:ext>
-            </a:extLst>
-          </p:cNvPr>
-          <p:cNvSpPr txBox="1"/>
-          <p:nvPr/>
-        </p:nvSpPr>
-        <p:spPr>
-          <a:xfrm>
-            <a:off x="7860894" y="4874217"/>
-            <a:ext cx="727429" cy="369332"/>
-          </a:xfrm>
-          <a:prstGeom prst="rect">
-            <a:avLst/>
-          </a:prstGeom>
-          <a:noFill/>
-        </p:spPr>
-        <p:txBody>
-          <a:bodyPr wrap="square" rtlCol="0">
-            <a:spAutoFit/>
-          </a:bodyPr>
-          <a:lstStyle/>
-          <a:p>
-            <a:pPr algn="ctr"/>
-            <a:r>
-              <a:rPr lang="en-US" altLang="zh-CN" dirty="0"/>
-              <a:t>PASS</a:t>
-            </a:r>
-            <a:endParaRPr lang="zh-CN" altLang="en-US" dirty="0"/>
-          </a:p>
-        </p:txBody>
-      </p:sp>
-      <p:cxnSp>
-        <p:nvCxnSpPr>
-          <p:cNvPr id="36" name="直接箭头连接符 35">
-            <a:extLst>
-              <a:ext uri="{FF2B5EF4-FFF2-40B4-BE49-F238E27FC236}">
-                <a16:creationId xmlns:a16="http://schemas.microsoft.com/office/drawing/2014/main" id="{CD381B3B-1959-AE60-5027-5865727C401D}"/>
-              </a:ext>
-            </a:extLst>
-          </p:cNvPr>
-          <p:cNvCxnSpPr>
-            <a:cxnSpLocks/>
-          </p:cNvCxnSpPr>
-          <p:nvPr/>
-        </p:nvCxnSpPr>
-        <p:spPr>
-          <a:xfrm flipH="1">
-            <a:off x="2787708" y="5636216"/>
-            <a:ext cx="5520680" cy="0"/>
-          </a:xfrm>
-          <a:prstGeom prst="straightConnector1">
-            <a:avLst/>
-          </a:prstGeom>
-          <a:ln>
-            <a:tailEnd type="triangle"/>
-          </a:ln>
-        </p:spPr>
-        <p:style>
-          <a:lnRef idx="2">
-            <a:schemeClr val="dk1"/>
-          </a:lnRef>
-          <a:fillRef idx="0">
-            <a:schemeClr val="dk1"/>
-          </a:fillRef>
-          <a:effectRef idx="1">
-            <a:schemeClr val="dk1"/>
-          </a:effectRef>
-          <a:fontRef idx="minor">
-            <a:schemeClr val="tx1"/>
-          </a:fontRef>
-        </p:style>
-      </p:cxnSp>
-      <p:cxnSp>
-        <p:nvCxnSpPr>
-          <p:cNvPr id="38" name="直接连接符 37">
-            <a:extLst>
-              <a:ext uri="{FF2B5EF4-FFF2-40B4-BE49-F238E27FC236}">
-                <a16:creationId xmlns:a16="http://schemas.microsoft.com/office/drawing/2014/main" id="{F4AC803C-3C37-E10F-EBA7-2315DE918851}"/>
-              </a:ext>
-            </a:extLst>
-          </p:cNvPr>
-          <p:cNvCxnSpPr>
-            <a:stCxn id="33" idx="2"/>
-          </p:cNvCxnSpPr>
-          <p:nvPr/>
-        </p:nvCxnSpPr>
-        <p:spPr>
-          <a:xfrm flipH="1">
-            <a:off x="4994216" y="5239366"/>
-            <a:ext cx="1" cy="396850"/>
-          </a:xfrm>
-          <a:prstGeom prst="line">
-            <a:avLst/>
-          </a:prstGeom>
-        </p:spPr>
-        <p:style>
-          <a:lnRef idx="2">
-            <a:schemeClr val="dk1"/>
-          </a:lnRef>
-          <a:fillRef idx="0">
-            <a:schemeClr val="dk1"/>
-          </a:fillRef>
-          <a:effectRef idx="1">
-            <a:schemeClr val="dk1"/>
-          </a:effectRef>
-          <a:fontRef idx="minor">
-            <a:schemeClr val="tx1"/>
-          </a:fontRef>
-        </p:style>
-      </p:cxnSp>
-      <p:cxnSp>
-        <p:nvCxnSpPr>
-          <p:cNvPr id="39" name="直接连接符 38">
-            <a:extLst>
-              <a:ext uri="{FF2B5EF4-FFF2-40B4-BE49-F238E27FC236}">
-                <a16:creationId xmlns:a16="http://schemas.microsoft.com/office/drawing/2014/main" id="{2E7961DB-42FB-982D-7BC6-C6B8A4C145A5}"/>
-              </a:ext>
-            </a:extLst>
-          </p:cNvPr>
-          <p:cNvCxnSpPr/>
-          <p:nvPr/>
-        </p:nvCxnSpPr>
-        <p:spPr>
-          <a:xfrm flipH="1">
-            <a:off x="8303583" y="5239366"/>
-            <a:ext cx="1" cy="396850"/>
-          </a:xfrm>
-          <a:prstGeom prst="line">
-            <a:avLst/>
-          </a:prstGeom>
-        </p:spPr>
-        <p:style>
-          <a:lnRef idx="2">
-            <a:schemeClr val="dk1"/>
-          </a:lnRef>
-          <a:fillRef idx="0">
-            <a:schemeClr val="dk1"/>
-          </a:fillRef>
-          <a:effectRef idx="1">
-            <a:schemeClr val="dk1"/>
-          </a:effectRef>
-          <a:fontRef idx="minor">
-            <a:schemeClr val="tx1"/>
-          </a:fontRef>
-        </p:style>
-      </p:cxnSp>
-      <p:sp>
-        <p:nvSpPr>
-          <p:cNvPr id="42" name="文本框 41">
-            <a:extLst>
-              <a:ext uri="{FF2B5EF4-FFF2-40B4-BE49-F238E27FC236}">
-                <a16:creationId xmlns:a16="http://schemas.microsoft.com/office/drawing/2014/main" id="{3E76BE83-9350-6393-912F-48E7D2865C46}"/>
-              </a:ext>
-            </a:extLst>
-          </p:cNvPr>
-          <p:cNvSpPr txBox="1"/>
-          <p:nvPr/>
-        </p:nvSpPr>
-        <p:spPr>
-          <a:xfrm>
-            <a:off x="219656" y="5919784"/>
-            <a:ext cx="1065714" cy="646331"/>
-          </a:xfrm>
-          <a:prstGeom prst="rect">
-            <a:avLst/>
-          </a:prstGeom>
-          <a:noFill/>
-        </p:spPr>
-        <p:txBody>
-          <a:bodyPr wrap="square" rtlCol="0">
-            <a:spAutoFit/>
-          </a:bodyPr>
-          <a:lstStyle/>
-          <a:p>
-            <a:pPr algn="ctr"/>
-            <a:r>
-              <a:rPr lang="en-US" altLang="zh-CN" dirty="0"/>
-              <a:t>16 bytes</a:t>
-            </a:r>
-            <a:endParaRPr lang="zh-CN" altLang="en-US" dirty="0"/>
-          </a:p>
-          <a:p>
-            <a:pPr algn="ctr"/>
-            <a:r>
-              <a:rPr lang="en-US" altLang="zh-CN" dirty="0"/>
-              <a:t>AES key</a:t>
-            </a:r>
-          </a:p>
-        </p:txBody>
-      </p:sp>
-      <p:sp>
-        <p:nvSpPr>
-          <p:cNvPr id="43" name="矩形 42">
-            <a:extLst>
-              <a:ext uri="{FF2B5EF4-FFF2-40B4-BE49-F238E27FC236}">
-                <a16:creationId xmlns:a16="http://schemas.microsoft.com/office/drawing/2014/main" id="{E640A95A-6244-E1C3-1611-E1DEAD8F7134}"/>
+          <p:cNvPr id="65" name="矩形 64">
+            <a:extLst>
+              <a:ext uri="{FF2B5EF4-FFF2-40B4-BE49-F238E27FC236}">
+                <a16:creationId xmlns:a16="http://schemas.microsoft.com/office/drawing/2014/main" id="{00EC25AC-F536-EAAD-81DB-AB177187CFA1}"/>
               </a:ext>
             </a:extLst>
           </p:cNvPr>
@@ -13005,23 +12411,21 @@
         </p:nvSpPr>
         <p:spPr>
           <a:xfrm>
-            <a:off x="8701963" y="6017890"/>
-            <a:ext cx="1911457" cy="764583"/>
+            <a:off x="10720169" y="5487324"/>
+            <a:ext cx="304800" cy="764583"/>
           </a:xfrm>
           <a:prstGeom prst="rect">
             <a:avLst/>
           </a:prstGeom>
           <a:solidFill>
             <a:schemeClr val="accent1">
-              <a:lumMod val="40000"/>
-              <a:lumOff val="60000"/>
+              <a:lumMod val="75000"/>
             </a:schemeClr>
           </a:solidFill>
           <a:ln>
             <a:solidFill>
               <a:schemeClr val="accent1">
-                <a:lumMod val="40000"/>
-                <a:lumOff val="60000"/>
+                <a:lumMod val="75000"/>
               </a:schemeClr>
             </a:solidFill>
           </a:ln>
@@ -13053,70 +12457,10 @@
       </p:sp>
       <p:sp>
         <p:nvSpPr>
-          <p:cNvPr id="44" name="矩形 43">
-            <a:extLst>
-              <a:ext uri="{FF2B5EF4-FFF2-40B4-BE49-F238E27FC236}">
-                <a16:creationId xmlns:a16="http://schemas.microsoft.com/office/drawing/2014/main" id="{EDF674A4-C552-C54F-AA4E-915178CD9B20}"/>
-              </a:ext>
-            </a:extLst>
-          </p:cNvPr>
-          <p:cNvSpPr/>
-          <p:nvPr/>
-        </p:nvSpPr>
-        <p:spPr>
-          <a:xfrm>
-            <a:off x="6790506" y="6017890"/>
-            <a:ext cx="1911457" cy="764583"/>
-          </a:xfrm>
-          <a:prstGeom prst="rect">
-            <a:avLst/>
-          </a:prstGeom>
-          <a:solidFill>
-            <a:schemeClr val="accent2">
-              <a:lumMod val="40000"/>
-              <a:lumOff val="60000"/>
-            </a:schemeClr>
-          </a:solidFill>
-          <a:ln>
-            <a:solidFill>
-              <a:schemeClr val="accent2">
-                <a:lumMod val="40000"/>
-                <a:lumOff val="60000"/>
-              </a:schemeClr>
-            </a:solidFill>
-          </a:ln>
-        </p:spPr>
-        <p:style>
-          <a:lnRef idx="2">
-            <a:schemeClr val="accent1">
-              <a:shade val="50000"/>
-            </a:schemeClr>
-          </a:lnRef>
-          <a:fillRef idx="1">
-            <a:schemeClr val="accent1"/>
-          </a:fillRef>
-          <a:effectRef idx="0">
-            <a:schemeClr val="accent1"/>
-          </a:effectRef>
-          <a:fontRef idx="minor">
-            <a:schemeClr val="lt1"/>
-          </a:fontRef>
-        </p:style>
-        <p:txBody>
-          <a:bodyPr rtlCol="0" anchor="ctr"/>
-          <a:lstStyle/>
-          <a:p>
-            <a:pPr algn="ctr"/>
-            <a:endParaRPr lang="zh-CN" altLang="en-US"/>
-          </a:p>
-        </p:txBody>
-      </p:sp>
-      <p:sp>
-        <p:nvSpPr>
-          <p:cNvPr id="45" name="文本框 44">
-            <a:extLst>
-              <a:ext uri="{FF2B5EF4-FFF2-40B4-BE49-F238E27FC236}">
-                <a16:creationId xmlns:a16="http://schemas.microsoft.com/office/drawing/2014/main" id="{18150481-0D39-2D89-AAD6-FEC82E6F9CEE}"/>
+          <p:cNvPr id="66" name="文本框 65">
+            <a:extLst>
+              <a:ext uri="{FF2B5EF4-FFF2-40B4-BE49-F238E27FC236}">
+                <a16:creationId xmlns:a16="http://schemas.microsoft.com/office/drawing/2014/main" id="{2466AD0F-7A52-EA6B-8E1B-2C19131FEA7B}"/>
               </a:ext>
             </a:extLst>
           </p:cNvPr>
@@ -13125,8 +12469,8 @@
         </p:nvSpPr>
         <p:spPr>
           <a:xfrm>
-            <a:off x="6942906" y="6077015"/>
-            <a:ext cx="1606658" cy="646331"/>
+            <a:off x="1209717" y="5546449"/>
+            <a:ext cx="1850756" cy="646331"/>
           </a:xfrm>
           <a:prstGeom prst="rect">
             <a:avLst/>
@@ -13142,14 +12486,14 @@
             <a:pPr algn="ctr"/>
             <a:r>
               <a:rPr lang="en-US" altLang="zh-CN" dirty="0"/>
-              <a:t>Temperature</a:t>
+              <a:t>AES Cipher</a:t>
             </a:r>
           </a:p>
           <a:p>
             <a:pPr algn="ctr"/>
             <a:r>
               <a:rPr lang="en-US" altLang="zh-CN" dirty="0"/>
-              <a:t>2 bytes</a:t>
+              <a:t>16 bytes</a:t>
             </a:r>
             <a:endParaRPr lang="zh-CN" altLang="en-US" dirty="0"/>
           </a:p>
@@ -13157,10 +12501,10 @@
       </p:sp>
       <p:sp>
         <p:nvSpPr>
-          <p:cNvPr id="46" name="文本框 45">
-            <a:extLst>
-              <a:ext uri="{FF2B5EF4-FFF2-40B4-BE49-F238E27FC236}">
-                <a16:creationId xmlns:a16="http://schemas.microsoft.com/office/drawing/2014/main" id="{DE7FB23C-39D5-ACD6-4094-8D45541869F6}"/>
+          <p:cNvPr id="67" name="文本框 66">
+            <a:extLst>
+              <a:ext uri="{FF2B5EF4-FFF2-40B4-BE49-F238E27FC236}">
+                <a16:creationId xmlns:a16="http://schemas.microsoft.com/office/drawing/2014/main" id="{64199F1E-0820-B8F2-BA34-E6EBFA339A96}"/>
               </a:ext>
             </a:extLst>
           </p:cNvPr>
@@ -13169,52 +12513,8 @@
         </p:nvSpPr>
         <p:spPr>
           <a:xfrm>
-            <a:off x="9116517" y="6077014"/>
-            <a:ext cx="1082349" cy="646331"/>
-          </a:xfrm>
-          <a:prstGeom prst="rect">
-            <a:avLst/>
-          </a:prstGeom>
-          <a:noFill/>
-        </p:spPr>
-        <p:txBody>
-          <a:bodyPr wrap="none" rtlCol="0">
-            <a:spAutoFit/>
-          </a:bodyPr>
-          <a:lstStyle/>
-          <a:p>
-            <a:pPr algn="ctr"/>
-            <a:r>
-              <a:rPr lang="en-US" altLang="zh-CN" dirty="0"/>
-              <a:t>Humidity</a:t>
-            </a:r>
-          </a:p>
-          <a:p>
-            <a:pPr algn="ctr"/>
-            <a:r>
-              <a:rPr lang="en-US" altLang="zh-CN" dirty="0"/>
-              <a:t>2 bytes</a:t>
-            </a:r>
-            <a:endParaRPr lang="zh-CN" altLang="en-US" dirty="0"/>
-          </a:p>
-        </p:txBody>
-      </p:sp>
-      <p:sp>
-        <p:nvSpPr>
-          <p:cNvPr id="47" name="文本框 46">
-            <a:extLst>
-              <a:ext uri="{FF2B5EF4-FFF2-40B4-BE49-F238E27FC236}">
-                <a16:creationId xmlns:a16="http://schemas.microsoft.com/office/drawing/2014/main" id="{9056419D-7E79-B655-E3DC-9FFC9147896A}"/>
-              </a:ext>
-            </a:extLst>
-          </p:cNvPr>
-          <p:cNvSpPr txBox="1"/>
-          <p:nvPr/>
-        </p:nvSpPr>
-        <p:spPr>
-          <a:xfrm>
-            <a:off x="5362078" y="6077014"/>
-            <a:ext cx="1126210" cy="646331"/>
+            <a:off x="3245168" y="5541345"/>
+            <a:ext cx="3120325" cy="646331"/>
           </a:xfrm>
           <a:prstGeom prst="rect">
             <a:avLst/>
@@ -13230,14 +12530,14 @@
             <a:pPr algn="ctr"/>
             <a:r>
               <a:rPr lang="en-US" altLang="zh-CN" dirty="0"/>
-              <a:t>Plain Text</a:t>
+              <a:t>Authentication Data</a:t>
             </a:r>
           </a:p>
           <a:p>
             <a:pPr algn="ctr"/>
             <a:r>
               <a:rPr lang="en-US" altLang="zh-CN" dirty="0"/>
-              <a:t>4 bytes</a:t>
+              <a:t>32 bytes</a:t>
             </a:r>
             <a:endParaRPr lang="zh-CN" altLang="en-US" dirty="0"/>
           </a:p>
@@ -13245,69 +12545,10 @@
       </p:sp>
       <p:sp>
         <p:nvSpPr>
-          <p:cNvPr id="50" name="矩形 49">
-            <a:extLst>
-              <a:ext uri="{FF2B5EF4-FFF2-40B4-BE49-F238E27FC236}">
-                <a16:creationId xmlns:a16="http://schemas.microsoft.com/office/drawing/2014/main" id="{F86E236C-A3D4-33AF-201A-7A5439896325}"/>
-              </a:ext>
-            </a:extLst>
-          </p:cNvPr>
-          <p:cNvSpPr/>
-          <p:nvPr/>
-        </p:nvSpPr>
-        <p:spPr>
-          <a:xfrm>
-            <a:off x="1096418" y="4997626"/>
-            <a:ext cx="1691290" cy="764583"/>
-          </a:xfrm>
-          <a:prstGeom prst="rect">
-            <a:avLst/>
-          </a:prstGeom>
-          <a:solidFill>
-            <a:schemeClr val="accent4">
-              <a:lumMod val="40000"/>
-              <a:lumOff val="60000"/>
-            </a:schemeClr>
-          </a:solidFill>
-          <a:ln>
-            <a:solidFill>
-              <a:schemeClr val="accent4">
-                <a:lumMod val="40000"/>
-                <a:lumOff val="60000"/>
-              </a:schemeClr>
-            </a:solidFill>
-          </a:ln>
-        </p:spPr>
-        <p:style>
-          <a:lnRef idx="2">
-            <a:schemeClr val="accent1">
-              <a:shade val="50000"/>
-            </a:schemeClr>
-          </a:lnRef>
-          <a:fillRef idx="1">
-            <a:schemeClr val="accent1"/>
-          </a:fillRef>
-          <a:effectRef idx="0">
-            <a:schemeClr val="accent1"/>
-          </a:effectRef>
-          <a:fontRef idx="minor">
-            <a:schemeClr val="lt1"/>
-          </a:fontRef>
-        </p:style>
-        <p:txBody>
-          <a:bodyPr rtlCol="0" anchor="ctr"/>
-          <a:lstStyle/>
-          <a:p>
-            <a:endParaRPr lang="zh-CN" altLang="en-US"/>
-          </a:p>
-        </p:txBody>
-      </p:sp>
-      <p:sp>
-        <p:nvSpPr>
-          <p:cNvPr id="51" name="文本框 50">
-            <a:extLst>
-              <a:ext uri="{FF2B5EF4-FFF2-40B4-BE49-F238E27FC236}">
-                <a16:creationId xmlns:a16="http://schemas.microsoft.com/office/drawing/2014/main" id="{DC71893C-4C66-8B77-A9B7-D4FABDD749F1}"/>
+          <p:cNvPr id="68" name="文本框 67">
+            <a:extLst>
+              <a:ext uri="{FF2B5EF4-FFF2-40B4-BE49-F238E27FC236}">
+                <a16:creationId xmlns:a16="http://schemas.microsoft.com/office/drawing/2014/main" id="{DFEFA414-AAD1-BEBB-D8D6-40D62E7DBFC8}"/>
               </a:ext>
             </a:extLst>
           </p:cNvPr>
@@ -13316,8 +12557,8 @@
         </p:nvSpPr>
         <p:spPr>
           <a:xfrm>
-            <a:off x="1016685" y="5056751"/>
-            <a:ext cx="1850756" cy="646331"/>
+            <a:off x="7227884" y="5541344"/>
+            <a:ext cx="3120325" cy="646331"/>
           </a:xfrm>
           <a:prstGeom prst="rect">
             <a:avLst/>
@@ -13333,14 +12574,58 @@
             <a:pPr algn="ctr"/>
             <a:r>
               <a:rPr lang="en-US" altLang="zh-CN" dirty="0"/>
-              <a:t>AES Cipher</a:t>
+              <a:t>Integrity Data</a:t>
             </a:r>
           </a:p>
           <a:p>
             <a:pPr algn="ctr"/>
             <a:r>
               <a:rPr lang="en-US" altLang="zh-CN" dirty="0"/>
-              <a:t>16 bytes</a:t>
+              <a:t>32 bytes</a:t>
+            </a:r>
+            <a:endParaRPr lang="zh-CN" altLang="en-US" dirty="0"/>
+          </a:p>
+        </p:txBody>
+      </p:sp>
+      <p:sp>
+        <p:nvSpPr>
+          <p:cNvPr id="69" name="文本框 68">
+            <a:extLst>
+              <a:ext uri="{FF2B5EF4-FFF2-40B4-BE49-F238E27FC236}">
+                <a16:creationId xmlns:a16="http://schemas.microsoft.com/office/drawing/2014/main" id="{0D01D25C-D4DC-455A-B5E6-062DB1E6BED3}"/>
+              </a:ext>
+            </a:extLst>
+          </p:cNvPr>
+          <p:cNvSpPr txBox="1"/>
+          <p:nvPr/>
+        </p:nvSpPr>
+        <p:spPr>
+          <a:xfrm>
+            <a:off x="9015405" y="4416549"/>
+            <a:ext cx="2490060" cy="646331"/>
+          </a:xfrm>
+          <a:prstGeom prst="rect">
+            <a:avLst/>
+          </a:prstGeom>
+          <a:noFill/>
+        </p:spPr>
+        <p:txBody>
+          <a:bodyPr wrap="square" rtlCol="0">
+            <a:spAutoFit/>
+          </a:bodyPr>
+          <a:lstStyle/>
+          <a:p>
+            <a:pPr algn="ctr"/>
+            <a:r>
+              <a:rPr lang="en-US" altLang="zh-CN" dirty="0"/>
+              <a:t>Length of AES Cipher </a:t>
+            </a:r>
+          </a:p>
+          <a:p>
+            <a:pPr algn="ctr"/>
+            <a:r>
+              <a:rPr lang="en-US" altLang="zh-CN" dirty="0"/>
+              <a:t>1 byte</a:t>
             </a:r>
             <a:endParaRPr lang="zh-CN" altLang="en-US" dirty="0"/>
           </a:p>
@@ -13348,23 +12633,23 @@
       </p:sp>
       <p:cxnSp>
         <p:nvCxnSpPr>
-          <p:cNvPr id="57" name="直接箭头连接符 56">
-            <a:extLst>
-              <a:ext uri="{FF2B5EF4-FFF2-40B4-BE49-F238E27FC236}">
-                <a16:creationId xmlns:a16="http://schemas.microsoft.com/office/drawing/2014/main" id="{2E3D28D0-E63B-DE56-0773-6904F165BD8A}"/>
+          <p:cNvPr id="71" name="直接箭头连接符 70">
+            <a:extLst>
+              <a:ext uri="{FF2B5EF4-FFF2-40B4-BE49-F238E27FC236}">
+                <a16:creationId xmlns:a16="http://schemas.microsoft.com/office/drawing/2014/main" id="{9872FFB6-A27A-627F-CD65-E551A4915929}"/>
               </a:ext>
             </a:extLst>
           </p:cNvPr>
           <p:cNvCxnSpPr>
             <a:cxnSpLocks/>
-            <a:endCxn id="47" idx="1"/>
+            <a:endCxn id="65" idx="0"/>
           </p:cNvCxnSpPr>
           <p:nvPr/>
         </p:nvCxnSpPr>
         <p:spPr>
           <a:xfrm>
-            <a:off x="4371135" y="6400179"/>
-            <a:ext cx="990943" cy="1"/>
+            <a:off x="10229736" y="5062880"/>
+            <a:ext cx="642833" cy="424444"/>
           </a:xfrm>
           <a:prstGeom prst="straightConnector1">
             <a:avLst/>
@@ -13388,88 +12673,12 @@
           </a:fontRef>
         </p:style>
       </p:cxnSp>
-      <p:cxnSp>
-        <p:nvCxnSpPr>
-          <p:cNvPr id="58" name="直接连接符 57">
-            <a:extLst>
-              <a:ext uri="{FF2B5EF4-FFF2-40B4-BE49-F238E27FC236}">
-                <a16:creationId xmlns:a16="http://schemas.microsoft.com/office/drawing/2014/main" id="{E06AD530-8720-D3E9-3349-CB3D558EA5C9}"/>
-              </a:ext>
-            </a:extLst>
-          </p:cNvPr>
-          <p:cNvCxnSpPr>
-            <a:cxnSpLocks/>
-          </p:cNvCxnSpPr>
-          <p:nvPr/>
-        </p:nvCxnSpPr>
-        <p:spPr>
-          <a:xfrm>
-            <a:off x="1436479" y="5787551"/>
-            <a:ext cx="0" cy="607421"/>
-          </a:xfrm>
-          <a:prstGeom prst="line">
-            <a:avLst/>
-          </a:prstGeom>
-        </p:spPr>
-        <p:style>
-          <a:lnRef idx="2">
-            <a:schemeClr val="dk1"/>
-          </a:lnRef>
-          <a:fillRef idx="0">
-            <a:schemeClr val="dk1"/>
-          </a:fillRef>
-          <a:effectRef idx="1">
-            <a:schemeClr val="dk1"/>
-          </a:effectRef>
-          <a:fontRef idx="minor">
-            <a:schemeClr val="tx1"/>
-          </a:fontRef>
-        </p:style>
-      </p:cxnSp>
-      <p:cxnSp>
-        <p:nvCxnSpPr>
-          <p:cNvPr id="63" name="直接连接符 62">
-            <a:extLst>
-              <a:ext uri="{FF2B5EF4-FFF2-40B4-BE49-F238E27FC236}">
-                <a16:creationId xmlns:a16="http://schemas.microsoft.com/office/drawing/2014/main" id="{CC4B6A8F-BCAA-0C4A-B11D-22B3BF3546E7}"/>
-              </a:ext>
-            </a:extLst>
-          </p:cNvPr>
-          <p:cNvCxnSpPr>
-            <a:cxnSpLocks/>
-          </p:cNvCxnSpPr>
-          <p:nvPr/>
-        </p:nvCxnSpPr>
-        <p:spPr>
-          <a:xfrm flipH="1">
-            <a:off x="1436479" y="6394972"/>
-            <a:ext cx="1180902" cy="0"/>
-          </a:xfrm>
-          <a:prstGeom prst="line">
-            <a:avLst/>
-          </a:prstGeom>
-        </p:spPr>
-        <p:style>
-          <a:lnRef idx="2">
-            <a:schemeClr val="dk1"/>
-          </a:lnRef>
-          <a:fillRef idx="0">
-            <a:schemeClr val="dk1"/>
-          </a:fillRef>
-          <a:effectRef idx="1">
-            <a:schemeClr val="dk1"/>
-          </a:effectRef>
-          <a:fontRef idx="minor">
-            <a:schemeClr val="tx1"/>
-          </a:fontRef>
-        </p:style>
-      </p:cxnSp>
-      <p:sp>
-        <p:nvSpPr>
-          <p:cNvPr id="66" name="文本框 65">
-            <a:extLst>
-              <a:ext uri="{FF2B5EF4-FFF2-40B4-BE49-F238E27FC236}">
-                <a16:creationId xmlns:a16="http://schemas.microsoft.com/office/drawing/2014/main" id="{A921B0E6-D141-8B28-5D82-091D740770CB}"/>
+      <p:sp>
+        <p:nvSpPr>
+          <p:cNvPr id="75" name="文本框 74">
+            <a:extLst>
+              <a:ext uri="{FF2B5EF4-FFF2-40B4-BE49-F238E27FC236}">
+                <a16:creationId xmlns:a16="http://schemas.microsoft.com/office/drawing/2014/main" id="{A46096BA-6C74-2B5B-32F8-811046AD021A}"/>
               </a:ext>
             </a:extLst>
           </p:cNvPr>
@@ -13478,8 +12687,8 @@
         </p:nvSpPr>
         <p:spPr>
           <a:xfrm>
-            <a:off x="2727825" y="6215682"/>
-            <a:ext cx="1514040" cy="369332"/>
+            <a:off x="4748503" y="6413407"/>
+            <a:ext cx="3233980" cy="369332"/>
           </a:xfrm>
           <a:prstGeom prst="rect">
             <a:avLst/>
@@ -13494,8 +12703,8 @@
           <a:p>
             <a:pPr algn="ctr"/>
             <a:r>
-              <a:rPr lang="en-US" altLang="zh-CN" dirty="0" err="1"/>
-              <a:t>Unpadding</a:t>
+              <a:rPr lang="en-US" altLang="zh-CN" dirty="0"/>
+              <a:t>Final Ciphered Data</a:t>
             </a:r>
             <a:endParaRPr lang="zh-CN" altLang="en-US" dirty="0"/>
           </a:p>
@@ -13503,10 +12712,10 @@
       </p:sp>
       <p:sp>
         <p:nvSpPr>
-          <p:cNvPr id="67" name="文本框 66">
-            <a:extLst>
-              <a:ext uri="{FF2B5EF4-FFF2-40B4-BE49-F238E27FC236}">
-                <a16:creationId xmlns:a16="http://schemas.microsoft.com/office/drawing/2014/main" id="{C3414CDC-6EDD-3DE8-FDEE-A57980309CBD}"/>
+          <p:cNvPr id="83" name="文本框 82">
+            <a:extLst>
+              <a:ext uri="{FF2B5EF4-FFF2-40B4-BE49-F238E27FC236}">
+                <a16:creationId xmlns:a16="http://schemas.microsoft.com/office/drawing/2014/main" id="{9ED6561E-695B-303B-7B11-F09A7F4C66C8}"/>
               </a:ext>
             </a:extLst>
           </p:cNvPr>
@@ -13536,7 +12745,7 @@
                 </a:solidFill>
                 <a:latin typeface="Consolas" panose="020B0609020204030204" pitchFamily="49" charset="0"/>
               </a:rPr>
-              <a:t>Data decryption</a:t>
+              <a:t>Data encryption</a:t>
             </a:r>
             <a:endParaRPr lang="zh-CN" altLang="en-US" sz="3200" dirty="0">
               <a:solidFill>
@@ -13550,7 +12759,7 @@
     </p:spTree>
     <p:extLst>
       <p:ext uri="{BB962C8B-B14F-4D97-AF65-F5344CB8AC3E}">
-        <p14:creationId xmlns:p14="http://schemas.microsoft.com/office/powerpoint/2010/main" val="4038021239"/>
+        <p14:creationId xmlns:p14="http://schemas.microsoft.com/office/powerpoint/2010/main" val="216143336"/>
       </p:ext>
     </p:extLst>
   </p:cSld>
@@ -13582,7 +12791,7 @@
           <p:cNvPr id="4" name="矩形 3">
             <a:extLst>
               <a:ext uri="{FF2B5EF4-FFF2-40B4-BE49-F238E27FC236}">
-                <a16:creationId xmlns:a16="http://schemas.microsoft.com/office/drawing/2014/main" id="{04E452DC-1168-5C29-747E-0BFFEAD319EB}"/>
+                <a16:creationId xmlns:a16="http://schemas.microsoft.com/office/drawing/2014/main" id="{F68A7B7F-C1A9-AA04-2A6C-FCCDB6825F7E}"/>
               </a:ext>
             </a:extLst>
           </p:cNvPr>
@@ -13591,21 +12800,21 @@
         </p:nvSpPr>
         <p:spPr>
           <a:xfrm>
-            <a:off x="5067944" y="2691539"/>
-            <a:ext cx="1849465" cy="738753"/>
+            <a:off x="1516212" y="983306"/>
+            <a:ext cx="1691290" cy="764583"/>
           </a:xfrm>
           <a:prstGeom prst="rect">
             <a:avLst/>
           </a:prstGeom>
           <a:solidFill>
-            <a:schemeClr val="accent1">
+            <a:schemeClr val="accent4">
               <a:lumMod val="40000"/>
               <a:lumOff val="60000"/>
             </a:schemeClr>
           </a:solidFill>
           <a:ln>
             <a:solidFill>
-              <a:schemeClr val="accent1">
+              <a:schemeClr val="accent4">
                 <a:lumMod val="40000"/>
                 <a:lumOff val="60000"/>
               </a:schemeClr>
@@ -13632,54 +12841,16 @@
           <a:bodyPr rtlCol="0" anchor="ctr"/>
           <a:lstStyle/>
           <a:p>
-            <a:pPr algn="ctr"/>
             <a:endParaRPr lang="zh-CN" altLang="en-US"/>
           </a:p>
         </p:txBody>
       </p:sp>
       <p:sp>
         <p:nvSpPr>
-          <p:cNvPr id="5" name="文本框 4">
-            <a:extLst>
-              <a:ext uri="{FF2B5EF4-FFF2-40B4-BE49-F238E27FC236}">
-                <a16:creationId xmlns:a16="http://schemas.microsoft.com/office/drawing/2014/main" id="{B33F69BF-A010-A3BE-2401-3817134569A7}"/>
-              </a:ext>
-            </a:extLst>
-          </p:cNvPr>
-          <p:cNvSpPr txBox="1"/>
-          <p:nvPr/>
-        </p:nvSpPr>
-        <p:spPr>
-          <a:xfrm>
-            <a:off x="5447652" y="2876249"/>
-            <a:ext cx="1090047" cy="369332"/>
-          </a:xfrm>
-          <a:prstGeom prst="rect">
-            <a:avLst/>
-          </a:prstGeom>
-          <a:noFill/>
-        </p:spPr>
-        <p:txBody>
-          <a:bodyPr wrap="square" rtlCol="0">
-            <a:spAutoFit/>
-          </a:bodyPr>
-          <a:lstStyle/>
-          <a:p>
-            <a:pPr algn="ctr"/>
-            <a:r>
-              <a:rPr lang="en-US" altLang="zh-CN" dirty="0"/>
-              <a:t>Server</a:t>
-            </a:r>
-            <a:endParaRPr lang="zh-CN" altLang="en-US" dirty="0"/>
-          </a:p>
-        </p:txBody>
-      </p:sp>
-      <p:sp>
-        <p:nvSpPr>
-          <p:cNvPr id="6" name="矩形 5">
-            <a:extLst>
-              <a:ext uri="{FF2B5EF4-FFF2-40B4-BE49-F238E27FC236}">
-                <a16:creationId xmlns:a16="http://schemas.microsoft.com/office/drawing/2014/main" id="{DD62273D-6E5E-5B20-7D79-8E77FD6F3346}"/>
+          <p:cNvPr id="5" name="矩形 4">
+            <a:extLst>
+              <a:ext uri="{FF2B5EF4-FFF2-40B4-BE49-F238E27FC236}">
+                <a16:creationId xmlns:a16="http://schemas.microsoft.com/office/drawing/2014/main" id="{0E5AC861-ED9F-962C-7D3B-B0DF8398BC9F}"/>
               </a:ext>
             </a:extLst>
           </p:cNvPr>
@@ -13688,23 +12859,21 @@
         </p:nvSpPr>
         <p:spPr>
           <a:xfrm>
-            <a:off x="1805551" y="5514814"/>
-            <a:ext cx="1849465" cy="738753"/>
+            <a:off x="3218445" y="983306"/>
+            <a:ext cx="3864243" cy="764583"/>
           </a:xfrm>
           <a:prstGeom prst="rect">
             <a:avLst/>
           </a:prstGeom>
           <a:solidFill>
             <a:schemeClr val="accent2">
-              <a:lumMod val="40000"/>
-              <a:lumOff val="60000"/>
+              <a:lumMod val="75000"/>
             </a:schemeClr>
           </a:solidFill>
           <a:ln>
             <a:solidFill>
               <a:schemeClr val="accent2">
-                <a:lumMod val="40000"/>
-                <a:lumOff val="60000"/>
+                <a:lumMod val="75000"/>
               </a:schemeClr>
             </a:solidFill>
           </a:ln>
@@ -13729,79 +12898,39 @@
           <a:bodyPr rtlCol="0" anchor="ctr"/>
           <a:lstStyle/>
           <a:p>
-            <a:pPr algn="ctr"/>
             <a:endParaRPr lang="zh-CN" altLang="en-US"/>
           </a:p>
         </p:txBody>
       </p:sp>
       <p:sp>
         <p:nvSpPr>
-          <p:cNvPr id="7" name="文本框 6">
-            <a:extLst>
-              <a:ext uri="{FF2B5EF4-FFF2-40B4-BE49-F238E27FC236}">
-                <a16:creationId xmlns:a16="http://schemas.microsoft.com/office/drawing/2014/main" id="{7F416D57-4CB2-55DA-965C-34953BD63BF8}"/>
-              </a:ext>
-            </a:extLst>
-          </p:cNvPr>
-          <p:cNvSpPr txBox="1"/>
-          <p:nvPr/>
-        </p:nvSpPr>
-        <p:spPr>
-          <a:xfrm>
-            <a:off x="2185259" y="5699524"/>
-            <a:ext cx="1090047" cy="369332"/>
+          <p:cNvPr id="6" name="矩形 5">
+            <a:extLst>
+              <a:ext uri="{FF2B5EF4-FFF2-40B4-BE49-F238E27FC236}">
+                <a16:creationId xmlns:a16="http://schemas.microsoft.com/office/drawing/2014/main" id="{AEAE9A3B-3816-DDE9-4932-E095E2DC4B91}"/>
+              </a:ext>
+            </a:extLst>
+          </p:cNvPr>
+          <p:cNvSpPr/>
+          <p:nvPr/>
+        </p:nvSpPr>
+        <p:spPr>
+          <a:xfrm>
+            <a:off x="7082688" y="983306"/>
+            <a:ext cx="3864243" cy="764583"/>
           </a:xfrm>
           <a:prstGeom prst="rect">
             <a:avLst/>
           </a:prstGeom>
-          <a:noFill/>
-        </p:spPr>
-        <p:txBody>
-          <a:bodyPr wrap="square" rtlCol="0">
-            <a:spAutoFit/>
-          </a:bodyPr>
-          <a:lstStyle/>
-          <a:p>
-            <a:pPr algn="ctr"/>
-            <a:r>
-              <a:rPr lang="en-US" altLang="zh-CN" dirty="0"/>
-              <a:t>ESP32-A</a:t>
-            </a:r>
-            <a:endParaRPr lang="zh-CN" altLang="en-US" dirty="0"/>
-          </a:p>
-        </p:txBody>
-      </p:sp>
-      <p:sp>
-        <p:nvSpPr>
-          <p:cNvPr id="8" name="矩形 7">
-            <a:extLst>
-              <a:ext uri="{FF2B5EF4-FFF2-40B4-BE49-F238E27FC236}">
-                <a16:creationId xmlns:a16="http://schemas.microsoft.com/office/drawing/2014/main" id="{ACD99CA0-1B86-AFCC-1AE6-922A4C69B659}"/>
-              </a:ext>
-            </a:extLst>
-          </p:cNvPr>
-          <p:cNvSpPr/>
-          <p:nvPr/>
-        </p:nvSpPr>
-        <p:spPr>
-          <a:xfrm>
-            <a:off x="8567982" y="5514814"/>
-            <a:ext cx="1849465" cy="738753"/>
-          </a:xfrm>
-          <a:prstGeom prst="rect">
-            <a:avLst/>
-          </a:prstGeom>
           <a:solidFill>
-            <a:schemeClr val="accent4">
-              <a:lumMod val="40000"/>
-              <a:lumOff val="60000"/>
+            <a:schemeClr val="accent6">
+              <a:lumMod val="75000"/>
             </a:schemeClr>
           </a:solidFill>
           <a:ln>
             <a:solidFill>
-              <a:schemeClr val="accent4">
-                <a:lumMod val="40000"/>
-                <a:lumOff val="60000"/>
+              <a:schemeClr val="accent6">
+                <a:lumMod val="75000"/>
               </a:schemeClr>
             </a:solidFill>
           </a:ln>
@@ -13826,6 +12955,63 @@
           <a:bodyPr rtlCol="0" anchor="ctr"/>
           <a:lstStyle/>
           <a:p>
+            <a:endParaRPr lang="zh-CN" altLang="en-US"/>
+          </a:p>
+        </p:txBody>
+      </p:sp>
+      <p:sp>
+        <p:nvSpPr>
+          <p:cNvPr id="7" name="矩形 6">
+            <a:extLst>
+              <a:ext uri="{FF2B5EF4-FFF2-40B4-BE49-F238E27FC236}">
+                <a16:creationId xmlns:a16="http://schemas.microsoft.com/office/drawing/2014/main" id="{543F8A26-3785-E1F0-6972-C26E12EF84F1}"/>
+              </a:ext>
+            </a:extLst>
+          </p:cNvPr>
+          <p:cNvSpPr/>
+          <p:nvPr/>
+        </p:nvSpPr>
+        <p:spPr>
+          <a:xfrm>
+            <a:off x="10946931" y="983306"/>
+            <a:ext cx="304800" cy="764583"/>
+          </a:xfrm>
+          <a:prstGeom prst="rect">
+            <a:avLst/>
+          </a:prstGeom>
+          <a:solidFill>
+            <a:schemeClr val="accent1">
+              <a:lumMod val="75000"/>
+            </a:schemeClr>
+          </a:solidFill>
+          <a:ln>
+            <a:solidFill>
+              <a:schemeClr val="accent1">
+                <a:lumMod val="75000"/>
+              </a:schemeClr>
+            </a:solidFill>
+          </a:ln>
+        </p:spPr>
+        <p:style>
+          <a:lnRef idx="2">
+            <a:schemeClr val="accent1">
+              <a:shade val="50000"/>
+            </a:schemeClr>
+          </a:lnRef>
+          <a:fillRef idx="1">
+            <a:schemeClr val="accent1"/>
+          </a:fillRef>
+          <a:effectRef idx="0">
+            <a:schemeClr val="accent1"/>
+          </a:effectRef>
+          <a:fontRef idx="minor">
+            <a:schemeClr val="lt1"/>
+          </a:fontRef>
+        </p:style>
+        <p:txBody>
+          <a:bodyPr rtlCol="0" anchor="ctr"/>
+          <a:lstStyle/>
+          <a:p>
             <a:pPr algn="ctr"/>
             <a:endParaRPr lang="zh-CN" altLang="en-US"/>
           </a:p>
@@ -13833,10 +13019,54 @@
       </p:sp>
       <p:sp>
         <p:nvSpPr>
+          <p:cNvPr id="8" name="文本框 7">
+            <a:extLst>
+              <a:ext uri="{FF2B5EF4-FFF2-40B4-BE49-F238E27FC236}">
+                <a16:creationId xmlns:a16="http://schemas.microsoft.com/office/drawing/2014/main" id="{43F8A1DE-B11F-4B48-172B-517821A6D80C}"/>
+              </a:ext>
+            </a:extLst>
+          </p:cNvPr>
+          <p:cNvSpPr txBox="1"/>
+          <p:nvPr/>
+        </p:nvSpPr>
+        <p:spPr>
+          <a:xfrm>
+            <a:off x="1436479" y="1042431"/>
+            <a:ext cx="1850756" cy="646331"/>
+          </a:xfrm>
+          <a:prstGeom prst="rect">
+            <a:avLst/>
+          </a:prstGeom>
+          <a:noFill/>
+        </p:spPr>
+        <p:txBody>
+          <a:bodyPr wrap="square" rtlCol="0">
+            <a:spAutoFit/>
+          </a:bodyPr>
+          <a:lstStyle/>
+          <a:p>
+            <a:pPr algn="ctr"/>
+            <a:r>
+              <a:rPr lang="en-US" altLang="zh-CN" dirty="0"/>
+              <a:t>AES Cipher</a:t>
+            </a:r>
+          </a:p>
+          <a:p>
+            <a:pPr algn="ctr"/>
+            <a:r>
+              <a:rPr lang="en-US" altLang="zh-CN" dirty="0"/>
+              <a:t>16 bytes</a:t>
+            </a:r>
+            <a:endParaRPr lang="zh-CN" altLang="en-US" dirty="0"/>
+          </a:p>
+        </p:txBody>
+      </p:sp>
+      <p:sp>
+        <p:nvSpPr>
           <p:cNvPr id="9" name="文本框 8">
             <a:extLst>
               <a:ext uri="{FF2B5EF4-FFF2-40B4-BE49-F238E27FC236}">
-                <a16:creationId xmlns:a16="http://schemas.microsoft.com/office/drawing/2014/main" id="{8639E5D6-CB13-B3DC-EA0E-AD5CE3D0D16A}"/>
+                <a16:creationId xmlns:a16="http://schemas.microsoft.com/office/drawing/2014/main" id="{83C71960-F60A-105D-13DF-FCD290E11E05}"/>
               </a:ext>
             </a:extLst>
           </p:cNvPr>
@@ -13845,8 +13075,402 @@
         </p:nvSpPr>
         <p:spPr>
           <a:xfrm>
-            <a:off x="8947690" y="5699524"/>
-            <a:ext cx="1090047" cy="369332"/>
+            <a:off x="3471930" y="1037327"/>
+            <a:ext cx="3120325" cy="646331"/>
+          </a:xfrm>
+          <a:prstGeom prst="rect">
+            <a:avLst/>
+          </a:prstGeom>
+          <a:noFill/>
+        </p:spPr>
+        <p:txBody>
+          <a:bodyPr wrap="square" rtlCol="0">
+            <a:spAutoFit/>
+          </a:bodyPr>
+          <a:lstStyle/>
+          <a:p>
+            <a:pPr algn="ctr"/>
+            <a:r>
+              <a:rPr lang="en-US" altLang="zh-CN" dirty="0"/>
+              <a:t>Authentication Data</a:t>
+            </a:r>
+          </a:p>
+          <a:p>
+            <a:pPr algn="ctr"/>
+            <a:r>
+              <a:rPr lang="en-US" altLang="zh-CN" dirty="0"/>
+              <a:t>32 bytes</a:t>
+            </a:r>
+            <a:endParaRPr lang="zh-CN" altLang="en-US" dirty="0"/>
+          </a:p>
+        </p:txBody>
+      </p:sp>
+      <p:sp>
+        <p:nvSpPr>
+          <p:cNvPr id="10" name="文本框 9">
+            <a:extLst>
+              <a:ext uri="{FF2B5EF4-FFF2-40B4-BE49-F238E27FC236}">
+                <a16:creationId xmlns:a16="http://schemas.microsoft.com/office/drawing/2014/main" id="{A1D56C8E-B554-AEAC-6B76-550C4E4F6D7A}"/>
+              </a:ext>
+            </a:extLst>
+          </p:cNvPr>
+          <p:cNvSpPr txBox="1"/>
+          <p:nvPr/>
+        </p:nvSpPr>
+        <p:spPr>
+          <a:xfrm>
+            <a:off x="7454646" y="1037326"/>
+            <a:ext cx="3120325" cy="646331"/>
+          </a:xfrm>
+          <a:prstGeom prst="rect">
+            <a:avLst/>
+          </a:prstGeom>
+          <a:noFill/>
+        </p:spPr>
+        <p:txBody>
+          <a:bodyPr wrap="square" rtlCol="0">
+            <a:spAutoFit/>
+          </a:bodyPr>
+          <a:lstStyle/>
+          <a:p>
+            <a:pPr algn="ctr"/>
+            <a:r>
+              <a:rPr lang="en-US" altLang="zh-CN" dirty="0"/>
+              <a:t>Integrity Data</a:t>
+            </a:r>
+          </a:p>
+          <a:p>
+            <a:pPr algn="ctr"/>
+            <a:r>
+              <a:rPr lang="en-US" altLang="zh-CN" dirty="0"/>
+              <a:t>32 bytes</a:t>
+            </a:r>
+            <a:endParaRPr lang="zh-CN" altLang="en-US" dirty="0"/>
+          </a:p>
+        </p:txBody>
+      </p:sp>
+      <p:sp>
+        <p:nvSpPr>
+          <p:cNvPr id="11" name="文本框 10">
+            <a:extLst>
+              <a:ext uri="{FF2B5EF4-FFF2-40B4-BE49-F238E27FC236}">
+                <a16:creationId xmlns:a16="http://schemas.microsoft.com/office/drawing/2014/main" id="{7F1BAF6A-CA3A-AC70-948B-3948EE174ECA}"/>
+              </a:ext>
+            </a:extLst>
+          </p:cNvPr>
+          <p:cNvSpPr txBox="1"/>
+          <p:nvPr/>
+        </p:nvSpPr>
+        <p:spPr>
+          <a:xfrm>
+            <a:off x="9328396" y="2107301"/>
+            <a:ext cx="2490060" cy="923330"/>
+          </a:xfrm>
+          <a:prstGeom prst="rect">
+            <a:avLst/>
+          </a:prstGeom>
+          <a:noFill/>
+        </p:spPr>
+        <p:txBody>
+          <a:bodyPr wrap="square" rtlCol="0">
+            <a:spAutoFit/>
+          </a:bodyPr>
+          <a:lstStyle/>
+          <a:p>
+            <a:pPr algn="ctr"/>
+            <a:r>
+              <a:rPr lang="en-US" altLang="zh-CN" dirty="0"/>
+              <a:t>Length of AES Cipher </a:t>
+            </a:r>
+          </a:p>
+          <a:p>
+            <a:pPr algn="ctr"/>
+            <a:r>
+              <a:rPr lang="en-US" altLang="zh-CN" dirty="0"/>
+              <a:t>1 byte</a:t>
+            </a:r>
+          </a:p>
+          <a:p>
+            <a:pPr algn="ctr"/>
+            <a:r>
+              <a:rPr lang="en-US" altLang="zh-CN" dirty="0"/>
+              <a:t>(Assume 16 here)</a:t>
+            </a:r>
+            <a:endParaRPr lang="zh-CN" altLang="en-US" dirty="0"/>
+          </a:p>
+        </p:txBody>
+      </p:sp>
+      <p:cxnSp>
+        <p:nvCxnSpPr>
+          <p:cNvPr id="12" name="直接箭头连接符 11">
+            <a:extLst>
+              <a:ext uri="{FF2B5EF4-FFF2-40B4-BE49-F238E27FC236}">
+                <a16:creationId xmlns:a16="http://schemas.microsoft.com/office/drawing/2014/main" id="{FA6C4C3E-67CD-11F1-CE5F-2A1D056AF0CE}"/>
+              </a:ext>
+            </a:extLst>
+          </p:cNvPr>
+          <p:cNvCxnSpPr>
+            <a:cxnSpLocks/>
+            <a:stCxn id="11" idx="0"/>
+            <a:endCxn id="7" idx="2"/>
+          </p:cNvCxnSpPr>
+          <p:nvPr/>
+        </p:nvCxnSpPr>
+        <p:spPr>
+          <a:xfrm flipV="1">
+            <a:off x="10573426" y="1747889"/>
+            <a:ext cx="525905" cy="359412"/>
+          </a:xfrm>
+          <a:prstGeom prst="straightConnector1">
+            <a:avLst/>
+          </a:prstGeom>
+          <a:ln>
+            <a:tailEnd type="triangle"/>
+          </a:ln>
+        </p:spPr>
+        <p:style>
+          <a:lnRef idx="2">
+            <a:schemeClr val="dk1"/>
+          </a:lnRef>
+          <a:fillRef idx="0">
+            <a:schemeClr val="dk1"/>
+          </a:fillRef>
+          <a:effectRef idx="1">
+            <a:schemeClr val="dk1"/>
+          </a:effectRef>
+          <a:fontRef idx="minor">
+            <a:schemeClr val="tx1"/>
+          </a:fontRef>
+        </p:style>
+      </p:cxnSp>
+      <p:sp>
+        <p:nvSpPr>
+          <p:cNvPr id="15" name="箭头: 下 14">
+            <a:extLst>
+              <a:ext uri="{FF2B5EF4-FFF2-40B4-BE49-F238E27FC236}">
+                <a16:creationId xmlns:a16="http://schemas.microsoft.com/office/drawing/2014/main" id="{286863B4-9AD4-A431-EC15-AE02B74732EA}"/>
+              </a:ext>
+            </a:extLst>
+          </p:cNvPr>
+          <p:cNvSpPr/>
+          <p:nvPr/>
+        </p:nvSpPr>
+        <p:spPr>
+          <a:xfrm>
+            <a:off x="2259865" y="1880560"/>
+            <a:ext cx="167557" cy="1100280"/>
+          </a:xfrm>
+          <a:prstGeom prst="downArrow">
+            <a:avLst/>
+          </a:prstGeom>
+          <a:solidFill>
+            <a:schemeClr val="bg1"/>
+          </a:solidFill>
+          <a:ln>
+            <a:solidFill>
+              <a:schemeClr val="tx1"/>
+            </a:solidFill>
+          </a:ln>
+        </p:spPr>
+        <p:style>
+          <a:lnRef idx="2">
+            <a:schemeClr val="accent1">
+              <a:shade val="50000"/>
+            </a:schemeClr>
+          </a:lnRef>
+          <a:fillRef idx="1">
+            <a:schemeClr val="accent1"/>
+          </a:fillRef>
+          <a:effectRef idx="0">
+            <a:schemeClr val="accent1"/>
+          </a:effectRef>
+          <a:fontRef idx="minor">
+            <a:schemeClr val="lt1"/>
+          </a:fontRef>
+        </p:style>
+        <p:txBody>
+          <a:bodyPr rtlCol="0" anchor="ctr"/>
+          <a:lstStyle/>
+          <a:p>
+            <a:pPr algn="ctr"/>
+            <a:endParaRPr lang="zh-CN" altLang="en-US"/>
+          </a:p>
+        </p:txBody>
+      </p:sp>
+      <p:sp>
+        <p:nvSpPr>
+          <p:cNvPr id="16" name="箭头: 下 15">
+            <a:extLst>
+              <a:ext uri="{FF2B5EF4-FFF2-40B4-BE49-F238E27FC236}">
+                <a16:creationId xmlns:a16="http://schemas.microsoft.com/office/drawing/2014/main" id="{FED97BE3-890B-7F79-ECD9-D5798BB39716}"/>
+              </a:ext>
+            </a:extLst>
+          </p:cNvPr>
+          <p:cNvSpPr/>
+          <p:nvPr/>
+        </p:nvSpPr>
+        <p:spPr>
+          <a:xfrm>
+            <a:off x="4930100" y="1880659"/>
+            <a:ext cx="167557" cy="1100279"/>
+          </a:xfrm>
+          <a:prstGeom prst="downArrow">
+            <a:avLst/>
+          </a:prstGeom>
+          <a:solidFill>
+            <a:schemeClr val="bg1"/>
+          </a:solidFill>
+          <a:ln>
+            <a:solidFill>
+              <a:schemeClr val="tx1"/>
+            </a:solidFill>
+          </a:ln>
+        </p:spPr>
+        <p:style>
+          <a:lnRef idx="2">
+            <a:schemeClr val="accent1">
+              <a:shade val="50000"/>
+            </a:schemeClr>
+          </a:lnRef>
+          <a:fillRef idx="1">
+            <a:schemeClr val="accent1"/>
+          </a:fillRef>
+          <a:effectRef idx="0">
+            <a:schemeClr val="accent1"/>
+          </a:effectRef>
+          <a:fontRef idx="minor">
+            <a:schemeClr val="lt1"/>
+          </a:fontRef>
+        </p:style>
+        <p:txBody>
+          <a:bodyPr rtlCol="0" anchor="ctr"/>
+          <a:lstStyle/>
+          <a:p>
+            <a:pPr algn="ctr"/>
+            <a:endParaRPr lang="zh-CN" altLang="en-US"/>
+          </a:p>
+        </p:txBody>
+      </p:sp>
+      <p:sp>
+        <p:nvSpPr>
+          <p:cNvPr id="18" name="箭头: 下 17">
+            <a:extLst>
+              <a:ext uri="{FF2B5EF4-FFF2-40B4-BE49-F238E27FC236}">
+                <a16:creationId xmlns:a16="http://schemas.microsoft.com/office/drawing/2014/main" id="{FF1092F5-E74B-3566-88B1-15697F24951B}"/>
+              </a:ext>
+            </a:extLst>
+          </p:cNvPr>
+          <p:cNvSpPr/>
+          <p:nvPr/>
+        </p:nvSpPr>
+        <p:spPr>
+          <a:xfrm>
+            <a:off x="8140832" y="1880326"/>
+            <a:ext cx="167557" cy="1100279"/>
+          </a:xfrm>
+          <a:prstGeom prst="downArrow">
+            <a:avLst/>
+          </a:prstGeom>
+          <a:solidFill>
+            <a:schemeClr val="bg1"/>
+          </a:solidFill>
+          <a:ln>
+            <a:solidFill>
+              <a:schemeClr val="tx1"/>
+            </a:solidFill>
+          </a:ln>
+        </p:spPr>
+        <p:style>
+          <a:lnRef idx="2">
+            <a:schemeClr val="accent1">
+              <a:shade val="50000"/>
+            </a:schemeClr>
+          </a:lnRef>
+          <a:fillRef idx="1">
+            <a:schemeClr val="accent1"/>
+          </a:fillRef>
+          <a:effectRef idx="0">
+            <a:schemeClr val="accent1"/>
+          </a:effectRef>
+          <a:fontRef idx="minor">
+            <a:schemeClr val="lt1"/>
+          </a:fontRef>
+        </p:style>
+        <p:txBody>
+          <a:bodyPr rtlCol="0" anchor="ctr"/>
+          <a:lstStyle/>
+          <a:p>
+            <a:pPr algn="ctr"/>
+            <a:endParaRPr lang="zh-CN" altLang="en-US"/>
+          </a:p>
+        </p:txBody>
+      </p:sp>
+      <p:sp>
+        <p:nvSpPr>
+          <p:cNvPr id="19" name="文本框 18">
+            <a:extLst>
+              <a:ext uri="{FF2B5EF4-FFF2-40B4-BE49-F238E27FC236}">
+                <a16:creationId xmlns:a16="http://schemas.microsoft.com/office/drawing/2014/main" id="{1C80480E-A033-FCF3-5686-0F984FB58A3A}"/>
+              </a:ext>
+            </a:extLst>
+          </p:cNvPr>
+          <p:cNvSpPr txBox="1"/>
+          <p:nvPr/>
+        </p:nvSpPr>
+        <p:spPr>
+          <a:xfrm>
+            <a:off x="501112" y="1801734"/>
+            <a:ext cx="1781012" cy="1200329"/>
+          </a:xfrm>
+          <a:prstGeom prst="rect">
+            <a:avLst/>
+          </a:prstGeom>
+          <a:noFill/>
+        </p:spPr>
+        <p:txBody>
+          <a:bodyPr wrap="square" rtlCol="0">
+            <a:spAutoFit/>
+          </a:bodyPr>
+          <a:lstStyle/>
+          <a:p>
+            <a:r>
+              <a:rPr lang="en-US" altLang="zh-CN" dirty="0"/>
+              <a:t>Divide According to the </a:t>
+            </a:r>
+            <a:r>
+              <a:rPr lang="en-US" altLang="zh-CN" b="1" dirty="0"/>
+              <a:t>Last byte</a:t>
+            </a:r>
+          </a:p>
+          <a:p>
+            <a:r>
+              <a:rPr lang="en-US" altLang="zh-CN" dirty="0" err="1"/>
+              <a:t>i.e</a:t>
+            </a:r>
+            <a:r>
+              <a:rPr lang="en-US" altLang="zh-CN" dirty="0"/>
+              <a:t> first 16 bytes</a:t>
+            </a:r>
+            <a:endParaRPr lang="zh-CN" altLang="en-US" dirty="0"/>
+          </a:p>
+        </p:txBody>
+      </p:sp>
+      <p:sp>
+        <p:nvSpPr>
+          <p:cNvPr id="20" name="矩形 19">
+            <a:extLst>
+              <a:ext uri="{FF2B5EF4-FFF2-40B4-BE49-F238E27FC236}">
+                <a16:creationId xmlns:a16="http://schemas.microsoft.com/office/drawing/2014/main" id="{3B7AAA0C-9187-EBC5-DC4A-C439FC66E832}"/>
+              </a:ext>
+            </a:extLst>
+          </p:cNvPr>
+          <p:cNvSpPr/>
+          <p:nvPr/>
+        </p:nvSpPr>
+        <p:spPr>
+          <a:xfrm>
+            <a:off x="1111661" y="3255912"/>
+            <a:ext cx="1691290" cy="764583"/>
           </a:xfrm>
           <a:prstGeom prst="rect">
             <a:avLst/>
@@ -13866,6 +13490,52 @@
             </a:solidFill>
           </a:ln>
         </p:spPr>
+        <p:style>
+          <a:lnRef idx="2">
+            <a:schemeClr val="accent1">
+              <a:shade val="50000"/>
+            </a:schemeClr>
+          </a:lnRef>
+          <a:fillRef idx="1">
+            <a:schemeClr val="accent1"/>
+          </a:fillRef>
+          <a:effectRef idx="0">
+            <a:schemeClr val="accent1"/>
+          </a:effectRef>
+          <a:fontRef idx="minor">
+            <a:schemeClr val="lt1"/>
+          </a:fontRef>
+        </p:style>
+        <p:txBody>
+          <a:bodyPr rtlCol="0" anchor="ctr"/>
+          <a:lstStyle/>
+          <a:p>
+            <a:endParaRPr lang="zh-CN" altLang="en-US"/>
+          </a:p>
+        </p:txBody>
+      </p:sp>
+      <p:sp>
+        <p:nvSpPr>
+          <p:cNvPr id="21" name="文本框 20">
+            <a:extLst>
+              <a:ext uri="{FF2B5EF4-FFF2-40B4-BE49-F238E27FC236}">
+                <a16:creationId xmlns:a16="http://schemas.microsoft.com/office/drawing/2014/main" id="{75044A5D-44CA-23CB-637A-4E39787B8A8E}"/>
+              </a:ext>
+            </a:extLst>
+          </p:cNvPr>
+          <p:cNvSpPr txBox="1"/>
+          <p:nvPr/>
+        </p:nvSpPr>
+        <p:spPr>
+          <a:xfrm>
+            <a:off x="1031928" y="3315037"/>
+            <a:ext cx="1850756" cy="646331"/>
+          </a:xfrm>
+          <a:prstGeom prst="rect">
+            <a:avLst/>
+          </a:prstGeom>
+          <a:noFill/>
+        </p:spPr>
         <p:txBody>
           <a:bodyPr wrap="square" rtlCol="0">
             <a:spAutoFit/>
@@ -13875,7 +13545,568 @@
             <a:pPr algn="ctr"/>
             <a:r>
               <a:rPr lang="en-US" altLang="zh-CN" dirty="0"/>
-              <a:t>ESP32-B</a:t>
+              <a:t>AES Cipher</a:t>
+            </a:r>
+          </a:p>
+          <a:p>
+            <a:pPr algn="ctr"/>
+            <a:r>
+              <a:rPr lang="en-US" altLang="zh-CN" dirty="0"/>
+              <a:t>16 bytes</a:t>
+            </a:r>
+            <a:endParaRPr lang="zh-CN" altLang="en-US" dirty="0"/>
+          </a:p>
+        </p:txBody>
+      </p:sp>
+      <p:sp>
+        <p:nvSpPr>
+          <p:cNvPr id="22" name="矩形 21">
+            <a:extLst>
+              <a:ext uri="{FF2B5EF4-FFF2-40B4-BE49-F238E27FC236}">
+                <a16:creationId xmlns:a16="http://schemas.microsoft.com/office/drawing/2014/main" id="{BA8485CE-D46D-83D0-2D23-93321F5563E4}"/>
+              </a:ext>
+            </a:extLst>
+          </p:cNvPr>
+          <p:cNvSpPr/>
+          <p:nvPr/>
+        </p:nvSpPr>
+        <p:spPr>
+          <a:xfrm>
+            <a:off x="3284010" y="3257181"/>
+            <a:ext cx="3864243" cy="764583"/>
+          </a:xfrm>
+          <a:prstGeom prst="rect">
+            <a:avLst/>
+          </a:prstGeom>
+          <a:solidFill>
+            <a:schemeClr val="accent2">
+              <a:lumMod val="75000"/>
+            </a:schemeClr>
+          </a:solidFill>
+          <a:ln>
+            <a:solidFill>
+              <a:schemeClr val="accent2">
+                <a:lumMod val="75000"/>
+              </a:schemeClr>
+            </a:solidFill>
+          </a:ln>
+        </p:spPr>
+        <p:style>
+          <a:lnRef idx="2">
+            <a:schemeClr val="accent1">
+              <a:shade val="50000"/>
+            </a:schemeClr>
+          </a:lnRef>
+          <a:fillRef idx="1">
+            <a:schemeClr val="accent1"/>
+          </a:fillRef>
+          <a:effectRef idx="0">
+            <a:schemeClr val="accent1"/>
+          </a:effectRef>
+          <a:fontRef idx="minor">
+            <a:schemeClr val="lt1"/>
+          </a:fontRef>
+        </p:style>
+        <p:txBody>
+          <a:bodyPr rtlCol="0" anchor="ctr"/>
+          <a:lstStyle/>
+          <a:p>
+            <a:endParaRPr lang="zh-CN" altLang="en-US"/>
+          </a:p>
+        </p:txBody>
+      </p:sp>
+      <p:sp>
+        <p:nvSpPr>
+          <p:cNvPr id="23" name="文本框 22">
+            <a:extLst>
+              <a:ext uri="{FF2B5EF4-FFF2-40B4-BE49-F238E27FC236}">
+                <a16:creationId xmlns:a16="http://schemas.microsoft.com/office/drawing/2014/main" id="{7BD2F16A-8F47-8921-6D09-1E4B239EBA7F}"/>
+              </a:ext>
+            </a:extLst>
+          </p:cNvPr>
+          <p:cNvSpPr txBox="1"/>
+          <p:nvPr/>
+        </p:nvSpPr>
+        <p:spPr>
+          <a:xfrm>
+            <a:off x="3537495" y="3311202"/>
+            <a:ext cx="3120325" cy="646331"/>
+          </a:xfrm>
+          <a:prstGeom prst="rect">
+            <a:avLst/>
+          </a:prstGeom>
+          <a:noFill/>
+        </p:spPr>
+        <p:txBody>
+          <a:bodyPr wrap="square" rtlCol="0">
+            <a:spAutoFit/>
+          </a:bodyPr>
+          <a:lstStyle/>
+          <a:p>
+            <a:pPr algn="ctr"/>
+            <a:r>
+              <a:rPr lang="en-US" altLang="zh-CN" dirty="0"/>
+              <a:t>Authentication Data</a:t>
+            </a:r>
+          </a:p>
+          <a:p>
+            <a:pPr algn="ctr"/>
+            <a:r>
+              <a:rPr lang="en-US" altLang="zh-CN" dirty="0"/>
+              <a:t>32 bytes</a:t>
+            </a:r>
+            <a:endParaRPr lang="zh-CN" altLang="en-US" dirty="0"/>
+          </a:p>
+        </p:txBody>
+      </p:sp>
+      <p:sp>
+        <p:nvSpPr>
+          <p:cNvPr id="24" name="文本框 23">
+            <a:extLst>
+              <a:ext uri="{FF2B5EF4-FFF2-40B4-BE49-F238E27FC236}">
+                <a16:creationId xmlns:a16="http://schemas.microsoft.com/office/drawing/2014/main" id="{BF1BA037-6C0A-F442-996C-675AF3B3A69C}"/>
+              </a:ext>
+            </a:extLst>
+          </p:cNvPr>
+          <p:cNvSpPr txBox="1"/>
+          <p:nvPr/>
+        </p:nvSpPr>
+        <p:spPr>
+          <a:xfrm>
+            <a:off x="3786753" y="1968800"/>
+            <a:ext cx="998049" cy="923330"/>
+          </a:xfrm>
+          <a:prstGeom prst="rect">
+            <a:avLst/>
+          </a:prstGeom>
+          <a:noFill/>
+        </p:spPr>
+        <p:txBody>
+          <a:bodyPr wrap="square" rtlCol="0">
+            <a:spAutoFit/>
+          </a:bodyPr>
+          <a:lstStyle/>
+          <a:p>
+            <a:r>
+              <a:rPr lang="en-US" altLang="zh-CN" dirty="0"/>
+              <a:t>From </a:t>
+            </a:r>
+          </a:p>
+          <a:p>
+            <a:r>
+              <a:rPr lang="en-US" altLang="zh-CN" dirty="0"/>
+              <a:t>16 to </a:t>
+            </a:r>
+          </a:p>
+          <a:p>
+            <a:r>
+              <a:rPr lang="en-US" altLang="zh-CN" dirty="0"/>
+              <a:t>16 + 31 </a:t>
+            </a:r>
+            <a:endParaRPr lang="zh-CN" altLang="en-US" dirty="0"/>
+          </a:p>
+        </p:txBody>
+      </p:sp>
+      <p:sp>
+        <p:nvSpPr>
+          <p:cNvPr id="25" name="文本框 24">
+            <a:extLst>
+              <a:ext uri="{FF2B5EF4-FFF2-40B4-BE49-F238E27FC236}">
+                <a16:creationId xmlns:a16="http://schemas.microsoft.com/office/drawing/2014/main" id="{9392FC29-E766-B231-BD0D-3ED0BF52E0AC}"/>
+              </a:ext>
+            </a:extLst>
+          </p:cNvPr>
+          <p:cNvSpPr txBox="1"/>
+          <p:nvPr/>
+        </p:nvSpPr>
+        <p:spPr>
+          <a:xfrm>
+            <a:off x="6845085" y="1968800"/>
+            <a:ext cx="1295747" cy="923330"/>
+          </a:xfrm>
+          <a:prstGeom prst="rect">
+            <a:avLst/>
+          </a:prstGeom>
+          <a:noFill/>
+        </p:spPr>
+        <p:txBody>
+          <a:bodyPr wrap="square" rtlCol="0">
+            <a:spAutoFit/>
+          </a:bodyPr>
+          <a:lstStyle/>
+          <a:p>
+            <a:r>
+              <a:rPr lang="en-US" altLang="zh-CN" dirty="0"/>
+              <a:t>From </a:t>
+            </a:r>
+          </a:p>
+          <a:p>
+            <a:r>
+              <a:rPr lang="en-US" altLang="zh-CN" dirty="0"/>
+              <a:t>16 + 32 to </a:t>
+            </a:r>
+          </a:p>
+          <a:p>
+            <a:r>
+              <a:rPr lang="en-US" altLang="zh-CN" dirty="0"/>
+              <a:t>16 + 63 </a:t>
+            </a:r>
+            <a:endParaRPr lang="zh-CN" altLang="en-US" dirty="0"/>
+          </a:p>
+        </p:txBody>
+      </p:sp>
+      <p:sp>
+        <p:nvSpPr>
+          <p:cNvPr id="26" name="矩形 25">
+            <a:extLst>
+              <a:ext uri="{FF2B5EF4-FFF2-40B4-BE49-F238E27FC236}">
+                <a16:creationId xmlns:a16="http://schemas.microsoft.com/office/drawing/2014/main" id="{98F3B272-1DD3-F9C9-BCCB-FC6BD4BE2810}"/>
+              </a:ext>
+            </a:extLst>
+          </p:cNvPr>
+          <p:cNvSpPr/>
+          <p:nvPr/>
+        </p:nvSpPr>
+        <p:spPr>
+          <a:xfrm>
+            <a:off x="7549579" y="3255912"/>
+            <a:ext cx="3864243" cy="764583"/>
+          </a:xfrm>
+          <a:prstGeom prst="rect">
+            <a:avLst/>
+          </a:prstGeom>
+          <a:solidFill>
+            <a:schemeClr val="accent6">
+              <a:lumMod val="75000"/>
+            </a:schemeClr>
+          </a:solidFill>
+          <a:ln>
+            <a:solidFill>
+              <a:schemeClr val="accent6">
+                <a:lumMod val="75000"/>
+              </a:schemeClr>
+            </a:solidFill>
+          </a:ln>
+        </p:spPr>
+        <p:style>
+          <a:lnRef idx="2">
+            <a:schemeClr val="accent1">
+              <a:shade val="50000"/>
+            </a:schemeClr>
+          </a:lnRef>
+          <a:fillRef idx="1">
+            <a:schemeClr val="accent1"/>
+          </a:fillRef>
+          <a:effectRef idx="0">
+            <a:schemeClr val="accent1"/>
+          </a:effectRef>
+          <a:fontRef idx="minor">
+            <a:schemeClr val="lt1"/>
+          </a:fontRef>
+        </p:style>
+        <p:txBody>
+          <a:bodyPr rtlCol="0" anchor="ctr"/>
+          <a:lstStyle/>
+          <a:p>
+            <a:endParaRPr lang="zh-CN" altLang="en-US"/>
+          </a:p>
+        </p:txBody>
+      </p:sp>
+      <p:sp>
+        <p:nvSpPr>
+          <p:cNvPr id="27" name="文本框 26">
+            <a:extLst>
+              <a:ext uri="{FF2B5EF4-FFF2-40B4-BE49-F238E27FC236}">
+                <a16:creationId xmlns:a16="http://schemas.microsoft.com/office/drawing/2014/main" id="{BF1F017A-6B63-E521-4019-D9B1AF17B9D5}"/>
+              </a:ext>
+            </a:extLst>
+          </p:cNvPr>
+          <p:cNvSpPr txBox="1"/>
+          <p:nvPr/>
+        </p:nvSpPr>
+        <p:spPr>
+          <a:xfrm>
+            <a:off x="7921537" y="3309932"/>
+            <a:ext cx="3120325" cy="646331"/>
+          </a:xfrm>
+          <a:prstGeom prst="rect">
+            <a:avLst/>
+          </a:prstGeom>
+          <a:noFill/>
+        </p:spPr>
+        <p:txBody>
+          <a:bodyPr wrap="square" rtlCol="0">
+            <a:spAutoFit/>
+          </a:bodyPr>
+          <a:lstStyle/>
+          <a:p>
+            <a:pPr algn="ctr"/>
+            <a:r>
+              <a:rPr lang="en-US" altLang="zh-CN" dirty="0"/>
+              <a:t>Integrity Data</a:t>
+            </a:r>
+          </a:p>
+          <a:p>
+            <a:pPr algn="ctr"/>
+            <a:r>
+              <a:rPr lang="en-US" altLang="zh-CN" dirty="0"/>
+              <a:t>32 bytes</a:t>
+            </a:r>
+            <a:endParaRPr lang="zh-CN" altLang="en-US" dirty="0"/>
+          </a:p>
+        </p:txBody>
+      </p:sp>
+      <p:sp>
+        <p:nvSpPr>
+          <p:cNvPr id="29" name="箭头: 下 28">
+            <a:extLst>
+              <a:ext uri="{FF2B5EF4-FFF2-40B4-BE49-F238E27FC236}">
+                <a16:creationId xmlns:a16="http://schemas.microsoft.com/office/drawing/2014/main" id="{50104B13-15C5-4DAA-9384-5DE50859178C}"/>
+              </a:ext>
+            </a:extLst>
+          </p:cNvPr>
+          <p:cNvSpPr/>
+          <p:nvPr/>
+        </p:nvSpPr>
+        <p:spPr>
+          <a:xfrm>
+            <a:off x="4930100" y="4298008"/>
+            <a:ext cx="167557" cy="451352"/>
+          </a:xfrm>
+          <a:prstGeom prst="downArrow">
+            <a:avLst/>
+          </a:prstGeom>
+          <a:solidFill>
+            <a:schemeClr val="bg1"/>
+          </a:solidFill>
+          <a:ln>
+            <a:solidFill>
+              <a:schemeClr val="tx1"/>
+            </a:solidFill>
+          </a:ln>
+        </p:spPr>
+        <p:style>
+          <a:lnRef idx="2">
+            <a:schemeClr val="accent1">
+              <a:shade val="50000"/>
+            </a:schemeClr>
+          </a:lnRef>
+          <a:fillRef idx="1">
+            <a:schemeClr val="accent1"/>
+          </a:fillRef>
+          <a:effectRef idx="0">
+            <a:schemeClr val="accent1"/>
+          </a:effectRef>
+          <a:fontRef idx="minor">
+            <a:schemeClr val="lt1"/>
+          </a:fontRef>
+        </p:style>
+        <p:txBody>
+          <a:bodyPr rtlCol="0" anchor="ctr"/>
+          <a:lstStyle/>
+          <a:p>
+            <a:pPr algn="ctr"/>
+            <a:endParaRPr lang="zh-CN" altLang="en-US"/>
+          </a:p>
+        </p:txBody>
+      </p:sp>
+      <p:sp>
+        <p:nvSpPr>
+          <p:cNvPr id="30" name="箭头: 下 29">
+            <a:extLst>
+              <a:ext uri="{FF2B5EF4-FFF2-40B4-BE49-F238E27FC236}">
+                <a16:creationId xmlns:a16="http://schemas.microsoft.com/office/drawing/2014/main" id="{3D99C0D0-8E24-8B2C-0393-1610C94FE4F2}"/>
+              </a:ext>
+            </a:extLst>
+          </p:cNvPr>
+          <p:cNvSpPr/>
+          <p:nvPr/>
+        </p:nvSpPr>
+        <p:spPr>
+          <a:xfrm>
+            <a:off x="8140831" y="4298008"/>
+            <a:ext cx="167557" cy="451352"/>
+          </a:xfrm>
+          <a:prstGeom prst="downArrow">
+            <a:avLst/>
+          </a:prstGeom>
+          <a:solidFill>
+            <a:schemeClr val="bg1"/>
+          </a:solidFill>
+          <a:ln>
+            <a:solidFill>
+              <a:schemeClr val="tx1"/>
+            </a:solidFill>
+          </a:ln>
+        </p:spPr>
+        <p:style>
+          <a:lnRef idx="2">
+            <a:schemeClr val="accent1">
+              <a:shade val="50000"/>
+            </a:schemeClr>
+          </a:lnRef>
+          <a:fillRef idx="1">
+            <a:schemeClr val="accent1"/>
+          </a:fillRef>
+          <a:effectRef idx="0">
+            <a:schemeClr val="accent1"/>
+          </a:effectRef>
+          <a:fontRef idx="minor">
+            <a:schemeClr val="lt1"/>
+          </a:fontRef>
+        </p:style>
+        <p:txBody>
+          <a:bodyPr rtlCol="0" anchor="ctr"/>
+          <a:lstStyle/>
+          <a:p>
+            <a:pPr algn="ctr"/>
+            <a:endParaRPr lang="zh-CN" altLang="en-US"/>
+          </a:p>
+        </p:txBody>
+      </p:sp>
+      <p:sp>
+        <p:nvSpPr>
+          <p:cNvPr id="31" name="文本框 30">
+            <a:extLst>
+              <a:ext uri="{FF2B5EF4-FFF2-40B4-BE49-F238E27FC236}">
+                <a16:creationId xmlns:a16="http://schemas.microsoft.com/office/drawing/2014/main" id="{0C1BC5FD-680F-7863-B27F-4A4B09937740}"/>
+              </a:ext>
+            </a:extLst>
+          </p:cNvPr>
+          <p:cNvSpPr txBox="1"/>
+          <p:nvPr/>
+        </p:nvSpPr>
+        <p:spPr>
+          <a:xfrm>
+            <a:off x="5097657" y="4264774"/>
+            <a:ext cx="2531390" cy="369332"/>
+          </a:xfrm>
+          <a:prstGeom prst="rect">
+            <a:avLst/>
+          </a:prstGeom>
+          <a:noFill/>
+        </p:spPr>
+        <p:txBody>
+          <a:bodyPr wrap="square" rtlCol="0">
+            <a:spAutoFit/>
+          </a:bodyPr>
+          <a:lstStyle/>
+          <a:p>
+            <a:pPr algn="ctr"/>
+            <a:r>
+              <a:rPr lang="en-US" altLang="zh-CN" dirty="0"/>
+              <a:t>Authentication Check</a:t>
+            </a:r>
+            <a:endParaRPr lang="zh-CN" altLang="en-US" dirty="0"/>
+          </a:p>
+        </p:txBody>
+      </p:sp>
+      <p:sp>
+        <p:nvSpPr>
+          <p:cNvPr id="32" name="文本框 31">
+            <a:extLst>
+              <a:ext uri="{FF2B5EF4-FFF2-40B4-BE49-F238E27FC236}">
+                <a16:creationId xmlns:a16="http://schemas.microsoft.com/office/drawing/2014/main" id="{D68F6EDD-9302-636C-E76D-C53265B8837A}"/>
+              </a:ext>
+            </a:extLst>
+          </p:cNvPr>
+          <p:cNvSpPr txBox="1"/>
+          <p:nvPr/>
+        </p:nvSpPr>
+        <p:spPr>
+          <a:xfrm>
+            <a:off x="8062701" y="4264774"/>
+            <a:ext cx="2531390" cy="369332"/>
+          </a:xfrm>
+          <a:prstGeom prst="rect">
+            <a:avLst/>
+          </a:prstGeom>
+          <a:noFill/>
+        </p:spPr>
+        <p:txBody>
+          <a:bodyPr wrap="square" rtlCol="0">
+            <a:spAutoFit/>
+          </a:bodyPr>
+          <a:lstStyle/>
+          <a:p>
+            <a:pPr algn="ctr"/>
+            <a:r>
+              <a:rPr lang="en-US" altLang="zh-CN" dirty="0"/>
+              <a:t>Integrity Check</a:t>
+            </a:r>
+            <a:endParaRPr lang="zh-CN" altLang="en-US" dirty="0"/>
+          </a:p>
+        </p:txBody>
+      </p:sp>
+      <p:sp>
+        <p:nvSpPr>
+          <p:cNvPr id="33" name="文本框 32">
+            <a:extLst>
+              <a:ext uri="{FF2B5EF4-FFF2-40B4-BE49-F238E27FC236}">
+                <a16:creationId xmlns:a16="http://schemas.microsoft.com/office/drawing/2014/main" id="{A21A0832-CD99-4097-36C5-84286F75B10D}"/>
+              </a:ext>
+            </a:extLst>
+          </p:cNvPr>
+          <p:cNvSpPr txBox="1"/>
+          <p:nvPr/>
+        </p:nvSpPr>
+        <p:spPr>
+          <a:xfrm>
+            <a:off x="4630502" y="4870034"/>
+            <a:ext cx="727429" cy="369332"/>
+          </a:xfrm>
+          <a:prstGeom prst="rect">
+            <a:avLst/>
+          </a:prstGeom>
+          <a:noFill/>
+        </p:spPr>
+        <p:txBody>
+          <a:bodyPr wrap="square" rtlCol="0">
+            <a:spAutoFit/>
+          </a:bodyPr>
+          <a:lstStyle/>
+          <a:p>
+            <a:pPr algn="ctr"/>
+            <a:r>
+              <a:rPr lang="en-US" altLang="zh-CN" dirty="0"/>
+              <a:t>PASS</a:t>
+            </a:r>
+            <a:endParaRPr lang="zh-CN" altLang="en-US" dirty="0"/>
+          </a:p>
+        </p:txBody>
+      </p:sp>
+      <p:sp>
+        <p:nvSpPr>
+          <p:cNvPr id="34" name="文本框 33">
+            <a:extLst>
+              <a:ext uri="{FF2B5EF4-FFF2-40B4-BE49-F238E27FC236}">
+                <a16:creationId xmlns:a16="http://schemas.microsoft.com/office/drawing/2014/main" id="{F51D74F5-9AB0-5170-BA64-AD6CB0885506}"/>
+              </a:ext>
+            </a:extLst>
+          </p:cNvPr>
+          <p:cNvSpPr txBox="1"/>
+          <p:nvPr/>
+        </p:nvSpPr>
+        <p:spPr>
+          <a:xfrm>
+            <a:off x="7860894" y="4874217"/>
+            <a:ext cx="727429" cy="369332"/>
+          </a:xfrm>
+          <a:prstGeom prst="rect">
+            <a:avLst/>
+          </a:prstGeom>
+          <a:noFill/>
+        </p:spPr>
+        <p:txBody>
+          <a:bodyPr wrap="square" rtlCol="0">
+            <a:spAutoFit/>
+          </a:bodyPr>
+          <a:lstStyle/>
+          <a:p>
+            <a:pPr algn="ctr"/>
+            <a:r>
+              <a:rPr lang="en-US" altLang="zh-CN" dirty="0"/>
+              <a:t>PASS</a:t>
             </a:r>
             <a:endParaRPr lang="zh-CN" altLang="en-US" dirty="0"/>
           </a:p>
@@ -13883,10 +14114,10 @@
       </p:sp>
       <p:cxnSp>
         <p:nvCxnSpPr>
-          <p:cNvPr id="11" name="直接箭头连接符 10">
-            <a:extLst>
-              <a:ext uri="{FF2B5EF4-FFF2-40B4-BE49-F238E27FC236}">
-                <a16:creationId xmlns:a16="http://schemas.microsoft.com/office/drawing/2014/main" id="{63B8A23C-6F12-E378-43AD-E0374B753A56}"/>
+          <p:cNvPr id="36" name="直接箭头连接符 35">
+            <a:extLst>
+              <a:ext uri="{FF2B5EF4-FFF2-40B4-BE49-F238E27FC236}">
+                <a16:creationId xmlns:a16="http://schemas.microsoft.com/office/drawing/2014/main" id="{CD381B3B-1959-AE60-5027-5865727C401D}"/>
               </a:ext>
             </a:extLst>
           </p:cNvPr>
@@ -13896,9 +14127,9 @@
           <p:nvPr/>
         </p:nvCxnSpPr>
         <p:spPr>
-          <a:xfrm rot="10800000" flipV="1">
-            <a:off x="2935637" y="3153225"/>
-            <a:ext cx="1942452" cy="2269233"/>
+          <a:xfrm flipH="1">
+            <a:off x="2787708" y="5636216"/>
+            <a:ext cx="5520680" cy="0"/>
           </a:xfrm>
           <a:prstGeom prst="straightConnector1">
             <a:avLst/>
@@ -13924,29 +14155,26 @@
       </p:cxnSp>
       <p:cxnSp>
         <p:nvCxnSpPr>
-          <p:cNvPr id="12" name="直接箭头连接符 11">
-            <a:extLst>
-              <a:ext uri="{FF2B5EF4-FFF2-40B4-BE49-F238E27FC236}">
-                <a16:creationId xmlns:a16="http://schemas.microsoft.com/office/drawing/2014/main" id="{3DCA74B7-EA52-5B38-0026-0253B56F6ED2}"/>
+          <p:cNvPr id="38" name="直接连接符 37">
+            <a:extLst>
+              <a:ext uri="{FF2B5EF4-FFF2-40B4-BE49-F238E27FC236}">
+                <a16:creationId xmlns:a16="http://schemas.microsoft.com/office/drawing/2014/main" id="{F4AC803C-3C37-E10F-EBA7-2315DE918851}"/>
               </a:ext>
             </a:extLst>
           </p:cNvPr>
           <p:cNvCxnSpPr>
-            <a:cxnSpLocks/>
+            <a:stCxn id="33" idx="2"/>
           </p:cNvCxnSpPr>
           <p:nvPr/>
         </p:nvCxnSpPr>
         <p:spPr>
-          <a:xfrm flipV="1">
-            <a:off x="2745782" y="3060870"/>
-            <a:ext cx="1942452" cy="2269233"/>
-          </a:xfrm>
-          <a:prstGeom prst="straightConnector1">
-            <a:avLst/>
-          </a:prstGeom>
-          <a:ln>
-            <a:tailEnd type="triangle"/>
-          </a:ln>
+          <a:xfrm flipH="1">
+            <a:off x="4994216" y="5239366"/>
+            <a:ext cx="1" cy="396850"/>
+          </a:xfrm>
+          <a:prstGeom prst="line">
+            <a:avLst/>
+          </a:prstGeom>
         </p:spPr>
         <p:style>
           <a:lnRef idx="2">
@@ -13965,22 +14193,458 @@
       </p:cxnSp>
       <p:cxnSp>
         <p:nvCxnSpPr>
-          <p:cNvPr id="14" name="直接箭头连接符 13">
-            <a:extLst>
-              <a:ext uri="{FF2B5EF4-FFF2-40B4-BE49-F238E27FC236}">
-                <a16:creationId xmlns:a16="http://schemas.microsoft.com/office/drawing/2014/main" id="{89A0EAD5-FB9F-0561-A214-E9F313633A82}"/>
+          <p:cNvPr id="39" name="直接连接符 38">
+            <a:extLst>
+              <a:ext uri="{FF2B5EF4-FFF2-40B4-BE49-F238E27FC236}">
+                <a16:creationId xmlns:a16="http://schemas.microsoft.com/office/drawing/2014/main" id="{2E7961DB-42FB-982D-7BC6-C6B8A4C145A5}"/>
+              </a:ext>
+            </a:extLst>
+          </p:cNvPr>
+          <p:cNvCxnSpPr/>
+          <p:nvPr/>
+        </p:nvCxnSpPr>
+        <p:spPr>
+          <a:xfrm flipH="1">
+            <a:off x="8303583" y="5239366"/>
+            <a:ext cx="1" cy="396850"/>
+          </a:xfrm>
+          <a:prstGeom prst="line">
+            <a:avLst/>
+          </a:prstGeom>
+        </p:spPr>
+        <p:style>
+          <a:lnRef idx="2">
+            <a:schemeClr val="dk1"/>
+          </a:lnRef>
+          <a:fillRef idx="0">
+            <a:schemeClr val="dk1"/>
+          </a:fillRef>
+          <a:effectRef idx="1">
+            <a:schemeClr val="dk1"/>
+          </a:effectRef>
+          <a:fontRef idx="minor">
+            <a:schemeClr val="tx1"/>
+          </a:fontRef>
+        </p:style>
+      </p:cxnSp>
+      <p:sp>
+        <p:nvSpPr>
+          <p:cNvPr id="42" name="文本框 41">
+            <a:extLst>
+              <a:ext uri="{FF2B5EF4-FFF2-40B4-BE49-F238E27FC236}">
+                <a16:creationId xmlns:a16="http://schemas.microsoft.com/office/drawing/2014/main" id="{3E76BE83-9350-6393-912F-48E7D2865C46}"/>
+              </a:ext>
+            </a:extLst>
+          </p:cNvPr>
+          <p:cNvSpPr txBox="1"/>
+          <p:nvPr/>
+        </p:nvSpPr>
+        <p:spPr>
+          <a:xfrm>
+            <a:off x="219656" y="5919784"/>
+            <a:ext cx="1065714" cy="646331"/>
+          </a:xfrm>
+          <a:prstGeom prst="rect">
+            <a:avLst/>
+          </a:prstGeom>
+          <a:noFill/>
+        </p:spPr>
+        <p:txBody>
+          <a:bodyPr wrap="square" rtlCol="0">
+            <a:spAutoFit/>
+          </a:bodyPr>
+          <a:lstStyle/>
+          <a:p>
+            <a:pPr algn="ctr"/>
+            <a:r>
+              <a:rPr lang="en-US" altLang="zh-CN" dirty="0"/>
+              <a:t>16 bytes</a:t>
+            </a:r>
+            <a:endParaRPr lang="zh-CN" altLang="en-US" dirty="0"/>
+          </a:p>
+          <a:p>
+            <a:pPr algn="ctr"/>
+            <a:r>
+              <a:rPr lang="en-US" altLang="zh-CN" dirty="0"/>
+              <a:t>AES key</a:t>
+            </a:r>
+          </a:p>
+        </p:txBody>
+      </p:sp>
+      <p:sp>
+        <p:nvSpPr>
+          <p:cNvPr id="43" name="矩形 42">
+            <a:extLst>
+              <a:ext uri="{FF2B5EF4-FFF2-40B4-BE49-F238E27FC236}">
+                <a16:creationId xmlns:a16="http://schemas.microsoft.com/office/drawing/2014/main" id="{E640A95A-6244-E1C3-1611-E1DEAD8F7134}"/>
+              </a:ext>
+            </a:extLst>
+          </p:cNvPr>
+          <p:cNvSpPr/>
+          <p:nvPr/>
+        </p:nvSpPr>
+        <p:spPr>
+          <a:xfrm>
+            <a:off x="8701963" y="6017890"/>
+            <a:ext cx="1911457" cy="764583"/>
+          </a:xfrm>
+          <a:prstGeom prst="rect">
+            <a:avLst/>
+          </a:prstGeom>
+          <a:solidFill>
+            <a:schemeClr val="accent1">
+              <a:lumMod val="40000"/>
+              <a:lumOff val="60000"/>
+            </a:schemeClr>
+          </a:solidFill>
+          <a:ln>
+            <a:solidFill>
+              <a:schemeClr val="accent1">
+                <a:lumMod val="40000"/>
+                <a:lumOff val="60000"/>
+              </a:schemeClr>
+            </a:solidFill>
+          </a:ln>
+        </p:spPr>
+        <p:style>
+          <a:lnRef idx="2">
+            <a:schemeClr val="accent1">
+              <a:shade val="50000"/>
+            </a:schemeClr>
+          </a:lnRef>
+          <a:fillRef idx="1">
+            <a:schemeClr val="accent1"/>
+          </a:fillRef>
+          <a:effectRef idx="0">
+            <a:schemeClr val="accent1"/>
+          </a:effectRef>
+          <a:fontRef idx="minor">
+            <a:schemeClr val="lt1"/>
+          </a:fontRef>
+        </p:style>
+        <p:txBody>
+          <a:bodyPr rtlCol="0" anchor="ctr"/>
+          <a:lstStyle/>
+          <a:p>
+            <a:pPr algn="ctr"/>
+            <a:endParaRPr lang="zh-CN" altLang="en-US"/>
+          </a:p>
+        </p:txBody>
+      </p:sp>
+      <p:sp>
+        <p:nvSpPr>
+          <p:cNvPr id="44" name="矩形 43">
+            <a:extLst>
+              <a:ext uri="{FF2B5EF4-FFF2-40B4-BE49-F238E27FC236}">
+                <a16:creationId xmlns:a16="http://schemas.microsoft.com/office/drawing/2014/main" id="{EDF674A4-C552-C54F-AA4E-915178CD9B20}"/>
+              </a:ext>
+            </a:extLst>
+          </p:cNvPr>
+          <p:cNvSpPr/>
+          <p:nvPr/>
+        </p:nvSpPr>
+        <p:spPr>
+          <a:xfrm>
+            <a:off x="6790506" y="6017890"/>
+            <a:ext cx="1911457" cy="764583"/>
+          </a:xfrm>
+          <a:prstGeom prst="rect">
+            <a:avLst/>
+          </a:prstGeom>
+          <a:solidFill>
+            <a:schemeClr val="accent2">
+              <a:lumMod val="40000"/>
+              <a:lumOff val="60000"/>
+            </a:schemeClr>
+          </a:solidFill>
+          <a:ln>
+            <a:solidFill>
+              <a:schemeClr val="accent2">
+                <a:lumMod val="40000"/>
+                <a:lumOff val="60000"/>
+              </a:schemeClr>
+            </a:solidFill>
+          </a:ln>
+        </p:spPr>
+        <p:style>
+          <a:lnRef idx="2">
+            <a:schemeClr val="accent1">
+              <a:shade val="50000"/>
+            </a:schemeClr>
+          </a:lnRef>
+          <a:fillRef idx="1">
+            <a:schemeClr val="accent1"/>
+          </a:fillRef>
+          <a:effectRef idx="0">
+            <a:schemeClr val="accent1"/>
+          </a:effectRef>
+          <a:fontRef idx="minor">
+            <a:schemeClr val="lt1"/>
+          </a:fontRef>
+        </p:style>
+        <p:txBody>
+          <a:bodyPr rtlCol="0" anchor="ctr"/>
+          <a:lstStyle/>
+          <a:p>
+            <a:pPr algn="ctr"/>
+            <a:endParaRPr lang="zh-CN" altLang="en-US"/>
+          </a:p>
+        </p:txBody>
+      </p:sp>
+      <p:sp>
+        <p:nvSpPr>
+          <p:cNvPr id="45" name="文本框 44">
+            <a:extLst>
+              <a:ext uri="{FF2B5EF4-FFF2-40B4-BE49-F238E27FC236}">
+                <a16:creationId xmlns:a16="http://schemas.microsoft.com/office/drawing/2014/main" id="{18150481-0D39-2D89-AAD6-FEC82E6F9CEE}"/>
+              </a:ext>
+            </a:extLst>
+          </p:cNvPr>
+          <p:cNvSpPr txBox="1"/>
+          <p:nvPr/>
+        </p:nvSpPr>
+        <p:spPr>
+          <a:xfrm>
+            <a:off x="6942906" y="6077015"/>
+            <a:ext cx="1606658" cy="646331"/>
+          </a:xfrm>
+          <a:prstGeom prst="rect">
+            <a:avLst/>
+          </a:prstGeom>
+          <a:noFill/>
+        </p:spPr>
+        <p:txBody>
+          <a:bodyPr wrap="square" rtlCol="0">
+            <a:spAutoFit/>
+          </a:bodyPr>
+          <a:lstStyle/>
+          <a:p>
+            <a:pPr algn="ctr"/>
+            <a:r>
+              <a:rPr lang="en-US" altLang="zh-CN" dirty="0"/>
+              <a:t>Temperature</a:t>
+            </a:r>
+          </a:p>
+          <a:p>
+            <a:pPr algn="ctr"/>
+            <a:r>
+              <a:rPr lang="en-US" altLang="zh-CN" dirty="0"/>
+              <a:t>2 bytes</a:t>
+            </a:r>
+            <a:endParaRPr lang="zh-CN" altLang="en-US" dirty="0"/>
+          </a:p>
+        </p:txBody>
+      </p:sp>
+      <p:sp>
+        <p:nvSpPr>
+          <p:cNvPr id="46" name="文本框 45">
+            <a:extLst>
+              <a:ext uri="{FF2B5EF4-FFF2-40B4-BE49-F238E27FC236}">
+                <a16:creationId xmlns:a16="http://schemas.microsoft.com/office/drawing/2014/main" id="{DE7FB23C-39D5-ACD6-4094-8D45541869F6}"/>
+              </a:ext>
+            </a:extLst>
+          </p:cNvPr>
+          <p:cNvSpPr txBox="1"/>
+          <p:nvPr/>
+        </p:nvSpPr>
+        <p:spPr>
+          <a:xfrm>
+            <a:off x="9116517" y="6077014"/>
+            <a:ext cx="1082349" cy="646331"/>
+          </a:xfrm>
+          <a:prstGeom prst="rect">
+            <a:avLst/>
+          </a:prstGeom>
+          <a:noFill/>
+        </p:spPr>
+        <p:txBody>
+          <a:bodyPr wrap="none" rtlCol="0">
+            <a:spAutoFit/>
+          </a:bodyPr>
+          <a:lstStyle/>
+          <a:p>
+            <a:pPr algn="ctr"/>
+            <a:r>
+              <a:rPr lang="en-US" altLang="zh-CN" dirty="0"/>
+              <a:t>Humidity</a:t>
+            </a:r>
+          </a:p>
+          <a:p>
+            <a:pPr algn="ctr"/>
+            <a:r>
+              <a:rPr lang="en-US" altLang="zh-CN" dirty="0"/>
+              <a:t>2 bytes</a:t>
+            </a:r>
+            <a:endParaRPr lang="zh-CN" altLang="en-US" dirty="0"/>
+          </a:p>
+        </p:txBody>
+      </p:sp>
+      <p:sp>
+        <p:nvSpPr>
+          <p:cNvPr id="47" name="文本框 46">
+            <a:extLst>
+              <a:ext uri="{FF2B5EF4-FFF2-40B4-BE49-F238E27FC236}">
+                <a16:creationId xmlns:a16="http://schemas.microsoft.com/office/drawing/2014/main" id="{9056419D-7E79-B655-E3DC-9FFC9147896A}"/>
+              </a:ext>
+            </a:extLst>
+          </p:cNvPr>
+          <p:cNvSpPr txBox="1"/>
+          <p:nvPr/>
+        </p:nvSpPr>
+        <p:spPr>
+          <a:xfrm>
+            <a:off x="5362078" y="6077014"/>
+            <a:ext cx="1126210" cy="646331"/>
+          </a:xfrm>
+          <a:prstGeom prst="rect">
+            <a:avLst/>
+          </a:prstGeom>
+          <a:noFill/>
+        </p:spPr>
+        <p:txBody>
+          <a:bodyPr wrap="square" rtlCol="0">
+            <a:spAutoFit/>
+          </a:bodyPr>
+          <a:lstStyle/>
+          <a:p>
+            <a:pPr algn="ctr"/>
+            <a:r>
+              <a:rPr lang="en-US" altLang="zh-CN" dirty="0"/>
+              <a:t>Plain Text</a:t>
+            </a:r>
+          </a:p>
+          <a:p>
+            <a:pPr algn="ctr"/>
+            <a:r>
+              <a:rPr lang="en-US" altLang="zh-CN" dirty="0"/>
+              <a:t>4 bytes</a:t>
+            </a:r>
+            <a:endParaRPr lang="zh-CN" altLang="en-US" dirty="0"/>
+          </a:p>
+        </p:txBody>
+      </p:sp>
+      <p:sp>
+        <p:nvSpPr>
+          <p:cNvPr id="50" name="矩形 49">
+            <a:extLst>
+              <a:ext uri="{FF2B5EF4-FFF2-40B4-BE49-F238E27FC236}">
+                <a16:creationId xmlns:a16="http://schemas.microsoft.com/office/drawing/2014/main" id="{F86E236C-A3D4-33AF-201A-7A5439896325}"/>
+              </a:ext>
+            </a:extLst>
+          </p:cNvPr>
+          <p:cNvSpPr/>
+          <p:nvPr/>
+        </p:nvSpPr>
+        <p:spPr>
+          <a:xfrm>
+            <a:off x="1096418" y="4997626"/>
+            <a:ext cx="1691290" cy="764583"/>
+          </a:xfrm>
+          <a:prstGeom prst="rect">
+            <a:avLst/>
+          </a:prstGeom>
+          <a:solidFill>
+            <a:schemeClr val="accent4">
+              <a:lumMod val="40000"/>
+              <a:lumOff val="60000"/>
+            </a:schemeClr>
+          </a:solidFill>
+          <a:ln>
+            <a:solidFill>
+              <a:schemeClr val="accent4">
+                <a:lumMod val="40000"/>
+                <a:lumOff val="60000"/>
+              </a:schemeClr>
+            </a:solidFill>
+          </a:ln>
+        </p:spPr>
+        <p:style>
+          <a:lnRef idx="2">
+            <a:schemeClr val="accent1">
+              <a:shade val="50000"/>
+            </a:schemeClr>
+          </a:lnRef>
+          <a:fillRef idx="1">
+            <a:schemeClr val="accent1"/>
+          </a:fillRef>
+          <a:effectRef idx="0">
+            <a:schemeClr val="accent1"/>
+          </a:effectRef>
+          <a:fontRef idx="minor">
+            <a:schemeClr val="lt1"/>
+          </a:fontRef>
+        </p:style>
+        <p:txBody>
+          <a:bodyPr rtlCol="0" anchor="ctr"/>
+          <a:lstStyle/>
+          <a:p>
+            <a:endParaRPr lang="zh-CN" altLang="en-US"/>
+          </a:p>
+        </p:txBody>
+      </p:sp>
+      <p:sp>
+        <p:nvSpPr>
+          <p:cNvPr id="51" name="文本框 50">
+            <a:extLst>
+              <a:ext uri="{FF2B5EF4-FFF2-40B4-BE49-F238E27FC236}">
+                <a16:creationId xmlns:a16="http://schemas.microsoft.com/office/drawing/2014/main" id="{DC71893C-4C66-8B77-A9B7-D4FABDD749F1}"/>
+              </a:ext>
+            </a:extLst>
+          </p:cNvPr>
+          <p:cNvSpPr txBox="1"/>
+          <p:nvPr/>
+        </p:nvSpPr>
+        <p:spPr>
+          <a:xfrm>
+            <a:off x="1016685" y="5056751"/>
+            <a:ext cx="1850756" cy="646331"/>
+          </a:xfrm>
+          <a:prstGeom prst="rect">
+            <a:avLst/>
+          </a:prstGeom>
+          <a:noFill/>
+        </p:spPr>
+        <p:txBody>
+          <a:bodyPr wrap="square" rtlCol="0">
+            <a:spAutoFit/>
+          </a:bodyPr>
+          <a:lstStyle/>
+          <a:p>
+            <a:pPr algn="ctr"/>
+            <a:r>
+              <a:rPr lang="en-US" altLang="zh-CN" dirty="0"/>
+              <a:t>AES Cipher</a:t>
+            </a:r>
+          </a:p>
+          <a:p>
+            <a:pPr algn="ctr"/>
+            <a:r>
+              <a:rPr lang="en-US" altLang="zh-CN" dirty="0"/>
+              <a:t>16 bytes</a:t>
+            </a:r>
+            <a:endParaRPr lang="zh-CN" altLang="en-US" dirty="0"/>
+          </a:p>
+        </p:txBody>
+      </p:sp>
+      <p:cxnSp>
+        <p:nvCxnSpPr>
+          <p:cNvPr id="57" name="直接箭头连接符 56">
+            <a:extLst>
+              <a:ext uri="{FF2B5EF4-FFF2-40B4-BE49-F238E27FC236}">
+                <a16:creationId xmlns:a16="http://schemas.microsoft.com/office/drawing/2014/main" id="{2E3D28D0-E63B-DE56-0773-6904F165BD8A}"/>
               </a:ext>
             </a:extLst>
           </p:cNvPr>
           <p:cNvCxnSpPr>
             <a:cxnSpLocks/>
+            <a:endCxn id="47" idx="1"/>
           </p:cNvCxnSpPr>
           <p:nvPr/>
         </p:nvCxnSpPr>
         <p:spPr>
-          <a:xfrm rot="10800000">
-            <a:off x="7307447" y="3060870"/>
-            <a:ext cx="1942452" cy="2269233"/>
+          <a:xfrm>
+            <a:off x="4371135" y="6400179"/>
+            <a:ext cx="990943" cy="1"/>
           </a:xfrm>
           <a:prstGeom prst="straightConnector1">
             <a:avLst/>
@@ -14006,10 +14670,10 @@
       </p:cxnSp>
       <p:cxnSp>
         <p:nvCxnSpPr>
-          <p:cNvPr id="15" name="直接箭头连接符 14">
-            <a:extLst>
-              <a:ext uri="{FF2B5EF4-FFF2-40B4-BE49-F238E27FC236}">
-                <a16:creationId xmlns:a16="http://schemas.microsoft.com/office/drawing/2014/main" id="{25D43F4C-DA02-1853-E19B-F62F4C0FEBDD}"/>
+          <p:cNvPr id="58" name="直接连接符 57">
+            <a:extLst>
+              <a:ext uri="{FF2B5EF4-FFF2-40B4-BE49-F238E27FC236}">
+                <a16:creationId xmlns:a16="http://schemas.microsoft.com/office/drawing/2014/main" id="{E06AD530-8720-D3E9-3349-CB3D558EA5C9}"/>
               </a:ext>
             </a:extLst>
           </p:cNvPr>
@@ -14020,15 +14684,12 @@
         </p:nvCxnSpPr>
         <p:spPr>
           <a:xfrm>
-            <a:off x="7112428" y="3190679"/>
-            <a:ext cx="1942452" cy="2269233"/>
-          </a:xfrm>
-          <a:prstGeom prst="straightConnector1">
-            <a:avLst/>
-          </a:prstGeom>
-          <a:ln>
-            <a:tailEnd type="triangle"/>
-          </a:ln>
+            <a:off x="1436479" y="5787551"/>
+            <a:ext cx="0" cy="607421"/>
+          </a:xfrm>
+          <a:prstGeom prst="line">
+            <a:avLst/>
+          </a:prstGeom>
         </p:spPr>
         <p:style>
           <a:lnRef idx="2">
@@ -14045,12 +14706,50 @@
           </a:fontRef>
         </p:style>
       </p:cxnSp>
-      <p:sp>
-        <p:nvSpPr>
-          <p:cNvPr id="16" name="文本框 15">
-            <a:extLst>
-              <a:ext uri="{FF2B5EF4-FFF2-40B4-BE49-F238E27FC236}">
-                <a16:creationId xmlns:a16="http://schemas.microsoft.com/office/drawing/2014/main" id="{7A6ADAD2-E495-C0CC-57D7-A4F6D5E16FDA}"/>
+      <p:cxnSp>
+        <p:nvCxnSpPr>
+          <p:cNvPr id="63" name="直接连接符 62">
+            <a:extLst>
+              <a:ext uri="{FF2B5EF4-FFF2-40B4-BE49-F238E27FC236}">
+                <a16:creationId xmlns:a16="http://schemas.microsoft.com/office/drawing/2014/main" id="{CC4B6A8F-BCAA-0C4A-B11D-22B3BF3546E7}"/>
+              </a:ext>
+            </a:extLst>
+          </p:cNvPr>
+          <p:cNvCxnSpPr>
+            <a:cxnSpLocks/>
+          </p:cNvCxnSpPr>
+          <p:nvPr/>
+        </p:nvCxnSpPr>
+        <p:spPr>
+          <a:xfrm flipH="1">
+            <a:off x="1436479" y="6394972"/>
+            <a:ext cx="1180902" cy="0"/>
+          </a:xfrm>
+          <a:prstGeom prst="line">
+            <a:avLst/>
+          </a:prstGeom>
+        </p:spPr>
+        <p:style>
+          <a:lnRef idx="2">
+            <a:schemeClr val="dk1"/>
+          </a:lnRef>
+          <a:fillRef idx="0">
+            <a:schemeClr val="dk1"/>
+          </a:fillRef>
+          <a:effectRef idx="1">
+            <a:schemeClr val="dk1"/>
+          </a:effectRef>
+          <a:fontRef idx="minor">
+            <a:schemeClr val="tx1"/>
+          </a:fontRef>
+        </p:style>
+      </p:cxnSp>
+      <p:sp>
+        <p:nvSpPr>
+          <p:cNvPr id="66" name="文本框 65">
+            <a:extLst>
+              <a:ext uri="{FF2B5EF4-FFF2-40B4-BE49-F238E27FC236}">
+                <a16:creationId xmlns:a16="http://schemas.microsoft.com/office/drawing/2014/main" id="{A921B0E6-D141-8B28-5D82-091D740770CB}"/>
               </a:ext>
             </a:extLst>
           </p:cNvPr>
@@ -14059,8 +14758,8 @@
         </p:nvSpPr>
         <p:spPr>
           <a:xfrm>
-            <a:off x="374541" y="3691224"/>
-            <a:ext cx="3621436" cy="369332"/>
+            <a:off x="2727825" y="6215682"/>
+            <a:ext cx="1514040" cy="369332"/>
           </a:xfrm>
           <a:prstGeom prst="rect">
             <a:avLst/>
@@ -14073,9 +14772,10 @@
           </a:bodyPr>
           <a:lstStyle/>
           <a:p>
-            <a:r>
-              <a:rPr lang="en-US" altLang="zh-CN" dirty="0"/>
-              <a:t>ESP32-A: Humidity &amp; Temperature </a:t>
+            <a:pPr algn="ctr"/>
+            <a:r>
+              <a:rPr lang="en-US" altLang="zh-CN" dirty="0" err="1"/>
+              <a:t>Unpadding</a:t>
             </a:r>
             <a:endParaRPr lang="zh-CN" altLang="en-US" dirty="0"/>
           </a:p>
@@ -14083,10 +14783,10 @@
       </p:sp>
       <p:sp>
         <p:nvSpPr>
-          <p:cNvPr id="17" name="文本框 16">
-            <a:extLst>
-              <a:ext uri="{FF2B5EF4-FFF2-40B4-BE49-F238E27FC236}">
-                <a16:creationId xmlns:a16="http://schemas.microsoft.com/office/drawing/2014/main" id="{29FFB34B-8425-E964-B466-C64E82070417}"/>
+          <p:cNvPr id="67" name="文本框 66">
+            <a:extLst>
+              <a:ext uri="{FF2B5EF4-FFF2-40B4-BE49-F238E27FC236}">
+                <a16:creationId xmlns:a16="http://schemas.microsoft.com/office/drawing/2014/main" id="{C3414CDC-6EDD-3DE8-FDEE-A57980309CBD}"/>
               </a:ext>
             </a:extLst>
           </p:cNvPr>
@@ -14095,251 +14795,8 @@
         </p:nvSpPr>
         <p:spPr>
           <a:xfrm>
-            <a:off x="3195231" y="1879302"/>
-            <a:ext cx="5594888" cy="646331"/>
-          </a:xfrm>
-          <a:prstGeom prst="rect">
-            <a:avLst/>
-          </a:prstGeom>
-          <a:noFill/>
-        </p:spPr>
-        <p:txBody>
-          <a:bodyPr wrap="square" rtlCol="0">
-            <a:spAutoFit/>
-          </a:bodyPr>
-          <a:lstStyle/>
-          <a:p>
-            <a:pPr algn="ctr"/>
-            <a:r>
-              <a:rPr lang="en-US" altLang="zh-CN" dirty="0"/>
-              <a:t>Topic A: ESP32-A: Humidity &amp; Temperature </a:t>
-            </a:r>
-          </a:p>
-          <a:p>
-            <a:pPr algn="ctr"/>
-            <a:r>
-              <a:rPr lang="en-US" altLang="zh-CN" dirty="0"/>
-              <a:t>Topic B: ESP32-B: Humidity &amp; Temperature </a:t>
-            </a:r>
-            <a:endParaRPr lang="zh-CN" altLang="en-US" dirty="0"/>
-          </a:p>
-        </p:txBody>
-      </p:sp>
-      <p:sp>
-        <p:nvSpPr>
-          <p:cNvPr id="18" name="文本框 17">
-            <a:extLst>
-              <a:ext uri="{FF2B5EF4-FFF2-40B4-BE49-F238E27FC236}">
-                <a16:creationId xmlns:a16="http://schemas.microsoft.com/office/drawing/2014/main" id="{E44D75AD-267B-291B-C02E-69EE821E3623}"/>
-              </a:ext>
-            </a:extLst>
-          </p:cNvPr>
-          <p:cNvSpPr txBox="1"/>
-          <p:nvPr/>
-        </p:nvSpPr>
-        <p:spPr>
-          <a:xfrm>
-            <a:off x="8083654" y="3691224"/>
-            <a:ext cx="3621436" cy="369332"/>
-          </a:xfrm>
-          <a:prstGeom prst="rect">
-            <a:avLst/>
-          </a:prstGeom>
-          <a:noFill/>
-        </p:spPr>
-        <p:txBody>
-          <a:bodyPr wrap="square" rtlCol="0">
-            <a:spAutoFit/>
-          </a:bodyPr>
-          <a:lstStyle/>
-          <a:p>
-            <a:r>
-              <a:rPr lang="en-US" altLang="zh-CN" dirty="0"/>
-              <a:t>ESP32-B: Humidity &amp; Temperature </a:t>
-            </a:r>
-            <a:endParaRPr lang="zh-CN" altLang="en-US" dirty="0"/>
-          </a:p>
-        </p:txBody>
-      </p:sp>
-      <p:sp>
-        <p:nvSpPr>
-          <p:cNvPr id="19" name="文本框 18">
-            <a:extLst>
-              <a:ext uri="{FF2B5EF4-FFF2-40B4-BE49-F238E27FC236}">
-                <a16:creationId xmlns:a16="http://schemas.microsoft.com/office/drawing/2014/main" id="{AE2DD0B3-F0BD-6F3D-CB1A-E4713062723A}"/>
-              </a:ext>
-            </a:extLst>
-          </p:cNvPr>
-          <p:cNvSpPr txBox="1"/>
-          <p:nvPr/>
-        </p:nvSpPr>
-        <p:spPr>
-          <a:xfrm>
-            <a:off x="3295973" y="4971149"/>
-            <a:ext cx="3621436" cy="369332"/>
-          </a:xfrm>
-          <a:prstGeom prst="rect">
-            <a:avLst/>
-          </a:prstGeom>
-          <a:noFill/>
-        </p:spPr>
-        <p:txBody>
-          <a:bodyPr wrap="square" rtlCol="0">
-            <a:spAutoFit/>
-          </a:bodyPr>
-          <a:lstStyle/>
-          <a:p>
-            <a:r>
-              <a:rPr lang="en-US" altLang="zh-CN" dirty="0"/>
-              <a:t>ESP32-B: Humidity &amp; Temperature </a:t>
-            </a:r>
-            <a:endParaRPr lang="zh-CN" altLang="en-US" dirty="0"/>
-          </a:p>
-        </p:txBody>
-      </p:sp>
-      <p:sp>
-        <p:nvSpPr>
-          <p:cNvPr id="20" name="文本框 19">
-            <a:extLst>
-              <a:ext uri="{FF2B5EF4-FFF2-40B4-BE49-F238E27FC236}">
-                <a16:creationId xmlns:a16="http://schemas.microsoft.com/office/drawing/2014/main" id="{86FC5B21-A729-C456-FB4E-01AB42667BA0}"/>
-              </a:ext>
-            </a:extLst>
-          </p:cNvPr>
-          <p:cNvSpPr txBox="1"/>
-          <p:nvPr/>
-        </p:nvSpPr>
-        <p:spPr>
-          <a:xfrm>
-            <a:off x="4462218" y="4128417"/>
-            <a:ext cx="3621436" cy="369332"/>
-          </a:xfrm>
-          <a:prstGeom prst="rect">
-            <a:avLst/>
-          </a:prstGeom>
-          <a:noFill/>
-        </p:spPr>
-        <p:txBody>
-          <a:bodyPr wrap="square" rtlCol="0">
-            <a:spAutoFit/>
-          </a:bodyPr>
-          <a:lstStyle/>
-          <a:p>
-            <a:r>
-              <a:rPr lang="en-US" altLang="zh-CN" dirty="0"/>
-              <a:t>ESP32-A: Humidity &amp; Temperature </a:t>
-            </a:r>
-            <a:endParaRPr lang="zh-CN" altLang="en-US" dirty="0"/>
-          </a:p>
-        </p:txBody>
-      </p:sp>
-      <p:sp>
-        <p:nvSpPr>
-          <p:cNvPr id="21" name="箭头: 直角上 20">
-            <a:extLst>
-              <a:ext uri="{FF2B5EF4-FFF2-40B4-BE49-F238E27FC236}">
-                <a16:creationId xmlns:a16="http://schemas.microsoft.com/office/drawing/2014/main" id="{622EE54B-3916-EBB1-9BFB-DFA5897BCC34}"/>
-              </a:ext>
-            </a:extLst>
-          </p:cNvPr>
-          <p:cNvSpPr/>
-          <p:nvPr/>
-        </p:nvSpPr>
-        <p:spPr>
-          <a:xfrm rot="5400000" flipH="1">
-            <a:off x="6962078" y="143498"/>
-            <a:ext cx="497694" cy="2714117"/>
-          </a:xfrm>
-          <a:prstGeom prst="bentUpArrow">
-            <a:avLst/>
-          </a:prstGeom>
-          <a:solidFill>
-            <a:schemeClr val="bg1"/>
-          </a:solidFill>
-          <a:ln>
-            <a:solidFill>
-              <a:schemeClr val="tx1"/>
-            </a:solidFill>
-          </a:ln>
-        </p:spPr>
-        <p:style>
-          <a:lnRef idx="2">
-            <a:schemeClr val="accent1">
-              <a:shade val="50000"/>
-            </a:schemeClr>
-          </a:lnRef>
-          <a:fillRef idx="1">
-            <a:schemeClr val="accent1"/>
-          </a:fillRef>
-          <a:effectRef idx="0">
-            <a:schemeClr val="accent1"/>
-          </a:effectRef>
-          <a:fontRef idx="minor">
-            <a:schemeClr val="lt1"/>
-          </a:fontRef>
-        </p:style>
-        <p:txBody>
-          <a:bodyPr rtlCol="0" anchor="ctr"/>
-          <a:lstStyle/>
-          <a:p>
-            <a:pPr algn="ctr"/>
-            <a:endParaRPr lang="zh-CN" altLang="en-US"/>
-          </a:p>
-        </p:txBody>
-      </p:sp>
-      <p:sp>
-        <p:nvSpPr>
-          <p:cNvPr id="22" name="文本框 21">
-            <a:extLst>
-              <a:ext uri="{FF2B5EF4-FFF2-40B4-BE49-F238E27FC236}">
-                <a16:creationId xmlns:a16="http://schemas.microsoft.com/office/drawing/2014/main" id="{BA0479BB-95D6-4AF7-CBDC-6C2BA5B7F3E6}"/>
-              </a:ext>
-            </a:extLst>
-          </p:cNvPr>
-          <p:cNvSpPr txBox="1"/>
-          <p:nvPr/>
-        </p:nvSpPr>
-        <p:spPr>
-          <a:xfrm>
-            <a:off x="8790119" y="1064156"/>
-            <a:ext cx="2159431" cy="646331"/>
-          </a:xfrm>
-          <a:prstGeom prst="rect">
-            <a:avLst/>
-          </a:prstGeom>
-          <a:noFill/>
-        </p:spPr>
-        <p:txBody>
-          <a:bodyPr wrap="square" rtlCol="0">
-            <a:spAutoFit/>
-          </a:bodyPr>
-          <a:lstStyle/>
-          <a:p>
-            <a:pPr algn="ctr"/>
-            <a:r>
-              <a:rPr lang="en-US" altLang="zh-CN" dirty="0"/>
-              <a:t>Send to Node-Red and plot</a:t>
-            </a:r>
-            <a:endParaRPr lang="zh-CN" altLang="en-US" dirty="0"/>
-          </a:p>
-        </p:txBody>
-      </p:sp>
-      <p:sp>
-        <p:nvSpPr>
-          <p:cNvPr id="23" name="文本框 22">
-            <a:extLst>
-              <a:ext uri="{FF2B5EF4-FFF2-40B4-BE49-F238E27FC236}">
-                <a16:creationId xmlns:a16="http://schemas.microsoft.com/office/drawing/2014/main" id="{C772594F-998E-8DFD-B5CC-69B5A1EBC2C4}"/>
-              </a:ext>
-            </a:extLst>
-          </p:cNvPr>
-          <p:cNvSpPr txBox="1"/>
-          <p:nvPr/>
-        </p:nvSpPr>
-        <p:spPr>
-          <a:xfrm>
             <a:off x="686535" y="273100"/>
-            <a:ext cx="7191770" cy="584775"/>
+            <a:ext cx="6726418" cy="584775"/>
           </a:xfrm>
           <a:prstGeom prst="rect">
             <a:avLst/>
@@ -14359,7 +14816,7 @@
                 </a:solidFill>
                 <a:latin typeface="Consolas" panose="020B0609020204030204" pitchFamily="49" charset="0"/>
               </a:rPr>
-              <a:t>Data transmission and receiving</a:t>
+              <a:t>Data decryption</a:t>
             </a:r>
             <a:endParaRPr lang="zh-CN" altLang="en-US" sz="3200" dirty="0">
               <a:solidFill>
@@ -14373,7 +14830,7 @@
     </p:spTree>
     <p:extLst>
       <p:ext uri="{BB962C8B-B14F-4D97-AF65-F5344CB8AC3E}">
-        <p14:creationId xmlns:p14="http://schemas.microsoft.com/office/powerpoint/2010/main" val="3437027353"/>
+        <p14:creationId xmlns:p14="http://schemas.microsoft.com/office/powerpoint/2010/main" val="4038021239"/>
       </p:ext>
     </p:extLst>
   </p:cSld>
@@ -14414,7 +14871,7 @@
         </p:nvSpPr>
         <p:spPr>
           <a:xfrm>
-            <a:off x="5109272" y="1988949"/>
+            <a:off x="5067944" y="2691539"/>
             <a:ext cx="1849465" cy="738753"/>
           </a:xfrm>
           <a:prstGeom prst="rect">
@@ -14474,7 +14931,7 @@
         </p:nvSpPr>
         <p:spPr>
           <a:xfrm>
-            <a:off x="5488980" y="2173659"/>
+            <a:off x="5447652" y="2876249"/>
             <a:ext cx="1090047" cy="369332"/>
           </a:xfrm>
           <a:prstGeom prst="rect">
@@ -14511,7 +14968,7 @@
         </p:nvSpPr>
         <p:spPr>
           <a:xfrm>
-            <a:off x="1846879" y="4812224"/>
+            <a:off x="1805551" y="5514814"/>
             <a:ext cx="1849465" cy="738753"/>
           </a:xfrm>
           <a:prstGeom prst="rect">
@@ -14571,7 +15028,7 @@
         </p:nvSpPr>
         <p:spPr>
           <a:xfrm>
-            <a:off x="2226587" y="4996934"/>
+            <a:off x="2185259" y="5699524"/>
             <a:ext cx="1090047" cy="369332"/>
           </a:xfrm>
           <a:prstGeom prst="rect">
@@ -14608,7 +15065,7 @@
         </p:nvSpPr>
         <p:spPr>
           <a:xfrm>
-            <a:off x="8609310" y="4812224"/>
+            <a:off x="8567982" y="5514814"/>
             <a:ext cx="1849465" cy="738753"/>
           </a:xfrm>
           <a:prstGeom prst="rect">
@@ -14668,7 +15125,7 @@
         </p:nvSpPr>
         <p:spPr>
           <a:xfrm>
-            <a:off x="8989018" y="4996934"/>
+            <a:off x="8947690" y="5699524"/>
             <a:ext cx="1090047" cy="369332"/>
           </a:xfrm>
           <a:prstGeom prst="rect">
@@ -14720,7 +15177,7 @@
         </p:nvCxnSpPr>
         <p:spPr>
           <a:xfrm rot="10800000" flipV="1">
-            <a:off x="2976965" y="2450635"/>
+            <a:off x="2935637" y="3153225"/>
             <a:ext cx="1942452" cy="2269233"/>
           </a:xfrm>
           <a:prstGeom prst="straightConnector1">
@@ -14761,7 +15218,7 @@
         </p:nvCxnSpPr>
         <p:spPr>
           <a:xfrm flipV="1">
-            <a:off x="2787110" y="2358280"/>
+            <a:off x="2745782" y="3060870"/>
             <a:ext cx="1942452" cy="2269233"/>
           </a:xfrm>
           <a:prstGeom prst="straightConnector1">
@@ -14802,7 +15259,7 @@
         </p:nvCxnSpPr>
         <p:spPr>
           <a:xfrm rot="10800000">
-            <a:off x="7348775" y="2358280"/>
+            <a:off x="7307447" y="3060870"/>
             <a:ext cx="1942452" cy="2269233"/>
           </a:xfrm>
           <a:prstGeom prst="straightConnector1">
@@ -14843,7 +15300,7 @@
         </p:nvCxnSpPr>
         <p:spPr>
           <a:xfrm>
-            <a:off x="7153756" y="2488089"/>
+            <a:off x="7112428" y="3190679"/>
             <a:ext cx="1942452" cy="2269233"/>
           </a:xfrm>
           <a:prstGeom prst="straightConnector1">
@@ -14882,7 +15339,7 @@
         </p:nvSpPr>
         <p:spPr>
           <a:xfrm>
-            <a:off x="1108126" y="3128799"/>
+            <a:off x="374541" y="3691224"/>
             <a:ext cx="3621436" cy="369332"/>
           </a:xfrm>
           <a:prstGeom prst="rect">
@@ -14898,7 +15355,7 @@
           <a:p>
             <a:r>
               <a:rPr lang="en-US" altLang="zh-CN" dirty="0"/>
-              <a:t>ESP32-A Encrypted Data</a:t>
+              <a:t>ESP32-A: Humidity &amp; Temperature </a:t>
             </a:r>
             <a:endParaRPr lang="zh-CN" altLang="en-US" dirty="0"/>
           </a:p>
@@ -14918,7 +15375,7 @@
         </p:nvSpPr>
         <p:spPr>
           <a:xfrm>
-            <a:off x="3236559" y="1176712"/>
+            <a:off x="3195231" y="1879302"/>
             <a:ext cx="5594888" cy="646331"/>
           </a:xfrm>
           <a:prstGeom prst="rect">
@@ -14935,14 +15392,14 @@
             <a:pPr algn="ctr"/>
             <a:r>
               <a:rPr lang="en-US" altLang="zh-CN" dirty="0"/>
-              <a:t>Topic A: ESP32-A Encrypted Data</a:t>
+              <a:t>Topic A: ESP32-A: Humidity &amp; Temperature </a:t>
             </a:r>
           </a:p>
           <a:p>
             <a:pPr algn="ctr"/>
             <a:r>
               <a:rPr lang="en-US" altLang="zh-CN" dirty="0"/>
-              <a:t>Topic B: ESP32-B Encrypted Data</a:t>
+              <a:t>Topic B: ESP32-B: Humidity &amp; Temperature </a:t>
             </a:r>
             <a:endParaRPr lang="zh-CN" altLang="en-US" dirty="0"/>
           </a:p>
@@ -14962,7 +15419,7 @@
         </p:nvSpPr>
         <p:spPr>
           <a:xfrm>
-            <a:off x="8124982" y="2988634"/>
+            <a:off x="8083654" y="3691224"/>
             <a:ext cx="3621436" cy="369332"/>
           </a:xfrm>
           <a:prstGeom prst="rect">
@@ -14978,7 +15435,7 @@
           <a:p>
             <a:r>
               <a:rPr lang="en-US" altLang="zh-CN" dirty="0"/>
-              <a:t>ESP32-B Encrypted Data</a:t>
+              <a:t>ESP32-B: Humidity &amp; Temperature </a:t>
             </a:r>
             <a:endParaRPr lang="zh-CN" altLang="en-US" dirty="0"/>
           </a:p>
@@ -14998,7 +15455,7 @@
         </p:nvSpPr>
         <p:spPr>
           <a:xfrm>
-            <a:off x="3337301" y="4268559"/>
+            <a:off x="3295973" y="4971149"/>
             <a:ext cx="3621436" cy="369332"/>
           </a:xfrm>
           <a:prstGeom prst="rect">
@@ -15014,7 +15471,7 @@
           <a:p>
             <a:r>
               <a:rPr lang="en-US" altLang="zh-CN" dirty="0"/>
-              <a:t>ESP32-B Encrypted Data</a:t>
+              <a:t>ESP32-B: Humidity &amp; Temperature </a:t>
             </a:r>
             <a:endParaRPr lang="zh-CN" altLang="en-US" dirty="0"/>
           </a:p>
@@ -15034,7 +15491,7 @@
         </p:nvSpPr>
         <p:spPr>
           <a:xfrm>
-            <a:off x="5367582" y="3356764"/>
+            <a:off x="4462218" y="4128417"/>
             <a:ext cx="3621436" cy="369332"/>
           </a:xfrm>
           <a:prstGeom prst="rect">
@@ -15050,7 +15507,7 @@
           <a:p>
             <a:r>
               <a:rPr lang="en-US" altLang="zh-CN" dirty="0"/>
-              <a:t>ESP32-A Encrypted Data</a:t>
+              <a:t>ESP32-A: Humidity &amp; Temperature </a:t>
             </a:r>
             <a:endParaRPr lang="zh-CN" altLang="en-US" dirty="0"/>
           </a:p>
@@ -15058,10 +15515,64 @@
       </p:sp>
       <p:sp>
         <p:nvSpPr>
-          <p:cNvPr id="2" name="文本框 1">
-            <a:extLst>
-              <a:ext uri="{FF2B5EF4-FFF2-40B4-BE49-F238E27FC236}">
-                <a16:creationId xmlns:a16="http://schemas.microsoft.com/office/drawing/2014/main" id="{5223A32E-DFB9-3721-AB23-F63BF255098D}"/>
+          <p:cNvPr id="21" name="箭头: 直角上 20">
+            <a:extLst>
+              <a:ext uri="{FF2B5EF4-FFF2-40B4-BE49-F238E27FC236}">
+                <a16:creationId xmlns:a16="http://schemas.microsoft.com/office/drawing/2014/main" id="{622EE54B-3916-EBB1-9BFB-DFA5897BCC34}"/>
+              </a:ext>
+            </a:extLst>
+          </p:cNvPr>
+          <p:cNvSpPr/>
+          <p:nvPr/>
+        </p:nvSpPr>
+        <p:spPr>
+          <a:xfrm rot="5400000" flipH="1">
+            <a:off x="6962078" y="143498"/>
+            <a:ext cx="497694" cy="2714117"/>
+          </a:xfrm>
+          <a:prstGeom prst="bentUpArrow">
+            <a:avLst/>
+          </a:prstGeom>
+          <a:solidFill>
+            <a:schemeClr val="bg1"/>
+          </a:solidFill>
+          <a:ln>
+            <a:solidFill>
+              <a:schemeClr val="tx1"/>
+            </a:solidFill>
+          </a:ln>
+        </p:spPr>
+        <p:style>
+          <a:lnRef idx="2">
+            <a:schemeClr val="accent1">
+              <a:shade val="50000"/>
+            </a:schemeClr>
+          </a:lnRef>
+          <a:fillRef idx="1">
+            <a:schemeClr val="accent1"/>
+          </a:fillRef>
+          <a:effectRef idx="0">
+            <a:schemeClr val="accent1"/>
+          </a:effectRef>
+          <a:fontRef idx="minor">
+            <a:schemeClr val="lt1"/>
+          </a:fontRef>
+        </p:style>
+        <p:txBody>
+          <a:bodyPr rtlCol="0" anchor="ctr"/>
+          <a:lstStyle/>
+          <a:p>
+            <a:pPr algn="ctr"/>
+            <a:endParaRPr lang="zh-CN" altLang="en-US"/>
+          </a:p>
+        </p:txBody>
+      </p:sp>
+      <p:sp>
+        <p:nvSpPr>
+          <p:cNvPr id="22" name="文本框 21">
+            <a:extLst>
+              <a:ext uri="{FF2B5EF4-FFF2-40B4-BE49-F238E27FC236}">
+                <a16:creationId xmlns:a16="http://schemas.microsoft.com/office/drawing/2014/main" id="{BA0479BB-95D6-4AF7-CBDC-6C2BA5B7F3E6}"/>
               </a:ext>
             </a:extLst>
           </p:cNvPr>
@@ -15070,8 +15581,45 @@
         </p:nvSpPr>
         <p:spPr>
           <a:xfrm>
-            <a:off x="686534" y="273100"/>
-            <a:ext cx="9464855" cy="584775"/>
+            <a:off x="8790119" y="1064156"/>
+            <a:ext cx="2159431" cy="646331"/>
+          </a:xfrm>
+          <a:prstGeom prst="rect">
+            <a:avLst/>
+          </a:prstGeom>
+          <a:noFill/>
+        </p:spPr>
+        <p:txBody>
+          <a:bodyPr wrap="square" rtlCol="0">
+            <a:spAutoFit/>
+          </a:bodyPr>
+          <a:lstStyle/>
+          <a:p>
+            <a:pPr algn="ctr"/>
+            <a:r>
+              <a:rPr lang="en-US" altLang="zh-CN" dirty="0"/>
+              <a:t>Send to Node-Red and plot</a:t>
+            </a:r>
+            <a:endParaRPr lang="zh-CN" altLang="en-US" dirty="0"/>
+          </a:p>
+        </p:txBody>
+      </p:sp>
+      <p:sp>
+        <p:nvSpPr>
+          <p:cNvPr id="23" name="文本框 22">
+            <a:extLst>
+              <a:ext uri="{FF2B5EF4-FFF2-40B4-BE49-F238E27FC236}">
+                <a16:creationId xmlns:a16="http://schemas.microsoft.com/office/drawing/2014/main" id="{C772594F-998E-8DFD-B5CC-69B5A1EBC2C4}"/>
+              </a:ext>
+            </a:extLst>
+          </p:cNvPr>
+          <p:cNvSpPr txBox="1"/>
+          <p:nvPr/>
+        </p:nvSpPr>
+        <p:spPr>
+          <a:xfrm>
+            <a:off x="686535" y="273100"/>
+            <a:ext cx="7191770" cy="584775"/>
           </a:xfrm>
           <a:prstGeom prst="rect">
             <a:avLst/>
@@ -15091,7 +15639,7 @@
                 </a:solidFill>
                 <a:latin typeface="Consolas" panose="020B0609020204030204" pitchFamily="49" charset="0"/>
               </a:rPr>
-              <a:t>Encrypted data transmission and receiving</a:t>
+              <a:t>Data transmission and receiving</a:t>
             </a:r>
             <a:endParaRPr lang="zh-CN" altLang="en-US" sz="3200" dirty="0">
               <a:solidFill>
@@ -15105,7 +15653,7 @@
     </p:spTree>
     <p:extLst>
       <p:ext uri="{BB962C8B-B14F-4D97-AF65-F5344CB8AC3E}">
-        <p14:creationId xmlns:p14="http://schemas.microsoft.com/office/powerpoint/2010/main" val="3920107049"/>
+        <p14:creationId xmlns:p14="http://schemas.microsoft.com/office/powerpoint/2010/main" val="3437027353"/>
       </p:ext>
     </p:extLst>
   </p:cSld>

--- a/Final Pro.pptx
+++ b/Final Pro.pptx
@@ -10533,7 +10533,7 @@
           <p:nvPr/>
         </p:nvPicPr>
         <p:blipFill>
-          <a:blip r:embed="rId4">
+          <a:blip r:embed="rId2">
             <a:extLst>
               <a:ext uri="{28A0092B-C50C-407E-A947-70E740481C1C}">
                 <a14:useLocalDpi xmlns:a14="http://schemas.microsoft.com/office/drawing/2010/main" val="0"/>
@@ -10569,7 +10569,7 @@
           <p:nvPr/>
         </p:nvPicPr>
         <p:blipFill>
-          <a:blip r:embed="rId5">
+          <a:blip r:embed="rId3">
             <a:extLst>
               <a:ext uri="{28A0092B-C50C-407E-A947-70E740481C1C}">
                 <a14:useLocalDpi xmlns:a14="http://schemas.microsoft.com/office/drawing/2010/main" val="0"/>
@@ -10605,7 +10605,7 @@
           <p:nvPr/>
         </p:nvPicPr>
         <p:blipFill>
-          <a:blip r:embed="rId6">
+          <a:blip r:embed="rId4">
             <a:extLst>
               <a:ext uri="{28A0092B-C50C-407E-A947-70E740481C1C}">
                 <a14:useLocalDpi xmlns:a14="http://schemas.microsoft.com/office/drawing/2010/main" val="0"/>
@@ -10749,44 +10749,6 @@
           </a:p>
         </p:txBody>
       </p:sp>
-      <p:pic>
-        <p:nvPicPr>
-          <p:cNvPr id="18" name="音频 17">
-            <a:hlinkClick r:id="" action="ppaction://media"/>
-            <a:extLst>
-              <a:ext uri="{FF2B5EF4-FFF2-40B4-BE49-F238E27FC236}">
-                <a16:creationId xmlns:a16="http://schemas.microsoft.com/office/drawing/2014/main" id="{4057E00E-5D88-6470-5F94-2603E617DD42}"/>
-              </a:ext>
-            </a:extLst>
-          </p:cNvPr>
-          <p:cNvPicPr>
-            <a:picLocks noChangeAspect="1"/>
-          </p:cNvPicPr>
-          <p:nvPr>
-            <a:audioFile r:link="rId2"/>
-            <p:extLst>
-              <p:ext uri="{DAA4B4D4-6D71-4841-9C94-3DE7FCFB9230}">
-                <p14:media xmlns:p14="http://schemas.microsoft.com/office/powerpoint/2010/main" r:embed="rId1"/>
-              </p:ext>
-            </p:extLst>
-          </p:nvPr>
-        </p:nvPicPr>
-        <p:blipFill>
-          <a:blip r:embed="rId7"/>
-          <a:stretch>
-            <a:fillRect/>
-          </a:stretch>
-        </p:blipFill>
-        <p:spPr>
-          <a:xfrm>
-            <a:off x="11768138" y="6434138"/>
-            <a:ext cx="271462" cy="271462"/>
-          </a:xfrm>
-          <a:prstGeom prst="rect">
-            <a:avLst/>
-          </a:prstGeom>
-        </p:spPr>
-      </p:pic>
     </p:spTree>
     <p:extLst>
       <p:ext uri="{BB962C8B-B14F-4D97-AF65-F5344CB8AC3E}">
@@ -10805,93 +10767,6 @@
       <p:transition spd="slow" advTm="6093"/>
     </mc:Fallback>
   </mc:AlternateContent>
-  <p:timing>
-    <p:tnLst>
-      <p:par>
-        <p:cTn id="1" dur="indefinite" restart="never" nodeType="tmRoot">
-          <p:childTnLst>
-            <p:seq concurrent="1" nextAc="seek">
-              <p:cTn id="2" dur="indefinite" nodeType="mainSeq">
-                <p:childTnLst>
-                  <p:par>
-                    <p:cTn id="3" fill="hold">
-                      <p:stCondLst>
-                        <p:cond delay="indefinite"/>
-                        <p:cond evt="onBegin" delay="0">
-                          <p:tn val="2"/>
-                        </p:cond>
-                      </p:stCondLst>
-                      <p:childTnLst>
-                        <p:par>
-                          <p:cTn id="4" fill="hold">
-                            <p:stCondLst>
-                              <p:cond delay="0"/>
-                            </p:stCondLst>
-                            <p:childTnLst>
-                              <p:par>
-                                <p:cTn id="5" presetID="1" presetClass="mediacall" presetSubtype="0" fill="hold" nodeType="afterEffect">
-                                  <p:stCondLst>
-                                    <p:cond delay="0"/>
-                                  </p:stCondLst>
-                                  <p:childTnLst>
-                                    <p:cmd type="call" cmd="playFrom(0.0)">
-                                      <p:cBhvr>
-                                        <p:cTn id="6" dur="1" fill="hold"/>
-                                        <p:tgtEl>
-                                          <p:spTgt spid="18"/>
-                                        </p:tgtEl>
-                                      </p:cBhvr>
-                                    </p:cmd>
-                                  </p:childTnLst>
-                                </p:cTn>
-                              </p:par>
-                            </p:childTnLst>
-                          </p:cTn>
-                        </p:par>
-                      </p:childTnLst>
-                    </p:cTn>
-                  </p:par>
-                </p:childTnLst>
-              </p:cTn>
-              <p:prevCondLst>
-                <p:cond evt="onPrev" delay="0">
-                  <p:tgtEl>
-                    <p:sldTgt/>
-                  </p:tgtEl>
-                </p:cond>
-              </p:prevCondLst>
-              <p:nextCondLst>
-                <p:cond evt="onNext" delay="0">
-                  <p:tgtEl>
-                    <p:sldTgt/>
-                  </p:tgtEl>
-                </p:cond>
-              </p:nextCondLst>
-            </p:seq>
-            <p:audio isNarration="1">
-              <p:cMediaNode vol="80000" showWhenStopped="0">
-                <p:cTn id="7" fill="hold" display="0">
-                  <p:stCondLst>
-                    <p:cond delay="indefinite"/>
-                  </p:stCondLst>
-                  <p:endCondLst>
-                    <p:cond evt="onStopAudio" delay="0">
-                      <p:tgtEl>
-                        <p:sldTgt/>
-                      </p:tgtEl>
-                    </p:cond>
-                  </p:endCondLst>
-                </p:cTn>
-                <p:tgtEl>
-                  <p:spTgt spid="18"/>
-                </p:tgtEl>
-              </p:cMediaNode>
-            </p:audio>
-          </p:childTnLst>
-        </p:cTn>
-      </p:par>
-    </p:tnLst>
-  </p:timing>
 </p:sld>
 </file>
 
@@ -10935,7 +10810,7 @@
           <p:nvPr/>
         </p:nvPicPr>
         <p:blipFill>
-          <a:blip r:embed="rId4">
+          <a:blip r:embed="rId2">
             <a:extLst>
               <a:ext uri="{28A0092B-C50C-407E-A947-70E740481C1C}">
                 <a14:useLocalDpi xmlns:a14="http://schemas.microsoft.com/office/drawing/2010/main" val="0"/>
@@ -10971,7 +10846,7 @@
           <p:nvPr/>
         </p:nvPicPr>
         <p:blipFill>
-          <a:blip r:embed="rId5">
+          <a:blip r:embed="rId3">
             <a:extLst>
               <a:ext uri="{28A0092B-C50C-407E-A947-70E740481C1C}">
                 <a14:useLocalDpi xmlns:a14="http://schemas.microsoft.com/office/drawing/2010/main" val="0"/>
@@ -11038,44 +10913,6 @@
           </a:p>
         </p:txBody>
       </p:sp>
-      <p:pic>
-        <p:nvPicPr>
-          <p:cNvPr id="11" name="音频 10">
-            <a:hlinkClick r:id="" action="ppaction://media"/>
-            <a:extLst>
-              <a:ext uri="{FF2B5EF4-FFF2-40B4-BE49-F238E27FC236}">
-                <a16:creationId xmlns:a16="http://schemas.microsoft.com/office/drawing/2014/main" id="{B15D412C-171B-01B2-E83A-D769E792BA4A}"/>
-              </a:ext>
-            </a:extLst>
-          </p:cNvPr>
-          <p:cNvPicPr>
-            <a:picLocks noChangeAspect="1"/>
-          </p:cNvPicPr>
-          <p:nvPr>
-            <a:audioFile r:link="rId2"/>
-            <p:extLst>
-              <p:ext uri="{DAA4B4D4-6D71-4841-9C94-3DE7FCFB9230}">
-                <p14:media xmlns:p14="http://schemas.microsoft.com/office/powerpoint/2010/main" r:embed="rId1"/>
-              </p:ext>
-            </p:extLst>
-          </p:nvPr>
-        </p:nvPicPr>
-        <p:blipFill>
-          <a:blip r:embed="rId6"/>
-          <a:stretch>
-            <a:fillRect/>
-          </a:stretch>
-        </p:blipFill>
-        <p:spPr>
-          <a:xfrm>
-            <a:off x="11768138" y="6434138"/>
-            <a:ext cx="271462" cy="271462"/>
-          </a:xfrm>
-          <a:prstGeom prst="rect">
-            <a:avLst/>
-          </a:prstGeom>
-        </p:spPr>
-      </p:pic>
     </p:spTree>
     <p:extLst>
       <p:ext uri="{BB962C8B-B14F-4D97-AF65-F5344CB8AC3E}">
@@ -11094,93 +10931,6 @@
       <p:transition spd="slow" advTm="172"/>
     </mc:Fallback>
   </mc:AlternateContent>
-  <p:timing>
-    <p:tnLst>
-      <p:par>
-        <p:cTn id="1" dur="indefinite" restart="never" nodeType="tmRoot">
-          <p:childTnLst>
-            <p:seq concurrent="1" nextAc="seek">
-              <p:cTn id="2" dur="indefinite" nodeType="mainSeq">
-                <p:childTnLst>
-                  <p:par>
-                    <p:cTn id="3" fill="hold">
-                      <p:stCondLst>
-                        <p:cond delay="indefinite"/>
-                        <p:cond evt="onBegin" delay="0">
-                          <p:tn val="2"/>
-                        </p:cond>
-                      </p:stCondLst>
-                      <p:childTnLst>
-                        <p:par>
-                          <p:cTn id="4" fill="hold">
-                            <p:stCondLst>
-                              <p:cond delay="0"/>
-                            </p:stCondLst>
-                            <p:childTnLst>
-                              <p:par>
-                                <p:cTn id="5" presetID="1" presetClass="mediacall" presetSubtype="0" fill="hold" nodeType="afterEffect">
-                                  <p:stCondLst>
-                                    <p:cond delay="0"/>
-                                  </p:stCondLst>
-                                  <p:childTnLst>
-                                    <p:cmd type="call" cmd="playFrom(0.0)">
-                                      <p:cBhvr>
-                                        <p:cTn id="6" dur="1" fill="hold"/>
-                                        <p:tgtEl>
-                                          <p:spTgt spid="11"/>
-                                        </p:tgtEl>
-                                      </p:cBhvr>
-                                    </p:cmd>
-                                  </p:childTnLst>
-                                </p:cTn>
-                              </p:par>
-                            </p:childTnLst>
-                          </p:cTn>
-                        </p:par>
-                      </p:childTnLst>
-                    </p:cTn>
-                  </p:par>
-                </p:childTnLst>
-              </p:cTn>
-              <p:prevCondLst>
-                <p:cond evt="onPrev" delay="0">
-                  <p:tgtEl>
-                    <p:sldTgt/>
-                  </p:tgtEl>
-                </p:cond>
-              </p:prevCondLst>
-              <p:nextCondLst>
-                <p:cond evt="onNext" delay="0">
-                  <p:tgtEl>
-                    <p:sldTgt/>
-                  </p:tgtEl>
-                </p:cond>
-              </p:nextCondLst>
-            </p:seq>
-            <p:audio isNarration="1">
-              <p:cMediaNode vol="80000" showWhenStopped="0">
-                <p:cTn id="7" fill="hold" display="0">
-                  <p:stCondLst>
-                    <p:cond delay="indefinite"/>
-                  </p:stCondLst>
-                  <p:endCondLst>
-                    <p:cond evt="onStopAudio" delay="0">
-                      <p:tgtEl>
-                        <p:sldTgt/>
-                      </p:tgtEl>
-                    </p:cond>
-                  </p:endCondLst>
-                </p:cTn>
-                <p:tgtEl>
-                  <p:spTgt spid="11"/>
-                </p:tgtEl>
-              </p:cMediaNode>
-            </p:audio>
-          </p:childTnLst>
-        </p:cTn>
-      </p:par>
-    </p:tnLst>
-  </p:timing>
 </p:sld>
 </file>
 
@@ -11248,44 +10998,6 @@
           </a:p>
         </p:txBody>
       </p:sp>
-      <p:pic>
-        <p:nvPicPr>
-          <p:cNvPr id="6" name="音频 5">
-            <a:hlinkClick r:id="" action="ppaction://media"/>
-            <a:extLst>
-              <a:ext uri="{FF2B5EF4-FFF2-40B4-BE49-F238E27FC236}">
-                <a16:creationId xmlns:a16="http://schemas.microsoft.com/office/drawing/2014/main" id="{D84E662B-744F-477D-95E7-E54F953EEE7E}"/>
-              </a:ext>
-            </a:extLst>
-          </p:cNvPr>
-          <p:cNvPicPr>
-            <a:picLocks noChangeAspect="1"/>
-          </p:cNvPicPr>
-          <p:nvPr>
-            <a:audioFile r:link="rId2"/>
-            <p:extLst>
-              <p:ext uri="{DAA4B4D4-6D71-4841-9C94-3DE7FCFB9230}">
-                <p14:media xmlns:p14="http://schemas.microsoft.com/office/powerpoint/2010/main" r:embed="rId1"/>
-              </p:ext>
-            </p:extLst>
-          </p:nvPr>
-        </p:nvPicPr>
-        <p:blipFill>
-          <a:blip r:embed="rId4"/>
-          <a:stretch>
-            <a:fillRect/>
-          </a:stretch>
-        </p:blipFill>
-        <p:spPr>
-          <a:xfrm>
-            <a:off x="11768138" y="6434138"/>
-            <a:ext cx="271462" cy="271462"/>
-          </a:xfrm>
-          <a:prstGeom prst="rect">
-            <a:avLst/>
-          </a:prstGeom>
-        </p:spPr>
-      </p:pic>
     </p:spTree>
     <p:extLst>
       <p:ext uri="{BB962C8B-B14F-4D97-AF65-F5344CB8AC3E}">
@@ -11304,93 +11016,6 @@
       <p:transition spd="slow" advTm="413"/>
     </mc:Fallback>
   </mc:AlternateContent>
-  <p:timing>
-    <p:tnLst>
-      <p:par>
-        <p:cTn id="1" dur="indefinite" restart="never" nodeType="tmRoot">
-          <p:childTnLst>
-            <p:seq concurrent="1" nextAc="seek">
-              <p:cTn id="2" dur="indefinite" nodeType="mainSeq">
-                <p:childTnLst>
-                  <p:par>
-                    <p:cTn id="3" fill="hold">
-                      <p:stCondLst>
-                        <p:cond delay="indefinite"/>
-                        <p:cond evt="onBegin" delay="0">
-                          <p:tn val="2"/>
-                        </p:cond>
-                      </p:stCondLst>
-                      <p:childTnLst>
-                        <p:par>
-                          <p:cTn id="4" fill="hold">
-                            <p:stCondLst>
-                              <p:cond delay="0"/>
-                            </p:stCondLst>
-                            <p:childTnLst>
-                              <p:par>
-                                <p:cTn id="5" presetID="1" presetClass="mediacall" presetSubtype="0" fill="hold" nodeType="afterEffect">
-                                  <p:stCondLst>
-                                    <p:cond delay="0"/>
-                                  </p:stCondLst>
-                                  <p:childTnLst>
-                                    <p:cmd type="call" cmd="playFrom(0.0)">
-                                      <p:cBhvr>
-                                        <p:cTn id="6" dur="1" fill="hold"/>
-                                        <p:tgtEl>
-                                          <p:spTgt spid="6"/>
-                                        </p:tgtEl>
-                                      </p:cBhvr>
-                                    </p:cmd>
-                                  </p:childTnLst>
-                                </p:cTn>
-                              </p:par>
-                            </p:childTnLst>
-                          </p:cTn>
-                        </p:par>
-                      </p:childTnLst>
-                    </p:cTn>
-                  </p:par>
-                </p:childTnLst>
-              </p:cTn>
-              <p:prevCondLst>
-                <p:cond evt="onPrev" delay="0">
-                  <p:tgtEl>
-                    <p:sldTgt/>
-                  </p:tgtEl>
-                </p:cond>
-              </p:prevCondLst>
-              <p:nextCondLst>
-                <p:cond evt="onNext" delay="0">
-                  <p:tgtEl>
-                    <p:sldTgt/>
-                  </p:tgtEl>
-                </p:cond>
-              </p:nextCondLst>
-            </p:seq>
-            <p:audio isNarration="1">
-              <p:cMediaNode vol="80000" showWhenStopped="0">
-                <p:cTn id="7" fill="hold" display="0">
-                  <p:stCondLst>
-                    <p:cond delay="indefinite"/>
-                  </p:stCondLst>
-                  <p:endCondLst>
-                    <p:cond evt="onStopAudio" delay="0">
-                      <p:tgtEl>
-                        <p:sldTgt/>
-                      </p:tgtEl>
-                    </p:cond>
-                  </p:endCondLst>
-                </p:cTn>
-                <p:tgtEl>
-                  <p:spTgt spid="6"/>
-                </p:tgtEl>
-              </p:cMediaNode>
-            </p:audio>
-          </p:childTnLst>
-        </p:cTn>
-      </p:par>
-    </p:tnLst>
-  </p:timing>
 </p:sld>
 </file>
 
@@ -12293,10 +11918,10 @@
           <a:p>
             <a:pPr algn="ctr"/>
             <a:r>
-              <a:rPr lang="en" sz="1200"/>
+              <a:rPr lang="en" sz="1200" dirty="0"/>
               <a:t>Task A</a:t>
             </a:r>
-            <a:endParaRPr sz="1200"/>
+            <a:endParaRPr sz="1200" dirty="0"/>
           </a:p>
         </p:txBody>
       </p:sp>
@@ -12351,546 +11976,6 @@
   <p:clrMapOvr>
     <a:masterClrMapping/>
   </p:clrMapOvr>
-  <p:timing>
-    <p:tnLst>
-      <p:par>
-        <p:cTn id="1" dur="indefinite" restart="never" nodeType="tmRoot">
-          <p:childTnLst>
-            <p:seq concurrent="1" nextAc="seek">
-              <p:cTn id="2" dur="indefinite" nodeType="mainSeq">
-                <p:childTnLst>
-                  <p:par>
-                    <p:cTn id="3" fill="hold">
-                      <p:stCondLst>
-                        <p:cond delay="indefinite"/>
-                      </p:stCondLst>
-                      <p:childTnLst>
-                        <p:par>
-                          <p:cTn id="4" fill="hold">
-                            <p:stCondLst>
-                              <p:cond delay="0"/>
-                            </p:stCondLst>
-                            <p:childTnLst>
-                              <p:par>
-                                <p:cTn id="5" presetID="10" presetClass="entr" presetSubtype="0" fill="hold" nodeType="clickEffect">
-                                  <p:stCondLst>
-                                    <p:cond delay="0"/>
-                                  </p:stCondLst>
-                                  <p:childTnLst>
-                                    <p:set>
-                                      <p:cBhvr>
-                                        <p:cTn id="6" dur="1" fill="hold">
-                                          <p:stCondLst>
-                                            <p:cond delay="0"/>
-                                          </p:stCondLst>
-                                        </p:cTn>
-                                        <p:tgtEl>
-                                          <p:spTgt spid="74"/>
-                                        </p:tgtEl>
-                                        <p:attrNameLst>
-                                          <p:attrName>style.visibility</p:attrName>
-                                        </p:attrNameLst>
-                                      </p:cBhvr>
-                                      <p:to>
-                                        <p:strVal val="visible"/>
-                                      </p:to>
-                                    </p:set>
-                                    <p:animEffect transition="in" filter="fade">
-                                      <p:cBhvr>
-                                        <p:cTn id="7" dur="1000"/>
-                                        <p:tgtEl>
-                                          <p:spTgt spid="74"/>
-                                        </p:tgtEl>
-                                      </p:cBhvr>
-                                    </p:animEffect>
-                                  </p:childTnLst>
-                                </p:cTn>
-                              </p:par>
-                              <p:par>
-                                <p:cTn id="8" presetID="10" presetClass="entr" presetSubtype="0" fill="hold" nodeType="withEffect">
-                                  <p:stCondLst>
-                                    <p:cond delay="0"/>
-                                  </p:stCondLst>
-                                  <p:childTnLst>
-                                    <p:set>
-                                      <p:cBhvr>
-                                        <p:cTn id="9" dur="1" fill="hold">
-                                          <p:stCondLst>
-                                            <p:cond delay="0"/>
-                                          </p:stCondLst>
-                                        </p:cTn>
-                                        <p:tgtEl>
-                                          <p:spTgt spid="75"/>
-                                        </p:tgtEl>
-                                        <p:attrNameLst>
-                                          <p:attrName>style.visibility</p:attrName>
-                                        </p:attrNameLst>
-                                      </p:cBhvr>
-                                      <p:to>
-                                        <p:strVal val="visible"/>
-                                      </p:to>
-                                    </p:set>
-                                    <p:animEffect transition="in" filter="fade">
-                                      <p:cBhvr>
-                                        <p:cTn id="10" dur="1000"/>
-                                        <p:tgtEl>
-                                          <p:spTgt spid="75"/>
-                                        </p:tgtEl>
-                                      </p:cBhvr>
-                                    </p:animEffect>
-                                  </p:childTnLst>
-                                </p:cTn>
-                              </p:par>
-                            </p:childTnLst>
-                          </p:cTn>
-                        </p:par>
-                      </p:childTnLst>
-                    </p:cTn>
-                  </p:par>
-                  <p:par>
-                    <p:cTn id="11" fill="hold">
-                      <p:stCondLst>
-                        <p:cond delay="indefinite"/>
-                      </p:stCondLst>
-                      <p:childTnLst>
-                        <p:par>
-                          <p:cTn id="12" fill="hold">
-                            <p:stCondLst>
-                              <p:cond delay="0"/>
-                            </p:stCondLst>
-                            <p:childTnLst>
-                              <p:par>
-                                <p:cTn id="13" presetID="10" presetClass="entr" presetSubtype="0" fill="hold" nodeType="clickEffect">
-                                  <p:stCondLst>
-                                    <p:cond delay="0"/>
-                                  </p:stCondLst>
-                                  <p:childTnLst>
-                                    <p:set>
-                                      <p:cBhvr>
-                                        <p:cTn id="14" dur="1" fill="hold">
-                                          <p:stCondLst>
-                                            <p:cond delay="0"/>
-                                          </p:stCondLst>
-                                        </p:cTn>
-                                        <p:tgtEl>
-                                          <p:spTgt spid="73"/>
-                                        </p:tgtEl>
-                                        <p:attrNameLst>
-                                          <p:attrName>style.visibility</p:attrName>
-                                        </p:attrNameLst>
-                                      </p:cBhvr>
-                                      <p:to>
-                                        <p:strVal val="visible"/>
-                                      </p:to>
-                                    </p:set>
-                                    <p:animEffect transition="in" filter="fade">
-                                      <p:cBhvr>
-                                        <p:cTn id="15" dur="1000"/>
-                                        <p:tgtEl>
-                                          <p:spTgt spid="73"/>
-                                        </p:tgtEl>
-                                      </p:cBhvr>
-                                    </p:animEffect>
-                                  </p:childTnLst>
-                                </p:cTn>
-                              </p:par>
-                              <p:par>
-                                <p:cTn id="16" presetID="10" presetClass="entr" presetSubtype="0" fill="hold" nodeType="withEffect">
-                                  <p:stCondLst>
-                                    <p:cond delay="0"/>
-                                  </p:stCondLst>
-                                  <p:childTnLst>
-                                    <p:set>
-                                      <p:cBhvr>
-                                        <p:cTn id="17" dur="1" fill="hold">
-                                          <p:stCondLst>
-                                            <p:cond delay="0"/>
-                                          </p:stCondLst>
-                                        </p:cTn>
-                                        <p:tgtEl>
-                                          <p:spTgt spid="76"/>
-                                        </p:tgtEl>
-                                        <p:attrNameLst>
-                                          <p:attrName>style.visibility</p:attrName>
-                                        </p:attrNameLst>
-                                      </p:cBhvr>
-                                      <p:to>
-                                        <p:strVal val="visible"/>
-                                      </p:to>
-                                    </p:set>
-                                    <p:animEffect transition="in" filter="fade">
-                                      <p:cBhvr>
-                                        <p:cTn id="18" dur="1000"/>
-                                        <p:tgtEl>
-                                          <p:spTgt spid="76"/>
-                                        </p:tgtEl>
-                                      </p:cBhvr>
-                                    </p:animEffect>
-                                  </p:childTnLst>
-                                </p:cTn>
-                              </p:par>
-                              <p:par>
-                                <p:cTn id="19" presetID="10" presetClass="entr" presetSubtype="0" fill="hold" nodeType="withEffect">
-                                  <p:stCondLst>
-                                    <p:cond delay="0"/>
-                                  </p:stCondLst>
-                                  <p:childTnLst>
-                                    <p:set>
-                                      <p:cBhvr>
-                                        <p:cTn id="20" dur="1" fill="hold">
-                                          <p:stCondLst>
-                                            <p:cond delay="0"/>
-                                          </p:stCondLst>
-                                        </p:cTn>
-                                        <p:tgtEl>
-                                          <p:spTgt spid="77"/>
-                                        </p:tgtEl>
-                                        <p:attrNameLst>
-                                          <p:attrName>style.visibility</p:attrName>
-                                        </p:attrNameLst>
-                                      </p:cBhvr>
-                                      <p:to>
-                                        <p:strVal val="visible"/>
-                                      </p:to>
-                                    </p:set>
-                                    <p:animEffect transition="in" filter="fade">
-                                      <p:cBhvr>
-                                        <p:cTn id="21" dur="1000"/>
-                                        <p:tgtEl>
-                                          <p:spTgt spid="77"/>
-                                        </p:tgtEl>
-                                      </p:cBhvr>
-                                    </p:animEffect>
-                                  </p:childTnLst>
-                                </p:cTn>
-                              </p:par>
-                              <p:par>
-                                <p:cTn id="22" presetID="10" presetClass="entr" presetSubtype="0" fill="hold" nodeType="withEffect">
-                                  <p:stCondLst>
-                                    <p:cond delay="0"/>
-                                  </p:stCondLst>
-                                  <p:childTnLst>
-                                    <p:set>
-                                      <p:cBhvr>
-                                        <p:cTn id="23" dur="1" fill="hold">
-                                          <p:stCondLst>
-                                            <p:cond delay="0"/>
-                                          </p:stCondLst>
-                                        </p:cTn>
-                                        <p:tgtEl>
-                                          <p:spTgt spid="78"/>
-                                        </p:tgtEl>
-                                        <p:attrNameLst>
-                                          <p:attrName>style.visibility</p:attrName>
-                                        </p:attrNameLst>
-                                      </p:cBhvr>
-                                      <p:to>
-                                        <p:strVal val="visible"/>
-                                      </p:to>
-                                    </p:set>
-                                    <p:animEffect transition="in" filter="fade">
-                                      <p:cBhvr>
-                                        <p:cTn id="24" dur="1000"/>
-                                        <p:tgtEl>
-                                          <p:spTgt spid="78"/>
-                                        </p:tgtEl>
-                                      </p:cBhvr>
-                                    </p:animEffect>
-                                  </p:childTnLst>
-                                </p:cTn>
-                              </p:par>
-                              <p:par>
-                                <p:cTn id="25" presetID="10" presetClass="entr" presetSubtype="0" fill="hold" nodeType="withEffect">
-                                  <p:stCondLst>
-                                    <p:cond delay="0"/>
-                                  </p:stCondLst>
-                                  <p:childTnLst>
-                                    <p:set>
-                                      <p:cBhvr>
-                                        <p:cTn id="26" dur="1" fill="hold">
-                                          <p:stCondLst>
-                                            <p:cond delay="0"/>
-                                          </p:stCondLst>
-                                        </p:cTn>
-                                        <p:tgtEl>
-                                          <p:spTgt spid="80"/>
-                                        </p:tgtEl>
-                                        <p:attrNameLst>
-                                          <p:attrName>style.visibility</p:attrName>
-                                        </p:attrNameLst>
-                                      </p:cBhvr>
-                                      <p:to>
-                                        <p:strVal val="visible"/>
-                                      </p:to>
-                                    </p:set>
-                                    <p:animEffect transition="in" filter="fade">
-                                      <p:cBhvr>
-                                        <p:cTn id="27" dur="1000"/>
-                                        <p:tgtEl>
-                                          <p:spTgt spid="80"/>
-                                        </p:tgtEl>
-                                      </p:cBhvr>
-                                    </p:animEffect>
-                                  </p:childTnLst>
-                                </p:cTn>
-                              </p:par>
-                              <p:par>
-                                <p:cTn id="28" presetID="10" presetClass="entr" presetSubtype="0" fill="hold" nodeType="withEffect">
-                                  <p:stCondLst>
-                                    <p:cond delay="0"/>
-                                  </p:stCondLst>
-                                  <p:childTnLst>
-                                    <p:set>
-                                      <p:cBhvr>
-                                        <p:cTn id="29" dur="1" fill="hold">
-                                          <p:stCondLst>
-                                            <p:cond delay="0"/>
-                                          </p:stCondLst>
-                                        </p:cTn>
-                                        <p:tgtEl>
-                                          <p:spTgt spid="79"/>
-                                        </p:tgtEl>
-                                        <p:attrNameLst>
-                                          <p:attrName>style.visibility</p:attrName>
-                                        </p:attrNameLst>
-                                      </p:cBhvr>
-                                      <p:to>
-                                        <p:strVal val="visible"/>
-                                      </p:to>
-                                    </p:set>
-                                    <p:animEffect transition="in" filter="fade">
-                                      <p:cBhvr>
-                                        <p:cTn id="30" dur="1000"/>
-                                        <p:tgtEl>
-                                          <p:spTgt spid="79"/>
-                                        </p:tgtEl>
-                                      </p:cBhvr>
-                                    </p:animEffect>
-                                  </p:childTnLst>
-                                </p:cTn>
-                              </p:par>
-                            </p:childTnLst>
-                          </p:cTn>
-                        </p:par>
-                      </p:childTnLst>
-                    </p:cTn>
-                  </p:par>
-                  <p:par>
-                    <p:cTn id="31" fill="hold">
-                      <p:stCondLst>
-                        <p:cond delay="indefinite"/>
-                      </p:stCondLst>
-                      <p:childTnLst>
-                        <p:par>
-                          <p:cTn id="32" fill="hold">
-                            <p:stCondLst>
-                              <p:cond delay="0"/>
-                            </p:stCondLst>
-                            <p:childTnLst>
-                              <p:par>
-                                <p:cTn id="33" presetID="10" presetClass="entr" presetSubtype="0" fill="hold" nodeType="clickEffect">
-                                  <p:stCondLst>
-                                    <p:cond delay="0"/>
-                                  </p:stCondLst>
-                                  <p:childTnLst>
-                                    <p:set>
-                                      <p:cBhvr>
-                                        <p:cTn id="34" dur="1" fill="hold">
-                                          <p:stCondLst>
-                                            <p:cond delay="0"/>
-                                          </p:stCondLst>
-                                        </p:cTn>
-                                        <p:tgtEl>
-                                          <p:spTgt spid="81"/>
-                                        </p:tgtEl>
-                                        <p:attrNameLst>
-                                          <p:attrName>style.visibility</p:attrName>
-                                        </p:attrNameLst>
-                                      </p:cBhvr>
-                                      <p:to>
-                                        <p:strVal val="visible"/>
-                                      </p:to>
-                                    </p:set>
-                                    <p:animEffect transition="in" filter="fade">
-                                      <p:cBhvr>
-                                        <p:cTn id="35" dur="1000"/>
-                                        <p:tgtEl>
-                                          <p:spTgt spid="81"/>
-                                        </p:tgtEl>
-                                      </p:cBhvr>
-                                    </p:animEffect>
-                                  </p:childTnLst>
-                                </p:cTn>
-                              </p:par>
-                            </p:childTnLst>
-                          </p:cTn>
-                        </p:par>
-                      </p:childTnLst>
-                    </p:cTn>
-                  </p:par>
-                  <p:par>
-                    <p:cTn id="36" fill="hold">
-                      <p:stCondLst>
-                        <p:cond delay="indefinite"/>
-                      </p:stCondLst>
-                      <p:childTnLst>
-                        <p:par>
-                          <p:cTn id="37" fill="hold">
-                            <p:stCondLst>
-                              <p:cond delay="0"/>
-                            </p:stCondLst>
-                            <p:childTnLst>
-                              <p:par>
-                                <p:cTn id="38" presetID="10" presetClass="entr" presetSubtype="0" fill="hold" nodeType="clickEffect">
-                                  <p:stCondLst>
-                                    <p:cond delay="0"/>
-                                  </p:stCondLst>
-                                  <p:childTnLst>
-                                    <p:set>
-                                      <p:cBhvr>
-                                        <p:cTn id="39" dur="1" fill="hold">
-                                          <p:stCondLst>
-                                            <p:cond delay="0"/>
-                                          </p:stCondLst>
-                                        </p:cTn>
-                                        <p:tgtEl>
-                                          <p:spTgt spid="82"/>
-                                        </p:tgtEl>
-                                        <p:attrNameLst>
-                                          <p:attrName>style.visibility</p:attrName>
-                                        </p:attrNameLst>
-                                      </p:cBhvr>
-                                      <p:to>
-                                        <p:strVal val="visible"/>
-                                      </p:to>
-                                    </p:set>
-                                    <p:animEffect transition="in" filter="fade">
-                                      <p:cBhvr>
-                                        <p:cTn id="40" dur="1000"/>
-                                        <p:tgtEl>
-                                          <p:spTgt spid="82"/>
-                                        </p:tgtEl>
-                                      </p:cBhvr>
-                                    </p:animEffect>
-                                  </p:childTnLst>
-                                </p:cTn>
-                              </p:par>
-                              <p:par>
-                                <p:cTn id="41" presetID="10" presetClass="entr" presetSubtype="0" fill="hold" nodeType="withEffect">
-                                  <p:stCondLst>
-                                    <p:cond delay="0"/>
-                                  </p:stCondLst>
-                                  <p:childTnLst>
-                                    <p:set>
-                                      <p:cBhvr>
-                                        <p:cTn id="42" dur="1" fill="hold">
-                                          <p:stCondLst>
-                                            <p:cond delay="0"/>
-                                          </p:stCondLst>
-                                        </p:cTn>
-                                        <p:tgtEl>
-                                          <p:spTgt spid="83"/>
-                                        </p:tgtEl>
-                                        <p:attrNameLst>
-                                          <p:attrName>style.visibility</p:attrName>
-                                        </p:attrNameLst>
-                                      </p:cBhvr>
-                                      <p:to>
-                                        <p:strVal val="visible"/>
-                                      </p:to>
-                                    </p:set>
-                                    <p:animEffect transition="in" filter="fade">
-                                      <p:cBhvr>
-                                        <p:cTn id="43" dur="1000"/>
-                                        <p:tgtEl>
-                                          <p:spTgt spid="83"/>
-                                        </p:tgtEl>
-                                      </p:cBhvr>
-                                    </p:animEffect>
-                                  </p:childTnLst>
-                                </p:cTn>
-                              </p:par>
-                            </p:childTnLst>
-                          </p:cTn>
-                        </p:par>
-                      </p:childTnLst>
-                    </p:cTn>
-                  </p:par>
-                  <p:par>
-                    <p:cTn id="44" fill="hold">
-                      <p:stCondLst>
-                        <p:cond delay="indefinite"/>
-                      </p:stCondLst>
-                      <p:childTnLst>
-                        <p:par>
-                          <p:cTn id="45" fill="hold">
-                            <p:stCondLst>
-                              <p:cond delay="0"/>
-                            </p:stCondLst>
-                            <p:childTnLst>
-                              <p:par>
-                                <p:cTn id="46" presetID="10" presetClass="entr" presetSubtype="0" fill="hold" nodeType="clickEffect">
-                                  <p:stCondLst>
-                                    <p:cond delay="0"/>
-                                  </p:stCondLst>
-                                  <p:childTnLst>
-                                    <p:set>
-                                      <p:cBhvr>
-                                        <p:cTn id="47" dur="1" fill="hold">
-                                          <p:stCondLst>
-                                            <p:cond delay="0"/>
-                                          </p:stCondLst>
-                                        </p:cTn>
-                                        <p:tgtEl>
-                                          <p:spTgt spid="84"/>
-                                        </p:tgtEl>
-                                        <p:attrNameLst>
-                                          <p:attrName>style.visibility</p:attrName>
-                                        </p:attrNameLst>
-                                      </p:cBhvr>
-                                      <p:to>
-                                        <p:strVal val="visible"/>
-                                      </p:to>
-                                    </p:set>
-                                    <p:animEffect transition="in" filter="fade">
-                                      <p:cBhvr>
-                                        <p:cTn id="48" dur="1000"/>
-                                        <p:tgtEl>
-                                          <p:spTgt spid="84"/>
-                                        </p:tgtEl>
-                                      </p:cBhvr>
-                                    </p:animEffect>
-                                  </p:childTnLst>
-                                </p:cTn>
-                              </p:par>
-                            </p:childTnLst>
-                          </p:cTn>
-                        </p:par>
-                      </p:childTnLst>
-                    </p:cTn>
-                  </p:par>
-                </p:childTnLst>
-              </p:cTn>
-              <p:prevCondLst>
-                <p:cond evt="onPrev" delay="0">
-                  <p:tgtEl>
-                    <p:sldTgt/>
-                  </p:tgtEl>
-                </p:cond>
-              </p:prevCondLst>
-              <p:nextCondLst>
-                <p:cond evt="onNext" delay="0">
-                  <p:tgtEl>
-                    <p:sldTgt/>
-                  </p:tgtEl>
-                </p:cond>
-              </p:nextCondLst>
-            </p:seq>
-          </p:childTnLst>
-        </p:cTn>
-      </p:par>
-    </p:tnLst>
-  </p:timing>
 </p:sld>
 </file>
 
@@ -13097,68 +12182,6 @@
           </a:p>
         </p:txBody>
       </p:sp>
-      <p:sp>
-        <p:nvSpPr>
-          <p:cNvPr id="11" name="椭圆 10">
-            <a:extLst>
-              <a:ext uri="{FF2B5EF4-FFF2-40B4-BE49-F238E27FC236}">
-                <a16:creationId xmlns:a16="http://schemas.microsoft.com/office/drawing/2014/main" id="{CEAF1B0E-8C04-F805-EFDE-1432B7BA5286}"/>
-              </a:ext>
-            </a:extLst>
-          </p:cNvPr>
-          <p:cNvSpPr/>
-          <p:nvPr/>
-        </p:nvSpPr>
-        <p:spPr>
-          <a:xfrm>
-            <a:off x="2236211" y="4056682"/>
-            <a:ext cx="834325" cy="811077"/>
-          </a:xfrm>
-          <a:prstGeom prst="ellipse">
-            <a:avLst/>
-          </a:prstGeom>
-          <a:solidFill>
-            <a:schemeClr val="accent6">
-              <a:lumMod val="60000"/>
-              <a:lumOff val="40000"/>
-            </a:schemeClr>
-          </a:solidFill>
-          <a:ln>
-            <a:solidFill>
-              <a:schemeClr val="accent6">
-                <a:lumMod val="60000"/>
-                <a:lumOff val="40000"/>
-              </a:schemeClr>
-            </a:solidFill>
-          </a:ln>
-        </p:spPr>
-        <p:style>
-          <a:lnRef idx="2">
-            <a:schemeClr val="accent1">
-              <a:shade val="50000"/>
-            </a:schemeClr>
-          </a:lnRef>
-          <a:fillRef idx="1">
-            <a:schemeClr val="accent1"/>
-          </a:fillRef>
-          <a:effectRef idx="0">
-            <a:schemeClr val="accent1"/>
-          </a:effectRef>
-          <a:fontRef idx="minor">
-            <a:schemeClr val="lt1"/>
-          </a:fontRef>
-        </p:style>
-        <p:txBody>
-          <a:bodyPr rtlCol="0" anchor="ctr"/>
-          <a:lstStyle/>
-          <a:p>
-            <a:pPr algn="ctr"/>
-            <a:endParaRPr lang="zh-CN" altLang="en-US">
-              <a:latin typeface="Consolas" panose="020B0609020204030204" pitchFamily="49" charset="0"/>
-            </a:endParaRPr>
-          </a:p>
-        </p:txBody>
-      </p:sp>
       <p:cxnSp>
         <p:nvCxnSpPr>
           <p:cNvPr id="13" name="直接箭头连接符 12">
@@ -13248,51 +12271,6 @@
           </a:fontRef>
         </p:style>
       </p:cxnSp>
-      <p:cxnSp>
-        <p:nvCxnSpPr>
-          <p:cNvPr id="16" name="直接箭头连接符 15">
-            <a:extLst>
-              <a:ext uri="{FF2B5EF4-FFF2-40B4-BE49-F238E27FC236}">
-                <a16:creationId xmlns:a16="http://schemas.microsoft.com/office/drawing/2014/main" id="{D0330EDB-60FC-6D94-4015-07D3C43F14E9}"/>
-              </a:ext>
-            </a:extLst>
-          </p:cNvPr>
-          <p:cNvCxnSpPr>
-            <a:cxnSpLocks/>
-            <a:endCxn id="11" idx="0"/>
-          </p:cNvCxnSpPr>
-          <p:nvPr/>
-        </p:nvCxnSpPr>
-        <p:spPr>
-          <a:xfrm>
-            <a:off x="2639193" y="3438384"/>
-            <a:ext cx="14181" cy="618298"/>
-          </a:xfrm>
-          <a:prstGeom prst="straightConnector1">
-            <a:avLst/>
-          </a:prstGeom>
-          <a:ln>
-            <a:solidFill>
-              <a:schemeClr val="tx1"/>
-            </a:solidFill>
-            <a:tailEnd type="triangle"/>
-          </a:ln>
-        </p:spPr>
-        <p:style>
-          <a:lnRef idx="1">
-            <a:schemeClr val="accent1"/>
-          </a:lnRef>
-          <a:fillRef idx="0">
-            <a:schemeClr val="accent1"/>
-          </a:fillRef>
-          <a:effectRef idx="0">
-            <a:schemeClr val="accent1"/>
-          </a:effectRef>
-          <a:fontRef idx="minor">
-            <a:schemeClr val="tx1"/>
-          </a:fontRef>
-        </p:style>
-      </p:cxnSp>
       <p:sp>
         <p:nvSpPr>
           <p:cNvPr id="22" name="文本框 21">
@@ -13364,10 +12342,10 @@
           <a:p>
             <a:pPr algn="ctr"/>
             <a:r>
-              <a:rPr lang="en-US" altLang="zh-CN" sz="1400" dirty="0">
+              <a:rPr lang="en-US" altLang="zh-CN" sz="1400" dirty="0" err="1">
                 <a:latin typeface="Consolas" panose="020B0609020204030204" pitchFamily="49" charset="0"/>
               </a:rPr>
-              <a:t>WIFI</a:t>
+              <a:t>gpio</a:t>
             </a:r>
             <a:endParaRPr lang="zh-CN" altLang="en-US" sz="1400" dirty="0">
               <a:latin typeface="Consolas" panose="020B0609020204030204" pitchFamily="49" charset="0"/>
@@ -14044,10 +13022,10 @@
       </p:sp>
       <p:sp>
         <p:nvSpPr>
-          <p:cNvPr id="54" name="文本框 53">
-            <a:extLst>
-              <a:ext uri="{FF2B5EF4-FFF2-40B4-BE49-F238E27FC236}">
-                <a16:creationId xmlns:a16="http://schemas.microsoft.com/office/drawing/2014/main" id="{2C0BB669-C7CC-938E-75E8-3314D301C803}"/>
+          <p:cNvPr id="55" name="文本框 54">
+            <a:extLst>
+              <a:ext uri="{FF2B5EF4-FFF2-40B4-BE49-F238E27FC236}">
+                <a16:creationId xmlns:a16="http://schemas.microsoft.com/office/drawing/2014/main" id="{FA13A962-D048-69A4-C5E7-15DF2F2EACD4}"/>
               </a:ext>
             </a:extLst>
           </p:cNvPr>
@@ -14056,8 +13034,8 @@
         </p:nvSpPr>
         <p:spPr>
           <a:xfrm>
-            <a:off x="2284410" y="4308331"/>
-            <a:ext cx="737926" cy="307777"/>
+            <a:off x="3741803" y="4308330"/>
+            <a:ext cx="834325" cy="307777"/>
           </a:xfrm>
           <a:prstGeom prst="rect">
             <a:avLst/>
@@ -14075,7 +13053,7 @@
               <a:rPr lang="en-US" altLang="zh-CN" sz="1400" dirty="0">
                 <a:latin typeface="Consolas" panose="020B0609020204030204" pitchFamily="49" charset="0"/>
               </a:rPr>
-              <a:t>MQTT</a:t>
+              <a:t>pow</a:t>
             </a:r>
             <a:endParaRPr lang="zh-CN" altLang="en-US" sz="1400" dirty="0">
               <a:latin typeface="Consolas" panose="020B0609020204030204" pitchFamily="49" charset="0"/>
@@ -14085,10 +13063,10 @@
       </p:sp>
       <p:sp>
         <p:nvSpPr>
-          <p:cNvPr id="55" name="文本框 54">
-            <a:extLst>
-              <a:ext uri="{FF2B5EF4-FFF2-40B4-BE49-F238E27FC236}">
-                <a16:creationId xmlns:a16="http://schemas.microsoft.com/office/drawing/2014/main" id="{FA13A962-D048-69A4-C5E7-15DF2F2EACD4}"/>
+          <p:cNvPr id="56" name="文本框 55">
+            <a:extLst>
+              <a:ext uri="{FF2B5EF4-FFF2-40B4-BE49-F238E27FC236}">
+                <a16:creationId xmlns:a16="http://schemas.microsoft.com/office/drawing/2014/main" id="{2D41FA3C-E093-B624-1602-C518C0447293}"/>
               </a:ext>
             </a:extLst>
           </p:cNvPr>
@@ -14097,8 +13075,8 @@
         </p:nvSpPr>
         <p:spPr>
           <a:xfrm>
-            <a:off x="3741803" y="4308330"/>
-            <a:ext cx="834325" cy="307777"/>
+            <a:off x="7052955" y="4965282"/>
+            <a:ext cx="786880" cy="307777"/>
           </a:xfrm>
           <a:prstGeom prst="rect">
             <a:avLst/>
@@ -14116,7 +13094,7 @@
               <a:rPr lang="en-US" altLang="zh-CN" sz="1400" dirty="0">
                 <a:latin typeface="Consolas" panose="020B0609020204030204" pitchFamily="49" charset="0"/>
               </a:rPr>
-              <a:t>Sensor</a:t>
+              <a:t>task0</a:t>
             </a:r>
             <a:endParaRPr lang="zh-CN" altLang="en-US" sz="1400" dirty="0">
               <a:latin typeface="Consolas" panose="020B0609020204030204" pitchFamily="49" charset="0"/>
@@ -14126,10 +13104,10 @@
       </p:sp>
       <p:sp>
         <p:nvSpPr>
-          <p:cNvPr id="56" name="文本框 55">
-            <a:extLst>
-              <a:ext uri="{FF2B5EF4-FFF2-40B4-BE49-F238E27FC236}">
-                <a16:creationId xmlns:a16="http://schemas.microsoft.com/office/drawing/2014/main" id="{2D41FA3C-E093-B624-1602-C518C0447293}"/>
+          <p:cNvPr id="57" name="文本框 56">
+            <a:extLst>
+              <a:ext uri="{FF2B5EF4-FFF2-40B4-BE49-F238E27FC236}">
+                <a16:creationId xmlns:a16="http://schemas.microsoft.com/office/drawing/2014/main" id="{089A9E5D-E8C1-A725-6BE7-B23355345349}"/>
               </a:ext>
             </a:extLst>
           </p:cNvPr>
@@ -14138,8 +13116,8 @@
         </p:nvSpPr>
         <p:spPr>
           <a:xfrm>
-            <a:off x="7052955" y="4965282"/>
-            <a:ext cx="786880" cy="307777"/>
+            <a:off x="10790399" y="4965281"/>
+            <a:ext cx="834325" cy="307777"/>
           </a:xfrm>
           <a:prstGeom prst="rect">
             <a:avLst/>
@@ -14157,7 +13135,7 @@
               <a:rPr lang="en-US" altLang="zh-CN" sz="1400" dirty="0">
                 <a:latin typeface="Consolas" panose="020B0609020204030204" pitchFamily="49" charset="0"/>
               </a:rPr>
-              <a:t>Sensor</a:t>
+              <a:t>result</a:t>
             </a:r>
             <a:endParaRPr lang="zh-CN" altLang="en-US" sz="1400" dirty="0">
               <a:latin typeface="Consolas" panose="020B0609020204030204" pitchFamily="49" charset="0"/>
@@ -14167,10 +13145,10 @@
       </p:sp>
       <p:sp>
         <p:nvSpPr>
-          <p:cNvPr id="57" name="文本框 56">
-            <a:extLst>
-              <a:ext uri="{FF2B5EF4-FFF2-40B4-BE49-F238E27FC236}">
-                <a16:creationId xmlns:a16="http://schemas.microsoft.com/office/drawing/2014/main" id="{089A9E5D-E8C1-A725-6BE7-B23355345349}"/>
+          <p:cNvPr id="58" name="文本框 57">
+            <a:extLst>
+              <a:ext uri="{FF2B5EF4-FFF2-40B4-BE49-F238E27FC236}">
+                <a16:creationId xmlns:a16="http://schemas.microsoft.com/office/drawing/2014/main" id="{F67E5683-6FE2-0656-5B56-35CF89BED6EE}"/>
               </a:ext>
             </a:extLst>
           </p:cNvPr>
@@ -14179,8 +13157,8 @@
         </p:nvSpPr>
         <p:spPr>
           <a:xfrm>
-            <a:off x="10838598" y="4965282"/>
-            <a:ext cx="737926" cy="307777"/>
+            <a:off x="8730711" y="4965281"/>
+            <a:ext cx="684860" cy="307777"/>
           </a:xfrm>
           <a:prstGeom prst="rect">
             <a:avLst/>
@@ -14198,48 +13176,7 @@
               <a:rPr lang="en-US" altLang="zh-CN" sz="1400" dirty="0">
                 <a:latin typeface="Consolas" panose="020B0609020204030204" pitchFamily="49" charset="0"/>
               </a:rPr>
-              <a:t>MQTT</a:t>
-            </a:r>
-            <a:endParaRPr lang="zh-CN" altLang="en-US" sz="1400" dirty="0">
-              <a:latin typeface="Consolas" panose="020B0609020204030204" pitchFamily="49" charset="0"/>
-            </a:endParaRPr>
-          </a:p>
-        </p:txBody>
-      </p:sp>
-      <p:sp>
-        <p:nvSpPr>
-          <p:cNvPr id="58" name="文本框 57">
-            <a:extLst>
-              <a:ext uri="{FF2B5EF4-FFF2-40B4-BE49-F238E27FC236}">
-                <a16:creationId xmlns:a16="http://schemas.microsoft.com/office/drawing/2014/main" id="{F67E5683-6FE2-0656-5B56-35CF89BED6EE}"/>
-              </a:ext>
-            </a:extLst>
-          </p:cNvPr>
-          <p:cNvSpPr txBox="1"/>
-          <p:nvPr/>
-        </p:nvSpPr>
-        <p:spPr>
-          <a:xfrm>
-            <a:off x="8748206" y="4965282"/>
-            <a:ext cx="646253" cy="307777"/>
-          </a:xfrm>
-          <a:prstGeom prst="rect">
-            <a:avLst/>
-          </a:prstGeom>
-          <a:noFill/>
-        </p:spPr>
-        <p:txBody>
-          <a:bodyPr wrap="square" rtlCol="0">
-            <a:spAutoFit/>
-          </a:bodyPr>
-          <a:lstStyle/>
-          <a:p>
-            <a:pPr algn="ctr"/>
-            <a:r>
-              <a:rPr lang="en-US" altLang="zh-CN" sz="1400" dirty="0">
-                <a:latin typeface="Consolas" panose="020B0609020204030204" pitchFamily="49" charset="0"/>
-              </a:rPr>
-              <a:t>WIFI</a:t>
+              <a:t>task1</a:t>
             </a:r>
             <a:endParaRPr lang="zh-CN" altLang="en-US" sz="1400" dirty="0">
               <a:latin typeface="Consolas" panose="020B0609020204030204" pitchFamily="49" charset="0"/>
